--- a/Resource/Skripsi/Desain Penelitian.pptx
+++ b/Resource/Skripsi/Desain Penelitian.pptx
@@ -5175,16 +5175,1726 @@
           <a:chExt cx="0" cy="0"/>
         </a:xfrm>
       </p:grpSpPr>
-      <p:sp>
-        <p:nvSpPr>
-          <p:cNvPr id="4" name="Rectangle 3"/>
+      <p:grpSp>
+        <p:nvGrpSpPr>
+          <p:cNvPr id="58" name="Group 57"/>
+          <p:cNvGrpSpPr/>
+          <p:nvPr/>
+        </p:nvGrpSpPr>
+        <p:grpSpPr>
+          <a:xfrm>
+            <a:off x="2559906" y="-583025"/>
+            <a:ext cx="2580404" cy="1339142"/>
+            <a:chOff x="0" y="1"/>
+            <a:chExt cx="2580404" cy="1339142"/>
+          </a:xfrm>
+        </p:grpSpPr>
+        <p:sp>
+          <p:nvSpPr>
+            <p:cNvPr id="4" name="Rectangle 3"/>
+            <p:cNvSpPr/>
+            <p:nvPr/>
+          </p:nvSpPr>
+          <p:spPr>
+            <a:xfrm>
+              <a:off x="0" y="1"/>
+              <a:ext cx="2580404" cy="1339142"/>
+            </a:xfrm>
+            <a:prstGeom prst="rect">
+              <a:avLst/>
+            </a:prstGeom>
+            <a:noFill/>
+            <a:ln>
+              <a:solidFill>
+                <a:schemeClr val="tx1"/>
+              </a:solidFill>
+            </a:ln>
+          </p:spPr>
+          <p:style>
+            <a:lnRef idx="2">
+              <a:schemeClr val="accent1">
+                <a:shade val="50000"/>
+              </a:schemeClr>
+            </a:lnRef>
+            <a:fillRef idx="1">
+              <a:schemeClr val="accent1"/>
+            </a:fillRef>
+            <a:effectRef idx="0">
+              <a:schemeClr val="accent1"/>
+            </a:effectRef>
+            <a:fontRef idx="minor">
+              <a:schemeClr val="lt1"/>
+            </a:fontRef>
+          </p:style>
+          <p:txBody>
+            <a:bodyPr rtlCol="0" anchor="ctr"/>
+            <a:lstStyle/>
+            <a:p>
+              <a:pPr algn="ctr"/>
+              <a:endParaRPr lang="id-ID" sz="1200">
+                <a:latin typeface="Times New Roman" panose="02020603050405020304" pitchFamily="18" charset="0"/>
+                <a:cs typeface="Times New Roman" panose="02020603050405020304" pitchFamily="18" charset="0"/>
+              </a:endParaRPr>
+            </a:p>
+          </p:txBody>
+        </p:sp>
+        <p:sp>
+          <p:nvSpPr>
+            <p:cNvPr id="5" name="TextBox 4"/>
+            <p:cNvSpPr txBox="1"/>
+            <p:nvPr/>
+          </p:nvSpPr>
+          <p:spPr>
+            <a:xfrm>
+              <a:off x="159924" y="203408"/>
+              <a:ext cx="2260555" cy="1092607"/>
+            </a:xfrm>
+            <a:prstGeom prst="rect">
+              <a:avLst/>
+            </a:prstGeom>
+            <a:noFill/>
+          </p:spPr>
+          <p:txBody>
+            <a:bodyPr wrap="none" rtlCol="0">
+              <a:spAutoFit/>
+            </a:bodyPr>
+            <a:lstStyle/>
+            <a:p>
+              <a:pPr>
+                <a:spcAft>
+                  <a:spcPts val="600"/>
+                </a:spcAft>
+              </a:pPr>
+              <a:r>
+                <a:rPr lang="id-ID" sz="1200" dirty="0" smtClean="0">
+                  <a:latin typeface="Times New Roman" panose="02020603050405020304" pitchFamily="18" charset="0"/>
+                  <a:cs typeface="Times New Roman" panose="02020603050405020304" pitchFamily="18" charset="0"/>
+                </a:rPr>
+                <a:t>Tahap Persiapan:</a:t>
+              </a:r>
+            </a:p>
+            <a:p>
+              <a:pPr marL="228600" indent="-228600">
+                <a:buAutoNum type="arabicPeriod"/>
+              </a:pPr>
+              <a:r>
+                <a:rPr lang="id-ID" sz="1200" dirty="0" smtClean="0">
+                  <a:latin typeface="Times New Roman" panose="02020603050405020304" pitchFamily="18" charset="0"/>
+                  <a:cs typeface="Times New Roman" panose="02020603050405020304" pitchFamily="18" charset="0"/>
+                </a:rPr>
+                <a:t>Identifikasi masalah</a:t>
+              </a:r>
+            </a:p>
+            <a:p>
+              <a:pPr marL="228600" indent="-228600">
+                <a:buAutoNum type="arabicPeriod"/>
+              </a:pPr>
+              <a:r>
+                <a:rPr lang="id-ID" sz="1200" dirty="0" smtClean="0">
+                  <a:latin typeface="Times New Roman" panose="02020603050405020304" pitchFamily="18" charset="0"/>
+                  <a:cs typeface="Times New Roman" panose="02020603050405020304" pitchFamily="18" charset="0"/>
+                </a:rPr>
+                <a:t>Merumuskan masalah</a:t>
+              </a:r>
+            </a:p>
+            <a:p>
+              <a:pPr marL="228600" indent="-228600">
+                <a:buAutoNum type="arabicPeriod"/>
+              </a:pPr>
+              <a:r>
+                <a:rPr lang="id-ID" sz="1200" dirty="0" smtClean="0">
+                  <a:latin typeface="Times New Roman" panose="02020603050405020304" pitchFamily="18" charset="0"/>
+                  <a:cs typeface="Times New Roman" panose="02020603050405020304" pitchFamily="18" charset="0"/>
+                </a:rPr>
+                <a:t>Menentukan </a:t>
+              </a:r>
+              <a:r>
+                <a:rPr lang="en-ID" sz="1200" dirty="0" err="1" smtClean="0">
+                  <a:latin typeface="Times New Roman" panose="02020603050405020304" pitchFamily="18" charset="0"/>
+                  <a:cs typeface="Times New Roman" panose="02020603050405020304" pitchFamily="18" charset="0"/>
+                </a:rPr>
+                <a:t>metode</a:t>
+              </a:r>
+              <a:endParaRPr lang="id-ID" sz="1200" dirty="0" smtClean="0">
+                <a:latin typeface="Times New Roman" panose="02020603050405020304" pitchFamily="18" charset="0"/>
+                <a:cs typeface="Times New Roman" panose="02020603050405020304" pitchFamily="18" charset="0"/>
+              </a:endParaRPr>
+            </a:p>
+            <a:p>
+              <a:pPr marL="228600" indent="-228600">
+                <a:buAutoNum type="arabicPeriod"/>
+              </a:pPr>
+              <a:r>
+                <a:rPr lang="id-ID" sz="1200" dirty="0" smtClean="0">
+                  <a:latin typeface="Times New Roman" panose="02020603050405020304" pitchFamily="18" charset="0"/>
+                  <a:cs typeface="Times New Roman" panose="02020603050405020304" pitchFamily="18" charset="0"/>
+                </a:rPr>
+                <a:t>Menentukan model penelitian</a:t>
+              </a:r>
+              <a:endParaRPr lang="id-ID" sz="1200" dirty="0">
+                <a:latin typeface="Times New Roman" panose="02020603050405020304" pitchFamily="18" charset="0"/>
+                <a:cs typeface="Times New Roman" panose="02020603050405020304" pitchFamily="18" charset="0"/>
+              </a:endParaRPr>
+            </a:p>
+          </p:txBody>
+        </p:sp>
+      </p:grpSp>
+      <p:grpSp>
+        <p:nvGrpSpPr>
+          <p:cNvPr id="57" name="Group 56"/>
+          <p:cNvGrpSpPr/>
+          <p:nvPr/>
+        </p:nvGrpSpPr>
+        <p:grpSpPr>
+          <a:xfrm>
+            <a:off x="5398744" y="-379618"/>
+            <a:ext cx="2580404" cy="2508146"/>
+            <a:chOff x="0" y="1601753"/>
+            <a:chExt cx="2580404" cy="2508146"/>
+          </a:xfrm>
+        </p:grpSpPr>
+        <p:sp>
+          <p:nvSpPr>
+            <p:cNvPr id="6" name="Rectangle 5"/>
+            <p:cNvSpPr/>
+            <p:nvPr/>
+          </p:nvSpPr>
+          <p:spPr>
+            <a:xfrm>
+              <a:off x="0" y="1601753"/>
+              <a:ext cx="2580404" cy="2508146"/>
+            </a:xfrm>
+            <a:prstGeom prst="rect">
+              <a:avLst/>
+            </a:prstGeom>
+            <a:noFill/>
+            <a:ln>
+              <a:solidFill>
+                <a:schemeClr val="tx1"/>
+              </a:solidFill>
+            </a:ln>
+          </p:spPr>
+          <p:style>
+            <a:lnRef idx="2">
+              <a:schemeClr val="accent1">
+                <a:shade val="50000"/>
+              </a:schemeClr>
+            </a:lnRef>
+            <a:fillRef idx="1">
+              <a:schemeClr val="accent1"/>
+            </a:fillRef>
+            <a:effectRef idx="0">
+              <a:schemeClr val="accent1"/>
+            </a:effectRef>
+            <a:fontRef idx="minor">
+              <a:schemeClr val="lt1"/>
+            </a:fontRef>
+          </p:style>
+          <p:txBody>
+            <a:bodyPr rtlCol="0" anchor="ctr"/>
+            <a:lstStyle/>
+            <a:p>
+              <a:pPr algn="ctr"/>
+              <a:endParaRPr lang="id-ID" sz="1200">
+                <a:latin typeface="Times New Roman" panose="02020603050405020304" pitchFamily="18" charset="0"/>
+                <a:cs typeface="Times New Roman" panose="02020603050405020304" pitchFamily="18" charset="0"/>
+              </a:endParaRPr>
+            </a:p>
+          </p:txBody>
+        </p:sp>
+        <p:sp>
+          <p:nvSpPr>
+            <p:cNvPr id="7" name="TextBox 6"/>
+            <p:cNvSpPr txBox="1"/>
+            <p:nvPr/>
+          </p:nvSpPr>
+          <p:spPr>
+            <a:xfrm>
+              <a:off x="188744" y="1953617"/>
+              <a:ext cx="2239267" cy="1831271"/>
+            </a:xfrm>
+            <a:prstGeom prst="rect">
+              <a:avLst/>
+            </a:prstGeom>
+            <a:noFill/>
+          </p:spPr>
+          <p:txBody>
+            <a:bodyPr wrap="none" rtlCol="0">
+              <a:spAutoFit/>
+            </a:bodyPr>
+            <a:lstStyle/>
+            <a:p>
+              <a:pPr>
+                <a:spcAft>
+                  <a:spcPts val="600"/>
+                </a:spcAft>
+              </a:pPr>
+              <a:r>
+                <a:rPr lang="id-ID" sz="1200" dirty="0" smtClean="0">
+                  <a:latin typeface="Times New Roman" panose="02020603050405020304" pitchFamily="18" charset="0"/>
+                  <a:cs typeface="Times New Roman" panose="02020603050405020304" pitchFamily="18" charset="0"/>
+                </a:rPr>
+                <a:t>Studi Literatur</a:t>
+              </a:r>
+            </a:p>
+            <a:p>
+              <a:pPr marL="228600" indent="-228600">
+                <a:buAutoNum type="arabicPeriod"/>
+              </a:pPr>
+              <a:r>
+                <a:rPr lang="id-ID" sz="1200" dirty="0" smtClean="0">
+                  <a:latin typeface="Times New Roman" panose="02020603050405020304" pitchFamily="18" charset="0"/>
+                  <a:cs typeface="Times New Roman" panose="02020603050405020304" pitchFamily="18" charset="0"/>
+                </a:rPr>
+                <a:t>Natural Language Processing</a:t>
+              </a:r>
+            </a:p>
+            <a:p>
+              <a:pPr marL="228600" indent="-228600">
+                <a:buAutoNum type="arabicPeriod"/>
+              </a:pPr>
+              <a:r>
+                <a:rPr lang="id-ID" sz="1200" dirty="0" smtClean="0">
+                  <a:latin typeface="Times New Roman" panose="02020603050405020304" pitchFamily="18" charset="0"/>
+                  <a:cs typeface="Times New Roman" panose="02020603050405020304" pitchFamily="18" charset="0"/>
+                </a:rPr>
+                <a:t>Data-to-Text</a:t>
+              </a:r>
+              <a:endParaRPr lang="en-ID" sz="1200" dirty="0" smtClean="0">
+                <a:latin typeface="Times New Roman" panose="02020603050405020304" pitchFamily="18" charset="0"/>
+                <a:cs typeface="Times New Roman" panose="02020603050405020304" pitchFamily="18" charset="0"/>
+              </a:endParaRPr>
+            </a:p>
+            <a:p>
+              <a:pPr marL="228600" indent="-228600">
+                <a:buAutoNum type="arabicPeriod"/>
+              </a:pPr>
+              <a:r>
+                <a:rPr lang="en-ID" sz="1200" dirty="0" smtClean="0">
+                  <a:latin typeface="Times New Roman" panose="02020603050405020304" pitchFamily="18" charset="0"/>
+                  <a:cs typeface="Times New Roman" panose="02020603050405020304" pitchFamily="18" charset="0"/>
+                </a:rPr>
+                <a:t>Statistical Analysis</a:t>
+              </a:r>
+            </a:p>
+            <a:p>
+              <a:pPr marL="228600" indent="-228600">
+                <a:buFontTx/>
+                <a:buAutoNum type="arabicPeriod"/>
+              </a:pPr>
+              <a:r>
+                <a:rPr lang="en-ID" sz="1200" dirty="0">
+                  <a:latin typeface="Times New Roman" panose="02020603050405020304" pitchFamily="18" charset="0"/>
+                  <a:cs typeface="Times New Roman" panose="02020603050405020304" pitchFamily="18" charset="0"/>
+                </a:rPr>
+                <a:t>Time Series </a:t>
+              </a:r>
+              <a:r>
+                <a:rPr lang="en-ID" sz="1200" dirty="0" smtClean="0">
+                  <a:latin typeface="Times New Roman" panose="02020603050405020304" pitchFamily="18" charset="0"/>
+                  <a:cs typeface="Times New Roman" panose="02020603050405020304" pitchFamily="18" charset="0"/>
+                </a:rPr>
+                <a:t>Analysis</a:t>
+              </a:r>
+            </a:p>
+            <a:p>
+              <a:pPr marL="228600" indent="-228600">
+                <a:buFontTx/>
+                <a:buAutoNum type="arabicPeriod"/>
+              </a:pPr>
+              <a:r>
+                <a:rPr lang="en-ID" sz="1200" dirty="0" smtClean="0">
+                  <a:latin typeface="Times New Roman" panose="02020603050405020304" pitchFamily="18" charset="0"/>
+                  <a:cs typeface="Times New Roman" panose="02020603050405020304" pitchFamily="18" charset="0"/>
+                </a:rPr>
+                <a:t>Exponential Smoothing</a:t>
+              </a:r>
+            </a:p>
+            <a:p>
+              <a:pPr marL="228600" indent="-228600">
+                <a:buFontTx/>
+                <a:buAutoNum type="arabicPeriod"/>
+              </a:pPr>
+              <a:r>
+                <a:rPr lang="en-ID" sz="1200" dirty="0" err="1" smtClean="0">
+                  <a:latin typeface="Times New Roman" panose="02020603050405020304" pitchFamily="18" charset="0"/>
+                  <a:cs typeface="Times New Roman" panose="02020603050405020304" pitchFamily="18" charset="0"/>
+                </a:rPr>
+                <a:t>Knutt</a:t>
+              </a:r>
+              <a:r>
+                <a:rPr lang="en-ID" sz="1200" dirty="0" smtClean="0">
+                  <a:latin typeface="Times New Roman" panose="02020603050405020304" pitchFamily="18" charset="0"/>
+                  <a:cs typeface="Times New Roman" panose="02020603050405020304" pitchFamily="18" charset="0"/>
+                </a:rPr>
+                <a:t>-Morris Pratt Algorithm</a:t>
+              </a:r>
+              <a:endParaRPr lang="id-ID" sz="1200" dirty="0">
+                <a:latin typeface="Times New Roman" panose="02020603050405020304" pitchFamily="18" charset="0"/>
+                <a:cs typeface="Times New Roman" panose="02020603050405020304" pitchFamily="18" charset="0"/>
+              </a:endParaRPr>
+            </a:p>
+            <a:p>
+              <a:pPr marL="228600" indent="-228600">
+                <a:buAutoNum type="arabicPeriod"/>
+              </a:pPr>
+              <a:r>
+                <a:rPr lang="id-ID" sz="1200" dirty="0" smtClean="0">
+                  <a:latin typeface="Times New Roman" panose="02020603050405020304" pitchFamily="18" charset="0"/>
+                  <a:cs typeface="Times New Roman" panose="02020603050405020304" pitchFamily="18" charset="0"/>
+                </a:rPr>
+                <a:t>Machine Learning</a:t>
+              </a:r>
+            </a:p>
+            <a:p>
+              <a:pPr marL="228600" indent="-228600">
+                <a:buAutoNum type="arabicPeriod"/>
+              </a:pPr>
+              <a:r>
+                <a:rPr lang="en-ID" sz="1200" dirty="0" smtClean="0">
+                  <a:latin typeface="Times New Roman" panose="02020603050405020304" pitchFamily="18" charset="0"/>
+                  <a:cs typeface="Times New Roman" panose="02020603050405020304" pitchFamily="18" charset="0"/>
+                </a:rPr>
+                <a:t>R Programming</a:t>
+              </a:r>
+              <a:endParaRPr lang="id-ID" sz="1200" dirty="0">
+                <a:latin typeface="Times New Roman" panose="02020603050405020304" pitchFamily="18" charset="0"/>
+                <a:cs typeface="Times New Roman" panose="02020603050405020304" pitchFamily="18" charset="0"/>
+              </a:endParaRPr>
+            </a:p>
+          </p:txBody>
+        </p:sp>
+      </p:grpSp>
+      <p:grpSp>
+        <p:nvGrpSpPr>
+          <p:cNvPr id="56" name="Group 55"/>
+          <p:cNvGrpSpPr/>
+          <p:nvPr/>
+        </p:nvGrpSpPr>
+        <p:grpSpPr>
+          <a:xfrm>
+            <a:off x="2517399" y="964878"/>
+            <a:ext cx="2604051" cy="1153862"/>
+            <a:chOff x="0" y="4862540"/>
+            <a:chExt cx="2604051" cy="1153862"/>
+          </a:xfrm>
+        </p:grpSpPr>
+        <p:sp>
+          <p:nvSpPr>
+            <p:cNvPr id="8" name="Rectangle 7"/>
+            <p:cNvSpPr/>
+            <p:nvPr/>
+          </p:nvSpPr>
+          <p:spPr>
+            <a:xfrm>
+              <a:off x="0" y="4862540"/>
+              <a:ext cx="2580404" cy="1153862"/>
+            </a:xfrm>
+            <a:prstGeom prst="rect">
+              <a:avLst/>
+            </a:prstGeom>
+            <a:noFill/>
+            <a:ln>
+              <a:solidFill>
+                <a:schemeClr val="tx1"/>
+              </a:solidFill>
+            </a:ln>
+          </p:spPr>
+          <p:style>
+            <a:lnRef idx="2">
+              <a:schemeClr val="accent1">
+                <a:shade val="50000"/>
+              </a:schemeClr>
+            </a:lnRef>
+            <a:fillRef idx="1">
+              <a:schemeClr val="accent1"/>
+            </a:fillRef>
+            <a:effectRef idx="0">
+              <a:schemeClr val="accent1"/>
+            </a:effectRef>
+            <a:fontRef idx="minor">
+              <a:schemeClr val="lt1"/>
+            </a:fontRef>
+          </p:style>
+          <p:txBody>
+            <a:bodyPr rtlCol="0" anchor="ctr"/>
+            <a:lstStyle/>
+            <a:p>
+              <a:pPr algn="ctr"/>
+              <a:endParaRPr lang="id-ID" sz="1200">
+                <a:latin typeface="Times New Roman" panose="02020603050405020304" pitchFamily="18" charset="0"/>
+                <a:cs typeface="Times New Roman" panose="02020603050405020304" pitchFamily="18" charset="0"/>
+              </a:endParaRPr>
+            </a:p>
+          </p:txBody>
+        </p:sp>
+        <p:sp>
+          <p:nvSpPr>
+            <p:cNvPr id="9" name="TextBox 8"/>
+            <p:cNvSpPr txBox="1"/>
+            <p:nvPr/>
+          </p:nvSpPr>
+          <p:spPr>
+            <a:xfrm>
+              <a:off x="61367" y="4931921"/>
+              <a:ext cx="2542684" cy="907941"/>
+            </a:xfrm>
+            <a:prstGeom prst="rect">
+              <a:avLst/>
+            </a:prstGeom>
+            <a:noFill/>
+          </p:spPr>
+          <p:txBody>
+            <a:bodyPr wrap="none" rtlCol="0">
+              <a:spAutoFit/>
+            </a:bodyPr>
+            <a:lstStyle/>
+            <a:p>
+              <a:pPr>
+                <a:spcAft>
+                  <a:spcPts val="600"/>
+                </a:spcAft>
+              </a:pPr>
+              <a:r>
+                <a:rPr lang="en-ID" sz="1200" dirty="0" err="1" smtClean="0">
+                  <a:latin typeface="Times New Roman" panose="02020603050405020304" pitchFamily="18" charset="0"/>
+                  <a:cs typeface="Times New Roman" panose="02020603050405020304" pitchFamily="18" charset="0"/>
+                </a:rPr>
+                <a:t>Pengumpulan</a:t>
+              </a:r>
+              <a:r>
+                <a:rPr lang="en-ID" sz="1200" dirty="0" smtClean="0">
+                  <a:latin typeface="Times New Roman" panose="02020603050405020304" pitchFamily="18" charset="0"/>
+                  <a:cs typeface="Times New Roman" panose="02020603050405020304" pitchFamily="18" charset="0"/>
+                </a:rPr>
+                <a:t> Data Time Series</a:t>
+              </a:r>
+              <a:endParaRPr lang="id-ID" sz="1200" dirty="0" smtClean="0">
+                <a:latin typeface="Times New Roman" panose="02020603050405020304" pitchFamily="18" charset="0"/>
+                <a:cs typeface="Times New Roman" panose="02020603050405020304" pitchFamily="18" charset="0"/>
+              </a:endParaRPr>
+            </a:p>
+            <a:p>
+              <a:pPr marL="228600" indent="-228600">
+                <a:buAutoNum type="arabicPeriod"/>
+              </a:pPr>
+              <a:r>
+                <a:rPr lang="en-ID" sz="1200" dirty="0" smtClean="0">
+                  <a:latin typeface="Times New Roman" panose="02020603050405020304" pitchFamily="18" charset="0"/>
+                  <a:cs typeface="Times New Roman" panose="02020603050405020304" pitchFamily="18" charset="0"/>
+                </a:rPr>
+                <a:t>Data </a:t>
+              </a:r>
+              <a:r>
+                <a:rPr lang="en-ID" sz="1200" dirty="0" err="1" smtClean="0">
+                  <a:latin typeface="Times New Roman" panose="02020603050405020304" pitchFamily="18" charset="0"/>
+                  <a:cs typeface="Times New Roman" panose="02020603050405020304" pitchFamily="18" charset="0"/>
+                </a:rPr>
+                <a:t>kurs</a:t>
+              </a:r>
+              <a:r>
+                <a:rPr lang="en-ID" sz="1200" dirty="0" smtClean="0">
+                  <a:latin typeface="Times New Roman" panose="02020603050405020304" pitchFamily="18" charset="0"/>
+                  <a:cs typeface="Times New Roman" panose="02020603050405020304" pitchFamily="18" charset="0"/>
+                </a:rPr>
+                <a:t> rupiah</a:t>
+              </a:r>
+            </a:p>
+            <a:p>
+              <a:pPr marL="228600" indent="-228600">
+                <a:buAutoNum type="arabicPeriod"/>
+              </a:pPr>
+              <a:r>
+                <a:rPr lang="en-ID" sz="1200" dirty="0" smtClean="0">
+                  <a:latin typeface="Times New Roman" panose="02020603050405020304" pitchFamily="18" charset="0"/>
+                  <a:cs typeface="Times New Roman" panose="02020603050405020304" pitchFamily="18" charset="0"/>
+                </a:rPr>
+                <a:t>Data </a:t>
+              </a:r>
+              <a:r>
+                <a:rPr lang="en-ID" sz="1200" dirty="0" err="1">
+                  <a:latin typeface="Times New Roman" panose="02020603050405020304" pitchFamily="18" charset="0"/>
+                  <a:cs typeface="Times New Roman" panose="02020603050405020304" pitchFamily="18" charset="0"/>
+                </a:rPr>
+                <a:t>k</a:t>
+              </a:r>
+              <a:r>
+                <a:rPr lang="en-ID" sz="1200" dirty="0" err="1" smtClean="0">
+                  <a:latin typeface="Times New Roman" panose="02020603050405020304" pitchFamily="18" charset="0"/>
+                  <a:cs typeface="Times New Roman" panose="02020603050405020304" pitchFamily="18" charset="0"/>
+                </a:rPr>
+                <a:t>limatologi</a:t>
+              </a:r>
+              <a:endParaRPr lang="en-ID" sz="1200" dirty="0" smtClean="0">
+                <a:latin typeface="Times New Roman" panose="02020603050405020304" pitchFamily="18" charset="0"/>
+                <a:cs typeface="Times New Roman" panose="02020603050405020304" pitchFamily="18" charset="0"/>
+              </a:endParaRPr>
+            </a:p>
+            <a:p>
+              <a:pPr marL="228600" indent="-228600">
+                <a:buAutoNum type="arabicPeriod"/>
+              </a:pPr>
+              <a:r>
+                <a:rPr lang="en-ID" sz="1200" dirty="0" smtClean="0">
+                  <a:latin typeface="Times New Roman" panose="02020603050405020304" pitchFamily="18" charset="0"/>
+                  <a:cs typeface="Times New Roman" panose="02020603050405020304" pitchFamily="18" charset="0"/>
+                </a:rPr>
+                <a:t>Data </a:t>
+              </a:r>
+              <a:r>
+                <a:rPr lang="en-ID" sz="1200" dirty="0" err="1" smtClean="0">
+                  <a:latin typeface="Times New Roman" panose="02020603050405020304" pitchFamily="18" charset="0"/>
+                  <a:cs typeface="Times New Roman" panose="02020603050405020304" pitchFamily="18" charset="0"/>
+                </a:rPr>
+                <a:t>sinar</a:t>
+              </a:r>
+              <a:r>
+                <a:rPr lang="en-ID" sz="1200" dirty="0" smtClean="0">
+                  <a:latin typeface="Times New Roman" panose="02020603050405020304" pitchFamily="18" charset="0"/>
+                  <a:cs typeface="Times New Roman" panose="02020603050405020304" pitchFamily="18" charset="0"/>
+                </a:rPr>
+                <a:t> </a:t>
+              </a:r>
+              <a:r>
+                <a:rPr lang="en-ID" sz="1200" dirty="0" err="1" smtClean="0">
+                  <a:latin typeface="Times New Roman" panose="02020603050405020304" pitchFamily="18" charset="0"/>
+                  <a:cs typeface="Times New Roman" panose="02020603050405020304" pitchFamily="18" charset="0"/>
+                </a:rPr>
+                <a:t>radiasi</a:t>
+              </a:r>
+              <a:r>
+                <a:rPr lang="en-ID" sz="1200" dirty="0" smtClean="0">
+                  <a:latin typeface="Times New Roman" panose="02020603050405020304" pitchFamily="18" charset="0"/>
+                  <a:cs typeface="Times New Roman" panose="02020603050405020304" pitchFamily="18" charset="0"/>
+                </a:rPr>
+                <a:t> </a:t>
+              </a:r>
+              <a:r>
+                <a:rPr lang="en-ID" sz="1200" dirty="0" err="1" smtClean="0">
+                  <a:latin typeface="Times New Roman" panose="02020603050405020304" pitchFamily="18" charset="0"/>
+                  <a:cs typeface="Times New Roman" panose="02020603050405020304" pitchFamily="18" charset="0"/>
+                </a:rPr>
+                <a:t>dan</a:t>
+              </a:r>
+              <a:r>
+                <a:rPr lang="en-ID" sz="1200" dirty="0" smtClean="0">
+                  <a:latin typeface="Times New Roman" panose="02020603050405020304" pitchFamily="18" charset="0"/>
+                  <a:cs typeface="Times New Roman" panose="02020603050405020304" pitchFamily="18" charset="0"/>
+                </a:rPr>
+                <a:t> </a:t>
+              </a:r>
+              <a:r>
+                <a:rPr lang="en-ID" sz="1200" dirty="0" err="1" smtClean="0">
+                  <a:latin typeface="Times New Roman" panose="02020603050405020304" pitchFamily="18" charset="0"/>
+                  <a:cs typeface="Times New Roman" panose="02020603050405020304" pitchFamily="18" charset="0"/>
+                </a:rPr>
+                <a:t>meteorologi</a:t>
+              </a:r>
+              <a:endParaRPr lang="en-ID" sz="1200" dirty="0" smtClean="0">
+                <a:latin typeface="Times New Roman" panose="02020603050405020304" pitchFamily="18" charset="0"/>
+                <a:cs typeface="Times New Roman" panose="02020603050405020304" pitchFamily="18" charset="0"/>
+              </a:endParaRPr>
+            </a:p>
+          </p:txBody>
+        </p:sp>
+      </p:grpSp>
+      <p:grpSp>
+        <p:nvGrpSpPr>
+          <p:cNvPr id="55" name="Group 54"/>
+          <p:cNvGrpSpPr/>
+          <p:nvPr/>
+        </p:nvGrpSpPr>
+        <p:grpSpPr>
+          <a:xfrm>
+            <a:off x="2511377" y="2466527"/>
+            <a:ext cx="5467772" cy="4338466"/>
+            <a:chOff x="4792334" y="1254468"/>
+            <a:chExt cx="5467772" cy="4233844"/>
+          </a:xfrm>
+        </p:grpSpPr>
+        <p:sp>
+          <p:nvSpPr>
+            <p:cNvPr id="10" name="Rectangle 9"/>
+            <p:cNvSpPr/>
+            <p:nvPr/>
+          </p:nvSpPr>
+          <p:spPr>
+            <a:xfrm>
+              <a:off x="4792334" y="1254468"/>
+              <a:ext cx="5467771" cy="4233844"/>
+            </a:xfrm>
+            <a:prstGeom prst="rect">
+              <a:avLst/>
+            </a:prstGeom>
+            <a:noFill/>
+            <a:ln w="12700">
+              <a:solidFill>
+                <a:schemeClr val="tx1"/>
+              </a:solidFill>
+              <a:prstDash val="solid"/>
+            </a:ln>
+          </p:spPr>
+          <p:style>
+            <a:lnRef idx="2">
+              <a:schemeClr val="accent6"/>
+            </a:lnRef>
+            <a:fillRef idx="1">
+              <a:schemeClr val="lt1"/>
+            </a:fillRef>
+            <a:effectRef idx="0">
+              <a:schemeClr val="accent6"/>
+            </a:effectRef>
+            <a:fontRef idx="minor">
+              <a:schemeClr val="dk1"/>
+            </a:fontRef>
+          </p:style>
+          <p:txBody>
+            <a:bodyPr rtlCol="0" anchor="ctr"/>
+            <a:lstStyle/>
+            <a:p>
+              <a:pPr algn="ctr"/>
+              <a:endParaRPr lang="id-ID"/>
+            </a:p>
+          </p:txBody>
+        </p:sp>
+        <p:sp>
+          <p:nvSpPr>
+            <p:cNvPr id="12" name="TextBox 11"/>
+            <p:cNvSpPr txBox="1"/>
+            <p:nvPr/>
+          </p:nvSpPr>
+          <p:spPr>
+            <a:xfrm>
+              <a:off x="4971894" y="1838317"/>
+              <a:ext cx="2431141" cy="276999"/>
+            </a:xfrm>
+            <a:prstGeom prst="rect">
+              <a:avLst/>
+            </a:prstGeom>
+            <a:noFill/>
+          </p:spPr>
+          <p:txBody>
+            <a:bodyPr wrap="square" rtlCol="0">
+              <a:spAutoFit/>
+            </a:bodyPr>
+            <a:lstStyle/>
+            <a:p>
+              <a:pPr algn="ctr"/>
+              <a:r>
+                <a:rPr lang="en-ID" sz="1200" dirty="0" smtClean="0">
+                  <a:latin typeface="Times New Roman" panose="02020603050405020304" pitchFamily="18" charset="0"/>
+                  <a:cs typeface="Times New Roman" panose="02020603050405020304" pitchFamily="18" charset="0"/>
+                </a:rPr>
+                <a:t>Data</a:t>
+              </a:r>
+              <a:endParaRPr lang="id-ID" sz="1200" dirty="0">
+                <a:latin typeface="Times New Roman" panose="02020603050405020304" pitchFamily="18" charset="0"/>
+                <a:cs typeface="Times New Roman" panose="02020603050405020304" pitchFamily="18" charset="0"/>
+              </a:endParaRPr>
+            </a:p>
+          </p:txBody>
+        </p:sp>
+        <p:sp>
+          <p:nvSpPr>
+            <p:cNvPr id="19" name="Rectangle 18"/>
+            <p:cNvSpPr/>
+            <p:nvPr/>
+          </p:nvSpPr>
+          <p:spPr>
+            <a:xfrm>
+              <a:off x="5117275" y="3832168"/>
+              <a:ext cx="2104570" cy="544076"/>
+            </a:xfrm>
+            <a:prstGeom prst="rect">
+              <a:avLst/>
+            </a:prstGeom>
+            <a:noFill/>
+            <a:ln>
+              <a:solidFill>
+                <a:schemeClr val="tx1"/>
+              </a:solidFill>
+            </a:ln>
+          </p:spPr>
+          <p:style>
+            <a:lnRef idx="2">
+              <a:schemeClr val="accent1">
+                <a:shade val="50000"/>
+              </a:schemeClr>
+            </a:lnRef>
+            <a:fillRef idx="1">
+              <a:schemeClr val="accent1"/>
+            </a:fillRef>
+            <a:effectRef idx="0">
+              <a:schemeClr val="accent1"/>
+            </a:effectRef>
+            <a:fontRef idx="minor">
+              <a:schemeClr val="lt1"/>
+            </a:fontRef>
+          </p:style>
+          <p:txBody>
+            <a:bodyPr rtlCol="0" anchor="ctr"/>
+            <a:lstStyle/>
+            <a:p>
+              <a:pPr algn="ctr"/>
+              <a:endParaRPr lang="id-ID" sz="1200">
+                <a:latin typeface="Times New Roman" panose="02020603050405020304" pitchFamily="18" charset="0"/>
+                <a:cs typeface="Times New Roman" panose="02020603050405020304" pitchFamily="18" charset="0"/>
+              </a:endParaRPr>
+            </a:p>
+          </p:txBody>
+        </p:sp>
+        <p:sp>
+          <p:nvSpPr>
+            <p:cNvPr id="20" name="TextBox 19"/>
+            <p:cNvSpPr txBox="1"/>
+            <p:nvPr/>
+          </p:nvSpPr>
+          <p:spPr>
+            <a:xfrm>
+              <a:off x="5117275" y="3978451"/>
+              <a:ext cx="2098304" cy="276999"/>
+            </a:xfrm>
+            <a:prstGeom prst="rect">
+              <a:avLst/>
+            </a:prstGeom>
+            <a:noFill/>
+          </p:spPr>
+          <p:txBody>
+            <a:bodyPr wrap="square" rtlCol="0">
+              <a:spAutoFit/>
+            </a:bodyPr>
+            <a:lstStyle/>
+            <a:p>
+              <a:pPr algn="ctr"/>
+              <a:r>
+                <a:rPr lang="id-ID" sz="1200" dirty="0" smtClean="0">
+                  <a:latin typeface="Times New Roman" panose="02020603050405020304" pitchFamily="18" charset="0"/>
+                  <a:cs typeface="Times New Roman" panose="02020603050405020304" pitchFamily="18" charset="0"/>
+                </a:rPr>
+                <a:t>Document Planning</a:t>
+              </a:r>
+              <a:endParaRPr lang="id-ID" sz="1200" dirty="0">
+                <a:latin typeface="Times New Roman" panose="02020603050405020304" pitchFamily="18" charset="0"/>
+                <a:cs typeface="Times New Roman" panose="02020603050405020304" pitchFamily="18" charset="0"/>
+              </a:endParaRPr>
+            </a:p>
+          </p:txBody>
+        </p:sp>
+        <p:sp>
+          <p:nvSpPr>
+            <p:cNvPr id="24" name="TextBox 23"/>
+            <p:cNvSpPr txBox="1"/>
+            <p:nvPr/>
+          </p:nvSpPr>
+          <p:spPr>
+            <a:xfrm>
+              <a:off x="7868445" y="2474277"/>
+              <a:ext cx="2104570" cy="1092607"/>
+            </a:xfrm>
+            <a:prstGeom prst="rect">
+              <a:avLst/>
+            </a:prstGeom>
+            <a:noFill/>
+          </p:spPr>
+          <p:txBody>
+            <a:bodyPr wrap="square" rtlCol="0">
+              <a:spAutoFit/>
+            </a:bodyPr>
+            <a:lstStyle/>
+            <a:p>
+              <a:pPr>
+                <a:spcAft>
+                  <a:spcPts val="600"/>
+                </a:spcAft>
+              </a:pPr>
+              <a:r>
+                <a:rPr lang="id-ID" sz="1200" dirty="0" smtClean="0">
+                  <a:latin typeface="Times New Roman" panose="02020603050405020304" pitchFamily="18" charset="0"/>
+                  <a:cs typeface="Times New Roman" panose="02020603050405020304" pitchFamily="18" charset="0"/>
+                </a:rPr>
+                <a:t>General </a:t>
+              </a:r>
+              <a:r>
+                <a:rPr lang="id-ID" sz="1200" dirty="0">
+                  <a:latin typeface="Times New Roman" panose="02020603050405020304" pitchFamily="18" charset="0"/>
+                  <a:cs typeface="Times New Roman" panose="02020603050405020304" pitchFamily="18" charset="0"/>
+                </a:rPr>
+                <a:t>Data </a:t>
+              </a:r>
+              <a:r>
+                <a:rPr lang="id-ID" sz="1200" dirty="0" smtClean="0">
+                  <a:latin typeface="Times New Roman" panose="02020603050405020304" pitchFamily="18" charset="0"/>
+                  <a:cs typeface="Times New Roman" panose="02020603050405020304" pitchFamily="18" charset="0"/>
+                </a:rPr>
+                <a:t>Handling</a:t>
+              </a:r>
+              <a:r>
+                <a:rPr lang="en-ID" sz="1200" dirty="0" smtClean="0">
+                  <a:latin typeface="Times New Roman" panose="02020603050405020304" pitchFamily="18" charset="0"/>
+                  <a:cs typeface="Times New Roman" panose="02020603050405020304" pitchFamily="18" charset="0"/>
+                </a:rPr>
+                <a:t>:</a:t>
+              </a:r>
+              <a:endParaRPr lang="id-ID" sz="1200" dirty="0">
+                <a:latin typeface="Times New Roman" panose="02020603050405020304" pitchFamily="18" charset="0"/>
+                <a:cs typeface="Times New Roman" panose="02020603050405020304" pitchFamily="18" charset="0"/>
+              </a:endParaRPr>
+            </a:p>
+            <a:p>
+              <a:pPr marL="228600" indent="-228600">
+                <a:buAutoNum type="arabicPeriod"/>
+              </a:pPr>
+              <a:r>
+                <a:rPr lang="en-ID" sz="1200" dirty="0" smtClean="0">
+                  <a:latin typeface="Times New Roman" panose="02020603050405020304" pitchFamily="18" charset="0"/>
+                  <a:cs typeface="Times New Roman" panose="02020603050405020304" pitchFamily="18" charset="0"/>
+                </a:rPr>
+                <a:t>Header Detection</a:t>
+              </a:r>
+            </a:p>
+            <a:p>
+              <a:pPr marL="228600" indent="-228600">
+                <a:buFontTx/>
+                <a:buAutoNum type="arabicPeriod"/>
+              </a:pPr>
+              <a:r>
+                <a:rPr lang="en-ID" sz="1200" dirty="0">
+                  <a:latin typeface="Times New Roman" panose="02020603050405020304" pitchFamily="18" charset="0"/>
+                  <a:cs typeface="Times New Roman" panose="02020603050405020304" pitchFamily="18" charset="0"/>
+                </a:rPr>
+                <a:t>User Defined Corpus</a:t>
+              </a:r>
+              <a:endParaRPr lang="id-ID" sz="1200" dirty="0">
+                <a:latin typeface="Times New Roman" panose="02020603050405020304" pitchFamily="18" charset="0"/>
+                <a:cs typeface="Times New Roman" panose="02020603050405020304" pitchFamily="18" charset="0"/>
+              </a:endParaRPr>
+            </a:p>
+            <a:p>
+              <a:pPr marL="228600" indent="-228600">
+                <a:buAutoNum type="arabicPeriod"/>
+              </a:pPr>
+              <a:r>
+                <a:rPr lang="en-ID" sz="1200" dirty="0">
+                  <a:latin typeface="Times New Roman" panose="02020603050405020304" pitchFamily="18" charset="0"/>
+                  <a:cs typeface="Times New Roman" panose="02020603050405020304" pitchFamily="18" charset="0"/>
+                </a:rPr>
+                <a:t>General </a:t>
+              </a:r>
+              <a:r>
+                <a:rPr lang="en-ID" sz="1200" dirty="0" smtClean="0">
+                  <a:latin typeface="Times New Roman" panose="02020603050405020304" pitchFamily="18" charset="0"/>
+                  <a:cs typeface="Times New Roman" panose="02020603050405020304" pitchFamily="18" charset="0"/>
+                </a:rPr>
+                <a:t>Fuzzy Generator</a:t>
+              </a:r>
+              <a:endParaRPr lang="en-ID" sz="1200" dirty="0" smtClean="0">
+                <a:latin typeface="Times New Roman" panose="02020603050405020304" pitchFamily="18" charset="0"/>
+                <a:cs typeface="Times New Roman" panose="02020603050405020304" pitchFamily="18" charset="0"/>
+              </a:endParaRPr>
+            </a:p>
+            <a:p>
+              <a:pPr marL="228600" indent="-228600">
+                <a:buAutoNum type="arabicPeriod"/>
+              </a:pPr>
+              <a:r>
+                <a:rPr lang="en-ID" sz="1200" dirty="0" smtClean="0">
+                  <a:latin typeface="Times New Roman" panose="02020603050405020304" pitchFamily="18" charset="0"/>
+                  <a:cs typeface="Times New Roman" panose="02020603050405020304" pitchFamily="18" charset="0"/>
+                </a:rPr>
+                <a:t>General Trend </a:t>
+              </a:r>
+              <a:r>
+                <a:rPr lang="en-ID" sz="1200" dirty="0">
+                  <a:latin typeface="Times New Roman" panose="02020603050405020304" pitchFamily="18" charset="0"/>
+                  <a:cs typeface="Times New Roman" panose="02020603050405020304" pitchFamily="18" charset="0"/>
+                </a:rPr>
+                <a:t>Generator</a:t>
+              </a:r>
+              <a:endParaRPr lang="en-ID" sz="1200" dirty="0" smtClean="0">
+                <a:latin typeface="Times New Roman" panose="02020603050405020304" pitchFamily="18" charset="0"/>
+                <a:cs typeface="Times New Roman" panose="02020603050405020304" pitchFamily="18" charset="0"/>
+              </a:endParaRPr>
+            </a:p>
+          </p:txBody>
+        </p:sp>
+        <p:sp>
+          <p:nvSpPr>
+            <p:cNvPr id="27" name="TextBox 26"/>
+            <p:cNvSpPr txBox="1"/>
+            <p:nvPr/>
+          </p:nvSpPr>
+          <p:spPr>
+            <a:xfrm>
+              <a:off x="4807912" y="1339142"/>
+              <a:ext cx="5452194" cy="276999"/>
+            </a:xfrm>
+            <a:prstGeom prst="rect">
+              <a:avLst/>
+            </a:prstGeom>
+            <a:noFill/>
+          </p:spPr>
+          <p:txBody>
+            <a:bodyPr wrap="square" rtlCol="0">
+              <a:spAutoFit/>
+            </a:bodyPr>
+            <a:lstStyle/>
+            <a:p>
+              <a:pPr algn="ctr"/>
+              <a:r>
+                <a:rPr lang="en-ID" sz="1200" dirty="0" err="1" smtClean="0">
+                  <a:latin typeface="Times New Roman" panose="02020603050405020304" pitchFamily="18" charset="0"/>
+                  <a:cs typeface="Times New Roman" panose="02020603050405020304" pitchFamily="18" charset="0"/>
+                </a:rPr>
+                <a:t>Pengembangan</a:t>
+              </a:r>
+              <a:r>
+                <a:rPr lang="en-ID" sz="1200" dirty="0" smtClean="0">
+                  <a:latin typeface="Times New Roman" panose="02020603050405020304" pitchFamily="18" charset="0"/>
+                  <a:cs typeface="Times New Roman" panose="02020603050405020304" pitchFamily="18" charset="0"/>
+                </a:rPr>
+                <a:t> Model D2T </a:t>
+              </a:r>
+              <a:r>
+                <a:rPr lang="en-ID" sz="1200" dirty="0" err="1" smtClean="0">
+                  <a:latin typeface="Times New Roman" panose="02020603050405020304" pitchFamily="18" charset="0"/>
+                  <a:cs typeface="Times New Roman" panose="02020603050405020304" pitchFamily="18" charset="0"/>
+                </a:rPr>
+                <a:t>untuk</a:t>
+              </a:r>
+              <a:r>
+                <a:rPr lang="en-ID" sz="1200" dirty="0" smtClean="0">
+                  <a:latin typeface="Times New Roman" panose="02020603050405020304" pitchFamily="18" charset="0"/>
+                  <a:cs typeface="Times New Roman" panose="02020603050405020304" pitchFamily="18" charset="0"/>
+                </a:rPr>
+                <a:t> Data General</a:t>
+              </a:r>
+              <a:endParaRPr lang="id-ID" sz="1200" dirty="0">
+                <a:latin typeface="Times New Roman" panose="02020603050405020304" pitchFamily="18" charset="0"/>
+                <a:cs typeface="Times New Roman" panose="02020603050405020304" pitchFamily="18" charset="0"/>
+              </a:endParaRPr>
+            </a:p>
+          </p:txBody>
+        </p:sp>
+        <p:cxnSp>
+          <p:nvCxnSpPr>
+            <p:cNvPr id="30" name="Straight Arrow Connector 29"/>
+            <p:cNvCxnSpPr/>
+            <p:nvPr/>
+          </p:nvCxnSpPr>
+          <p:spPr>
+            <a:xfrm>
+              <a:off x="6182092" y="2091474"/>
+              <a:ext cx="0" cy="223062"/>
+            </a:xfrm>
+            <a:prstGeom prst="straightConnector1">
+              <a:avLst/>
+            </a:prstGeom>
+            <a:ln>
+              <a:tailEnd type="triangle"/>
+            </a:ln>
+          </p:spPr>
+          <p:style>
+            <a:lnRef idx="1">
+              <a:schemeClr val="dk1"/>
+            </a:lnRef>
+            <a:fillRef idx="0">
+              <a:schemeClr val="dk1"/>
+            </a:fillRef>
+            <a:effectRef idx="0">
+              <a:schemeClr val="dk1"/>
+            </a:effectRef>
+            <a:fontRef idx="minor">
+              <a:schemeClr val="tx1"/>
+            </a:fontRef>
+          </p:style>
+        </p:cxnSp>
+        <p:sp>
+          <p:nvSpPr>
+            <p:cNvPr id="31" name="Rectangle 30"/>
+            <p:cNvSpPr/>
+            <p:nvPr/>
+          </p:nvSpPr>
+          <p:spPr>
+            <a:xfrm>
+              <a:off x="5123541" y="4598362"/>
+              <a:ext cx="2104570" cy="544076"/>
+            </a:xfrm>
+            <a:prstGeom prst="rect">
+              <a:avLst/>
+            </a:prstGeom>
+            <a:noFill/>
+            <a:ln>
+              <a:solidFill>
+                <a:schemeClr val="tx1"/>
+              </a:solidFill>
+            </a:ln>
+          </p:spPr>
+          <p:style>
+            <a:lnRef idx="2">
+              <a:schemeClr val="accent1">
+                <a:shade val="50000"/>
+              </a:schemeClr>
+            </a:lnRef>
+            <a:fillRef idx="1">
+              <a:schemeClr val="accent1"/>
+            </a:fillRef>
+            <a:effectRef idx="0">
+              <a:schemeClr val="accent1"/>
+            </a:effectRef>
+            <a:fontRef idx="minor">
+              <a:schemeClr val="lt1"/>
+            </a:fontRef>
+          </p:style>
+          <p:txBody>
+            <a:bodyPr rtlCol="0" anchor="ctr"/>
+            <a:lstStyle/>
+            <a:p>
+              <a:pPr algn="ctr"/>
+              <a:endParaRPr lang="id-ID" sz="1200">
+                <a:latin typeface="Times New Roman" panose="02020603050405020304" pitchFamily="18" charset="0"/>
+                <a:cs typeface="Times New Roman" panose="02020603050405020304" pitchFamily="18" charset="0"/>
+              </a:endParaRPr>
+            </a:p>
+          </p:txBody>
+        </p:sp>
+        <p:sp>
+          <p:nvSpPr>
+            <p:cNvPr id="32" name="TextBox 31"/>
+            <p:cNvSpPr txBox="1"/>
+            <p:nvPr/>
+          </p:nvSpPr>
+          <p:spPr>
+            <a:xfrm>
+              <a:off x="5123541" y="4744645"/>
+              <a:ext cx="2098304" cy="276999"/>
+            </a:xfrm>
+            <a:prstGeom prst="rect">
+              <a:avLst/>
+            </a:prstGeom>
+            <a:noFill/>
+          </p:spPr>
+          <p:txBody>
+            <a:bodyPr wrap="square" rtlCol="0">
+              <a:spAutoFit/>
+            </a:bodyPr>
+            <a:lstStyle/>
+            <a:p>
+              <a:pPr algn="ctr"/>
+              <a:r>
+                <a:rPr lang="id-ID" sz="1200" dirty="0" smtClean="0">
+                  <a:latin typeface="Times New Roman" panose="02020603050405020304" pitchFamily="18" charset="0"/>
+                  <a:cs typeface="Times New Roman" panose="02020603050405020304" pitchFamily="18" charset="0"/>
+                </a:rPr>
+                <a:t>Microplanning &amp; Realisation</a:t>
+              </a:r>
+              <a:endParaRPr lang="id-ID" sz="1200" dirty="0">
+                <a:latin typeface="Times New Roman" panose="02020603050405020304" pitchFamily="18" charset="0"/>
+                <a:cs typeface="Times New Roman" panose="02020603050405020304" pitchFamily="18" charset="0"/>
+              </a:endParaRPr>
+            </a:p>
+          </p:txBody>
+        </p:sp>
+        <p:cxnSp>
+          <p:nvCxnSpPr>
+            <p:cNvPr id="37" name="Straight Arrow Connector 36"/>
+            <p:cNvCxnSpPr/>
+            <p:nvPr/>
+          </p:nvCxnSpPr>
+          <p:spPr>
+            <a:xfrm>
+              <a:off x="6182092" y="2858612"/>
+              <a:ext cx="0" cy="223062"/>
+            </a:xfrm>
+            <a:prstGeom prst="straightConnector1">
+              <a:avLst/>
+            </a:prstGeom>
+            <a:ln>
+              <a:tailEnd type="triangle"/>
+            </a:ln>
+          </p:spPr>
+          <p:style>
+            <a:lnRef idx="1">
+              <a:schemeClr val="dk1"/>
+            </a:lnRef>
+            <a:fillRef idx="0">
+              <a:schemeClr val="dk1"/>
+            </a:fillRef>
+            <a:effectRef idx="0">
+              <a:schemeClr val="dk1"/>
+            </a:effectRef>
+            <a:fontRef idx="minor">
+              <a:schemeClr val="tx1"/>
+            </a:fontRef>
+          </p:style>
+        </p:cxnSp>
+        <p:sp>
+          <p:nvSpPr>
+            <p:cNvPr id="40" name="Rectangle 39"/>
+            <p:cNvSpPr/>
+            <p:nvPr/>
+          </p:nvSpPr>
+          <p:spPr>
+            <a:xfrm>
+              <a:off x="5129807" y="2314536"/>
+              <a:ext cx="2104570" cy="544076"/>
+            </a:xfrm>
+            <a:prstGeom prst="rect">
+              <a:avLst/>
+            </a:prstGeom>
+            <a:noFill/>
+            <a:ln>
+              <a:solidFill>
+                <a:schemeClr val="tx1"/>
+              </a:solidFill>
+            </a:ln>
+          </p:spPr>
+          <p:style>
+            <a:lnRef idx="2">
+              <a:schemeClr val="accent1">
+                <a:shade val="50000"/>
+              </a:schemeClr>
+            </a:lnRef>
+            <a:fillRef idx="1">
+              <a:schemeClr val="accent1"/>
+            </a:fillRef>
+            <a:effectRef idx="0">
+              <a:schemeClr val="accent1"/>
+            </a:effectRef>
+            <a:fontRef idx="minor">
+              <a:schemeClr val="lt1"/>
+            </a:fontRef>
+          </p:style>
+          <p:txBody>
+            <a:bodyPr rtlCol="0" anchor="ctr"/>
+            <a:lstStyle/>
+            <a:p>
+              <a:pPr algn="ctr"/>
+              <a:endParaRPr lang="id-ID" sz="1200">
+                <a:latin typeface="Times New Roman" panose="02020603050405020304" pitchFamily="18" charset="0"/>
+                <a:cs typeface="Times New Roman" panose="02020603050405020304" pitchFamily="18" charset="0"/>
+              </a:endParaRPr>
+            </a:p>
+          </p:txBody>
+        </p:sp>
+        <p:sp>
+          <p:nvSpPr>
+            <p:cNvPr id="41" name="TextBox 40"/>
+            <p:cNvSpPr txBox="1"/>
+            <p:nvPr/>
+          </p:nvSpPr>
+          <p:spPr>
+            <a:xfrm>
+              <a:off x="5129807" y="2460819"/>
+              <a:ext cx="2098304" cy="276999"/>
+            </a:xfrm>
+            <a:prstGeom prst="rect">
+              <a:avLst/>
+            </a:prstGeom>
+            <a:noFill/>
+          </p:spPr>
+          <p:txBody>
+            <a:bodyPr wrap="square" rtlCol="0">
+              <a:spAutoFit/>
+            </a:bodyPr>
+            <a:lstStyle/>
+            <a:p>
+              <a:pPr algn="ctr"/>
+              <a:r>
+                <a:rPr lang="id-ID" sz="1200" dirty="0" smtClean="0">
+                  <a:latin typeface="Times New Roman" panose="02020603050405020304" pitchFamily="18" charset="0"/>
+                  <a:cs typeface="Times New Roman" panose="02020603050405020304" pitchFamily="18" charset="0"/>
+                </a:rPr>
+                <a:t>Sygnal Analisys</a:t>
+              </a:r>
+              <a:endParaRPr lang="id-ID" sz="1200" dirty="0">
+                <a:latin typeface="Times New Roman" panose="02020603050405020304" pitchFamily="18" charset="0"/>
+                <a:cs typeface="Times New Roman" panose="02020603050405020304" pitchFamily="18" charset="0"/>
+              </a:endParaRPr>
+            </a:p>
+          </p:txBody>
+        </p:sp>
+        <p:sp>
+          <p:nvSpPr>
+            <p:cNvPr id="42" name="Rectangle 41"/>
+            <p:cNvSpPr/>
+            <p:nvPr/>
+          </p:nvSpPr>
+          <p:spPr>
+            <a:xfrm>
+              <a:off x="5123541" y="3070021"/>
+              <a:ext cx="2104570" cy="544076"/>
+            </a:xfrm>
+            <a:prstGeom prst="rect">
+              <a:avLst/>
+            </a:prstGeom>
+            <a:noFill/>
+            <a:ln>
+              <a:solidFill>
+                <a:schemeClr val="tx1"/>
+              </a:solidFill>
+            </a:ln>
+          </p:spPr>
+          <p:style>
+            <a:lnRef idx="2">
+              <a:schemeClr val="accent1">
+                <a:shade val="50000"/>
+              </a:schemeClr>
+            </a:lnRef>
+            <a:fillRef idx="1">
+              <a:schemeClr val="accent1"/>
+            </a:fillRef>
+            <a:effectRef idx="0">
+              <a:schemeClr val="accent1"/>
+            </a:effectRef>
+            <a:fontRef idx="minor">
+              <a:schemeClr val="lt1"/>
+            </a:fontRef>
+          </p:style>
+          <p:txBody>
+            <a:bodyPr rtlCol="0" anchor="ctr"/>
+            <a:lstStyle/>
+            <a:p>
+              <a:pPr algn="ctr"/>
+              <a:endParaRPr lang="id-ID" sz="1200">
+                <a:latin typeface="Times New Roman" panose="02020603050405020304" pitchFamily="18" charset="0"/>
+                <a:cs typeface="Times New Roman" panose="02020603050405020304" pitchFamily="18" charset="0"/>
+              </a:endParaRPr>
+            </a:p>
+          </p:txBody>
+        </p:sp>
+        <p:sp>
+          <p:nvSpPr>
+            <p:cNvPr id="43" name="TextBox 42"/>
+            <p:cNvSpPr txBox="1"/>
+            <p:nvPr/>
+          </p:nvSpPr>
+          <p:spPr>
+            <a:xfrm>
+              <a:off x="5123541" y="3216304"/>
+              <a:ext cx="2098304" cy="276999"/>
+            </a:xfrm>
+            <a:prstGeom prst="rect">
+              <a:avLst/>
+            </a:prstGeom>
+            <a:noFill/>
+          </p:spPr>
+          <p:txBody>
+            <a:bodyPr wrap="square" rtlCol="0">
+              <a:spAutoFit/>
+            </a:bodyPr>
+            <a:lstStyle/>
+            <a:p>
+              <a:pPr algn="ctr"/>
+              <a:r>
+                <a:rPr lang="en-ID" sz="1200" dirty="0" smtClean="0">
+                  <a:latin typeface="Times New Roman" panose="02020603050405020304" pitchFamily="18" charset="0"/>
+                  <a:cs typeface="Times New Roman" panose="02020603050405020304" pitchFamily="18" charset="0"/>
+                </a:rPr>
+                <a:t>Data Interpretation</a:t>
+              </a:r>
+              <a:endParaRPr lang="id-ID" sz="1200" dirty="0">
+                <a:latin typeface="Times New Roman" panose="02020603050405020304" pitchFamily="18" charset="0"/>
+                <a:cs typeface="Times New Roman" panose="02020603050405020304" pitchFamily="18" charset="0"/>
+              </a:endParaRPr>
+            </a:p>
+          </p:txBody>
+        </p:sp>
+        <p:cxnSp>
+          <p:nvCxnSpPr>
+            <p:cNvPr id="44" name="Straight Arrow Connector 43"/>
+            <p:cNvCxnSpPr/>
+            <p:nvPr/>
+          </p:nvCxnSpPr>
+          <p:spPr>
+            <a:xfrm>
+              <a:off x="6182092" y="3614097"/>
+              <a:ext cx="0" cy="223062"/>
+            </a:xfrm>
+            <a:prstGeom prst="straightConnector1">
+              <a:avLst/>
+            </a:prstGeom>
+            <a:ln>
+              <a:tailEnd type="triangle"/>
+            </a:ln>
+          </p:spPr>
+          <p:style>
+            <a:lnRef idx="1">
+              <a:schemeClr val="dk1"/>
+            </a:lnRef>
+            <a:fillRef idx="0">
+              <a:schemeClr val="dk1"/>
+            </a:fillRef>
+            <a:effectRef idx="0">
+              <a:schemeClr val="dk1"/>
+            </a:effectRef>
+            <a:fontRef idx="minor">
+              <a:schemeClr val="tx1"/>
+            </a:fontRef>
+          </p:style>
+        </p:cxnSp>
+        <p:cxnSp>
+          <p:nvCxnSpPr>
+            <p:cNvPr id="46" name="Straight Arrow Connector 45"/>
+            <p:cNvCxnSpPr/>
+            <p:nvPr/>
+          </p:nvCxnSpPr>
+          <p:spPr>
+            <a:xfrm>
+              <a:off x="6187465" y="4376244"/>
+              <a:ext cx="0" cy="223062"/>
+            </a:xfrm>
+            <a:prstGeom prst="straightConnector1">
+              <a:avLst/>
+            </a:prstGeom>
+            <a:ln>
+              <a:tailEnd type="triangle"/>
+            </a:ln>
+          </p:spPr>
+          <p:style>
+            <a:lnRef idx="1">
+              <a:schemeClr val="dk1"/>
+            </a:lnRef>
+            <a:fillRef idx="0">
+              <a:schemeClr val="dk1"/>
+            </a:fillRef>
+            <a:effectRef idx="0">
+              <a:schemeClr val="dk1"/>
+            </a:effectRef>
+            <a:fontRef idx="minor">
+              <a:schemeClr val="tx1"/>
+            </a:fontRef>
+          </p:style>
+        </p:cxnSp>
+        <p:sp>
+          <p:nvSpPr>
+            <p:cNvPr id="49" name="Rectangle 48"/>
+            <p:cNvSpPr/>
+            <p:nvPr/>
+          </p:nvSpPr>
+          <p:spPr>
+            <a:xfrm>
+              <a:off x="7747420" y="2314536"/>
+              <a:ext cx="2104570" cy="1299561"/>
+            </a:xfrm>
+            <a:prstGeom prst="rect">
+              <a:avLst/>
+            </a:prstGeom>
+            <a:noFill/>
+            <a:ln>
+              <a:solidFill>
+                <a:schemeClr val="tx1"/>
+              </a:solidFill>
+            </a:ln>
+          </p:spPr>
+          <p:style>
+            <a:lnRef idx="2">
+              <a:schemeClr val="accent1">
+                <a:shade val="50000"/>
+              </a:schemeClr>
+            </a:lnRef>
+            <a:fillRef idx="1">
+              <a:schemeClr val="accent1"/>
+            </a:fillRef>
+            <a:effectRef idx="0">
+              <a:schemeClr val="accent1"/>
+            </a:effectRef>
+            <a:fontRef idx="minor">
+              <a:schemeClr val="lt1"/>
+            </a:fontRef>
+          </p:style>
+          <p:txBody>
+            <a:bodyPr rtlCol="0" anchor="ctr"/>
+            <a:lstStyle/>
+            <a:p>
+              <a:pPr algn="ctr"/>
+              <a:endParaRPr lang="id-ID" sz="1200">
+                <a:latin typeface="Times New Roman" panose="02020603050405020304" pitchFamily="18" charset="0"/>
+                <a:cs typeface="Times New Roman" panose="02020603050405020304" pitchFamily="18" charset="0"/>
+              </a:endParaRPr>
+            </a:p>
+          </p:txBody>
+        </p:sp>
+        <p:cxnSp>
+          <p:nvCxnSpPr>
+            <p:cNvPr id="51" name="Straight Arrow Connector 50"/>
+            <p:cNvCxnSpPr/>
+            <p:nvPr/>
+          </p:nvCxnSpPr>
+          <p:spPr>
+            <a:xfrm flipH="1">
+              <a:off x="7228111" y="2513013"/>
+              <a:ext cx="519309" cy="0"/>
+            </a:xfrm>
+            <a:prstGeom prst="straightConnector1">
+              <a:avLst/>
+            </a:prstGeom>
+            <a:ln>
+              <a:tailEnd type="triangle"/>
+            </a:ln>
+          </p:spPr>
+          <p:style>
+            <a:lnRef idx="1">
+              <a:schemeClr val="dk1"/>
+            </a:lnRef>
+            <a:fillRef idx="0">
+              <a:schemeClr val="dk1"/>
+            </a:fillRef>
+            <a:effectRef idx="0">
+              <a:schemeClr val="dk1"/>
+            </a:effectRef>
+            <a:fontRef idx="minor">
+              <a:schemeClr val="tx1"/>
+            </a:fontRef>
+          </p:style>
+        </p:cxnSp>
+        <p:cxnSp>
+          <p:nvCxnSpPr>
+            <p:cNvPr id="53" name="Straight Arrow Connector 52"/>
+            <p:cNvCxnSpPr>
+              <a:endCxn id="42" idx="3"/>
+            </p:cNvCxnSpPr>
+            <p:nvPr/>
+          </p:nvCxnSpPr>
+          <p:spPr>
+            <a:xfrm flipH="1" flipV="1">
+              <a:off x="7228111" y="3342059"/>
+              <a:ext cx="519309" cy="604"/>
+            </a:xfrm>
+            <a:prstGeom prst="straightConnector1">
+              <a:avLst/>
+            </a:prstGeom>
+            <a:ln>
+              <a:tailEnd type="triangle"/>
+            </a:ln>
+          </p:spPr>
+          <p:style>
+            <a:lnRef idx="1">
+              <a:schemeClr val="dk1"/>
+            </a:lnRef>
+            <a:fillRef idx="0">
+              <a:schemeClr val="dk1"/>
+            </a:fillRef>
+            <a:effectRef idx="0">
+              <a:schemeClr val="dk1"/>
+            </a:effectRef>
+            <a:fontRef idx="minor">
+              <a:schemeClr val="tx1"/>
+            </a:fontRef>
+          </p:style>
+        </p:cxnSp>
+      </p:grpSp>
+      <p:grpSp>
+        <p:nvGrpSpPr>
+          <p:cNvPr id="64" name="Group 63"/>
+          <p:cNvGrpSpPr/>
+          <p:nvPr/>
+        </p:nvGrpSpPr>
+        <p:grpSpPr>
+          <a:xfrm>
+            <a:off x="2511377" y="7007796"/>
+            <a:ext cx="2580404" cy="1731272"/>
+            <a:chOff x="0" y="4460040"/>
+            <a:chExt cx="2580404" cy="1556363"/>
+          </a:xfrm>
+        </p:grpSpPr>
+        <p:sp>
+          <p:nvSpPr>
+            <p:cNvPr id="65" name="Rectangle 64"/>
+            <p:cNvSpPr/>
+            <p:nvPr/>
+          </p:nvSpPr>
+          <p:spPr>
+            <a:xfrm>
+              <a:off x="0" y="4460040"/>
+              <a:ext cx="2580404" cy="1556363"/>
+            </a:xfrm>
+            <a:prstGeom prst="rect">
+              <a:avLst/>
+            </a:prstGeom>
+            <a:noFill/>
+            <a:ln>
+              <a:solidFill>
+                <a:schemeClr val="tx1"/>
+              </a:solidFill>
+            </a:ln>
+          </p:spPr>
+          <p:style>
+            <a:lnRef idx="2">
+              <a:schemeClr val="accent1">
+                <a:shade val="50000"/>
+              </a:schemeClr>
+            </a:lnRef>
+            <a:fillRef idx="1">
+              <a:schemeClr val="accent1"/>
+            </a:fillRef>
+            <a:effectRef idx="0">
+              <a:schemeClr val="accent1"/>
+            </a:effectRef>
+            <a:fontRef idx="minor">
+              <a:schemeClr val="lt1"/>
+            </a:fontRef>
+          </p:style>
+          <p:txBody>
+            <a:bodyPr rtlCol="0" anchor="ctr"/>
+            <a:lstStyle/>
+            <a:p>
+              <a:pPr algn="ctr"/>
+              <a:endParaRPr lang="id-ID" sz="1200">
+                <a:latin typeface="Times New Roman" panose="02020603050405020304" pitchFamily="18" charset="0"/>
+                <a:cs typeface="Times New Roman" panose="02020603050405020304" pitchFamily="18" charset="0"/>
+              </a:endParaRPr>
+            </a:p>
+          </p:txBody>
+        </p:sp>
+        <p:sp>
+          <p:nvSpPr>
+            <p:cNvPr id="66" name="TextBox 65"/>
+            <p:cNvSpPr txBox="1"/>
+            <p:nvPr/>
+          </p:nvSpPr>
+          <p:spPr>
+            <a:xfrm>
+              <a:off x="37720" y="4588316"/>
+              <a:ext cx="1527982" cy="1314241"/>
+            </a:xfrm>
+            <a:prstGeom prst="rect">
+              <a:avLst/>
+            </a:prstGeom>
+            <a:noFill/>
+          </p:spPr>
+          <p:txBody>
+            <a:bodyPr wrap="none" rtlCol="0">
+              <a:spAutoFit/>
+            </a:bodyPr>
+            <a:lstStyle/>
+            <a:p>
+              <a:pPr>
+                <a:spcAft>
+                  <a:spcPts val="600"/>
+                </a:spcAft>
+              </a:pPr>
+              <a:r>
+                <a:rPr lang="en-ID" sz="1200" dirty="0" err="1" smtClean="0">
+                  <a:latin typeface="Times New Roman" panose="02020603050405020304" pitchFamily="18" charset="0"/>
+                  <a:cs typeface="Times New Roman" panose="02020603050405020304" pitchFamily="18" charset="0"/>
+                </a:rPr>
+                <a:t>Implementasi</a:t>
+              </a:r>
+              <a:r>
+                <a:rPr lang="en-ID" sz="1200" dirty="0" smtClean="0">
+                  <a:latin typeface="Times New Roman" panose="02020603050405020304" pitchFamily="18" charset="0"/>
+                  <a:cs typeface="Times New Roman" panose="02020603050405020304" pitchFamily="18" charset="0"/>
+                </a:rPr>
+                <a:t> </a:t>
+              </a:r>
+              <a:r>
+                <a:rPr lang="en-ID" sz="1200" dirty="0" err="1" smtClean="0">
+                  <a:latin typeface="Times New Roman" panose="02020603050405020304" pitchFamily="18" charset="0"/>
+                  <a:cs typeface="Times New Roman" panose="02020603050405020304" pitchFamily="18" charset="0"/>
+                </a:rPr>
+                <a:t>Sistem</a:t>
+              </a:r>
+              <a:r>
+                <a:rPr lang="en-ID" sz="1200" dirty="0" smtClean="0">
+                  <a:latin typeface="Times New Roman" panose="02020603050405020304" pitchFamily="18" charset="0"/>
+                  <a:cs typeface="Times New Roman" panose="02020603050405020304" pitchFamily="18" charset="0"/>
+                </a:rPr>
+                <a:t>:</a:t>
+              </a:r>
+              <a:endParaRPr lang="id-ID" sz="1200" dirty="0" smtClean="0">
+                <a:latin typeface="Times New Roman" panose="02020603050405020304" pitchFamily="18" charset="0"/>
+                <a:cs typeface="Times New Roman" panose="02020603050405020304" pitchFamily="18" charset="0"/>
+              </a:endParaRPr>
+            </a:p>
+            <a:p>
+              <a:pPr marL="228600" indent="-228600">
+                <a:buAutoNum type="arabicPeriod"/>
+              </a:pPr>
+              <a:r>
+                <a:rPr lang="en-ID" sz="1200" dirty="0" smtClean="0">
+                  <a:latin typeface="Times New Roman" panose="02020603050405020304" pitchFamily="18" charset="0"/>
+                  <a:cs typeface="Times New Roman" panose="02020603050405020304" pitchFamily="18" charset="0"/>
+                </a:rPr>
+                <a:t>Analysis</a:t>
+              </a:r>
+            </a:p>
+            <a:p>
+              <a:pPr marL="228600" indent="-228600">
+                <a:buAutoNum type="arabicPeriod"/>
+              </a:pPr>
+              <a:r>
+                <a:rPr lang="en-ID" sz="1200" dirty="0" smtClean="0">
+                  <a:latin typeface="Times New Roman" panose="02020603050405020304" pitchFamily="18" charset="0"/>
+                  <a:cs typeface="Times New Roman" panose="02020603050405020304" pitchFamily="18" charset="0"/>
+                </a:rPr>
+                <a:t>Design</a:t>
+              </a:r>
+            </a:p>
+            <a:p>
+              <a:pPr marL="228600" indent="-228600">
+                <a:buAutoNum type="arabicPeriod"/>
+              </a:pPr>
+              <a:r>
+                <a:rPr lang="en-ID" sz="1200" dirty="0" smtClean="0">
+                  <a:latin typeface="Times New Roman" panose="02020603050405020304" pitchFamily="18" charset="0"/>
+                  <a:cs typeface="Times New Roman" panose="02020603050405020304" pitchFamily="18" charset="0"/>
+                </a:rPr>
+                <a:t>Coding</a:t>
+              </a:r>
+            </a:p>
+            <a:p>
+              <a:pPr marL="228600" indent="-228600">
+                <a:buAutoNum type="arabicPeriod"/>
+              </a:pPr>
+              <a:r>
+                <a:rPr lang="en-ID" sz="1200" dirty="0" smtClean="0">
+                  <a:latin typeface="Times New Roman" panose="02020603050405020304" pitchFamily="18" charset="0"/>
+                  <a:cs typeface="Times New Roman" panose="02020603050405020304" pitchFamily="18" charset="0"/>
+                </a:rPr>
+                <a:t>Testing</a:t>
+              </a:r>
+            </a:p>
+            <a:p>
+              <a:pPr marL="228600" indent="-228600">
+                <a:buAutoNum type="arabicPeriod"/>
+              </a:pPr>
+              <a:r>
+                <a:rPr lang="en-ID" sz="1200" dirty="0" smtClean="0">
+                  <a:latin typeface="Times New Roman" panose="02020603050405020304" pitchFamily="18" charset="0"/>
+                  <a:cs typeface="Times New Roman" panose="02020603050405020304" pitchFamily="18" charset="0"/>
+                </a:rPr>
+                <a:t>Deployment</a:t>
+              </a:r>
+            </a:p>
+            <a:p>
+              <a:pPr marL="228600" indent="-228600">
+                <a:buAutoNum type="arabicPeriod"/>
+              </a:pPr>
+              <a:r>
+                <a:rPr lang="en-ID" sz="1200" dirty="0" smtClean="0">
+                  <a:latin typeface="Times New Roman" panose="02020603050405020304" pitchFamily="18" charset="0"/>
+                  <a:cs typeface="Times New Roman" panose="02020603050405020304" pitchFamily="18" charset="0"/>
+                </a:rPr>
+                <a:t>Maintenance</a:t>
+              </a:r>
+              <a:endParaRPr lang="en-ID" sz="1200" dirty="0" smtClean="0">
+                <a:latin typeface="Times New Roman" panose="02020603050405020304" pitchFamily="18" charset="0"/>
+                <a:cs typeface="Times New Roman" panose="02020603050405020304" pitchFamily="18" charset="0"/>
+              </a:endParaRPr>
+            </a:p>
+          </p:txBody>
+        </p:sp>
+      </p:grpSp>
+      <p:sp>
+        <p:nvSpPr>
+          <p:cNvPr id="71" name="Rectangle 70"/>
           <p:cNvSpPr/>
           <p:nvPr/>
         </p:nvSpPr>
         <p:spPr>
           <a:xfrm>
-            <a:off x="0" y="0"/>
-            <a:ext cx="2580404" cy="1556363"/>
+            <a:off x="5319960" y="7783290"/>
+            <a:ext cx="2561292" cy="568893"/>
           </a:xfrm>
           <a:prstGeom prst="rect">
             <a:avLst/>
@@ -5226,14 +6936,14 @@
       </p:sp>
       <p:sp>
         <p:nvSpPr>
-          <p:cNvPr id="5" name="TextBox 4"/>
+          <p:cNvPr id="72" name="TextBox 71"/>
           <p:cNvSpPr txBox="1"/>
           <p:nvPr/>
         </p:nvSpPr>
         <p:spPr>
           <a:xfrm>
-            <a:off x="178860" y="246535"/>
-            <a:ext cx="2260555" cy="1092607"/>
+            <a:off x="5376288" y="7938695"/>
+            <a:ext cx="2542684" cy="276999"/>
           </a:xfrm>
           <a:prstGeom prst="rect">
             <a:avLst/>
@@ -5241,81 +6951,46 @@
           <a:noFill/>
         </p:spPr>
         <p:txBody>
-          <a:bodyPr wrap="none" rtlCol="0">
+          <a:bodyPr wrap="square" rtlCol="0">
             <a:spAutoFit/>
           </a:bodyPr>
           <a:lstStyle/>
           <a:p>
-            <a:pPr>
-              <a:spcAft>
-                <a:spcPts val="600"/>
-              </a:spcAft>
-            </a:pPr>
-            <a:r>
-              <a:rPr lang="id-ID" sz="1200" dirty="0" smtClean="0">
-                <a:latin typeface="Times New Roman" panose="02020603050405020304" pitchFamily="18" charset="0"/>
-                <a:cs typeface="Times New Roman" panose="02020603050405020304" pitchFamily="18" charset="0"/>
-              </a:rPr>
-              <a:t>Tahap Persiapan:</a:t>
-            </a:r>
-          </a:p>
-          <a:p>
-            <a:pPr marL="228600" indent="-228600">
-              <a:buAutoNum type="arabicPeriod"/>
-            </a:pPr>
-            <a:r>
-              <a:rPr lang="id-ID" sz="1200" dirty="0" smtClean="0">
-                <a:latin typeface="Times New Roman" panose="02020603050405020304" pitchFamily="18" charset="0"/>
-                <a:cs typeface="Times New Roman" panose="02020603050405020304" pitchFamily="18" charset="0"/>
-              </a:rPr>
-              <a:t>Identifikasi masalah</a:t>
-            </a:r>
-          </a:p>
-          <a:p>
-            <a:pPr marL="228600" indent="-228600">
-              <a:buAutoNum type="arabicPeriod"/>
-            </a:pPr>
-            <a:r>
-              <a:rPr lang="id-ID" sz="1200" dirty="0" smtClean="0">
-                <a:latin typeface="Times New Roman" panose="02020603050405020304" pitchFamily="18" charset="0"/>
-                <a:cs typeface="Times New Roman" panose="02020603050405020304" pitchFamily="18" charset="0"/>
-              </a:rPr>
-              <a:t>Merumuskan masalah</a:t>
-            </a:r>
-          </a:p>
-          <a:p>
-            <a:pPr marL="228600" indent="-228600">
-              <a:buAutoNum type="arabicPeriod"/>
-            </a:pPr>
-            <a:r>
-              <a:rPr lang="id-ID" sz="1200" dirty="0" smtClean="0">
-                <a:latin typeface="Times New Roman" panose="02020603050405020304" pitchFamily="18" charset="0"/>
-                <a:cs typeface="Times New Roman" panose="02020603050405020304" pitchFamily="18" charset="0"/>
-              </a:rPr>
-              <a:t>Menentukan </a:t>
-            </a:r>
+            <a:pPr algn="ctr"/>
             <a:r>
               <a:rPr lang="en-ID" sz="1200" dirty="0" err="1" smtClean="0">
                 <a:latin typeface="Times New Roman" panose="02020603050405020304" pitchFamily="18" charset="0"/>
                 <a:cs typeface="Times New Roman" panose="02020603050405020304" pitchFamily="18" charset="0"/>
               </a:rPr>
-              <a:t>metode</a:t>
-            </a:r>
-            <a:endParaRPr lang="id-ID" sz="1200" dirty="0" smtClean="0">
-              <a:latin typeface="Times New Roman" panose="02020603050405020304" pitchFamily="18" charset="0"/>
-              <a:cs typeface="Times New Roman" panose="02020603050405020304" pitchFamily="18" charset="0"/>
-            </a:endParaRPr>
-          </a:p>
-          <a:p>
-            <a:pPr marL="228600" indent="-228600">
-              <a:buAutoNum type="arabicPeriod"/>
-            </a:pPr>
-            <a:r>
-              <a:rPr lang="id-ID" sz="1200" dirty="0" smtClean="0">
+              <a:t>Analisis</a:t>
+            </a:r>
+            <a:r>
+              <a:rPr lang="en-ID" sz="1200" dirty="0" smtClean="0">
                 <a:latin typeface="Times New Roman" panose="02020603050405020304" pitchFamily="18" charset="0"/>
                 <a:cs typeface="Times New Roman" panose="02020603050405020304" pitchFamily="18" charset="0"/>
               </a:rPr>
-              <a:t>Menentukan model penelitian</a:t>
+              <a:t> </a:t>
+            </a:r>
+            <a:r>
+              <a:rPr lang="en-ID" sz="1200" dirty="0" err="1" smtClean="0">
+                <a:latin typeface="Times New Roman" panose="02020603050405020304" pitchFamily="18" charset="0"/>
+                <a:cs typeface="Times New Roman" panose="02020603050405020304" pitchFamily="18" charset="0"/>
+              </a:rPr>
+              <a:t>Hasil</a:t>
+            </a:r>
+            <a:r>
+              <a:rPr lang="en-ID" sz="1200" dirty="0" smtClean="0">
+                <a:latin typeface="Times New Roman" panose="02020603050405020304" pitchFamily="18" charset="0"/>
+                <a:cs typeface="Times New Roman" panose="02020603050405020304" pitchFamily="18" charset="0"/>
+              </a:rPr>
+              <a:t> </a:t>
+            </a:r>
+            <a:r>
+              <a:rPr lang="en-ID" sz="1200" dirty="0" err="1" smtClean="0">
+                <a:latin typeface="Times New Roman" panose="02020603050405020304" pitchFamily="18" charset="0"/>
+                <a:cs typeface="Times New Roman" panose="02020603050405020304" pitchFamily="18" charset="0"/>
+              </a:rPr>
+              <a:t>Eksperimen</a:t>
             </a:r>
             <a:endParaRPr lang="id-ID" sz="1200" dirty="0">
               <a:latin typeface="Times New Roman" panose="02020603050405020304" pitchFamily="18" charset="0"/>
@@ -5326,14 +7001,14 @@
       </p:sp>
       <p:sp>
         <p:nvSpPr>
-          <p:cNvPr id="6" name="Rectangle 5"/>
+          <p:cNvPr id="73" name="Rectangle 72"/>
           <p:cNvSpPr/>
           <p:nvPr/>
         </p:nvSpPr>
         <p:spPr>
           <a:xfrm>
-            <a:off x="0" y="1906503"/>
-            <a:ext cx="2580404" cy="2203396"/>
+            <a:off x="5335537" y="9330480"/>
+            <a:ext cx="2561292" cy="568893"/>
           </a:xfrm>
           <a:prstGeom prst="rect">
             <a:avLst/>
@@ -5375,14 +7050,14 @@
       </p:sp>
       <p:sp>
         <p:nvSpPr>
-          <p:cNvPr id="7" name="TextBox 6"/>
+          <p:cNvPr id="74" name="TextBox 73"/>
           <p:cNvSpPr txBox="1"/>
           <p:nvPr/>
         </p:nvSpPr>
         <p:spPr>
           <a:xfrm>
-            <a:off x="191560" y="2150263"/>
-            <a:ext cx="2239267" cy="1831271"/>
+            <a:off x="5335537" y="9466303"/>
+            <a:ext cx="2542684" cy="276999"/>
           </a:xfrm>
           <a:prstGeom prst="rect">
             <a:avLst/>
@@ -5390,172 +7065,50 @@
           <a:noFill/>
         </p:spPr>
         <p:txBody>
-          <a:bodyPr wrap="none" rtlCol="0">
+          <a:bodyPr wrap="square" rtlCol="0">
             <a:spAutoFit/>
           </a:bodyPr>
           <a:lstStyle/>
           <a:p>
-            <a:pPr>
-              <a:spcAft>
-                <a:spcPts val="600"/>
-              </a:spcAft>
-            </a:pPr>
-            <a:r>
-              <a:rPr lang="id-ID" sz="1200" dirty="0" smtClean="0">
+            <a:pPr algn="ctr"/>
+            <a:r>
+              <a:rPr lang="en-ID" sz="1200" dirty="0" err="1" smtClean="0">
                 <a:latin typeface="Times New Roman" panose="02020603050405020304" pitchFamily="18" charset="0"/>
                 <a:cs typeface="Times New Roman" panose="02020603050405020304" pitchFamily="18" charset="0"/>
               </a:rPr>
-              <a:t>Studi Literatur</a:t>
-            </a:r>
-          </a:p>
-          <a:p>
-            <a:pPr marL="228600" indent="-228600">
-              <a:buAutoNum type="arabicPeriod"/>
-            </a:pPr>
-            <a:r>
-              <a:rPr lang="id-ID" sz="1200" dirty="0" smtClean="0">
-                <a:latin typeface="Times New Roman" panose="02020603050405020304" pitchFamily="18" charset="0"/>
-                <a:cs typeface="Times New Roman" panose="02020603050405020304" pitchFamily="18" charset="0"/>
-              </a:rPr>
-              <a:t>Natural Language Processing</a:t>
-            </a:r>
-          </a:p>
-          <a:p>
-            <a:pPr marL="228600" indent="-228600">
-              <a:buAutoNum type="arabicPeriod"/>
-            </a:pPr>
-            <a:r>
-              <a:rPr lang="id-ID" sz="1200" dirty="0" smtClean="0">
-                <a:latin typeface="Times New Roman" panose="02020603050405020304" pitchFamily="18" charset="0"/>
-                <a:cs typeface="Times New Roman" panose="02020603050405020304" pitchFamily="18" charset="0"/>
-              </a:rPr>
-              <a:t>Data-to-Text</a:t>
-            </a:r>
-            <a:endParaRPr lang="en-ID" sz="1200" dirty="0" smtClean="0">
-              <a:latin typeface="Times New Roman" panose="02020603050405020304" pitchFamily="18" charset="0"/>
-              <a:cs typeface="Times New Roman" panose="02020603050405020304" pitchFamily="18" charset="0"/>
-            </a:endParaRPr>
-          </a:p>
-          <a:p>
-            <a:pPr marL="228600" indent="-228600">
-              <a:buAutoNum type="arabicPeriod"/>
-            </a:pPr>
+              <a:t>Desain</a:t>
+            </a:r>
             <a:r>
               <a:rPr lang="en-ID" sz="1200" dirty="0" smtClean="0">
                 <a:latin typeface="Times New Roman" panose="02020603050405020304" pitchFamily="18" charset="0"/>
                 <a:cs typeface="Times New Roman" panose="02020603050405020304" pitchFamily="18" charset="0"/>
               </a:rPr>
-              <a:t>Statistical Analysis</a:t>
-            </a:r>
-            <a:endParaRPr lang="en-ID" sz="1200" dirty="0" smtClean="0">
-              <a:latin typeface="Times New Roman" panose="02020603050405020304" pitchFamily="18" charset="0"/>
-              <a:cs typeface="Times New Roman" panose="02020603050405020304" pitchFamily="18" charset="0"/>
-            </a:endParaRPr>
-          </a:p>
-          <a:p>
-            <a:pPr marL="228600" indent="-228600">
-              <a:buFontTx/>
-              <a:buAutoNum type="arabicPeriod"/>
-            </a:pPr>
-            <a:r>
-              <a:rPr lang="en-ID" sz="1200" dirty="0">
-                <a:latin typeface="Times New Roman" panose="02020603050405020304" pitchFamily="18" charset="0"/>
-                <a:cs typeface="Times New Roman" panose="02020603050405020304" pitchFamily="18" charset="0"/>
-              </a:rPr>
-              <a:t>Time Series </a:t>
-            </a:r>
-            <a:r>
-              <a:rPr lang="en-ID" sz="1200" dirty="0" smtClean="0">
-                <a:latin typeface="Times New Roman" panose="02020603050405020304" pitchFamily="18" charset="0"/>
-                <a:cs typeface="Times New Roman" panose="02020603050405020304" pitchFamily="18" charset="0"/>
-              </a:rPr>
-              <a:t>Analysis</a:t>
-            </a:r>
-          </a:p>
-          <a:p>
-            <a:pPr marL="228600" indent="-228600">
-              <a:buFontTx/>
-              <a:buAutoNum type="arabicPeriod"/>
-            </a:pPr>
-            <a:r>
-              <a:rPr lang="en-ID" sz="1200" dirty="0" smtClean="0">
-                <a:latin typeface="Times New Roman" panose="02020603050405020304" pitchFamily="18" charset="0"/>
-                <a:cs typeface="Times New Roman" panose="02020603050405020304" pitchFamily="18" charset="0"/>
-              </a:rPr>
-              <a:t>Exponential Smoothing</a:t>
-            </a:r>
-          </a:p>
-          <a:p>
-            <a:pPr marL="228600" indent="-228600">
-              <a:buFontTx/>
-              <a:buAutoNum type="arabicPeriod"/>
-            </a:pPr>
+              <a:t> </a:t>
+            </a:r>
             <a:r>
               <a:rPr lang="en-ID" sz="1200" dirty="0" err="1" smtClean="0">
                 <a:latin typeface="Times New Roman" panose="02020603050405020304" pitchFamily="18" charset="0"/>
                 <a:cs typeface="Times New Roman" panose="02020603050405020304" pitchFamily="18" charset="0"/>
               </a:rPr>
-              <a:t>Knutt</a:t>
-            </a:r>
-            <a:r>
-              <a:rPr lang="en-ID" sz="1200" dirty="0" smtClean="0">
-                <a:latin typeface="Times New Roman" panose="02020603050405020304" pitchFamily="18" charset="0"/>
-                <a:cs typeface="Times New Roman" panose="02020603050405020304" pitchFamily="18" charset="0"/>
-              </a:rPr>
-              <a:t>-Morris Pratt Algorithm</a:t>
+              <a:t>Eksperimen</a:t>
             </a:r>
             <a:endParaRPr lang="id-ID" sz="1200" dirty="0">
               <a:latin typeface="Times New Roman" panose="02020603050405020304" pitchFamily="18" charset="0"/>
               <a:cs typeface="Times New Roman" panose="02020603050405020304" pitchFamily="18" charset="0"/>
             </a:endParaRPr>
           </a:p>
-          <a:p>
-            <a:pPr marL="228600" indent="-228600">
-              <a:buAutoNum type="arabicPeriod"/>
-            </a:pPr>
-            <a:r>
-              <a:rPr lang="id-ID" sz="1200" dirty="0" smtClean="0">
-                <a:latin typeface="Times New Roman" panose="02020603050405020304" pitchFamily="18" charset="0"/>
-                <a:cs typeface="Times New Roman" panose="02020603050405020304" pitchFamily="18" charset="0"/>
-              </a:rPr>
-              <a:t>Machine </a:t>
-            </a:r>
-            <a:r>
-              <a:rPr lang="id-ID" sz="1200" dirty="0" smtClean="0">
-                <a:latin typeface="Times New Roman" panose="02020603050405020304" pitchFamily="18" charset="0"/>
-                <a:cs typeface="Times New Roman" panose="02020603050405020304" pitchFamily="18" charset="0"/>
-              </a:rPr>
-              <a:t>Learning</a:t>
-            </a:r>
-          </a:p>
-          <a:p>
-            <a:pPr marL="228600" indent="-228600">
-              <a:buAutoNum type="arabicPeriod"/>
-            </a:pPr>
-            <a:r>
-              <a:rPr lang="en-ID" sz="1200" dirty="0" smtClean="0">
-                <a:latin typeface="Times New Roman" panose="02020603050405020304" pitchFamily="18" charset="0"/>
-                <a:cs typeface="Times New Roman" panose="02020603050405020304" pitchFamily="18" charset="0"/>
-              </a:rPr>
-              <a:t>R Programming</a:t>
-            </a:r>
-            <a:endParaRPr lang="id-ID" sz="1200" dirty="0">
-              <a:latin typeface="Times New Roman" panose="02020603050405020304" pitchFamily="18" charset="0"/>
-              <a:cs typeface="Times New Roman" panose="02020603050405020304" pitchFamily="18" charset="0"/>
-            </a:endParaRPr>
-          </a:p>
-        </p:txBody>
-      </p:sp>
-      <p:sp>
-        <p:nvSpPr>
-          <p:cNvPr id="8" name="Rectangle 7"/>
+        </p:txBody>
+      </p:sp>
+      <p:sp>
+        <p:nvSpPr>
+          <p:cNvPr id="77" name="Rectangle 76"/>
           <p:cNvSpPr/>
           <p:nvPr/>
         </p:nvSpPr>
         <p:spPr>
           <a:xfrm>
-            <a:off x="0" y="4460039"/>
-            <a:ext cx="2580404" cy="1556363"/>
+            <a:off x="5335537" y="7031463"/>
+            <a:ext cx="2561292" cy="568893"/>
           </a:xfrm>
           <a:prstGeom prst="rect">
             <a:avLst/>
@@ -5597,14 +7150,14 @@
       </p:sp>
       <p:sp>
         <p:nvSpPr>
-          <p:cNvPr id="9" name="TextBox 8"/>
+          <p:cNvPr id="78" name="TextBox 77"/>
           <p:cNvSpPr txBox="1"/>
           <p:nvPr/>
         </p:nvSpPr>
         <p:spPr>
           <a:xfrm>
-            <a:off x="37720" y="4588316"/>
-            <a:ext cx="2542684" cy="907941"/>
+            <a:off x="5354145" y="7187121"/>
+            <a:ext cx="2542684" cy="276999"/>
           </a:xfrm>
           <a:prstGeom prst="rect">
             <a:avLst/>
@@ -5612,108 +7165,18 @@
           <a:noFill/>
         </p:spPr>
         <p:txBody>
-          <a:bodyPr wrap="none" rtlCol="0">
+          <a:bodyPr wrap="square" rtlCol="0">
             <a:spAutoFit/>
           </a:bodyPr>
           <a:lstStyle/>
           <a:p>
-            <a:pPr>
-              <a:spcAft>
-                <a:spcPts val="600"/>
-              </a:spcAft>
-            </a:pPr>
+            <a:pPr algn="ctr"/>
             <a:r>
               <a:rPr lang="en-ID" sz="1200" dirty="0" err="1" smtClean="0">
                 <a:latin typeface="Times New Roman" panose="02020603050405020304" pitchFamily="18" charset="0"/>
                 <a:cs typeface="Times New Roman" panose="02020603050405020304" pitchFamily="18" charset="0"/>
               </a:rPr>
-              <a:t>Pengumpulan</a:t>
-            </a:r>
-            <a:r>
-              <a:rPr lang="en-ID" sz="1200" dirty="0" smtClean="0">
-                <a:latin typeface="Times New Roman" panose="02020603050405020304" pitchFamily="18" charset="0"/>
-                <a:cs typeface="Times New Roman" panose="02020603050405020304" pitchFamily="18" charset="0"/>
-              </a:rPr>
-              <a:t> Data Time Series</a:t>
-            </a:r>
-            <a:endParaRPr lang="id-ID" sz="1200" dirty="0" smtClean="0">
-              <a:latin typeface="Times New Roman" panose="02020603050405020304" pitchFamily="18" charset="0"/>
-              <a:cs typeface="Times New Roman" panose="02020603050405020304" pitchFamily="18" charset="0"/>
-            </a:endParaRPr>
-          </a:p>
-          <a:p>
-            <a:pPr marL="228600" indent="-228600">
-              <a:buAutoNum type="arabicPeriod"/>
-            </a:pPr>
-            <a:r>
-              <a:rPr lang="en-ID" sz="1200" dirty="0" smtClean="0">
-                <a:latin typeface="Times New Roman" panose="02020603050405020304" pitchFamily="18" charset="0"/>
-                <a:cs typeface="Times New Roman" panose="02020603050405020304" pitchFamily="18" charset="0"/>
-              </a:rPr>
-              <a:t>Data </a:t>
-            </a:r>
-            <a:r>
-              <a:rPr lang="en-ID" sz="1200" dirty="0" err="1" smtClean="0">
-                <a:latin typeface="Times New Roman" panose="02020603050405020304" pitchFamily="18" charset="0"/>
-                <a:cs typeface="Times New Roman" panose="02020603050405020304" pitchFamily="18" charset="0"/>
-              </a:rPr>
-              <a:t>kurs</a:t>
-            </a:r>
-            <a:r>
-              <a:rPr lang="en-ID" sz="1200" dirty="0" smtClean="0">
-                <a:latin typeface="Times New Roman" panose="02020603050405020304" pitchFamily="18" charset="0"/>
-                <a:cs typeface="Times New Roman" panose="02020603050405020304" pitchFamily="18" charset="0"/>
-              </a:rPr>
-              <a:t> rupiah</a:t>
-            </a:r>
-          </a:p>
-          <a:p>
-            <a:pPr marL="228600" indent="-228600">
-              <a:buAutoNum type="arabicPeriod"/>
-            </a:pPr>
-            <a:r>
-              <a:rPr lang="en-ID" sz="1200" dirty="0" smtClean="0">
-                <a:latin typeface="Times New Roman" panose="02020603050405020304" pitchFamily="18" charset="0"/>
-                <a:cs typeface="Times New Roman" panose="02020603050405020304" pitchFamily="18" charset="0"/>
-              </a:rPr>
-              <a:t>Data </a:t>
-            </a:r>
-            <a:r>
-              <a:rPr lang="en-ID" sz="1200" dirty="0" err="1">
-                <a:latin typeface="Times New Roman" panose="02020603050405020304" pitchFamily="18" charset="0"/>
-                <a:cs typeface="Times New Roman" panose="02020603050405020304" pitchFamily="18" charset="0"/>
-              </a:rPr>
-              <a:t>k</a:t>
-            </a:r>
-            <a:r>
-              <a:rPr lang="en-ID" sz="1200" dirty="0" err="1" smtClean="0">
-                <a:latin typeface="Times New Roman" panose="02020603050405020304" pitchFamily="18" charset="0"/>
-                <a:cs typeface="Times New Roman" panose="02020603050405020304" pitchFamily="18" charset="0"/>
-              </a:rPr>
-              <a:t>limatologi</a:t>
-            </a:r>
-            <a:endParaRPr lang="en-ID" sz="1200" dirty="0" smtClean="0">
-              <a:latin typeface="Times New Roman" panose="02020603050405020304" pitchFamily="18" charset="0"/>
-              <a:cs typeface="Times New Roman" panose="02020603050405020304" pitchFamily="18" charset="0"/>
-            </a:endParaRPr>
-          </a:p>
-          <a:p>
-            <a:pPr marL="228600" indent="-228600">
-              <a:buAutoNum type="arabicPeriod"/>
-            </a:pPr>
-            <a:r>
-              <a:rPr lang="en-ID" sz="1200" dirty="0" smtClean="0">
-                <a:latin typeface="Times New Roman" panose="02020603050405020304" pitchFamily="18" charset="0"/>
-                <a:cs typeface="Times New Roman" panose="02020603050405020304" pitchFamily="18" charset="0"/>
-              </a:rPr>
-              <a:t>Data </a:t>
-            </a:r>
-            <a:r>
-              <a:rPr lang="en-ID" sz="1200" dirty="0" err="1" smtClean="0">
-                <a:latin typeface="Times New Roman" panose="02020603050405020304" pitchFamily="18" charset="0"/>
-                <a:cs typeface="Times New Roman" panose="02020603050405020304" pitchFamily="18" charset="0"/>
-              </a:rPr>
-              <a:t>sinar</a:t>
+              <a:t>Penarikan</a:t>
             </a:r>
             <a:r>
               <a:rPr lang="en-ID" sz="1200" dirty="0" smtClean="0">
@@ -5727,117 +7190,7 @@
                 <a:latin typeface="Times New Roman" panose="02020603050405020304" pitchFamily="18" charset="0"/>
                 <a:cs typeface="Times New Roman" panose="02020603050405020304" pitchFamily="18" charset="0"/>
               </a:rPr>
-              <a:t>radiasi</a:t>
-            </a:r>
-            <a:r>
-              <a:rPr lang="en-ID" sz="1200" dirty="0" smtClean="0">
-                <a:latin typeface="Times New Roman" panose="02020603050405020304" pitchFamily="18" charset="0"/>
-                <a:cs typeface="Times New Roman" panose="02020603050405020304" pitchFamily="18" charset="0"/>
-              </a:rPr>
-              <a:t> </a:t>
-            </a:r>
-            <a:r>
-              <a:rPr lang="en-ID" sz="1200" dirty="0" err="1" smtClean="0">
-                <a:latin typeface="Times New Roman" panose="02020603050405020304" pitchFamily="18" charset="0"/>
-                <a:cs typeface="Times New Roman" panose="02020603050405020304" pitchFamily="18" charset="0"/>
-              </a:rPr>
-              <a:t>dan</a:t>
-            </a:r>
-            <a:r>
-              <a:rPr lang="en-ID" sz="1200" dirty="0" smtClean="0">
-                <a:latin typeface="Times New Roman" panose="02020603050405020304" pitchFamily="18" charset="0"/>
-                <a:cs typeface="Times New Roman" panose="02020603050405020304" pitchFamily="18" charset="0"/>
-              </a:rPr>
-              <a:t> </a:t>
-            </a:r>
-            <a:r>
-              <a:rPr lang="en-ID" sz="1200" dirty="0" err="1" smtClean="0">
-                <a:latin typeface="Times New Roman" panose="02020603050405020304" pitchFamily="18" charset="0"/>
-                <a:cs typeface="Times New Roman" panose="02020603050405020304" pitchFamily="18" charset="0"/>
-              </a:rPr>
-              <a:t>meteorologi</a:t>
-            </a:r>
-            <a:endParaRPr lang="en-ID" sz="1200" dirty="0" smtClean="0">
-              <a:latin typeface="Times New Roman" panose="02020603050405020304" pitchFamily="18" charset="0"/>
-              <a:cs typeface="Times New Roman" panose="02020603050405020304" pitchFamily="18" charset="0"/>
-            </a:endParaRPr>
-          </a:p>
-        </p:txBody>
-      </p:sp>
-      <p:sp>
-        <p:nvSpPr>
-          <p:cNvPr id="10" name="Rectangle 9"/>
-          <p:cNvSpPr/>
-          <p:nvPr/>
-        </p:nvSpPr>
-        <p:spPr>
-          <a:xfrm>
-            <a:off x="2898430" y="75369"/>
-            <a:ext cx="7844704" cy="8094156"/>
-          </a:xfrm>
-          <a:prstGeom prst="rect">
-            <a:avLst/>
-          </a:prstGeom>
-          <a:noFill/>
-          <a:ln w="12700">
-            <a:solidFill>
-              <a:schemeClr val="tx1"/>
-            </a:solidFill>
-            <a:prstDash val="solid"/>
-          </a:ln>
-        </p:spPr>
-        <p:style>
-          <a:lnRef idx="2">
-            <a:schemeClr val="accent6"/>
-          </a:lnRef>
-          <a:fillRef idx="1">
-            <a:schemeClr val="lt1"/>
-          </a:fillRef>
-          <a:effectRef idx="0">
-            <a:schemeClr val="accent6"/>
-          </a:effectRef>
-          <a:fontRef idx="minor">
-            <a:schemeClr val="dk1"/>
-          </a:fontRef>
-        </p:style>
-        <p:txBody>
-          <a:bodyPr rtlCol="0" anchor="ctr"/>
-          <a:lstStyle/>
-          <a:p>
-            <a:pPr algn="ctr"/>
-            <a:endParaRPr lang="id-ID"/>
-          </a:p>
-        </p:txBody>
-      </p:sp>
-      <p:sp>
-        <p:nvSpPr>
-          <p:cNvPr id="12" name="TextBox 11"/>
-          <p:cNvSpPr txBox="1"/>
-          <p:nvPr/>
-        </p:nvSpPr>
-        <p:spPr>
-          <a:xfrm>
-            <a:off x="3039369" y="453859"/>
-            <a:ext cx="2431141" cy="276999"/>
-          </a:xfrm>
-          <a:prstGeom prst="rect">
-            <a:avLst/>
-          </a:prstGeom>
-          <a:noFill/>
-        </p:spPr>
-        <p:txBody>
-          <a:bodyPr wrap="square" rtlCol="0">
-            <a:spAutoFit/>
-          </a:bodyPr>
-          <a:lstStyle/>
-          <a:p>
-            <a:pPr algn="ctr"/>
-            <a:r>
-              <a:rPr lang="en-ID" sz="1200" dirty="0" smtClean="0">
-                <a:latin typeface="Times New Roman" panose="02020603050405020304" pitchFamily="18" charset="0"/>
-                <a:cs typeface="Times New Roman" panose="02020603050405020304" pitchFamily="18" charset="0"/>
-              </a:rPr>
-              <a:t>Data</a:t>
+              <a:t>Kesimpulan</a:t>
             </a:r>
             <a:endParaRPr lang="id-ID" sz="1200" dirty="0">
               <a:latin typeface="Times New Roman" panose="02020603050405020304" pitchFamily="18" charset="0"/>
@@ -5848,14 +7201,14 @@
       </p:sp>
       <p:sp>
         <p:nvSpPr>
-          <p:cNvPr id="15" name="Rectangle 14"/>
+          <p:cNvPr id="82" name="Rectangle 81"/>
           <p:cNvSpPr/>
           <p:nvPr/>
         </p:nvSpPr>
         <p:spPr>
           <a:xfrm>
-            <a:off x="3213260" y="1020668"/>
-            <a:ext cx="2104570" cy="1654180"/>
+            <a:off x="5335537" y="8535117"/>
+            <a:ext cx="2561292" cy="568893"/>
           </a:xfrm>
           <a:prstGeom prst="rect">
             <a:avLst/>
@@ -5897,14 +7250,14 @@
       </p:sp>
       <p:sp>
         <p:nvSpPr>
-          <p:cNvPr id="16" name="TextBox 15"/>
+          <p:cNvPr id="83" name="TextBox 82"/>
           <p:cNvSpPr txBox="1"/>
           <p:nvPr/>
         </p:nvSpPr>
         <p:spPr>
           <a:xfrm>
-            <a:off x="3213260" y="1166951"/>
-            <a:ext cx="2098304" cy="1831271"/>
+            <a:off x="5335537" y="8681064"/>
+            <a:ext cx="2542684" cy="276999"/>
           </a:xfrm>
           <a:prstGeom prst="rect">
             <a:avLst/>
@@ -5917,133 +7270,45 @@
           </a:bodyPr>
           <a:lstStyle/>
           <a:p>
-            <a:pPr>
-              <a:spcAft>
-                <a:spcPts val="600"/>
-              </a:spcAft>
-            </a:pPr>
+            <a:pPr algn="ctr"/>
+            <a:r>
+              <a:rPr lang="en-ID" sz="1200" dirty="0" err="1" smtClean="0">
+                <a:latin typeface="Times New Roman" panose="02020603050405020304" pitchFamily="18" charset="0"/>
+                <a:cs typeface="Times New Roman" panose="02020603050405020304" pitchFamily="18" charset="0"/>
+              </a:rPr>
+              <a:t>Hasil</a:t>
+            </a:r>
             <a:r>
               <a:rPr lang="en-ID" sz="1200" dirty="0" smtClean="0">
                 <a:latin typeface="Times New Roman" panose="02020603050405020304" pitchFamily="18" charset="0"/>
                 <a:cs typeface="Times New Roman" panose="02020603050405020304" pitchFamily="18" charset="0"/>
               </a:rPr>
-              <a:t>Signal Analysis</a:t>
-            </a:r>
-            <a:r>
-              <a:rPr lang="id-ID" sz="1200" dirty="0" smtClean="0">
+              <a:t> </a:t>
+            </a:r>
+            <a:r>
+              <a:rPr lang="en-ID" sz="1200" dirty="0" err="1" smtClean="0">
                 <a:latin typeface="Times New Roman" panose="02020603050405020304" pitchFamily="18" charset="0"/>
                 <a:cs typeface="Times New Roman" panose="02020603050405020304" pitchFamily="18" charset="0"/>
               </a:rPr>
-              <a:t>:</a:t>
+              <a:t>Eksperimen</a:t>
             </a:r>
             <a:endParaRPr lang="id-ID" sz="1200" dirty="0">
               <a:latin typeface="Times New Roman" panose="02020603050405020304" pitchFamily="18" charset="0"/>
               <a:cs typeface="Times New Roman" panose="02020603050405020304" pitchFamily="18" charset="0"/>
             </a:endParaRPr>
           </a:p>
-          <a:p>
-            <a:pPr marL="228600" indent="-228600">
-              <a:buFont typeface="+mj-lt"/>
-              <a:buAutoNum type="arabicPeriod"/>
-            </a:pPr>
-            <a:r>
-              <a:rPr lang="en-ID" sz="1200" dirty="0" smtClean="0">
-                <a:latin typeface="Times New Roman" panose="02020603050405020304" pitchFamily="18" charset="0"/>
-                <a:cs typeface="Times New Roman" panose="02020603050405020304" pitchFamily="18" charset="0"/>
-              </a:rPr>
-              <a:t>Header Detection</a:t>
-            </a:r>
-          </a:p>
-          <a:p>
-            <a:pPr marL="228600" indent="-228600">
-              <a:buAutoNum type="arabicPeriod"/>
-            </a:pPr>
-            <a:r>
-              <a:rPr lang="en-ID" sz="1200" dirty="0" smtClean="0">
-                <a:latin typeface="Times New Roman" panose="02020603050405020304" pitchFamily="18" charset="0"/>
-                <a:cs typeface="Times New Roman" panose="02020603050405020304" pitchFamily="18" charset="0"/>
-              </a:rPr>
-              <a:t>Date Interval</a:t>
-            </a:r>
-          </a:p>
-          <a:p>
-            <a:pPr marL="228600" indent="-228600">
-              <a:buAutoNum type="arabicPeriod"/>
-            </a:pPr>
-            <a:r>
-              <a:rPr lang="en-ID" sz="1200" dirty="0" smtClean="0">
-                <a:latin typeface="Times New Roman" panose="02020603050405020304" pitchFamily="18" charset="0"/>
-                <a:cs typeface="Times New Roman" panose="02020603050405020304" pitchFamily="18" charset="0"/>
-              </a:rPr>
-              <a:t>Missing Value Handling</a:t>
-            </a:r>
-          </a:p>
-          <a:p>
-            <a:pPr marL="228600" indent="-228600">
-              <a:buAutoNum type="arabicPeriod"/>
-            </a:pPr>
-            <a:r>
-              <a:rPr lang="en-ID" sz="1200" dirty="0" smtClean="0">
-                <a:latin typeface="Times New Roman" panose="02020603050405020304" pitchFamily="18" charset="0"/>
-                <a:cs typeface="Times New Roman" panose="02020603050405020304" pitchFamily="18" charset="0"/>
-              </a:rPr>
-              <a:t>Statistical Analysis</a:t>
-            </a:r>
-          </a:p>
-          <a:p>
-            <a:pPr marL="228600" indent="-228600">
-              <a:buAutoNum type="arabicPeriod"/>
-            </a:pPr>
-            <a:r>
-              <a:rPr lang="en-ID" sz="1200" dirty="0" smtClean="0">
-                <a:latin typeface="Times New Roman" panose="02020603050405020304" pitchFamily="18" charset="0"/>
-                <a:cs typeface="Times New Roman" panose="02020603050405020304" pitchFamily="18" charset="0"/>
-              </a:rPr>
-              <a:t>Linear Regression</a:t>
-            </a:r>
-          </a:p>
-          <a:p>
-            <a:pPr marL="228600" indent="-228600">
-              <a:buAutoNum type="arabicPeriod"/>
-            </a:pPr>
-            <a:r>
-              <a:rPr lang="en-ID" sz="1200" dirty="0" smtClean="0">
-                <a:latin typeface="Times New Roman" panose="02020603050405020304" pitchFamily="18" charset="0"/>
-                <a:cs typeface="Times New Roman" panose="02020603050405020304" pitchFamily="18" charset="0"/>
-              </a:rPr>
-              <a:t>Knuth Morris Pratt</a:t>
-            </a:r>
-          </a:p>
-          <a:p>
-            <a:pPr marL="228600" indent="-228600">
-              <a:buAutoNum type="arabicPeriod"/>
-            </a:pPr>
-            <a:endParaRPr lang="en-ID" sz="1200" dirty="0" smtClean="0">
-              <a:latin typeface="Times New Roman" panose="02020603050405020304" pitchFamily="18" charset="0"/>
-              <a:cs typeface="Times New Roman" panose="02020603050405020304" pitchFamily="18" charset="0"/>
-            </a:endParaRPr>
-          </a:p>
-          <a:p>
-            <a:pPr marL="228600" indent="-228600">
-              <a:buAutoNum type="arabicPeriod"/>
-            </a:pPr>
-            <a:endParaRPr lang="en-ID" sz="1200" dirty="0" smtClean="0">
-              <a:latin typeface="Times New Roman" panose="02020603050405020304" pitchFamily="18" charset="0"/>
-              <a:cs typeface="Times New Roman" panose="02020603050405020304" pitchFamily="18" charset="0"/>
-            </a:endParaRPr>
-          </a:p>
-        </p:txBody>
-      </p:sp>
-      <p:sp>
-        <p:nvSpPr>
-          <p:cNvPr id="17" name="Rectangle 16"/>
+        </p:txBody>
+      </p:sp>
+      <p:sp>
+        <p:nvSpPr>
+          <p:cNvPr id="84" name="Rectangle 83"/>
           <p:cNvSpPr/>
           <p:nvPr/>
         </p:nvSpPr>
         <p:spPr>
           <a:xfrm>
-            <a:off x="3206001" y="2900564"/>
-            <a:ext cx="2104570" cy="1926929"/>
+            <a:off x="2511377" y="9330480"/>
+            <a:ext cx="2561292" cy="568893"/>
           </a:xfrm>
           <a:prstGeom prst="rect">
             <a:avLst/>
@@ -6085,14 +7350,14 @@
       </p:sp>
       <p:sp>
         <p:nvSpPr>
-          <p:cNvPr id="18" name="TextBox 17"/>
+          <p:cNvPr id="85" name="TextBox 84"/>
           <p:cNvSpPr txBox="1"/>
           <p:nvPr/>
         </p:nvSpPr>
         <p:spPr>
           <a:xfrm>
-            <a:off x="3206001" y="3046848"/>
-            <a:ext cx="2098304" cy="538609"/>
+            <a:off x="2511377" y="9466303"/>
+            <a:ext cx="2542684" cy="276999"/>
           </a:xfrm>
           <a:prstGeom prst="rect">
             <a:avLst/>
@@ -6105,698 +7370,35 @@
           </a:bodyPr>
           <a:lstStyle/>
           <a:p>
-            <a:pPr>
-              <a:spcAft>
-                <a:spcPts val="600"/>
-              </a:spcAft>
-            </a:pPr>
+            <a:pPr algn="ctr"/>
+            <a:r>
+              <a:rPr lang="en-ID" sz="1200" dirty="0" err="1" smtClean="0">
+                <a:latin typeface="Times New Roman" panose="02020603050405020304" pitchFamily="18" charset="0"/>
+                <a:cs typeface="Times New Roman" panose="02020603050405020304" pitchFamily="18" charset="0"/>
+              </a:rPr>
+              <a:t>Desain</a:t>
+            </a:r>
             <a:r>
               <a:rPr lang="en-ID" sz="1200" dirty="0" smtClean="0">
                 <a:latin typeface="Times New Roman" panose="02020603050405020304" pitchFamily="18" charset="0"/>
                 <a:cs typeface="Times New Roman" panose="02020603050405020304" pitchFamily="18" charset="0"/>
               </a:rPr>
-              <a:t>Data Interpretation</a:t>
-            </a:r>
-            <a:r>
-              <a:rPr lang="id-ID" sz="1200" dirty="0" smtClean="0">
+              <a:t> </a:t>
+            </a:r>
+            <a:r>
+              <a:rPr lang="en-ID" sz="1200" dirty="0" err="1" smtClean="0">
                 <a:latin typeface="Times New Roman" panose="02020603050405020304" pitchFamily="18" charset="0"/>
                 <a:cs typeface="Times New Roman" panose="02020603050405020304" pitchFamily="18" charset="0"/>
               </a:rPr>
-              <a:t>:</a:t>
+              <a:t>Eksperimen</a:t>
             </a:r>
             <a:endParaRPr lang="id-ID" sz="1200" dirty="0">
               <a:latin typeface="Times New Roman" panose="02020603050405020304" pitchFamily="18" charset="0"/>
               <a:cs typeface="Times New Roman" panose="02020603050405020304" pitchFamily="18" charset="0"/>
             </a:endParaRPr>
           </a:p>
-          <a:p>
-            <a:r>
-              <a:rPr lang="en-ID" sz="1200" dirty="0" smtClean="0">
-                <a:latin typeface="Times New Roman" panose="02020603050405020304" pitchFamily="18" charset="0"/>
-                <a:cs typeface="Times New Roman" panose="02020603050405020304" pitchFamily="18" charset="0"/>
-              </a:rPr>
-              <a:t>1. </a:t>
-            </a:r>
-            <a:endParaRPr lang="id-ID" sz="1200" dirty="0">
-              <a:latin typeface="Times New Roman" panose="02020603050405020304" pitchFamily="18" charset="0"/>
-              <a:cs typeface="Times New Roman" panose="02020603050405020304" pitchFamily="18" charset="0"/>
-            </a:endParaRPr>
-          </a:p>
-        </p:txBody>
-      </p:sp>
-      <p:sp>
-        <p:nvSpPr>
-          <p:cNvPr id="19" name="Rectangle 18"/>
-          <p:cNvSpPr/>
-          <p:nvPr/>
-        </p:nvSpPr>
-        <p:spPr>
-          <a:xfrm>
-            <a:off x="3341846" y="6114479"/>
-            <a:ext cx="2104570" cy="544076"/>
-          </a:xfrm>
-          <a:prstGeom prst="rect">
-            <a:avLst/>
-          </a:prstGeom>
-          <a:noFill/>
-          <a:ln>
-            <a:solidFill>
-              <a:schemeClr val="tx1"/>
-            </a:solidFill>
-          </a:ln>
-        </p:spPr>
-        <p:style>
-          <a:lnRef idx="2">
-            <a:schemeClr val="accent1">
-              <a:shade val="50000"/>
-            </a:schemeClr>
-          </a:lnRef>
-          <a:fillRef idx="1">
-            <a:schemeClr val="accent1"/>
-          </a:fillRef>
-          <a:effectRef idx="0">
-            <a:schemeClr val="accent1"/>
-          </a:effectRef>
-          <a:fontRef idx="minor">
-            <a:schemeClr val="lt1"/>
-          </a:fontRef>
-        </p:style>
-        <p:txBody>
-          <a:bodyPr rtlCol="0" anchor="ctr"/>
-          <a:lstStyle/>
-          <a:p>
-            <a:pPr algn="ctr"/>
-            <a:endParaRPr lang="id-ID" sz="1200">
-              <a:latin typeface="Times New Roman" panose="02020603050405020304" pitchFamily="18" charset="0"/>
-              <a:cs typeface="Times New Roman" panose="02020603050405020304" pitchFamily="18" charset="0"/>
-            </a:endParaRPr>
-          </a:p>
-        </p:txBody>
-      </p:sp>
-      <p:sp>
-        <p:nvSpPr>
-          <p:cNvPr id="20" name="TextBox 19"/>
-          <p:cNvSpPr txBox="1"/>
-          <p:nvPr/>
-        </p:nvSpPr>
-        <p:spPr>
-          <a:xfrm>
-            <a:off x="3341846" y="6260762"/>
-            <a:ext cx="2098304" cy="276999"/>
-          </a:xfrm>
-          <a:prstGeom prst="rect">
-            <a:avLst/>
-          </a:prstGeom>
-          <a:noFill/>
-        </p:spPr>
-        <p:txBody>
-          <a:bodyPr wrap="square" rtlCol="0">
-            <a:spAutoFit/>
-          </a:bodyPr>
-          <a:lstStyle/>
-          <a:p>
-            <a:pPr algn="ctr"/>
-            <a:r>
-              <a:rPr lang="id-ID" sz="1200" dirty="0" smtClean="0">
-                <a:latin typeface="Times New Roman" panose="02020603050405020304" pitchFamily="18" charset="0"/>
-                <a:cs typeface="Times New Roman" panose="02020603050405020304" pitchFamily="18" charset="0"/>
-              </a:rPr>
-              <a:t>Document Planning</a:t>
-            </a:r>
-            <a:endParaRPr lang="id-ID" sz="1200" dirty="0">
-              <a:latin typeface="Times New Roman" panose="02020603050405020304" pitchFamily="18" charset="0"/>
-              <a:cs typeface="Times New Roman" panose="02020603050405020304" pitchFamily="18" charset="0"/>
-            </a:endParaRPr>
-          </a:p>
-        </p:txBody>
-      </p:sp>
-      <p:sp>
-        <p:nvSpPr>
-          <p:cNvPr id="21" name="Rectangle 20"/>
-          <p:cNvSpPr/>
-          <p:nvPr/>
-        </p:nvSpPr>
-        <p:spPr>
-          <a:xfrm>
-            <a:off x="7650499" y="1187070"/>
-            <a:ext cx="2438401" cy="630378"/>
-          </a:xfrm>
-          <a:prstGeom prst="rect">
-            <a:avLst/>
-          </a:prstGeom>
-          <a:noFill/>
-          <a:ln>
-            <a:solidFill>
-              <a:schemeClr val="tx1"/>
-            </a:solidFill>
-          </a:ln>
-        </p:spPr>
-        <p:style>
-          <a:lnRef idx="2">
-            <a:schemeClr val="accent1">
-              <a:shade val="50000"/>
-            </a:schemeClr>
-          </a:lnRef>
-          <a:fillRef idx="1">
-            <a:schemeClr val="accent1"/>
-          </a:fillRef>
-          <a:effectRef idx="0">
-            <a:schemeClr val="accent1"/>
-          </a:effectRef>
-          <a:fontRef idx="minor">
-            <a:schemeClr val="lt1"/>
-          </a:fontRef>
-        </p:style>
-        <p:txBody>
-          <a:bodyPr rtlCol="0" anchor="ctr"/>
-          <a:lstStyle/>
-          <a:p>
-            <a:pPr algn="ctr"/>
-            <a:endParaRPr lang="id-ID" sz="1200">
-              <a:latin typeface="Times New Roman" panose="02020603050405020304" pitchFamily="18" charset="0"/>
-              <a:cs typeface="Times New Roman" panose="02020603050405020304" pitchFamily="18" charset="0"/>
-            </a:endParaRPr>
-          </a:p>
-        </p:txBody>
-      </p:sp>
-      <p:sp>
-        <p:nvSpPr>
-          <p:cNvPr id="22" name="TextBox 21"/>
-          <p:cNvSpPr txBox="1"/>
-          <p:nvPr/>
-        </p:nvSpPr>
-        <p:spPr>
-          <a:xfrm>
-            <a:off x="7650499" y="1376894"/>
-            <a:ext cx="2431141" cy="276999"/>
-          </a:xfrm>
-          <a:prstGeom prst="rect">
-            <a:avLst/>
-          </a:prstGeom>
-          <a:noFill/>
-        </p:spPr>
-        <p:txBody>
-          <a:bodyPr wrap="square" rtlCol="0">
-            <a:spAutoFit/>
-          </a:bodyPr>
-          <a:lstStyle/>
-          <a:p>
-            <a:pPr algn="ctr"/>
-            <a:r>
-              <a:rPr lang="id-ID" sz="1200" dirty="0" smtClean="0">
-                <a:latin typeface="Times New Roman" panose="02020603050405020304" pitchFamily="18" charset="0"/>
-                <a:cs typeface="Times New Roman" panose="02020603050405020304" pitchFamily="18" charset="0"/>
-              </a:rPr>
-              <a:t>Testing</a:t>
-            </a:r>
-            <a:endParaRPr lang="id-ID" sz="1200" dirty="0">
-              <a:latin typeface="Times New Roman" panose="02020603050405020304" pitchFamily="18" charset="0"/>
-              <a:cs typeface="Times New Roman" panose="02020603050405020304" pitchFamily="18" charset="0"/>
-            </a:endParaRPr>
-          </a:p>
-        </p:txBody>
-      </p:sp>
-      <p:sp>
-        <p:nvSpPr>
-          <p:cNvPr id="23" name="Rectangle 22"/>
-          <p:cNvSpPr/>
-          <p:nvPr/>
-        </p:nvSpPr>
-        <p:spPr>
-          <a:xfrm>
-            <a:off x="7643239" y="2007272"/>
-            <a:ext cx="2438401" cy="630378"/>
-          </a:xfrm>
-          <a:prstGeom prst="rect">
-            <a:avLst/>
-          </a:prstGeom>
-          <a:noFill/>
-          <a:ln>
-            <a:solidFill>
-              <a:schemeClr val="tx1"/>
-            </a:solidFill>
-          </a:ln>
-        </p:spPr>
-        <p:style>
-          <a:lnRef idx="2">
-            <a:schemeClr val="accent1">
-              <a:shade val="50000"/>
-            </a:schemeClr>
-          </a:lnRef>
-          <a:fillRef idx="1">
-            <a:schemeClr val="accent1"/>
-          </a:fillRef>
-          <a:effectRef idx="0">
-            <a:schemeClr val="accent1"/>
-          </a:effectRef>
-          <a:fontRef idx="minor">
-            <a:schemeClr val="lt1"/>
-          </a:fontRef>
-        </p:style>
-        <p:txBody>
-          <a:bodyPr rtlCol="0" anchor="ctr"/>
-          <a:lstStyle/>
-          <a:p>
-            <a:pPr algn="ctr"/>
-            <a:endParaRPr lang="id-ID" sz="1200">
-              <a:latin typeface="Times New Roman" panose="02020603050405020304" pitchFamily="18" charset="0"/>
-              <a:cs typeface="Times New Roman" panose="02020603050405020304" pitchFamily="18" charset="0"/>
-            </a:endParaRPr>
-          </a:p>
-        </p:txBody>
-      </p:sp>
-      <p:sp>
-        <p:nvSpPr>
-          <p:cNvPr id="24" name="TextBox 23"/>
-          <p:cNvSpPr txBox="1"/>
-          <p:nvPr/>
-        </p:nvSpPr>
-        <p:spPr>
-          <a:xfrm>
-            <a:off x="7643239" y="2197096"/>
-            <a:ext cx="2431141" cy="276999"/>
-          </a:xfrm>
-          <a:prstGeom prst="rect">
-            <a:avLst/>
-          </a:prstGeom>
-          <a:noFill/>
-        </p:spPr>
-        <p:txBody>
-          <a:bodyPr wrap="square" rtlCol="0">
-            <a:spAutoFit/>
-          </a:bodyPr>
-          <a:lstStyle/>
-          <a:p>
-            <a:pPr algn="ctr"/>
-            <a:r>
-              <a:rPr lang="id-ID" sz="1200" dirty="0" smtClean="0">
-                <a:latin typeface="Times New Roman" panose="02020603050405020304" pitchFamily="18" charset="0"/>
-                <a:cs typeface="Times New Roman" panose="02020603050405020304" pitchFamily="18" charset="0"/>
-              </a:rPr>
-              <a:t>Deployment</a:t>
-            </a:r>
-            <a:endParaRPr lang="id-ID" sz="1200" dirty="0">
-              <a:latin typeface="Times New Roman" panose="02020603050405020304" pitchFamily="18" charset="0"/>
-              <a:cs typeface="Times New Roman" panose="02020603050405020304" pitchFamily="18" charset="0"/>
-            </a:endParaRPr>
-          </a:p>
-        </p:txBody>
-      </p:sp>
-      <p:sp>
-        <p:nvSpPr>
-          <p:cNvPr id="25" name="Rectangle 24"/>
-          <p:cNvSpPr/>
-          <p:nvPr/>
-        </p:nvSpPr>
-        <p:spPr>
-          <a:xfrm>
-            <a:off x="7650499" y="2790012"/>
-            <a:ext cx="2438401" cy="630378"/>
-          </a:xfrm>
-          <a:prstGeom prst="rect">
-            <a:avLst/>
-          </a:prstGeom>
-          <a:noFill/>
-          <a:ln>
-            <a:solidFill>
-              <a:schemeClr val="tx1"/>
-            </a:solidFill>
-          </a:ln>
-        </p:spPr>
-        <p:style>
-          <a:lnRef idx="2">
-            <a:schemeClr val="accent1">
-              <a:shade val="50000"/>
-            </a:schemeClr>
-          </a:lnRef>
-          <a:fillRef idx="1">
-            <a:schemeClr val="accent1"/>
-          </a:fillRef>
-          <a:effectRef idx="0">
-            <a:schemeClr val="accent1"/>
-          </a:effectRef>
-          <a:fontRef idx="minor">
-            <a:schemeClr val="lt1"/>
-          </a:fontRef>
-        </p:style>
-        <p:txBody>
-          <a:bodyPr rtlCol="0" anchor="ctr"/>
-          <a:lstStyle/>
-          <a:p>
-            <a:pPr algn="ctr"/>
-            <a:endParaRPr lang="id-ID" sz="1200">
-              <a:latin typeface="Times New Roman" panose="02020603050405020304" pitchFamily="18" charset="0"/>
-              <a:cs typeface="Times New Roman" panose="02020603050405020304" pitchFamily="18" charset="0"/>
-            </a:endParaRPr>
-          </a:p>
-        </p:txBody>
-      </p:sp>
-      <p:sp>
-        <p:nvSpPr>
-          <p:cNvPr id="26" name="TextBox 25"/>
-          <p:cNvSpPr txBox="1"/>
-          <p:nvPr/>
-        </p:nvSpPr>
-        <p:spPr>
-          <a:xfrm>
-            <a:off x="7650499" y="2979836"/>
-            <a:ext cx="2431141" cy="276999"/>
-          </a:xfrm>
-          <a:prstGeom prst="rect">
-            <a:avLst/>
-          </a:prstGeom>
-          <a:noFill/>
-        </p:spPr>
-        <p:txBody>
-          <a:bodyPr wrap="square" rtlCol="0">
-            <a:spAutoFit/>
-          </a:bodyPr>
-          <a:lstStyle/>
-          <a:p>
-            <a:pPr algn="ctr"/>
-            <a:r>
-              <a:rPr lang="id-ID" sz="1200" dirty="0" smtClean="0">
-                <a:latin typeface="Times New Roman" panose="02020603050405020304" pitchFamily="18" charset="0"/>
-                <a:cs typeface="Times New Roman" panose="02020603050405020304" pitchFamily="18" charset="0"/>
-              </a:rPr>
-              <a:t>Maintenance</a:t>
-            </a:r>
-            <a:endParaRPr lang="id-ID" sz="1200" dirty="0">
-              <a:latin typeface="Times New Roman" panose="02020603050405020304" pitchFamily="18" charset="0"/>
-              <a:cs typeface="Times New Roman" panose="02020603050405020304" pitchFamily="18" charset="0"/>
-            </a:endParaRPr>
-          </a:p>
-        </p:txBody>
-      </p:sp>
-      <p:sp>
-        <p:nvSpPr>
-          <p:cNvPr id="27" name="TextBox 26"/>
-          <p:cNvSpPr txBox="1"/>
-          <p:nvPr/>
-        </p:nvSpPr>
-        <p:spPr>
-          <a:xfrm>
-            <a:off x="1815352" y="86042"/>
-            <a:ext cx="5674659" cy="276999"/>
-          </a:xfrm>
-          <a:prstGeom prst="rect">
-            <a:avLst/>
-          </a:prstGeom>
-          <a:noFill/>
-        </p:spPr>
-        <p:txBody>
-          <a:bodyPr wrap="square" rtlCol="0">
-            <a:spAutoFit/>
-          </a:bodyPr>
-          <a:lstStyle/>
-          <a:p>
-            <a:pPr algn="ctr"/>
-            <a:r>
-              <a:rPr lang="en-ID" sz="1200" dirty="0" err="1" smtClean="0">
-                <a:latin typeface="Times New Roman" panose="02020603050405020304" pitchFamily="18" charset="0"/>
-                <a:cs typeface="Times New Roman" panose="02020603050405020304" pitchFamily="18" charset="0"/>
-              </a:rPr>
-              <a:t>Pengembangan</a:t>
-            </a:r>
-            <a:r>
-              <a:rPr lang="en-ID" sz="1200" dirty="0" smtClean="0">
-                <a:latin typeface="Times New Roman" panose="02020603050405020304" pitchFamily="18" charset="0"/>
-                <a:cs typeface="Times New Roman" panose="02020603050405020304" pitchFamily="18" charset="0"/>
-              </a:rPr>
-              <a:t> Model D2T </a:t>
-            </a:r>
-            <a:r>
-              <a:rPr lang="en-ID" sz="1200" dirty="0" err="1" smtClean="0">
-                <a:latin typeface="Times New Roman" panose="02020603050405020304" pitchFamily="18" charset="0"/>
-                <a:cs typeface="Times New Roman" panose="02020603050405020304" pitchFamily="18" charset="0"/>
-              </a:rPr>
-              <a:t>untuk</a:t>
-            </a:r>
-            <a:r>
-              <a:rPr lang="en-ID" sz="1200" dirty="0" smtClean="0">
-                <a:latin typeface="Times New Roman" panose="02020603050405020304" pitchFamily="18" charset="0"/>
-                <a:cs typeface="Times New Roman" panose="02020603050405020304" pitchFamily="18" charset="0"/>
-              </a:rPr>
-              <a:t> Data General</a:t>
-            </a:r>
-            <a:endParaRPr lang="id-ID" sz="1200" dirty="0">
-              <a:latin typeface="Times New Roman" panose="02020603050405020304" pitchFamily="18" charset="0"/>
-              <a:cs typeface="Times New Roman" panose="02020603050405020304" pitchFamily="18" charset="0"/>
-            </a:endParaRPr>
-          </a:p>
-        </p:txBody>
-      </p:sp>
-      <p:cxnSp>
-        <p:nvCxnSpPr>
-          <p:cNvPr id="30" name="Straight Arrow Connector 29"/>
-          <p:cNvCxnSpPr/>
-          <p:nvPr/>
-        </p:nvCxnSpPr>
-        <p:spPr>
-          <a:xfrm>
-            <a:off x="4258286" y="787588"/>
-            <a:ext cx="0" cy="223062"/>
-          </a:xfrm>
-          <a:prstGeom prst="straightConnector1">
-            <a:avLst/>
-          </a:prstGeom>
-          <a:ln>
-            <a:tailEnd type="triangle"/>
-          </a:ln>
-        </p:spPr>
-        <p:style>
-          <a:lnRef idx="1">
-            <a:schemeClr val="dk1"/>
-          </a:lnRef>
-          <a:fillRef idx="0">
-            <a:schemeClr val="dk1"/>
-          </a:fillRef>
-          <a:effectRef idx="0">
-            <a:schemeClr val="dk1"/>
-          </a:effectRef>
-          <a:fontRef idx="minor">
-            <a:schemeClr val="tx1"/>
-          </a:fontRef>
-        </p:style>
-      </p:cxnSp>
-      <p:sp>
-        <p:nvSpPr>
-          <p:cNvPr id="31" name="Rectangle 30"/>
-          <p:cNvSpPr/>
-          <p:nvPr/>
-        </p:nvSpPr>
-        <p:spPr>
-          <a:xfrm>
-            <a:off x="3349106" y="6832936"/>
-            <a:ext cx="2104570" cy="544076"/>
-          </a:xfrm>
-          <a:prstGeom prst="rect">
-            <a:avLst/>
-          </a:prstGeom>
-          <a:noFill/>
-          <a:ln>
-            <a:solidFill>
-              <a:schemeClr val="tx1"/>
-            </a:solidFill>
-          </a:ln>
-        </p:spPr>
-        <p:style>
-          <a:lnRef idx="2">
-            <a:schemeClr val="accent1">
-              <a:shade val="50000"/>
-            </a:schemeClr>
-          </a:lnRef>
-          <a:fillRef idx="1">
-            <a:schemeClr val="accent1"/>
-          </a:fillRef>
-          <a:effectRef idx="0">
-            <a:schemeClr val="accent1"/>
-          </a:effectRef>
-          <a:fontRef idx="minor">
-            <a:schemeClr val="lt1"/>
-          </a:fontRef>
-        </p:style>
-        <p:txBody>
-          <a:bodyPr rtlCol="0" anchor="ctr"/>
-          <a:lstStyle/>
-          <a:p>
-            <a:pPr algn="ctr"/>
-            <a:endParaRPr lang="id-ID" sz="1200">
-              <a:latin typeface="Times New Roman" panose="02020603050405020304" pitchFamily="18" charset="0"/>
-              <a:cs typeface="Times New Roman" panose="02020603050405020304" pitchFamily="18" charset="0"/>
-            </a:endParaRPr>
-          </a:p>
-        </p:txBody>
-      </p:sp>
-      <p:sp>
-        <p:nvSpPr>
-          <p:cNvPr id="32" name="TextBox 31"/>
-          <p:cNvSpPr txBox="1"/>
-          <p:nvPr/>
-        </p:nvSpPr>
-        <p:spPr>
-          <a:xfrm>
-            <a:off x="3349106" y="6979219"/>
-            <a:ext cx="2098304" cy="276999"/>
-          </a:xfrm>
-          <a:prstGeom prst="rect">
-            <a:avLst/>
-          </a:prstGeom>
-          <a:noFill/>
-        </p:spPr>
-        <p:txBody>
-          <a:bodyPr wrap="square" rtlCol="0">
-            <a:spAutoFit/>
-          </a:bodyPr>
-          <a:lstStyle/>
-          <a:p>
-            <a:pPr algn="ctr"/>
-            <a:r>
-              <a:rPr lang="id-ID" sz="1200" dirty="0" smtClean="0">
-                <a:latin typeface="Times New Roman" panose="02020603050405020304" pitchFamily="18" charset="0"/>
-                <a:cs typeface="Times New Roman" panose="02020603050405020304" pitchFamily="18" charset="0"/>
-              </a:rPr>
-              <a:t>Microplanning &amp; Realisation</a:t>
-            </a:r>
-            <a:endParaRPr lang="id-ID" sz="1200" dirty="0">
-              <a:latin typeface="Times New Roman" panose="02020603050405020304" pitchFamily="18" charset="0"/>
-              <a:cs typeface="Times New Roman" panose="02020603050405020304" pitchFamily="18" charset="0"/>
-            </a:endParaRPr>
-          </a:p>
-        </p:txBody>
-      </p:sp>
-      <p:cxnSp>
-        <p:nvCxnSpPr>
-          <p:cNvPr id="34" name="Straight Arrow Connector 33"/>
-          <p:cNvCxnSpPr/>
-          <p:nvPr/>
-        </p:nvCxnSpPr>
-        <p:spPr>
-          <a:xfrm>
-            <a:off x="4385883" y="4276689"/>
-            <a:ext cx="0" cy="223062"/>
-          </a:xfrm>
-          <a:prstGeom prst="straightConnector1">
-            <a:avLst/>
-          </a:prstGeom>
-          <a:ln>
-            <a:tailEnd type="triangle"/>
-          </a:ln>
-        </p:spPr>
-        <p:style>
-          <a:lnRef idx="1">
-            <a:schemeClr val="dk1"/>
-          </a:lnRef>
-          <a:fillRef idx="0">
-            <a:schemeClr val="dk1"/>
-          </a:fillRef>
-          <a:effectRef idx="0">
-            <a:schemeClr val="dk1"/>
-          </a:effectRef>
-          <a:fontRef idx="minor">
-            <a:schemeClr val="tx1"/>
-          </a:fontRef>
-        </p:style>
-      </p:cxnSp>
-      <p:cxnSp>
-        <p:nvCxnSpPr>
-          <p:cNvPr id="35" name="Straight Arrow Connector 34"/>
-          <p:cNvCxnSpPr/>
-          <p:nvPr/>
-        </p:nvCxnSpPr>
-        <p:spPr>
-          <a:xfrm>
-            <a:off x="8898739" y="1784210"/>
-            <a:ext cx="0" cy="223062"/>
-          </a:xfrm>
-          <a:prstGeom prst="straightConnector1">
-            <a:avLst/>
-          </a:prstGeom>
-          <a:ln>
-            <a:tailEnd type="triangle"/>
-          </a:ln>
-        </p:spPr>
-        <p:style>
-          <a:lnRef idx="1">
-            <a:schemeClr val="dk1"/>
-          </a:lnRef>
-          <a:fillRef idx="0">
-            <a:schemeClr val="dk1"/>
-          </a:fillRef>
-          <a:effectRef idx="0">
-            <a:schemeClr val="dk1"/>
-          </a:effectRef>
-          <a:fontRef idx="minor">
-            <a:schemeClr val="tx1"/>
-          </a:fontRef>
-        </p:style>
-      </p:cxnSp>
-      <p:cxnSp>
-        <p:nvCxnSpPr>
-          <p:cNvPr id="36" name="Straight Arrow Connector 35"/>
-          <p:cNvCxnSpPr/>
-          <p:nvPr/>
-        </p:nvCxnSpPr>
-        <p:spPr>
-          <a:xfrm>
-            <a:off x="8886405" y="2623136"/>
-            <a:ext cx="0" cy="223062"/>
-          </a:xfrm>
-          <a:prstGeom prst="straightConnector1">
-            <a:avLst/>
-          </a:prstGeom>
-          <a:ln>
-            <a:tailEnd type="triangle"/>
-          </a:ln>
-        </p:spPr>
-        <p:style>
-          <a:lnRef idx="1">
-            <a:schemeClr val="dk1"/>
-          </a:lnRef>
-          <a:fillRef idx="0">
-            <a:schemeClr val="dk1"/>
-          </a:fillRef>
-          <a:effectRef idx="0">
-            <a:schemeClr val="dk1"/>
-          </a:effectRef>
-          <a:fontRef idx="minor">
-            <a:schemeClr val="tx1"/>
-          </a:fontRef>
-        </p:style>
-      </p:cxnSp>
-      <p:cxnSp>
-        <p:nvCxnSpPr>
-          <p:cNvPr id="37" name="Straight Arrow Connector 36"/>
-          <p:cNvCxnSpPr/>
-          <p:nvPr/>
-        </p:nvCxnSpPr>
-        <p:spPr>
-          <a:xfrm>
-            <a:off x="4258286" y="2677991"/>
-            <a:ext cx="0" cy="223062"/>
-          </a:xfrm>
-          <a:prstGeom prst="straightConnector1">
-            <a:avLst/>
-          </a:prstGeom>
-          <a:ln>
-            <a:tailEnd type="triangle"/>
-          </a:ln>
-        </p:spPr>
-        <p:style>
-          <a:lnRef idx="1">
-            <a:schemeClr val="dk1"/>
-          </a:lnRef>
-          <a:fillRef idx="0">
-            <a:schemeClr val="dk1"/>
-          </a:fillRef>
-          <a:effectRef idx="0">
-            <a:schemeClr val="dk1"/>
-          </a:effectRef>
-          <a:fontRef idx="minor">
-            <a:schemeClr val="tx1"/>
-          </a:fontRef>
-        </p:style>
-      </p:cxnSp>
+        </p:txBody>
+      </p:sp>
     </p:spTree>
     <p:extLst>
       <p:ext uri="{BB962C8B-B14F-4D97-AF65-F5344CB8AC3E}">
@@ -7061,7 +7663,27 @@
       </a:bgFillStyleLst>
     </a:fmtScheme>
   </a:themeElements>
-  <a:objectDefaults/>
+  <a:objectDefaults>
+    <a:lnDef>
+      <a:spPr/>
+      <a:bodyPr/>
+      <a:lstStyle/>
+      <a:style>
+        <a:lnRef idx="1">
+          <a:schemeClr val="dk1"/>
+        </a:lnRef>
+        <a:fillRef idx="0">
+          <a:schemeClr val="dk1"/>
+        </a:fillRef>
+        <a:effectRef idx="0">
+          <a:schemeClr val="dk1"/>
+        </a:effectRef>
+        <a:fontRef idx="minor">
+          <a:schemeClr val="tx1"/>
+        </a:fontRef>
+      </a:style>
+    </a:lnDef>
+  </a:objectDefaults>
   <a:extraClrSchemeLst/>
   <a:extLst>
     <a:ext uri="{05A4C25C-085E-4340-85A3-A5531E510DB2}">

--- a/Resource/Skripsi/Desain Penelitian.pptx
+++ b/Resource/Skripsi/Desain Penelitian.pptx
@@ -7,6 +7,7 @@
   <p:sldIdLst>
     <p:sldId id="256" r:id="rId2"/>
     <p:sldId id="257" r:id="rId3"/>
+    <p:sldId id="258" r:id="rId4"/>
   </p:sldIdLst>
   <p:sldSz cx="12192000" cy="6858000"/>
   <p:notesSz cx="6858000" cy="9144000"/>
@@ -244,7 +245,7 @@
           <a:p>
             <a:fld id="{C6FC749A-EAD3-4020-A427-C54C9831C0FF}" type="datetimeFigureOut">
               <a:rPr lang="id-ID" smtClean="0"/>
-              <a:t>12/08/2018</a:t>
+              <a:t>24/08/2018</a:t>
             </a:fld>
             <a:endParaRPr lang="id-ID"/>
           </a:p>
@@ -414,7 +415,7 @@
           <a:p>
             <a:fld id="{C6FC749A-EAD3-4020-A427-C54C9831C0FF}" type="datetimeFigureOut">
               <a:rPr lang="id-ID" smtClean="0"/>
-              <a:t>12/08/2018</a:t>
+              <a:t>24/08/2018</a:t>
             </a:fld>
             <a:endParaRPr lang="id-ID"/>
           </a:p>
@@ -594,7 +595,7 @@
           <a:p>
             <a:fld id="{C6FC749A-EAD3-4020-A427-C54C9831C0FF}" type="datetimeFigureOut">
               <a:rPr lang="id-ID" smtClean="0"/>
-              <a:t>12/08/2018</a:t>
+              <a:t>24/08/2018</a:t>
             </a:fld>
             <a:endParaRPr lang="id-ID"/>
           </a:p>
@@ -764,7 +765,7 @@
           <a:p>
             <a:fld id="{C6FC749A-EAD3-4020-A427-C54C9831C0FF}" type="datetimeFigureOut">
               <a:rPr lang="id-ID" smtClean="0"/>
-              <a:t>12/08/2018</a:t>
+              <a:t>24/08/2018</a:t>
             </a:fld>
             <a:endParaRPr lang="id-ID"/>
           </a:p>
@@ -1010,7 +1011,7 @@
           <a:p>
             <a:fld id="{C6FC749A-EAD3-4020-A427-C54C9831C0FF}" type="datetimeFigureOut">
               <a:rPr lang="id-ID" smtClean="0"/>
-              <a:t>12/08/2018</a:t>
+              <a:t>24/08/2018</a:t>
             </a:fld>
             <a:endParaRPr lang="id-ID"/>
           </a:p>
@@ -1242,7 +1243,7 @@
           <a:p>
             <a:fld id="{C6FC749A-EAD3-4020-A427-C54C9831C0FF}" type="datetimeFigureOut">
               <a:rPr lang="id-ID" smtClean="0"/>
-              <a:t>12/08/2018</a:t>
+              <a:t>24/08/2018</a:t>
             </a:fld>
             <a:endParaRPr lang="id-ID"/>
           </a:p>
@@ -1609,7 +1610,7 @@
           <a:p>
             <a:fld id="{C6FC749A-EAD3-4020-A427-C54C9831C0FF}" type="datetimeFigureOut">
               <a:rPr lang="id-ID" smtClean="0"/>
-              <a:t>12/08/2018</a:t>
+              <a:t>24/08/2018</a:t>
             </a:fld>
             <a:endParaRPr lang="id-ID"/>
           </a:p>
@@ -1727,7 +1728,7 @@
           <a:p>
             <a:fld id="{C6FC749A-EAD3-4020-A427-C54C9831C0FF}" type="datetimeFigureOut">
               <a:rPr lang="id-ID" smtClean="0"/>
-              <a:t>12/08/2018</a:t>
+              <a:t>24/08/2018</a:t>
             </a:fld>
             <a:endParaRPr lang="id-ID"/>
           </a:p>
@@ -1822,7 +1823,7 @@
           <a:p>
             <a:fld id="{C6FC749A-EAD3-4020-A427-C54C9831C0FF}" type="datetimeFigureOut">
               <a:rPr lang="id-ID" smtClean="0"/>
-              <a:t>12/08/2018</a:t>
+              <a:t>24/08/2018</a:t>
             </a:fld>
             <a:endParaRPr lang="id-ID"/>
           </a:p>
@@ -2099,7 +2100,7 @@
           <a:p>
             <a:fld id="{C6FC749A-EAD3-4020-A427-C54C9831C0FF}" type="datetimeFigureOut">
               <a:rPr lang="id-ID" smtClean="0"/>
-              <a:t>12/08/2018</a:t>
+              <a:t>24/08/2018</a:t>
             </a:fld>
             <a:endParaRPr lang="id-ID"/>
           </a:p>
@@ -2352,7 +2353,7 @@
           <a:p>
             <a:fld id="{C6FC749A-EAD3-4020-A427-C54C9831C0FF}" type="datetimeFigureOut">
               <a:rPr lang="id-ID" smtClean="0"/>
-              <a:t>12/08/2018</a:t>
+              <a:t>24/08/2018</a:t>
             </a:fld>
             <a:endParaRPr lang="id-ID"/>
           </a:p>
@@ -2565,7 +2566,7 @@
           <a:p>
             <a:fld id="{C6FC749A-EAD3-4020-A427-C54C9831C0FF}" type="datetimeFigureOut">
               <a:rPr lang="id-ID" smtClean="0"/>
-              <a:t>12/08/2018</a:t>
+              <a:t>24/08/2018</a:t>
             </a:fld>
             <a:endParaRPr lang="id-ID"/>
           </a:p>
@@ -5347,8 +5348,8 @@
         </p:nvGrpSpPr>
         <p:grpSpPr>
           <a:xfrm>
-            <a:off x="5398744" y="-379618"/>
-            <a:ext cx="2580404" cy="2508146"/>
+            <a:off x="5398744" y="-583025"/>
+            <a:ext cx="2580404" cy="2711553"/>
             <a:chOff x="0" y="1601753"/>
             <a:chExt cx="2580404" cy="2508146"/>
           </a:xfrm>
@@ -5807,7 +5808,7 @@
         <p:grpSpPr>
           <a:xfrm>
             <a:off x="2511377" y="2466527"/>
-            <a:ext cx="5467772" cy="4338466"/>
+            <a:ext cx="5407595" cy="4338466"/>
             <a:chOff x="4792334" y="1254468"/>
             <a:chExt cx="5467772" cy="4233844"/>
           </a:xfrm>
@@ -6087,10 +6088,6 @@
                 </a:rPr>
                 <a:t>Fuzzy Generator</a:t>
               </a:r>
-              <a:endParaRPr lang="en-ID" sz="1200" dirty="0" smtClean="0">
-                <a:latin typeface="Times New Roman" panose="02020603050405020304" pitchFamily="18" charset="0"/>
-                <a:cs typeface="Times New Roman" panose="02020603050405020304" pitchFamily="18" charset="0"/>
-              </a:endParaRPr>
             </a:p>
             <a:p>
               <a:pPr marL="228600" indent="-228600">
@@ -6877,10 +6874,6 @@
                 </a:rPr>
                 <a:t>Maintenance</a:t>
               </a:r>
-              <a:endParaRPr lang="en-ID" sz="1200" dirty="0" smtClean="0">
-                <a:latin typeface="Times New Roman" panose="02020603050405020304" pitchFamily="18" charset="0"/>
-                <a:cs typeface="Times New Roman" panose="02020603050405020304" pitchFamily="18" charset="0"/>
-              </a:endParaRPr>
             </a:p>
           </p:txBody>
         </p:sp>
@@ -7403,6 +7396,5267 @@
     <p:extLst>
       <p:ext uri="{BB962C8B-B14F-4D97-AF65-F5344CB8AC3E}">
         <p14:creationId xmlns:p14="http://schemas.microsoft.com/office/powerpoint/2010/main" val="3740406668"/>
+      </p:ext>
+    </p:extLst>
+  </p:cSld>
+  <p:clrMapOvr>
+    <a:masterClrMapping/>
+  </p:clrMapOvr>
+</p:sld>
+</file>
+
+<file path=ppt/slides/slide3.xml><?xml version="1.0" encoding="utf-8"?>
+<p:sld xmlns:a="http://schemas.openxmlformats.org/drawingml/2006/main" xmlns:r="http://schemas.openxmlformats.org/officeDocument/2006/relationships" xmlns:p="http://schemas.openxmlformats.org/presentationml/2006/main">
+  <p:cSld>
+    <p:spTree>
+      <p:nvGrpSpPr>
+        <p:cNvPr id="1" name=""/>
+        <p:cNvGrpSpPr/>
+        <p:nvPr/>
+      </p:nvGrpSpPr>
+      <p:grpSpPr>
+        <a:xfrm>
+          <a:off x="0" y="0"/>
+          <a:ext cx="0" cy="0"/>
+          <a:chOff x="0" y="0"/>
+          <a:chExt cx="0" cy="0"/>
+        </a:xfrm>
+      </p:grpSpPr>
+      <p:grpSp>
+        <p:nvGrpSpPr>
+          <p:cNvPr id="15" name="Group 14"/>
+          <p:cNvGrpSpPr/>
+          <p:nvPr/>
+        </p:nvGrpSpPr>
+        <p:grpSpPr>
+          <a:xfrm>
+            <a:off x="4529757" y="269533"/>
+            <a:ext cx="2110836" cy="350141"/>
+            <a:chOff x="4491825" y="385124"/>
+            <a:chExt cx="2110836" cy="350141"/>
+          </a:xfrm>
+        </p:grpSpPr>
+        <p:sp>
+          <p:nvSpPr>
+            <p:cNvPr id="8" name="Rectangle 7"/>
+            <p:cNvSpPr/>
+            <p:nvPr/>
+          </p:nvSpPr>
+          <p:spPr>
+            <a:xfrm>
+              <a:off x="4491825" y="385124"/>
+              <a:ext cx="2104570" cy="350141"/>
+            </a:xfrm>
+            <a:prstGeom prst="rect">
+              <a:avLst/>
+            </a:prstGeom>
+            <a:noFill/>
+            <a:ln>
+              <a:solidFill>
+                <a:schemeClr val="bg1">
+                  <a:lumMod val="50000"/>
+                </a:schemeClr>
+              </a:solidFill>
+            </a:ln>
+          </p:spPr>
+          <p:style>
+            <a:lnRef idx="2">
+              <a:schemeClr val="accent1">
+                <a:shade val="50000"/>
+              </a:schemeClr>
+            </a:lnRef>
+            <a:fillRef idx="1">
+              <a:schemeClr val="accent1"/>
+            </a:fillRef>
+            <a:effectRef idx="0">
+              <a:schemeClr val="accent1"/>
+            </a:effectRef>
+            <a:fontRef idx="minor">
+              <a:schemeClr val="lt1"/>
+            </a:fontRef>
+          </p:style>
+          <p:txBody>
+            <a:bodyPr rtlCol="0" anchor="ctr"/>
+            <a:lstStyle/>
+            <a:p>
+              <a:pPr algn="ctr"/>
+              <a:endParaRPr lang="id-ID" sz="1000">
+                <a:latin typeface="Times New Roman" panose="02020603050405020304" pitchFamily="18" charset="0"/>
+                <a:cs typeface="Times New Roman" panose="02020603050405020304" pitchFamily="18" charset="0"/>
+              </a:endParaRPr>
+            </a:p>
+          </p:txBody>
+        </p:sp>
+        <p:sp>
+          <p:nvSpPr>
+            <p:cNvPr id="9" name="TextBox 8"/>
+            <p:cNvSpPr txBox="1"/>
+            <p:nvPr/>
+          </p:nvSpPr>
+          <p:spPr>
+            <a:xfrm>
+              <a:off x="4504357" y="434170"/>
+              <a:ext cx="2098304" cy="253916"/>
+            </a:xfrm>
+            <a:prstGeom prst="rect">
+              <a:avLst/>
+            </a:prstGeom>
+            <a:noFill/>
+          </p:spPr>
+          <p:txBody>
+            <a:bodyPr wrap="square" rtlCol="0">
+              <a:spAutoFit/>
+            </a:bodyPr>
+            <a:lstStyle/>
+            <a:p>
+              <a:pPr algn="ctr"/>
+              <a:r>
+                <a:rPr lang="en-ID" sz="1000" b="1" dirty="0" smtClean="0">
+                  <a:cs typeface="Times New Roman" panose="02020603050405020304" pitchFamily="18" charset="0"/>
+                </a:rPr>
+                <a:t>DATASET</a:t>
+              </a:r>
+              <a:endParaRPr lang="id-ID" sz="1000" b="1" dirty="0">
+                <a:cs typeface="Times New Roman" panose="02020603050405020304" pitchFamily="18" charset="0"/>
+              </a:endParaRPr>
+            </a:p>
+          </p:txBody>
+        </p:sp>
+      </p:grpSp>
+      <p:grpSp>
+        <p:nvGrpSpPr>
+          <p:cNvPr id="14" name="Group 13"/>
+          <p:cNvGrpSpPr/>
+          <p:nvPr/>
+        </p:nvGrpSpPr>
+        <p:grpSpPr>
+          <a:xfrm>
+            <a:off x="4533560" y="967652"/>
+            <a:ext cx="2091074" cy="7223848"/>
+            <a:chOff x="4529925" y="950609"/>
+            <a:chExt cx="2098304" cy="5695776"/>
+          </a:xfrm>
+        </p:grpSpPr>
+        <p:sp>
+          <p:nvSpPr>
+            <p:cNvPr id="10" name="Rectangle 9"/>
+            <p:cNvSpPr/>
+            <p:nvPr/>
+          </p:nvSpPr>
+          <p:spPr>
+            <a:xfrm>
+              <a:off x="4730395" y="950609"/>
+              <a:ext cx="1702919" cy="5695776"/>
+            </a:xfrm>
+            <a:prstGeom prst="rect">
+              <a:avLst/>
+            </a:prstGeom>
+            <a:noFill/>
+            <a:ln>
+              <a:solidFill>
+                <a:schemeClr val="bg1">
+                  <a:lumMod val="50000"/>
+                </a:schemeClr>
+              </a:solidFill>
+              <a:prstDash val="dash"/>
+            </a:ln>
+          </p:spPr>
+          <p:style>
+            <a:lnRef idx="2">
+              <a:schemeClr val="accent1">
+                <a:shade val="50000"/>
+              </a:schemeClr>
+            </a:lnRef>
+            <a:fillRef idx="1">
+              <a:schemeClr val="accent1"/>
+            </a:fillRef>
+            <a:effectRef idx="0">
+              <a:schemeClr val="accent1"/>
+            </a:effectRef>
+            <a:fontRef idx="minor">
+              <a:schemeClr val="lt1"/>
+            </a:fontRef>
+          </p:style>
+          <p:txBody>
+            <a:bodyPr rtlCol="0" anchor="ctr"/>
+            <a:lstStyle/>
+            <a:p>
+              <a:pPr algn="ctr"/>
+              <a:endParaRPr lang="id-ID" sz="1000">
+                <a:latin typeface="Times New Roman" panose="02020603050405020304" pitchFamily="18" charset="0"/>
+                <a:cs typeface="Times New Roman" panose="02020603050405020304" pitchFamily="18" charset="0"/>
+              </a:endParaRPr>
+            </a:p>
+          </p:txBody>
+        </p:sp>
+        <p:sp>
+          <p:nvSpPr>
+            <p:cNvPr id="11" name="TextBox 10"/>
+            <p:cNvSpPr txBox="1"/>
+            <p:nvPr/>
+          </p:nvSpPr>
+          <p:spPr>
+            <a:xfrm>
+              <a:off x="4529925" y="1007697"/>
+              <a:ext cx="2098304" cy="253916"/>
+            </a:xfrm>
+            <a:prstGeom prst="rect">
+              <a:avLst/>
+            </a:prstGeom>
+            <a:noFill/>
+          </p:spPr>
+          <p:txBody>
+            <a:bodyPr wrap="square" rtlCol="0">
+              <a:spAutoFit/>
+            </a:bodyPr>
+            <a:lstStyle/>
+            <a:p>
+              <a:pPr algn="ctr"/>
+              <a:r>
+                <a:rPr lang="en-ID" sz="1000" b="1" dirty="0" smtClean="0">
+                  <a:cs typeface="Times New Roman" panose="02020603050405020304" pitchFamily="18" charset="0"/>
+                </a:rPr>
+                <a:t>D2T</a:t>
+              </a:r>
+              <a:endParaRPr lang="id-ID" sz="1000" b="1" dirty="0">
+                <a:cs typeface="Times New Roman" panose="02020603050405020304" pitchFamily="18" charset="0"/>
+              </a:endParaRPr>
+            </a:p>
+          </p:txBody>
+        </p:sp>
+      </p:grpSp>
+      <p:sp>
+        <p:nvSpPr>
+          <p:cNvPr id="12" name="Rectangle 11"/>
+          <p:cNvSpPr/>
+          <p:nvPr/>
+        </p:nvSpPr>
+        <p:spPr>
+          <a:xfrm>
+            <a:off x="4842978" y="1401492"/>
+            <a:ext cx="1465478" cy="350141"/>
+          </a:xfrm>
+          <a:prstGeom prst="rect">
+            <a:avLst/>
+          </a:prstGeom>
+          <a:noFill/>
+          <a:ln>
+            <a:solidFill>
+              <a:schemeClr val="bg1">
+                <a:lumMod val="50000"/>
+              </a:schemeClr>
+            </a:solidFill>
+          </a:ln>
+        </p:spPr>
+        <p:style>
+          <a:lnRef idx="2">
+            <a:schemeClr val="accent1">
+              <a:shade val="50000"/>
+            </a:schemeClr>
+          </a:lnRef>
+          <a:fillRef idx="1">
+            <a:schemeClr val="accent1"/>
+          </a:fillRef>
+          <a:effectRef idx="0">
+            <a:schemeClr val="accent1"/>
+          </a:effectRef>
+          <a:fontRef idx="minor">
+            <a:schemeClr val="lt1"/>
+          </a:fontRef>
+        </p:style>
+        <p:txBody>
+          <a:bodyPr rtlCol="0" anchor="ctr"/>
+          <a:lstStyle/>
+          <a:p>
+            <a:pPr algn="ctr"/>
+            <a:endParaRPr lang="id-ID" sz="1000">
+              <a:latin typeface="Times New Roman" panose="02020603050405020304" pitchFamily="18" charset="0"/>
+              <a:cs typeface="Times New Roman" panose="02020603050405020304" pitchFamily="18" charset="0"/>
+            </a:endParaRPr>
+          </a:p>
+        </p:txBody>
+      </p:sp>
+      <p:sp>
+        <p:nvSpPr>
+          <p:cNvPr id="13" name="TextBox 12"/>
+          <p:cNvSpPr txBox="1"/>
+          <p:nvPr/>
+        </p:nvSpPr>
+        <p:spPr>
+          <a:xfrm>
+            <a:off x="4852854" y="1449234"/>
+            <a:ext cx="1461115" cy="253916"/>
+          </a:xfrm>
+          <a:prstGeom prst="rect">
+            <a:avLst/>
+          </a:prstGeom>
+          <a:noFill/>
+        </p:spPr>
+        <p:txBody>
+          <a:bodyPr wrap="square" rtlCol="0">
+            <a:spAutoFit/>
+          </a:bodyPr>
+          <a:lstStyle/>
+          <a:p>
+            <a:pPr algn="ctr"/>
+            <a:r>
+              <a:rPr lang="en-ID" sz="1000" dirty="0">
+                <a:cs typeface="Times New Roman" panose="02020603050405020304" pitchFamily="18" charset="0"/>
+              </a:rPr>
+              <a:t>General Data Handler</a:t>
+            </a:r>
+            <a:endParaRPr lang="id-ID" sz="1000" dirty="0">
+              <a:cs typeface="Times New Roman" panose="02020603050405020304" pitchFamily="18" charset="0"/>
+            </a:endParaRPr>
+          </a:p>
+        </p:txBody>
+      </p:sp>
+      <p:cxnSp>
+        <p:nvCxnSpPr>
+          <p:cNvPr id="17" name="Straight Arrow Connector 16"/>
+          <p:cNvCxnSpPr>
+            <a:stCxn id="8" idx="2"/>
+            <a:endCxn id="10" idx="0"/>
+          </p:cNvCxnSpPr>
+          <p:nvPr/>
+        </p:nvCxnSpPr>
+        <p:spPr>
+          <a:xfrm flipH="1">
+            <a:off x="5581865" y="619674"/>
+            <a:ext cx="177" cy="347978"/>
+          </a:xfrm>
+          <a:prstGeom prst="straightConnector1">
+            <a:avLst/>
+          </a:prstGeom>
+          <a:ln w="28575">
+            <a:tailEnd type="triangle"/>
+          </a:ln>
+        </p:spPr>
+        <p:style>
+          <a:lnRef idx="1">
+            <a:schemeClr val="dk1"/>
+          </a:lnRef>
+          <a:fillRef idx="0">
+            <a:schemeClr val="dk1"/>
+          </a:fillRef>
+          <a:effectRef idx="0">
+            <a:schemeClr val="dk1"/>
+          </a:effectRef>
+          <a:fontRef idx="minor">
+            <a:schemeClr val="tx1"/>
+          </a:fontRef>
+        </p:style>
+      </p:cxnSp>
+      <p:sp>
+        <p:nvSpPr>
+          <p:cNvPr id="19" name="Rectangle 18"/>
+          <p:cNvSpPr/>
+          <p:nvPr/>
+        </p:nvSpPr>
+        <p:spPr>
+          <a:xfrm>
+            <a:off x="1129635" y="965969"/>
+            <a:ext cx="3281819" cy="4141143"/>
+          </a:xfrm>
+          <a:prstGeom prst="rect">
+            <a:avLst/>
+          </a:prstGeom>
+          <a:noFill/>
+          <a:ln>
+            <a:solidFill>
+              <a:schemeClr val="bg1">
+                <a:lumMod val="50000"/>
+              </a:schemeClr>
+            </a:solidFill>
+          </a:ln>
+        </p:spPr>
+        <p:style>
+          <a:lnRef idx="2">
+            <a:schemeClr val="accent1">
+              <a:shade val="50000"/>
+            </a:schemeClr>
+          </a:lnRef>
+          <a:fillRef idx="1">
+            <a:schemeClr val="accent1"/>
+          </a:fillRef>
+          <a:effectRef idx="0">
+            <a:schemeClr val="accent1"/>
+          </a:effectRef>
+          <a:fontRef idx="minor">
+            <a:schemeClr val="lt1"/>
+          </a:fontRef>
+        </p:style>
+        <p:txBody>
+          <a:bodyPr rtlCol="0" anchor="ctr"/>
+          <a:lstStyle/>
+          <a:p>
+            <a:pPr algn="ctr"/>
+            <a:endParaRPr lang="id-ID" sz="1000">
+              <a:latin typeface="Times New Roman" panose="02020603050405020304" pitchFamily="18" charset="0"/>
+              <a:cs typeface="Times New Roman" panose="02020603050405020304" pitchFamily="18" charset="0"/>
+            </a:endParaRPr>
+          </a:p>
+        </p:txBody>
+      </p:sp>
+      <p:sp>
+        <p:nvSpPr>
+          <p:cNvPr id="20" name="TextBox 19"/>
+          <p:cNvSpPr txBox="1"/>
+          <p:nvPr/>
+        </p:nvSpPr>
+        <p:spPr>
+          <a:xfrm>
+            <a:off x="1677525" y="983013"/>
+            <a:ext cx="2098304" cy="253916"/>
+          </a:xfrm>
+          <a:prstGeom prst="rect">
+            <a:avLst/>
+          </a:prstGeom>
+          <a:noFill/>
+        </p:spPr>
+        <p:txBody>
+          <a:bodyPr wrap="square" rtlCol="0">
+            <a:spAutoFit/>
+          </a:bodyPr>
+          <a:lstStyle/>
+          <a:p>
+            <a:pPr algn="ctr"/>
+            <a:r>
+              <a:rPr lang="en-ID" sz="1000" dirty="0" smtClean="0">
+                <a:cs typeface="Times New Roman" panose="02020603050405020304" pitchFamily="18" charset="0"/>
+              </a:rPr>
+              <a:t>General Data Handler</a:t>
+            </a:r>
+            <a:endParaRPr lang="id-ID" sz="1000" dirty="0">
+              <a:cs typeface="Times New Roman" panose="02020603050405020304" pitchFamily="18" charset="0"/>
+            </a:endParaRPr>
+          </a:p>
+        </p:txBody>
+      </p:sp>
+      <p:sp>
+        <p:nvSpPr>
+          <p:cNvPr id="21" name="Rectangle 20"/>
+          <p:cNvSpPr/>
+          <p:nvPr/>
+        </p:nvSpPr>
+        <p:spPr>
+          <a:xfrm>
+            <a:off x="2028177" y="1415120"/>
+            <a:ext cx="1397000" cy="350141"/>
+          </a:xfrm>
+          <a:prstGeom prst="rect">
+            <a:avLst/>
+          </a:prstGeom>
+          <a:noFill/>
+          <a:ln>
+            <a:solidFill>
+              <a:schemeClr val="bg1">
+                <a:lumMod val="50000"/>
+              </a:schemeClr>
+            </a:solidFill>
+          </a:ln>
+        </p:spPr>
+        <p:style>
+          <a:lnRef idx="2">
+            <a:schemeClr val="accent1">
+              <a:shade val="50000"/>
+            </a:schemeClr>
+          </a:lnRef>
+          <a:fillRef idx="1">
+            <a:schemeClr val="accent1"/>
+          </a:fillRef>
+          <a:effectRef idx="0">
+            <a:schemeClr val="accent1"/>
+          </a:effectRef>
+          <a:fontRef idx="minor">
+            <a:schemeClr val="lt1"/>
+          </a:fontRef>
+        </p:style>
+        <p:txBody>
+          <a:bodyPr rtlCol="0" anchor="ctr"/>
+          <a:lstStyle/>
+          <a:p>
+            <a:pPr algn="ctr"/>
+            <a:endParaRPr lang="id-ID" sz="1000">
+              <a:latin typeface="Times New Roman" panose="02020603050405020304" pitchFamily="18" charset="0"/>
+              <a:cs typeface="Times New Roman" panose="02020603050405020304" pitchFamily="18" charset="0"/>
+            </a:endParaRPr>
+          </a:p>
+        </p:txBody>
+      </p:sp>
+      <p:sp>
+        <p:nvSpPr>
+          <p:cNvPr id="22" name="TextBox 21"/>
+          <p:cNvSpPr txBox="1"/>
+          <p:nvPr/>
+        </p:nvSpPr>
+        <p:spPr>
+          <a:xfrm>
+            <a:off x="1683039" y="1470742"/>
+            <a:ext cx="2098304" cy="253916"/>
+          </a:xfrm>
+          <a:prstGeom prst="rect">
+            <a:avLst/>
+          </a:prstGeom>
+          <a:noFill/>
+        </p:spPr>
+        <p:txBody>
+          <a:bodyPr wrap="square" rtlCol="0">
+            <a:spAutoFit/>
+          </a:bodyPr>
+          <a:lstStyle/>
+          <a:p>
+            <a:pPr algn="ctr"/>
+            <a:r>
+              <a:rPr lang="en-ID" sz="1000" dirty="0" smtClean="0">
+                <a:cs typeface="Times New Roman" panose="02020603050405020304" pitchFamily="18" charset="0"/>
+              </a:rPr>
+              <a:t>Header Detection</a:t>
+            </a:r>
+            <a:endParaRPr lang="id-ID" sz="1000" dirty="0">
+              <a:cs typeface="Times New Roman" panose="02020603050405020304" pitchFamily="18" charset="0"/>
+            </a:endParaRPr>
+          </a:p>
+        </p:txBody>
+      </p:sp>
+      <p:sp>
+        <p:nvSpPr>
+          <p:cNvPr id="23" name="Rectangle 22"/>
+          <p:cNvSpPr/>
+          <p:nvPr/>
+        </p:nvSpPr>
+        <p:spPr>
+          <a:xfrm>
+            <a:off x="2752028" y="2054774"/>
+            <a:ext cx="1550345" cy="1046688"/>
+          </a:xfrm>
+          <a:prstGeom prst="rect">
+            <a:avLst/>
+          </a:prstGeom>
+          <a:noFill/>
+          <a:ln>
+            <a:solidFill>
+              <a:schemeClr val="bg1">
+                <a:lumMod val="50000"/>
+              </a:schemeClr>
+            </a:solidFill>
+          </a:ln>
+        </p:spPr>
+        <p:style>
+          <a:lnRef idx="2">
+            <a:schemeClr val="accent1">
+              <a:shade val="50000"/>
+            </a:schemeClr>
+          </a:lnRef>
+          <a:fillRef idx="1">
+            <a:schemeClr val="accent1"/>
+          </a:fillRef>
+          <a:effectRef idx="0">
+            <a:schemeClr val="accent1"/>
+          </a:effectRef>
+          <a:fontRef idx="minor">
+            <a:schemeClr val="lt1"/>
+          </a:fontRef>
+        </p:style>
+        <p:txBody>
+          <a:bodyPr rtlCol="0" anchor="ctr"/>
+          <a:lstStyle/>
+          <a:p>
+            <a:pPr algn="ctr"/>
+            <a:endParaRPr lang="id-ID" sz="1000">
+              <a:latin typeface="Times New Roman" panose="02020603050405020304" pitchFamily="18" charset="0"/>
+              <a:cs typeface="Times New Roman" panose="02020603050405020304" pitchFamily="18" charset="0"/>
+            </a:endParaRPr>
+          </a:p>
+        </p:txBody>
+      </p:sp>
+      <p:sp>
+        <p:nvSpPr>
+          <p:cNvPr id="24" name="Rectangle 23"/>
+          <p:cNvSpPr/>
+          <p:nvPr/>
+        </p:nvSpPr>
+        <p:spPr>
+          <a:xfrm>
+            <a:off x="1248433" y="2063877"/>
+            <a:ext cx="1397000" cy="350141"/>
+          </a:xfrm>
+          <a:prstGeom prst="rect">
+            <a:avLst/>
+          </a:prstGeom>
+          <a:noFill/>
+          <a:ln>
+            <a:solidFill>
+              <a:schemeClr val="bg1">
+                <a:lumMod val="50000"/>
+              </a:schemeClr>
+            </a:solidFill>
+          </a:ln>
+        </p:spPr>
+        <p:style>
+          <a:lnRef idx="2">
+            <a:schemeClr val="accent1">
+              <a:shade val="50000"/>
+            </a:schemeClr>
+          </a:lnRef>
+          <a:fillRef idx="1">
+            <a:schemeClr val="accent1"/>
+          </a:fillRef>
+          <a:effectRef idx="0">
+            <a:schemeClr val="accent1"/>
+          </a:effectRef>
+          <a:fontRef idx="minor">
+            <a:schemeClr val="lt1"/>
+          </a:fontRef>
+        </p:style>
+        <p:txBody>
+          <a:bodyPr rtlCol="0" anchor="ctr"/>
+          <a:lstStyle/>
+          <a:p>
+            <a:pPr algn="ctr"/>
+            <a:endParaRPr lang="id-ID" sz="1000">
+              <a:latin typeface="Times New Roman" panose="02020603050405020304" pitchFamily="18" charset="0"/>
+              <a:cs typeface="Times New Roman" panose="02020603050405020304" pitchFamily="18" charset="0"/>
+            </a:endParaRPr>
+          </a:p>
+        </p:txBody>
+      </p:sp>
+      <p:sp>
+        <p:nvSpPr>
+          <p:cNvPr id="25" name="TextBox 24"/>
+          <p:cNvSpPr txBox="1"/>
+          <p:nvPr/>
+        </p:nvSpPr>
+        <p:spPr>
+          <a:xfrm>
+            <a:off x="2818704" y="2091342"/>
+            <a:ext cx="1397000" cy="253916"/>
+          </a:xfrm>
+          <a:prstGeom prst="rect">
+            <a:avLst/>
+          </a:prstGeom>
+          <a:noFill/>
+        </p:spPr>
+        <p:txBody>
+          <a:bodyPr wrap="square" rtlCol="0">
+            <a:spAutoFit/>
+          </a:bodyPr>
+          <a:lstStyle/>
+          <a:p>
+            <a:pPr algn="ctr"/>
+            <a:r>
+              <a:rPr lang="en-ID" sz="1000" dirty="0" smtClean="0">
+                <a:cs typeface="Times New Roman" panose="02020603050405020304" pitchFamily="18" charset="0"/>
+              </a:rPr>
+              <a:t>No Header</a:t>
+            </a:r>
+          </a:p>
+        </p:txBody>
+      </p:sp>
+      <p:sp>
+        <p:nvSpPr>
+          <p:cNvPr id="26" name="Rectangle 25"/>
+          <p:cNvSpPr/>
+          <p:nvPr/>
+        </p:nvSpPr>
+        <p:spPr>
+          <a:xfrm>
+            <a:off x="2828229" y="2517682"/>
+            <a:ext cx="1397000" cy="485951"/>
+          </a:xfrm>
+          <a:prstGeom prst="rect">
+            <a:avLst/>
+          </a:prstGeom>
+          <a:noFill/>
+          <a:ln>
+            <a:solidFill>
+              <a:schemeClr val="bg1">
+                <a:lumMod val="50000"/>
+              </a:schemeClr>
+            </a:solidFill>
+            <a:prstDash val="dash"/>
+          </a:ln>
+        </p:spPr>
+        <p:style>
+          <a:lnRef idx="2">
+            <a:schemeClr val="accent1">
+              <a:shade val="50000"/>
+            </a:schemeClr>
+          </a:lnRef>
+          <a:fillRef idx="1">
+            <a:schemeClr val="accent1"/>
+          </a:fillRef>
+          <a:effectRef idx="0">
+            <a:schemeClr val="accent1"/>
+          </a:effectRef>
+          <a:fontRef idx="minor">
+            <a:schemeClr val="lt1"/>
+          </a:fontRef>
+        </p:style>
+        <p:txBody>
+          <a:bodyPr rtlCol="0" anchor="ctr"/>
+          <a:lstStyle/>
+          <a:p>
+            <a:pPr algn="ctr"/>
+            <a:endParaRPr lang="id-ID" sz="1000">
+              <a:latin typeface="Times New Roman" panose="02020603050405020304" pitchFamily="18" charset="0"/>
+              <a:cs typeface="Times New Roman" panose="02020603050405020304" pitchFamily="18" charset="0"/>
+            </a:endParaRPr>
+          </a:p>
+        </p:txBody>
+      </p:sp>
+      <p:sp>
+        <p:nvSpPr>
+          <p:cNvPr id="30" name="TextBox 29"/>
+          <p:cNvSpPr txBox="1"/>
+          <p:nvPr/>
+        </p:nvSpPr>
+        <p:spPr>
+          <a:xfrm>
+            <a:off x="2828229" y="2541969"/>
+            <a:ext cx="1397000" cy="415498"/>
+          </a:xfrm>
+          <a:prstGeom prst="rect">
+            <a:avLst/>
+          </a:prstGeom>
+          <a:noFill/>
+        </p:spPr>
+        <p:txBody>
+          <a:bodyPr wrap="square" rtlCol="0">
+            <a:spAutoFit/>
+          </a:bodyPr>
+          <a:lstStyle/>
+          <a:p>
+            <a:pPr algn="ctr"/>
+            <a:r>
+              <a:rPr lang="en-ID" sz="1000" dirty="0" smtClean="0">
+                <a:cs typeface="Times New Roman" panose="02020603050405020304" pitchFamily="18" charset="0"/>
+              </a:rPr>
+              <a:t>Create Header:</a:t>
+            </a:r>
+          </a:p>
+          <a:p>
+            <a:pPr algn="ctr"/>
+            <a:r>
+              <a:rPr lang="en-ID" sz="1000" dirty="0" smtClean="0">
+                <a:cs typeface="Times New Roman" panose="02020603050405020304" pitchFamily="18" charset="0"/>
+              </a:rPr>
+              <a:t>DateTime,v2,v3,etc</a:t>
+            </a:r>
+            <a:endParaRPr lang="id-ID" sz="1000" dirty="0">
+              <a:cs typeface="Times New Roman" panose="02020603050405020304" pitchFamily="18" charset="0"/>
+            </a:endParaRPr>
+          </a:p>
+        </p:txBody>
+      </p:sp>
+      <p:sp>
+        <p:nvSpPr>
+          <p:cNvPr id="31" name="TextBox 30"/>
+          <p:cNvSpPr txBox="1"/>
+          <p:nvPr/>
+        </p:nvSpPr>
+        <p:spPr>
+          <a:xfrm>
+            <a:off x="1258592" y="2100447"/>
+            <a:ext cx="1397000" cy="253916"/>
+          </a:xfrm>
+          <a:prstGeom prst="rect">
+            <a:avLst/>
+          </a:prstGeom>
+          <a:noFill/>
+        </p:spPr>
+        <p:txBody>
+          <a:bodyPr wrap="square" rtlCol="0">
+            <a:spAutoFit/>
+          </a:bodyPr>
+          <a:lstStyle/>
+          <a:p>
+            <a:pPr algn="ctr"/>
+            <a:r>
+              <a:rPr lang="en-ID" sz="1000" dirty="0" smtClean="0">
+                <a:cs typeface="Times New Roman" panose="02020603050405020304" pitchFamily="18" charset="0"/>
+              </a:rPr>
+              <a:t>With Header</a:t>
+            </a:r>
+          </a:p>
+        </p:txBody>
+      </p:sp>
+      <p:sp>
+        <p:nvSpPr>
+          <p:cNvPr id="32" name="Rectangle 31"/>
+          <p:cNvSpPr/>
+          <p:nvPr/>
+        </p:nvSpPr>
+        <p:spPr>
+          <a:xfrm>
+            <a:off x="1873499" y="3459253"/>
+            <a:ext cx="1551677" cy="1535676"/>
+          </a:xfrm>
+          <a:prstGeom prst="rect">
+            <a:avLst/>
+          </a:prstGeom>
+          <a:noFill/>
+          <a:ln>
+            <a:solidFill>
+              <a:schemeClr val="bg1">
+                <a:lumMod val="50000"/>
+              </a:schemeClr>
+            </a:solidFill>
+          </a:ln>
+        </p:spPr>
+        <p:style>
+          <a:lnRef idx="2">
+            <a:schemeClr val="accent1">
+              <a:shade val="50000"/>
+            </a:schemeClr>
+          </a:lnRef>
+          <a:fillRef idx="1">
+            <a:schemeClr val="accent1"/>
+          </a:fillRef>
+          <a:effectRef idx="0">
+            <a:schemeClr val="accent1"/>
+          </a:effectRef>
+          <a:fontRef idx="minor">
+            <a:schemeClr val="lt1"/>
+          </a:fontRef>
+        </p:style>
+        <p:txBody>
+          <a:bodyPr rtlCol="0" anchor="ctr"/>
+          <a:lstStyle/>
+          <a:p>
+            <a:pPr algn="ctr"/>
+            <a:endParaRPr lang="id-ID" sz="1000">
+              <a:latin typeface="Times New Roman" panose="02020603050405020304" pitchFamily="18" charset="0"/>
+              <a:cs typeface="Times New Roman" panose="02020603050405020304" pitchFamily="18" charset="0"/>
+            </a:endParaRPr>
+          </a:p>
+        </p:txBody>
+      </p:sp>
+      <p:sp>
+        <p:nvSpPr>
+          <p:cNvPr id="33" name="TextBox 32"/>
+          <p:cNvSpPr txBox="1"/>
+          <p:nvPr/>
+        </p:nvSpPr>
+        <p:spPr>
+          <a:xfrm>
+            <a:off x="1606440" y="3495826"/>
+            <a:ext cx="2098304" cy="253916"/>
+          </a:xfrm>
+          <a:prstGeom prst="rect">
+            <a:avLst/>
+          </a:prstGeom>
+          <a:noFill/>
+        </p:spPr>
+        <p:txBody>
+          <a:bodyPr wrap="square" rtlCol="0">
+            <a:spAutoFit/>
+          </a:bodyPr>
+          <a:lstStyle/>
+          <a:p>
+            <a:pPr algn="ctr"/>
+            <a:r>
+              <a:rPr lang="en-ID" sz="1000" dirty="0" smtClean="0">
+                <a:cs typeface="Times New Roman" panose="02020603050405020304" pitchFamily="18" charset="0"/>
+              </a:rPr>
+              <a:t>Parameter </a:t>
+            </a:r>
+            <a:r>
+              <a:rPr lang="en-ID" sz="1000" dirty="0" err="1" smtClean="0">
+                <a:cs typeface="Times New Roman" panose="02020603050405020304" pitchFamily="18" charset="0"/>
+              </a:rPr>
+              <a:t>Config</a:t>
+            </a:r>
+            <a:endParaRPr lang="id-ID" sz="1000" dirty="0">
+              <a:cs typeface="Times New Roman" panose="02020603050405020304" pitchFamily="18" charset="0"/>
+            </a:endParaRPr>
+          </a:p>
+        </p:txBody>
+      </p:sp>
+      <p:cxnSp>
+        <p:nvCxnSpPr>
+          <p:cNvPr id="35" name="Elbow Connector 34"/>
+          <p:cNvCxnSpPr>
+            <a:stCxn id="24" idx="2"/>
+            <a:endCxn id="32" idx="0"/>
+          </p:cNvCxnSpPr>
+          <p:nvPr/>
+        </p:nvCxnSpPr>
+        <p:spPr>
+          <a:xfrm rot="16200000" flipH="1">
+            <a:off x="1775518" y="2585432"/>
+            <a:ext cx="1045235" cy="702405"/>
+          </a:xfrm>
+          <a:prstGeom prst="bentConnector3">
+            <a:avLst/>
+          </a:prstGeom>
+          <a:ln>
+            <a:prstDash val="dash"/>
+            <a:tailEnd type="triangle"/>
+          </a:ln>
+        </p:spPr>
+        <p:style>
+          <a:lnRef idx="1">
+            <a:schemeClr val="dk1"/>
+          </a:lnRef>
+          <a:fillRef idx="0">
+            <a:schemeClr val="dk1"/>
+          </a:fillRef>
+          <a:effectRef idx="0">
+            <a:schemeClr val="dk1"/>
+          </a:effectRef>
+          <a:fontRef idx="minor">
+            <a:schemeClr val="tx1"/>
+          </a:fontRef>
+        </p:style>
+      </p:cxnSp>
+      <p:cxnSp>
+        <p:nvCxnSpPr>
+          <p:cNvPr id="39" name="Elbow Connector 38"/>
+          <p:cNvCxnSpPr>
+            <a:stCxn id="23" idx="2"/>
+            <a:endCxn id="32" idx="0"/>
+          </p:cNvCxnSpPr>
+          <p:nvPr/>
+        </p:nvCxnSpPr>
+        <p:spPr>
+          <a:xfrm rot="5400000">
+            <a:off x="2909375" y="2841426"/>
+            <a:ext cx="357791" cy="877863"/>
+          </a:xfrm>
+          <a:prstGeom prst="bentConnector3">
+            <a:avLst/>
+          </a:prstGeom>
+          <a:ln>
+            <a:prstDash val="dash"/>
+            <a:tailEnd type="triangle"/>
+          </a:ln>
+        </p:spPr>
+        <p:style>
+          <a:lnRef idx="1">
+            <a:schemeClr val="dk1"/>
+          </a:lnRef>
+          <a:fillRef idx="0">
+            <a:schemeClr val="dk1"/>
+          </a:fillRef>
+          <a:effectRef idx="0">
+            <a:schemeClr val="dk1"/>
+          </a:effectRef>
+          <a:fontRef idx="minor">
+            <a:schemeClr val="tx1"/>
+          </a:fontRef>
+        </p:style>
+      </p:cxnSp>
+      <p:sp>
+        <p:nvSpPr>
+          <p:cNvPr id="45" name="Rectangle 44"/>
+          <p:cNvSpPr/>
+          <p:nvPr/>
+        </p:nvSpPr>
+        <p:spPr>
+          <a:xfrm>
+            <a:off x="1957092" y="3855546"/>
+            <a:ext cx="1397000" cy="1073589"/>
+          </a:xfrm>
+          <a:prstGeom prst="rect">
+            <a:avLst/>
+          </a:prstGeom>
+          <a:noFill/>
+          <a:ln>
+            <a:solidFill>
+              <a:schemeClr val="bg1">
+                <a:lumMod val="50000"/>
+              </a:schemeClr>
+            </a:solidFill>
+            <a:prstDash val="dash"/>
+          </a:ln>
+        </p:spPr>
+        <p:style>
+          <a:lnRef idx="2">
+            <a:schemeClr val="accent1">
+              <a:shade val="50000"/>
+            </a:schemeClr>
+          </a:lnRef>
+          <a:fillRef idx="1">
+            <a:schemeClr val="accent1"/>
+          </a:fillRef>
+          <a:effectRef idx="0">
+            <a:schemeClr val="accent1"/>
+          </a:effectRef>
+          <a:fontRef idx="minor">
+            <a:schemeClr val="lt1"/>
+          </a:fontRef>
+        </p:style>
+        <p:txBody>
+          <a:bodyPr rtlCol="0" anchor="ctr"/>
+          <a:lstStyle/>
+          <a:p>
+            <a:pPr algn="ctr"/>
+            <a:endParaRPr lang="id-ID" sz="1000">
+              <a:latin typeface="Times New Roman" panose="02020603050405020304" pitchFamily="18" charset="0"/>
+              <a:cs typeface="Times New Roman" panose="02020603050405020304" pitchFamily="18" charset="0"/>
+            </a:endParaRPr>
+          </a:p>
+        </p:txBody>
+      </p:sp>
+      <p:sp>
+        <p:nvSpPr>
+          <p:cNvPr id="46" name="TextBox 45"/>
+          <p:cNvSpPr txBox="1"/>
+          <p:nvPr/>
+        </p:nvSpPr>
+        <p:spPr>
+          <a:xfrm>
+            <a:off x="1957092" y="3867308"/>
+            <a:ext cx="1397000" cy="1015663"/>
+          </a:xfrm>
+          <a:prstGeom prst="rect">
+            <a:avLst/>
+          </a:prstGeom>
+          <a:noFill/>
+        </p:spPr>
+        <p:txBody>
+          <a:bodyPr wrap="square" rtlCol="0">
+            <a:spAutoFit/>
+          </a:bodyPr>
+          <a:lstStyle/>
+          <a:p>
+            <a:r>
+              <a:rPr lang="en-ID" sz="1000" dirty="0" smtClean="0">
+                <a:cs typeface="Times New Roman" panose="02020603050405020304" pitchFamily="18" charset="0"/>
+              </a:rPr>
+              <a:t>-User defined </a:t>
+            </a:r>
+            <a:r>
+              <a:rPr lang="en-ID" sz="1000" dirty="0" err="1" smtClean="0">
+                <a:cs typeface="Times New Roman" panose="02020603050405020304" pitchFamily="18" charset="0"/>
+              </a:rPr>
+              <a:t>config</a:t>
+            </a:r>
+            <a:endParaRPr lang="en-ID" sz="1000" dirty="0" smtClean="0">
+              <a:cs typeface="Times New Roman" panose="02020603050405020304" pitchFamily="18" charset="0"/>
+            </a:endParaRPr>
+          </a:p>
+          <a:p>
+            <a:r>
+              <a:rPr lang="en-ID" sz="1000" dirty="0" smtClean="0">
+                <a:cs typeface="Times New Roman" panose="02020603050405020304" pitchFamily="18" charset="0"/>
+              </a:rPr>
+              <a:t>-Data Interval</a:t>
+            </a:r>
+          </a:p>
+          <a:p>
+            <a:r>
+              <a:rPr lang="en-ID" sz="1000" dirty="0" smtClean="0">
+                <a:cs typeface="Times New Roman" panose="02020603050405020304" pitchFamily="18" charset="0"/>
+              </a:rPr>
+              <a:t>-Type (numerical, categorical)</a:t>
+            </a:r>
+          </a:p>
+          <a:p>
+            <a:r>
+              <a:rPr lang="en-ID" sz="1000" dirty="0" smtClean="0">
+                <a:cs typeface="Times New Roman" panose="02020603050405020304" pitchFamily="18" charset="0"/>
+              </a:rPr>
+              <a:t>-Rule(fuzzy, range)</a:t>
+            </a:r>
+          </a:p>
+          <a:p>
+            <a:r>
+              <a:rPr lang="en-ID" sz="1000" dirty="0" smtClean="0">
+                <a:cs typeface="Times New Roman" panose="02020603050405020304" pitchFamily="18" charset="0"/>
+              </a:rPr>
+              <a:t>-Alternate (Replacer)</a:t>
+            </a:r>
+            <a:endParaRPr lang="id-ID" sz="1000" dirty="0">
+              <a:cs typeface="Times New Roman" panose="02020603050405020304" pitchFamily="18" charset="0"/>
+            </a:endParaRPr>
+          </a:p>
+        </p:txBody>
+      </p:sp>
+      <p:cxnSp>
+        <p:nvCxnSpPr>
+          <p:cNvPr id="54" name="Elbow Connector 53"/>
+          <p:cNvCxnSpPr>
+            <a:stCxn id="21" idx="2"/>
+            <a:endCxn id="23" idx="0"/>
+          </p:cNvCxnSpPr>
+          <p:nvPr/>
+        </p:nvCxnSpPr>
+        <p:spPr>
+          <a:xfrm rot="16200000" flipH="1">
+            <a:off x="2982183" y="1509755"/>
+            <a:ext cx="289513" cy="800524"/>
+          </a:xfrm>
+          <a:prstGeom prst="bentConnector3">
+            <a:avLst>
+              <a:gd name="adj1" fmla="val 50000"/>
+            </a:avLst>
+          </a:prstGeom>
+          <a:ln>
+            <a:prstDash val="dash"/>
+            <a:tailEnd type="triangle"/>
+          </a:ln>
+        </p:spPr>
+        <p:style>
+          <a:lnRef idx="1">
+            <a:schemeClr val="dk1"/>
+          </a:lnRef>
+          <a:fillRef idx="0">
+            <a:schemeClr val="dk1"/>
+          </a:fillRef>
+          <a:effectRef idx="0">
+            <a:schemeClr val="dk1"/>
+          </a:effectRef>
+          <a:fontRef idx="minor">
+            <a:schemeClr val="tx1"/>
+          </a:fontRef>
+        </p:style>
+      </p:cxnSp>
+      <p:cxnSp>
+        <p:nvCxnSpPr>
+          <p:cNvPr id="56" name="Elbow Connector 55"/>
+          <p:cNvCxnSpPr>
+            <a:stCxn id="21" idx="2"/>
+            <a:endCxn id="31" idx="0"/>
+          </p:cNvCxnSpPr>
+          <p:nvPr/>
+        </p:nvCxnSpPr>
+        <p:spPr>
+          <a:xfrm rot="5400000">
+            <a:off x="2174292" y="1548062"/>
+            <a:ext cx="335186" cy="769585"/>
+          </a:xfrm>
+          <a:prstGeom prst="bentConnector3">
+            <a:avLst>
+              <a:gd name="adj1" fmla="val 50000"/>
+            </a:avLst>
+          </a:prstGeom>
+          <a:ln>
+            <a:prstDash val="dash"/>
+            <a:tailEnd type="triangle"/>
+          </a:ln>
+        </p:spPr>
+        <p:style>
+          <a:lnRef idx="1">
+            <a:schemeClr val="dk1"/>
+          </a:lnRef>
+          <a:fillRef idx="0">
+            <a:schemeClr val="dk1"/>
+          </a:fillRef>
+          <a:effectRef idx="0">
+            <a:schemeClr val="dk1"/>
+          </a:effectRef>
+          <a:fontRef idx="minor">
+            <a:schemeClr val="tx1"/>
+          </a:fontRef>
+        </p:style>
+      </p:cxnSp>
+      <p:grpSp>
+        <p:nvGrpSpPr>
+          <p:cNvPr id="147" name="Group 146"/>
+          <p:cNvGrpSpPr/>
+          <p:nvPr/>
+        </p:nvGrpSpPr>
+        <p:grpSpPr>
+          <a:xfrm>
+            <a:off x="4840468" y="2389693"/>
+            <a:ext cx="1482771" cy="350141"/>
+            <a:chOff x="4842978" y="2160404"/>
+            <a:chExt cx="1482771" cy="350141"/>
+          </a:xfrm>
+        </p:grpSpPr>
+        <p:sp>
+          <p:nvSpPr>
+            <p:cNvPr id="65" name="Rectangle 64"/>
+            <p:cNvSpPr/>
+            <p:nvPr/>
+          </p:nvSpPr>
+          <p:spPr>
+            <a:xfrm>
+              <a:off x="4842978" y="2160404"/>
+              <a:ext cx="1477258" cy="350141"/>
+            </a:xfrm>
+            <a:prstGeom prst="rect">
+              <a:avLst/>
+            </a:prstGeom>
+            <a:noFill/>
+            <a:ln>
+              <a:solidFill>
+                <a:schemeClr val="bg1">
+                  <a:lumMod val="50000"/>
+                </a:schemeClr>
+              </a:solidFill>
+            </a:ln>
+          </p:spPr>
+          <p:style>
+            <a:lnRef idx="2">
+              <a:schemeClr val="accent1">
+                <a:shade val="50000"/>
+              </a:schemeClr>
+            </a:lnRef>
+            <a:fillRef idx="1">
+              <a:schemeClr val="accent1"/>
+            </a:fillRef>
+            <a:effectRef idx="0">
+              <a:schemeClr val="accent1"/>
+            </a:effectRef>
+            <a:fontRef idx="minor">
+              <a:schemeClr val="lt1"/>
+            </a:fontRef>
+          </p:style>
+          <p:txBody>
+            <a:bodyPr rtlCol="0" anchor="ctr"/>
+            <a:lstStyle/>
+            <a:p>
+              <a:pPr algn="ctr"/>
+              <a:endParaRPr lang="id-ID" sz="1000">
+                <a:latin typeface="Times New Roman" panose="02020603050405020304" pitchFamily="18" charset="0"/>
+                <a:cs typeface="Times New Roman" panose="02020603050405020304" pitchFamily="18" charset="0"/>
+              </a:endParaRPr>
+            </a:p>
+          </p:txBody>
+        </p:sp>
+        <p:sp>
+          <p:nvSpPr>
+            <p:cNvPr id="66" name="TextBox 65"/>
+            <p:cNvSpPr txBox="1"/>
+            <p:nvPr/>
+          </p:nvSpPr>
+          <p:spPr>
+            <a:xfrm>
+              <a:off x="4864634" y="2208146"/>
+              <a:ext cx="1461115" cy="253916"/>
+            </a:xfrm>
+            <a:prstGeom prst="rect">
+              <a:avLst/>
+            </a:prstGeom>
+            <a:noFill/>
+          </p:spPr>
+          <p:txBody>
+            <a:bodyPr wrap="square" rtlCol="0">
+              <a:spAutoFit/>
+            </a:bodyPr>
+            <a:lstStyle/>
+            <a:p>
+              <a:pPr algn="ctr"/>
+              <a:r>
+                <a:rPr lang="en-ID" sz="1000" dirty="0" smtClean="0">
+                  <a:cs typeface="Times New Roman" panose="02020603050405020304" pitchFamily="18" charset="0"/>
+                </a:rPr>
+                <a:t>Signal Analysis</a:t>
+              </a:r>
+              <a:endParaRPr lang="id-ID" sz="1000" dirty="0">
+                <a:cs typeface="Times New Roman" panose="02020603050405020304" pitchFamily="18" charset="0"/>
+              </a:endParaRPr>
+            </a:p>
+          </p:txBody>
+        </p:sp>
+      </p:grpSp>
+      <p:sp>
+        <p:nvSpPr>
+          <p:cNvPr id="67" name="Rectangle 66"/>
+          <p:cNvSpPr/>
+          <p:nvPr/>
+        </p:nvSpPr>
+        <p:spPr>
+          <a:xfrm>
+            <a:off x="7022764" y="934687"/>
+            <a:ext cx="3435686" cy="2799693"/>
+          </a:xfrm>
+          <a:prstGeom prst="rect">
+            <a:avLst/>
+          </a:prstGeom>
+          <a:noFill/>
+          <a:ln>
+            <a:solidFill>
+              <a:schemeClr val="bg1">
+                <a:lumMod val="50000"/>
+              </a:schemeClr>
+            </a:solidFill>
+          </a:ln>
+        </p:spPr>
+        <p:style>
+          <a:lnRef idx="2">
+            <a:schemeClr val="accent1">
+              <a:shade val="50000"/>
+            </a:schemeClr>
+          </a:lnRef>
+          <a:fillRef idx="1">
+            <a:schemeClr val="accent1"/>
+          </a:fillRef>
+          <a:effectRef idx="0">
+            <a:schemeClr val="accent1"/>
+          </a:effectRef>
+          <a:fontRef idx="minor">
+            <a:schemeClr val="lt1"/>
+          </a:fontRef>
+        </p:style>
+        <p:txBody>
+          <a:bodyPr rtlCol="0" anchor="ctr"/>
+          <a:lstStyle/>
+          <a:p>
+            <a:pPr algn="ctr"/>
+            <a:endParaRPr lang="id-ID" sz="1000">
+              <a:latin typeface="Times New Roman" panose="02020603050405020304" pitchFamily="18" charset="0"/>
+              <a:cs typeface="Times New Roman" panose="02020603050405020304" pitchFamily="18" charset="0"/>
+            </a:endParaRPr>
+          </a:p>
+        </p:txBody>
+      </p:sp>
+      <p:sp>
+        <p:nvSpPr>
+          <p:cNvPr id="68" name="TextBox 67"/>
+          <p:cNvSpPr txBox="1"/>
+          <p:nvPr/>
+        </p:nvSpPr>
+        <p:spPr>
+          <a:xfrm>
+            <a:off x="7570654" y="951732"/>
+            <a:ext cx="2098304" cy="253916"/>
+          </a:xfrm>
+          <a:prstGeom prst="rect">
+            <a:avLst/>
+          </a:prstGeom>
+          <a:noFill/>
+        </p:spPr>
+        <p:txBody>
+          <a:bodyPr wrap="square" rtlCol="0">
+            <a:spAutoFit/>
+          </a:bodyPr>
+          <a:lstStyle/>
+          <a:p>
+            <a:pPr algn="ctr"/>
+            <a:r>
+              <a:rPr lang="en-ID" sz="1000" dirty="0" smtClean="0">
+                <a:cs typeface="Times New Roman" panose="02020603050405020304" pitchFamily="18" charset="0"/>
+              </a:rPr>
+              <a:t>Signal Analysis</a:t>
+            </a:r>
+            <a:endParaRPr lang="id-ID" sz="1000" dirty="0">
+              <a:cs typeface="Times New Roman" panose="02020603050405020304" pitchFamily="18" charset="0"/>
+            </a:endParaRPr>
+          </a:p>
+        </p:txBody>
+      </p:sp>
+      <p:sp>
+        <p:nvSpPr>
+          <p:cNvPr id="69" name="Rectangle 68"/>
+          <p:cNvSpPr/>
+          <p:nvPr/>
+        </p:nvSpPr>
+        <p:spPr>
+          <a:xfrm>
+            <a:off x="7140510" y="1755197"/>
+            <a:ext cx="1551677" cy="1228611"/>
+          </a:xfrm>
+          <a:prstGeom prst="rect">
+            <a:avLst/>
+          </a:prstGeom>
+          <a:noFill/>
+          <a:ln>
+            <a:solidFill>
+              <a:schemeClr val="bg1">
+                <a:lumMod val="50000"/>
+              </a:schemeClr>
+            </a:solidFill>
+          </a:ln>
+        </p:spPr>
+        <p:style>
+          <a:lnRef idx="2">
+            <a:schemeClr val="accent1">
+              <a:shade val="50000"/>
+            </a:schemeClr>
+          </a:lnRef>
+          <a:fillRef idx="1">
+            <a:schemeClr val="accent1"/>
+          </a:fillRef>
+          <a:effectRef idx="0">
+            <a:schemeClr val="accent1"/>
+          </a:effectRef>
+          <a:fontRef idx="minor">
+            <a:schemeClr val="lt1"/>
+          </a:fontRef>
+        </p:style>
+        <p:txBody>
+          <a:bodyPr rtlCol="0" anchor="ctr"/>
+          <a:lstStyle/>
+          <a:p>
+            <a:pPr algn="ctr"/>
+            <a:endParaRPr lang="id-ID" sz="1000">
+              <a:latin typeface="Times New Roman" panose="02020603050405020304" pitchFamily="18" charset="0"/>
+              <a:cs typeface="Times New Roman" panose="02020603050405020304" pitchFamily="18" charset="0"/>
+            </a:endParaRPr>
+          </a:p>
+        </p:txBody>
+      </p:sp>
+      <p:sp>
+        <p:nvSpPr>
+          <p:cNvPr id="70" name="TextBox 69"/>
+          <p:cNvSpPr txBox="1"/>
+          <p:nvPr/>
+        </p:nvSpPr>
+        <p:spPr>
+          <a:xfrm>
+            <a:off x="7140509" y="1791770"/>
+            <a:ext cx="1551677" cy="253916"/>
+          </a:xfrm>
+          <a:prstGeom prst="rect">
+            <a:avLst/>
+          </a:prstGeom>
+          <a:noFill/>
+        </p:spPr>
+        <p:txBody>
+          <a:bodyPr wrap="square" rtlCol="0">
+            <a:spAutoFit/>
+          </a:bodyPr>
+          <a:lstStyle/>
+          <a:p>
+            <a:pPr algn="ctr"/>
+            <a:r>
+              <a:rPr lang="en-ID" sz="1000" dirty="0" smtClean="0">
+                <a:cs typeface="Times New Roman" panose="02020603050405020304" pitchFamily="18" charset="0"/>
+              </a:rPr>
+              <a:t>Statistical Tools</a:t>
+            </a:r>
+            <a:endParaRPr lang="id-ID" sz="1000" dirty="0">
+              <a:cs typeface="Times New Roman" panose="02020603050405020304" pitchFamily="18" charset="0"/>
+            </a:endParaRPr>
+          </a:p>
+        </p:txBody>
+      </p:sp>
+      <p:sp>
+        <p:nvSpPr>
+          <p:cNvPr id="71" name="TextBox 70"/>
+          <p:cNvSpPr txBox="1"/>
+          <p:nvPr/>
+        </p:nvSpPr>
+        <p:spPr>
+          <a:xfrm>
+            <a:off x="7222806" y="2039539"/>
+            <a:ext cx="1397000" cy="861774"/>
+          </a:xfrm>
+          <a:prstGeom prst="rect">
+            <a:avLst/>
+          </a:prstGeom>
+          <a:noFill/>
+          <a:ln>
+            <a:solidFill>
+              <a:schemeClr val="bg1">
+                <a:lumMod val="50000"/>
+              </a:schemeClr>
+            </a:solidFill>
+            <a:prstDash val="dash"/>
+          </a:ln>
+        </p:spPr>
+        <p:txBody>
+          <a:bodyPr wrap="square" rtlCol="0">
+            <a:spAutoFit/>
+          </a:bodyPr>
+          <a:lstStyle/>
+          <a:p>
+            <a:r>
+              <a:rPr lang="en-ID" sz="1000" dirty="0" smtClean="0">
+                <a:cs typeface="Times New Roman" panose="02020603050405020304" pitchFamily="18" charset="0"/>
+              </a:rPr>
+              <a:t>-Min, Max</a:t>
+            </a:r>
+          </a:p>
+          <a:p>
+            <a:r>
+              <a:rPr lang="en-ID" sz="1000" dirty="0" smtClean="0">
+                <a:cs typeface="Times New Roman" panose="02020603050405020304" pitchFamily="18" charset="0"/>
+              </a:rPr>
+              <a:t>-Average</a:t>
+            </a:r>
+          </a:p>
+          <a:p>
+            <a:r>
+              <a:rPr lang="en-ID" sz="1000" dirty="0" smtClean="0">
+                <a:cs typeface="Times New Roman" panose="02020603050405020304" pitchFamily="18" charset="0"/>
+              </a:rPr>
+              <a:t>-Linear Model</a:t>
+            </a:r>
+          </a:p>
+          <a:p>
+            <a:r>
+              <a:rPr lang="en-ID" sz="1000" dirty="0" smtClean="0">
+                <a:cs typeface="Times New Roman" panose="02020603050405020304" pitchFamily="18" charset="0"/>
+              </a:rPr>
+              <a:t>-Repeated event</a:t>
+            </a:r>
+          </a:p>
+          <a:p>
+            <a:r>
+              <a:rPr lang="en-ID" sz="1000" dirty="0" smtClean="0">
+                <a:cs typeface="Times New Roman" panose="02020603050405020304" pitchFamily="18" charset="0"/>
+              </a:rPr>
+              <a:t>-Extreme event</a:t>
+            </a:r>
+          </a:p>
+        </p:txBody>
+      </p:sp>
+      <p:sp>
+        <p:nvSpPr>
+          <p:cNvPr id="73" name="Rectangle 72"/>
+          <p:cNvSpPr/>
+          <p:nvPr/>
+        </p:nvSpPr>
+        <p:spPr>
+          <a:xfrm>
+            <a:off x="8789096" y="1749050"/>
+            <a:ext cx="1551677" cy="1234758"/>
+          </a:xfrm>
+          <a:prstGeom prst="rect">
+            <a:avLst/>
+          </a:prstGeom>
+          <a:noFill/>
+          <a:ln>
+            <a:solidFill>
+              <a:schemeClr val="bg1">
+                <a:lumMod val="50000"/>
+              </a:schemeClr>
+            </a:solidFill>
+          </a:ln>
+        </p:spPr>
+        <p:style>
+          <a:lnRef idx="2">
+            <a:schemeClr val="accent1">
+              <a:shade val="50000"/>
+            </a:schemeClr>
+          </a:lnRef>
+          <a:fillRef idx="1">
+            <a:schemeClr val="accent1"/>
+          </a:fillRef>
+          <a:effectRef idx="0">
+            <a:schemeClr val="accent1"/>
+          </a:effectRef>
+          <a:fontRef idx="minor">
+            <a:schemeClr val="lt1"/>
+          </a:fontRef>
+        </p:style>
+        <p:txBody>
+          <a:bodyPr rtlCol="0" anchor="ctr"/>
+          <a:lstStyle/>
+          <a:p>
+            <a:pPr algn="ctr"/>
+            <a:endParaRPr lang="id-ID" sz="1000">
+              <a:latin typeface="Times New Roman" panose="02020603050405020304" pitchFamily="18" charset="0"/>
+              <a:cs typeface="Times New Roman" panose="02020603050405020304" pitchFamily="18" charset="0"/>
+            </a:endParaRPr>
+          </a:p>
+        </p:txBody>
+      </p:sp>
+      <p:sp>
+        <p:nvSpPr>
+          <p:cNvPr id="74" name="TextBox 73"/>
+          <p:cNvSpPr txBox="1"/>
+          <p:nvPr/>
+        </p:nvSpPr>
+        <p:spPr>
+          <a:xfrm>
+            <a:off x="8789095" y="1785623"/>
+            <a:ext cx="1551677" cy="253916"/>
+          </a:xfrm>
+          <a:prstGeom prst="rect">
+            <a:avLst/>
+          </a:prstGeom>
+          <a:noFill/>
+        </p:spPr>
+        <p:txBody>
+          <a:bodyPr wrap="square" rtlCol="0">
+            <a:spAutoFit/>
+          </a:bodyPr>
+          <a:lstStyle/>
+          <a:p>
+            <a:pPr algn="ctr"/>
+            <a:r>
+              <a:rPr lang="en-ID" sz="1000" dirty="0" smtClean="0">
+                <a:cs typeface="Times New Roman" panose="02020603050405020304" pitchFamily="18" charset="0"/>
+              </a:rPr>
+              <a:t>Machine Learning</a:t>
+            </a:r>
+            <a:endParaRPr lang="id-ID" sz="1000" dirty="0">
+              <a:cs typeface="Times New Roman" panose="02020603050405020304" pitchFamily="18" charset="0"/>
+            </a:endParaRPr>
+          </a:p>
+        </p:txBody>
+      </p:sp>
+      <p:sp>
+        <p:nvSpPr>
+          <p:cNvPr id="75" name="TextBox 74"/>
+          <p:cNvSpPr txBox="1"/>
+          <p:nvPr/>
+        </p:nvSpPr>
+        <p:spPr>
+          <a:xfrm>
+            <a:off x="8871392" y="2033392"/>
+            <a:ext cx="1397000" cy="861774"/>
+          </a:xfrm>
+          <a:prstGeom prst="rect">
+            <a:avLst/>
+          </a:prstGeom>
+          <a:noFill/>
+          <a:ln>
+            <a:solidFill>
+              <a:schemeClr val="bg1">
+                <a:lumMod val="50000"/>
+              </a:schemeClr>
+            </a:solidFill>
+            <a:prstDash val="dash"/>
+          </a:ln>
+        </p:spPr>
+        <p:txBody>
+          <a:bodyPr wrap="square" rtlCol="0">
+            <a:spAutoFit/>
+          </a:bodyPr>
+          <a:lstStyle/>
+          <a:p>
+            <a:r>
+              <a:rPr lang="en-ID" sz="1000" dirty="0" smtClean="0">
+                <a:cs typeface="Times New Roman" panose="02020603050405020304" pitchFamily="18" charset="0"/>
+              </a:rPr>
+              <a:t>-Time series Analysis</a:t>
+            </a:r>
+          </a:p>
+          <a:p>
+            <a:r>
+              <a:rPr lang="en-ID" sz="1000" dirty="0" smtClean="0">
+                <a:cs typeface="Times New Roman" panose="02020603050405020304" pitchFamily="18" charset="0"/>
+              </a:rPr>
+              <a:t>-</a:t>
+            </a:r>
+            <a:r>
+              <a:rPr lang="en-ID" sz="1000" dirty="0">
+                <a:cs typeface="Times New Roman" panose="02020603050405020304" pitchFamily="18" charset="0"/>
+              </a:rPr>
+              <a:t>Exponential </a:t>
+            </a:r>
+            <a:r>
+              <a:rPr lang="en-ID" sz="1000" dirty="0" smtClean="0">
+                <a:cs typeface="Times New Roman" panose="02020603050405020304" pitchFamily="18" charset="0"/>
+              </a:rPr>
+              <a:t>smoothing</a:t>
+            </a:r>
+          </a:p>
+          <a:p>
+            <a:r>
+              <a:rPr lang="en-ID" sz="1000" dirty="0" smtClean="0">
+                <a:cs typeface="Times New Roman" panose="02020603050405020304" pitchFamily="18" charset="0"/>
+              </a:rPr>
+              <a:t>-Linear Regression</a:t>
+            </a:r>
+          </a:p>
+          <a:p>
+            <a:r>
+              <a:rPr lang="en-ID" sz="1000" dirty="0" smtClean="0">
+                <a:cs typeface="Times New Roman" panose="02020603050405020304" pitchFamily="18" charset="0"/>
+              </a:rPr>
+              <a:t>-Knuth Morris Pratt</a:t>
+            </a:r>
+          </a:p>
+        </p:txBody>
+      </p:sp>
+      <p:sp>
+        <p:nvSpPr>
+          <p:cNvPr id="82" name="Rectangle 81"/>
+          <p:cNvSpPr/>
+          <p:nvPr/>
+        </p:nvSpPr>
+        <p:spPr>
+          <a:xfrm>
+            <a:off x="7959447" y="3238185"/>
+            <a:ext cx="1465478" cy="350141"/>
+          </a:xfrm>
+          <a:prstGeom prst="rect">
+            <a:avLst/>
+          </a:prstGeom>
+          <a:noFill/>
+          <a:ln>
+            <a:solidFill>
+              <a:schemeClr val="bg1">
+                <a:lumMod val="50000"/>
+              </a:schemeClr>
+            </a:solidFill>
+          </a:ln>
+        </p:spPr>
+        <p:style>
+          <a:lnRef idx="2">
+            <a:schemeClr val="accent1">
+              <a:shade val="50000"/>
+            </a:schemeClr>
+          </a:lnRef>
+          <a:fillRef idx="1">
+            <a:schemeClr val="accent1"/>
+          </a:fillRef>
+          <a:effectRef idx="0">
+            <a:schemeClr val="accent1"/>
+          </a:effectRef>
+          <a:fontRef idx="minor">
+            <a:schemeClr val="lt1"/>
+          </a:fontRef>
+        </p:style>
+        <p:txBody>
+          <a:bodyPr rtlCol="0" anchor="ctr"/>
+          <a:lstStyle/>
+          <a:p>
+            <a:pPr algn="ctr"/>
+            <a:endParaRPr lang="id-ID" sz="1000">
+              <a:latin typeface="Times New Roman" panose="02020603050405020304" pitchFamily="18" charset="0"/>
+              <a:cs typeface="Times New Roman" panose="02020603050405020304" pitchFamily="18" charset="0"/>
+            </a:endParaRPr>
+          </a:p>
+        </p:txBody>
+      </p:sp>
+      <p:sp>
+        <p:nvSpPr>
+          <p:cNvPr id="83" name="TextBox 82"/>
+          <p:cNvSpPr txBox="1"/>
+          <p:nvPr/>
+        </p:nvSpPr>
+        <p:spPr>
+          <a:xfrm>
+            <a:off x="7969323" y="3285927"/>
+            <a:ext cx="1461115" cy="253916"/>
+          </a:xfrm>
+          <a:prstGeom prst="rect">
+            <a:avLst/>
+          </a:prstGeom>
+          <a:noFill/>
+        </p:spPr>
+        <p:txBody>
+          <a:bodyPr wrap="square" rtlCol="0">
+            <a:spAutoFit/>
+          </a:bodyPr>
+          <a:lstStyle/>
+          <a:p>
+            <a:pPr algn="ctr"/>
+            <a:r>
+              <a:rPr lang="en-ID" sz="1000" dirty="0" smtClean="0">
+                <a:cs typeface="Times New Roman" panose="02020603050405020304" pitchFamily="18" charset="0"/>
+              </a:rPr>
+              <a:t>Analysis Result &amp; Predict</a:t>
+            </a:r>
+            <a:endParaRPr lang="id-ID" sz="1000" dirty="0">
+              <a:cs typeface="Times New Roman" panose="02020603050405020304" pitchFamily="18" charset="0"/>
+            </a:endParaRPr>
+          </a:p>
+        </p:txBody>
+      </p:sp>
+      <p:cxnSp>
+        <p:nvCxnSpPr>
+          <p:cNvPr id="85" name="Elbow Connector 84"/>
+          <p:cNvCxnSpPr>
+            <a:stCxn id="73" idx="2"/>
+            <a:endCxn id="82" idx="0"/>
+          </p:cNvCxnSpPr>
+          <p:nvPr/>
+        </p:nvCxnSpPr>
+        <p:spPr>
+          <a:xfrm rot="5400000">
+            <a:off x="9001373" y="2674622"/>
+            <a:ext cx="254377" cy="872749"/>
+          </a:xfrm>
+          <a:prstGeom prst="bentConnector3">
+            <a:avLst/>
+          </a:prstGeom>
+          <a:ln>
+            <a:prstDash val="dash"/>
+            <a:tailEnd type="triangle"/>
+          </a:ln>
+        </p:spPr>
+        <p:style>
+          <a:lnRef idx="1">
+            <a:schemeClr val="dk1"/>
+          </a:lnRef>
+          <a:fillRef idx="0">
+            <a:schemeClr val="dk1"/>
+          </a:fillRef>
+          <a:effectRef idx="0">
+            <a:schemeClr val="dk1"/>
+          </a:effectRef>
+          <a:fontRef idx="minor">
+            <a:schemeClr val="tx1"/>
+          </a:fontRef>
+        </p:style>
+      </p:cxnSp>
+      <p:cxnSp>
+        <p:nvCxnSpPr>
+          <p:cNvPr id="87" name="Elbow Connector 86"/>
+          <p:cNvCxnSpPr>
+            <a:stCxn id="69" idx="2"/>
+            <a:endCxn id="82" idx="0"/>
+          </p:cNvCxnSpPr>
+          <p:nvPr/>
+        </p:nvCxnSpPr>
+        <p:spPr>
+          <a:xfrm rot="16200000" flipH="1">
+            <a:off x="8177079" y="2723077"/>
+            <a:ext cx="254377" cy="775837"/>
+          </a:xfrm>
+          <a:prstGeom prst="bentConnector3">
+            <a:avLst/>
+          </a:prstGeom>
+          <a:ln>
+            <a:prstDash val="dash"/>
+            <a:tailEnd type="triangle"/>
+          </a:ln>
+        </p:spPr>
+        <p:style>
+          <a:lnRef idx="1">
+            <a:schemeClr val="dk1"/>
+          </a:lnRef>
+          <a:fillRef idx="0">
+            <a:schemeClr val="dk1"/>
+          </a:fillRef>
+          <a:effectRef idx="0">
+            <a:schemeClr val="dk1"/>
+          </a:effectRef>
+          <a:fontRef idx="minor">
+            <a:schemeClr val="tx1"/>
+          </a:fontRef>
+        </p:style>
+      </p:cxnSp>
+      <p:sp>
+        <p:nvSpPr>
+          <p:cNvPr id="89" name="Rectangle 88"/>
+          <p:cNvSpPr/>
+          <p:nvPr/>
+        </p:nvSpPr>
+        <p:spPr>
+          <a:xfrm>
+            <a:off x="7949571" y="1222392"/>
+            <a:ext cx="1465478" cy="350141"/>
+          </a:xfrm>
+          <a:prstGeom prst="rect">
+            <a:avLst/>
+          </a:prstGeom>
+          <a:noFill/>
+          <a:ln>
+            <a:solidFill>
+              <a:schemeClr val="bg1">
+                <a:lumMod val="50000"/>
+              </a:schemeClr>
+            </a:solidFill>
+          </a:ln>
+        </p:spPr>
+        <p:style>
+          <a:lnRef idx="2">
+            <a:schemeClr val="accent1">
+              <a:shade val="50000"/>
+            </a:schemeClr>
+          </a:lnRef>
+          <a:fillRef idx="1">
+            <a:schemeClr val="accent1"/>
+          </a:fillRef>
+          <a:effectRef idx="0">
+            <a:schemeClr val="accent1"/>
+          </a:effectRef>
+          <a:fontRef idx="minor">
+            <a:schemeClr val="lt1"/>
+          </a:fontRef>
+        </p:style>
+        <p:txBody>
+          <a:bodyPr rtlCol="0" anchor="ctr"/>
+          <a:lstStyle/>
+          <a:p>
+            <a:pPr algn="ctr"/>
+            <a:endParaRPr lang="id-ID" sz="1000">
+              <a:latin typeface="Times New Roman" panose="02020603050405020304" pitchFamily="18" charset="0"/>
+              <a:cs typeface="Times New Roman" panose="02020603050405020304" pitchFamily="18" charset="0"/>
+            </a:endParaRPr>
+          </a:p>
+        </p:txBody>
+      </p:sp>
+      <p:sp>
+        <p:nvSpPr>
+          <p:cNvPr id="90" name="TextBox 89"/>
+          <p:cNvSpPr txBox="1"/>
+          <p:nvPr/>
+        </p:nvSpPr>
+        <p:spPr>
+          <a:xfrm>
+            <a:off x="7959447" y="1270134"/>
+            <a:ext cx="1461115" cy="253916"/>
+          </a:xfrm>
+          <a:prstGeom prst="rect">
+            <a:avLst/>
+          </a:prstGeom>
+          <a:noFill/>
+        </p:spPr>
+        <p:txBody>
+          <a:bodyPr wrap="square" rtlCol="0">
+            <a:spAutoFit/>
+          </a:bodyPr>
+          <a:lstStyle/>
+          <a:p>
+            <a:pPr algn="ctr"/>
+            <a:r>
+              <a:rPr lang="en-ID" sz="1000" dirty="0" smtClean="0">
+                <a:cs typeface="Times New Roman" panose="02020603050405020304" pitchFamily="18" charset="0"/>
+              </a:rPr>
+              <a:t>Parameter </a:t>
+            </a:r>
+            <a:r>
+              <a:rPr lang="en-ID" sz="1000" dirty="0" err="1" smtClean="0">
+                <a:cs typeface="Times New Roman" panose="02020603050405020304" pitchFamily="18" charset="0"/>
+              </a:rPr>
+              <a:t>Config</a:t>
+            </a:r>
+            <a:endParaRPr lang="id-ID" sz="1000" dirty="0">
+              <a:cs typeface="Times New Roman" panose="02020603050405020304" pitchFamily="18" charset="0"/>
+            </a:endParaRPr>
+          </a:p>
+        </p:txBody>
+      </p:sp>
+      <p:sp>
+        <p:nvSpPr>
+          <p:cNvPr id="91" name="Rectangle 90"/>
+          <p:cNvSpPr/>
+          <p:nvPr/>
+        </p:nvSpPr>
+        <p:spPr>
+          <a:xfrm>
+            <a:off x="7022764" y="3872314"/>
+            <a:ext cx="3435686" cy="3833411"/>
+          </a:xfrm>
+          <a:prstGeom prst="rect">
+            <a:avLst/>
+          </a:prstGeom>
+          <a:noFill/>
+          <a:ln>
+            <a:solidFill>
+              <a:schemeClr val="bg1">
+                <a:lumMod val="50000"/>
+              </a:schemeClr>
+            </a:solidFill>
+          </a:ln>
+        </p:spPr>
+        <p:style>
+          <a:lnRef idx="2">
+            <a:schemeClr val="accent1">
+              <a:shade val="50000"/>
+            </a:schemeClr>
+          </a:lnRef>
+          <a:fillRef idx="1">
+            <a:schemeClr val="accent1"/>
+          </a:fillRef>
+          <a:effectRef idx="0">
+            <a:schemeClr val="accent1"/>
+          </a:effectRef>
+          <a:fontRef idx="minor">
+            <a:schemeClr val="lt1"/>
+          </a:fontRef>
+        </p:style>
+        <p:txBody>
+          <a:bodyPr rtlCol="0" anchor="ctr"/>
+          <a:lstStyle/>
+          <a:p>
+            <a:pPr algn="ctr"/>
+            <a:endParaRPr lang="id-ID" sz="1000">
+              <a:latin typeface="Times New Roman" panose="02020603050405020304" pitchFamily="18" charset="0"/>
+              <a:cs typeface="Times New Roman" panose="02020603050405020304" pitchFamily="18" charset="0"/>
+            </a:endParaRPr>
+          </a:p>
+        </p:txBody>
+      </p:sp>
+      <p:sp>
+        <p:nvSpPr>
+          <p:cNvPr id="92" name="TextBox 91"/>
+          <p:cNvSpPr txBox="1"/>
+          <p:nvPr/>
+        </p:nvSpPr>
+        <p:spPr>
+          <a:xfrm>
+            <a:off x="7685272" y="3912230"/>
+            <a:ext cx="2098304" cy="253916"/>
+          </a:xfrm>
+          <a:prstGeom prst="rect">
+            <a:avLst/>
+          </a:prstGeom>
+          <a:noFill/>
+        </p:spPr>
+        <p:txBody>
+          <a:bodyPr wrap="square" rtlCol="0">
+            <a:spAutoFit/>
+          </a:bodyPr>
+          <a:lstStyle/>
+          <a:p>
+            <a:pPr algn="ctr"/>
+            <a:r>
+              <a:rPr lang="en-ID" sz="1000" dirty="0" smtClean="0">
+                <a:cs typeface="Times New Roman" panose="02020603050405020304" pitchFamily="18" charset="0"/>
+              </a:rPr>
+              <a:t>Data Interpretation</a:t>
+            </a:r>
+            <a:endParaRPr lang="id-ID" sz="1000" dirty="0">
+              <a:cs typeface="Times New Roman" panose="02020603050405020304" pitchFamily="18" charset="0"/>
+            </a:endParaRPr>
+          </a:p>
+        </p:txBody>
+      </p:sp>
+      <p:sp>
+        <p:nvSpPr>
+          <p:cNvPr id="93" name="Rectangle 92"/>
+          <p:cNvSpPr/>
+          <p:nvPr/>
+        </p:nvSpPr>
+        <p:spPr>
+          <a:xfrm>
+            <a:off x="7151026" y="4924766"/>
+            <a:ext cx="1455602" cy="350141"/>
+          </a:xfrm>
+          <a:prstGeom prst="rect">
+            <a:avLst/>
+          </a:prstGeom>
+          <a:noFill/>
+          <a:ln>
+            <a:solidFill>
+              <a:schemeClr val="bg1">
+                <a:lumMod val="50000"/>
+              </a:schemeClr>
+            </a:solidFill>
+          </a:ln>
+        </p:spPr>
+        <p:style>
+          <a:lnRef idx="2">
+            <a:schemeClr val="accent1">
+              <a:shade val="50000"/>
+            </a:schemeClr>
+          </a:lnRef>
+          <a:fillRef idx="1">
+            <a:schemeClr val="accent1"/>
+          </a:fillRef>
+          <a:effectRef idx="0">
+            <a:schemeClr val="accent1"/>
+          </a:effectRef>
+          <a:fontRef idx="minor">
+            <a:schemeClr val="lt1"/>
+          </a:fontRef>
+        </p:style>
+        <p:txBody>
+          <a:bodyPr rtlCol="0" anchor="ctr"/>
+          <a:lstStyle/>
+          <a:p>
+            <a:pPr algn="ctr"/>
+            <a:endParaRPr lang="id-ID" sz="1000">
+              <a:latin typeface="Times New Roman" panose="02020603050405020304" pitchFamily="18" charset="0"/>
+              <a:cs typeface="Times New Roman" panose="02020603050405020304" pitchFamily="18" charset="0"/>
+            </a:endParaRPr>
+          </a:p>
+        </p:txBody>
+      </p:sp>
+      <p:sp>
+        <p:nvSpPr>
+          <p:cNvPr id="94" name="TextBox 93"/>
+          <p:cNvSpPr txBox="1"/>
+          <p:nvPr/>
+        </p:nvSpPr>
+        <p:spPr>
+          <a:xfrm>
+            <a:off x="6793188" y="4980388"/>
+            <a:ext cx="2098304" cy="253916"/>
+          </a:xfrm>
+          <a:prstGeom prst="rect">
+            <a:avLst/>
+          </a:prstGeom>
+          <a:noFill/>
+        </p:spPr>
+        <p:txBody>
+          <a:bodyPr wrap="square" rtlCol="0">
+            <a:spAutoFit/>
+          </a:bodyPr>
+          <a:lstStyle/>
+          <a:p>
+            <a:pPr algn="ctr"/>
+            <a:r>
+              <a:rPr lang="en-ID" sz="1000" dirty="0" smtClean="0">
+                <a:cs typeface="Times New Roman" panose="02020603050405020304" pitchFamily="18" charset="0"/>
+              </a:rPr>
+              <a:t>Rule-Based</a:t>
+            </a:r>
+            <a:endParaRPr lang="id-ID" sz="1000" dirty="0">
+              <a:cs typeface="Times New Roman" panose="02020603050405020304" pitchFamily="18" charset="0"/>
+            </a:endParaRPr>
+          </a:p>
+        </p:txBody>
+      </p:sp>
+      <p:sp>
+        <p:nvSpPr>
+          <p:cNvPr id="109" name="Rectangle 108"/>
+          <p:cNvSpPr/>
+          <p:nvPr/>
+        </p:nvSpPr>
+        <p:spPr>
+          <a:xfrm>
+            <a:off x="7138326" y="4239355"/>
+            <a:ext cx="1465478" cy="350141"/>
+          </a:xfrm>
+          <a:prstGeom prst="rect">
+            <a:avLst/>
+          </a:prstGeom>
+          <a:noFill/>
+          <a:ln>
+            <a:solidFill>
+              <a:schemeClr val="bg1">
+                <a:lumMod val="50000"/>
+              </a:schemeClr>
+            </a:solidFill>
+          </a:ln>
+        </p:spPr>
+        <p:style>
+          <a:lnRef idx="2">
+            <a:schemeClr val="accent1">
+              <a:shade val="50000"/>
+            </a:schemeClr>
+          </a:lnRef>
+          <a:fillRef idx="1">
+            <a:schemeClr val="accent1"/>
+          </a:fillRef>
+          <a:effectRef idx="0">
+            <a:schemeClr val="accent1"/>
+          </a:effectRef>
+          <a:fontRef idx="minor">
+            <a:schemeClr val="lt1"/>
+          </a:fontRef>
+        </p:style>
+        <p:txBody>
+          <a:bodyPr rtlCol="0" anchor="ctr"/>
+          <a:lstStyle/>
+          <a:p>
+            <a:pPr algn="ctr"/>
+            <a:endParaRPr lang="id-ID" sz="1000">
+              <a:latin typeface="Times New Roman" panose="02020603050405020304" pitchFamily="18" charset="0"/>
+              <a:cs typeface="Times New Roman" panose="02020603050405020304" pitchFamily="18" charset="0"/>
+            </a:endParaRPr>
+          </a:p>
+        </p:txBody>
+      </p:sp>
+      <p:sp>
+        <p:nvSpPr>
+          <p:cNvPr id="110" name="TextBox 109"/>
+          <p:cNvSpPr txBox="1"/>
+          <p:nvPr/>
+        </p:nvSpPr>
+        <p:spPr>
+          <a:xfrm>
+            <a:off x="7148202" y="4287097"/>
+            <a:ext cx="1461115" cy="253916"/>
+          </a:xfrm>
+          <a:prstGeom prst="rect">
+            <a:avLst/>
+          </a:prstGeom>
+          <a:noFill/>
+        </p:spPr>
+        <p:txBody>
+          <a:bodyPr wrap="square" rtlCol="0">
+            <a:spAutoFit/>
+          </a:bodyPr>
+          <a:lstStyle/>
+          <a:p>
+            <a:pPr algn="ctr"/>
+            <a:r>
+              <a:rPr lang="en-ID" sz="1000" dirty="0" smtClean="0">
+                <a:cs typeface="Times New Roman" panose="02020603050405020304" pitchFamily="18" charset="0"/>
+              </a:rPr>
+              <a:t>Analysis Result &amp; Predict</a:t>
+            </a:r>
+            <a:endParaRPr lang="id-ID" sz="1000" dirty="0">
+              <a:cs typeface="Times New Roman" panose="02020603050405020304" pitchFamily="18" charset="0"/>
+            </a:endParaRPr>
+          </a:p>
+        </p:txBody>
+      </p:sp>
+      <p:grpSp>
+        <p:nvGrpSpPr>
+          <p:cNvPr id="117" name="Group 116"/>
+          <p:cNvGrpSpPr/>
+          <p:nvPr/>
+        </p:nvGrpSpPr>
+        <p:grpSpPr>
+          <a:xfrm>
+            <a:off x="7138326" y="5682531"/>
+            <a:ext cx="1551678" cy="1372574"/>
+            <a:chOff x="7237417" y="5580931"/>
+            <a:chExt cx="1551678" cy="1372574"/>
+          </a:xfrm>
+        </p:grpSpPr>
+        <p:sp>
+          <p:nvSpPr>
+            <p:cNvPr id="111" name="Rectangle 110"/>
+            <p:cNvSpPr/>
+            <p:nvPr/>
+          </p:nvSpPr>
+          <p:spPr>
+            <a:xfrm>
+              <a:off x="7237418" y="5580931"/>
+              <a:ext cx="1551677" cy="1372574"/>
+            </a:xfrm>
+            <a:prstGeom prst="rect">
+              <a:avLst/>
+            </a:prstGeom>
+            <a:noFill/>
+            <a:ln>
+              <a:solidFill>
+                <a:schemeClr val="bg1">
+                  <a:lumMod val="50000"/>
+                </a:schemeClr>
+              </a:solidFill>
+            </a:ln>
+          </p:spPr>
+          <p:style>
+            <a:lnRef idx="2">
+              <a:schemeClr val="accent1">
+                <a:shade val="50000"/>
+              </a:schemeClr>
+            </a:lnRef>
+            <a:fillRef idx="1">
+              <a:schemeClr val="accent1"/>
+            </a:fillRef>
+            <a:effectRef idx="0">
+              <a:schemeClr val="accent1"/>
+            </a:effectRef>
+            <a:fontRef idx="minor">
+              <a:schemeClr val="lt1"/>
+            </a:fontRef>
+          </p:style>
+          <p:txBody>
+            <a:bodyPr rtlCol="0" anchor="ctr"/>
+            <a:lstStyle/>
+            <a:p>
+              <a:pPr algn="ctr"/>
+              <a:endParaRPr lang="id-ID" sz="1000">
+                <a:latin typeface="Times New Roman" panose="02020603050405020304" pitchFamily="18" charset="0"/>
+                <a:cs typeface="Times New Roman" panose="02020603050405020304" pitchFamily="18" charset="0"/>
+              </a:endParaRPr>
+            </a:p>
+          </p:txBody>
+        </p:sp>
+        <p:sp>
+          <p:nvSpPr>
+            <p:cNvPr id="112" name="TextBox 111"/>
+            <p:cNvSpPr txBox="1"/>
+            <p:nvPr/>
+          </p:nvSpPr>
+          <p:spPr>
+            <a:xfrm>
+              <a:off x="7237417" y="5617504"/>
+              <a:ext cx="1551677" cy="253916"/>
+            </a:xfrm>
+            <a:prstGeom prst="rect">
+              <a:avLst/>
+            </a:prstGeom>
+            <a:noFill/>
+          </p:spPr>
+          <p:txBody>
+            <a:bodyPr wrap="square" rtlCol="0">
+              <a:spAutoFit/>
+            </a:bodyPr>
+            <a:lstStyle/>
+            <a:p>
+              <a:pPr algn="ctr"/>
+              <a:r>
+                <a:rPr lang="en-ID" sz="1000" dirty="0" smtClean="0">
+                  <a:cs typeface="Times New Roman" panose="02020603050405020304" pitchFamily="18" charset="0"/>
+                </a:rPr>
+                <a:t>Crisp</a:t>
+              </a:r>
+              <a:endParaRPr lang="id-ID" sz="1000" dirty="0">
+                <a:cs typeface="Times New Roman" panose="02020603050405020304" pitchFamily="18" charset="0"/>
+              </a:endParaRPr>
+            </a:p>
+          </p:txBody>
+        </p:sp>
+        <p:sp>
+          <p:nvSpPr>
+            <p:cNvPr id="113" name="TextBox 112"/>
+            <p:cNvSpPr txBox="1"/>
+            <p:nvPr/>
+          </p:nvSpPr>
+          <p:spPr>
+            <a:xfrm>
+              <a:off x="7319714" y="5865273"/>
+              <a:ext cx="1397000" cy="1015663"/>
+            </a:xfrm>
+            <a:prstGeom prst="rect">
+              <a:avLst/>
+            </a:prstGeom>
+            <a:noFill/>
+            <a:ln>
+              <a:solidFill>
+                <a:schemeClr val="bg1">
+                  <a:lumMod val="50000"/>
+                </a:schemeClr>
+              </a:solidFill>
+              <a:prstDash val="dash"/>
+            </a:ln>
+          </p:spPr>
+          <p:txBody>
+            <a:bodyPr wrap="square" rtlCol="0">
+              <a:spAutoFit/>
+            </a:bodyPr>
+            <a:lstStyle/>
+            <a:p>
+              <a:r>
+                <a:rPr lang="en-ID" sz="1000" dirty="0" smtClean="0">
+                  <a:cs typeface="Times New Roman" panose="02020603050405020304" pitchFamily="18" charset="0"/>
+                </a:rPr>
+                <a:t>-</a:t>
+              </a:r>
+              <a:r>
+                <a:rPr lang="en-ID" sz="1000" dirty="0" err="1" smtClean="0">
+                  <a:cs typeface="Times New Roman" panose="02020603050405020304" pitchFamily="18" charset="0"/>
+                </a:rPr>
+                <a:t>AirQuality</a:t>
+              </a:r>
+              <a:endParaRPr lang="en-ID" sz="1000" dirty="0" smtClean="0">
+                <a:cs typeface="Times New Roman" panose="02020603050405020304" pitchFamily="18" charset="0"/>
+              </a:endParaRPr>
+            </a:p>
+            <a:p>
+              <a:r>
+                <a:rPr lang="en-ID" sz="1000" dirty="0" smtClean="0">
+                  <a:cs typeface="Times New Roman" panose="02020603050405020304" pitchFamily="18" charset="0"/>
+                </a:rPr>
+                <a:t>-</a:t>
+              </a:r>
+              <a:r>
+                <a:rPr lang="en-ID" sz="1000" dirty="0" err="1" smtClean="0">
+                  <a:cs typeface="Times New Roman" panose="02020603050405020304" pitchFamily="18" charset="0"/>
+                </a:rPr>
+                <a:t>WindSpeed</a:t>
+              </a:r>
+              <a:endParaRPr lang="en-ID" sz="1000" dirty="0" smtClean="0">
+                <a:cs typeface="Times New Roman" panose="02020603050405020304" pitchFamily="18" charset="0"/>
+              </a:endParaRPr>
+            </a:p>
+            <a:p>
+              <a:r>
+                <a:rPr lang="en-ID" sz="1000" dirty="0" smtClean="0">
+                  <a:cs typeface="Times New Roman" panose="02020603050405020304" pitchFamily="18" charset="0"/>
+                </a:rPr>
+                <a:t>-</a:t>
+              </a:r>
+              <a:r>
+                <a:rPr lang="en-ID" sz="1000" dirty="0" err="1" smtClean="0">
+                  <a:cs typeface="Times New Roman" panose="02020603050405020304" pitchFamily="18" charset="0"/>
+                </a:rPr>
+                <a:t>WindDirection</a:t>
+              </a:r>
+              <a:endParaRPr lang="en-ID" sz="1000" dirty="0" smtClean="0">
+                <a:cs typeface="Times New Roman" panose="02020603050405020304" pitchFamily="18" charset="0"/>
+              </a:endParaRPr>
+            </a:p>
+            <a:p>
+              <a:r>
+                <a:rPr lang="en-ID" sz="1000" dirty="0" smtClean="0">
+                  <a:cs typeface="Times New Roman" panose="02020603050405020304" pitchFamily="18" charset="0"/>
+                </a:rPr>
+                <a:t>-</a:t>
+              </a:r>
+              <a:r>
+                <a:rPr lang="en-ID" sz="1000" dirty="0" err="1" smtClean="0">
+                  <a:cs typeface="Times New Roman" panose="02020603050405020304" pitchFamily="18" charset="0"/>
+                </a:rPr>
+                <a:t>CloudCoberage</a:t>
+              </a:r>
+              <a:endParaRPr lang="en-ID" sz="1000" dirty="0">
+                <a:cs typeface="Times New Roman" panose="02020603050405020304" pitchFamily="18" charset="0"/>
+              </a:endParaRPr>
+            </a:p>
+            <a:p>
+              <a:r>
+                <a:rPr lang="en-ID" sz="1000" dirty="0">
+                  <a:cs typeface="Times New Roman" panose="02020603050405020304" pitchFamily="18" charset="0"/>
+                </a:rPr>
+                <a:t>-Other (custom corpus)</a:t>
+              </a:r>
+            </a:p>
+            <a:p>
+              <a:r>
+                <a:rPr lang="en-ID" sz="1000" dirty="0">
+                  <a:cs typeface="Times New Roman" panose="02020603050405020304" pitchFamily="18" charset="0"/>
+                </a:rPr>
+                <a:t>-General</a:t>
+              </a:r>
+            </a:p>
+          </p:txBody>
+        </p:sp>
+      </p:grpSp>
+      <p:grpSp>
+        <p:nvGrpSpPr>
+          <p:cNvPr id="118" name="Group 117"/>
+          <p:cNvGrpSpPr/>
+          <p:nvPr/>
+        </p:nvGrpSpPr>
+        <p:grpSpPr>
+          <a:xfrm>
+            <a:off x="8789094" y="5675462"/>
+            <a:ext cx="1551678" cy="1077763"/>
+            <a:chOff x="8875336" y="5533597"/>
+            <a:chExt cx="1551678" cy="1077763"/>
+          </a:xfrm>
+        </p:grpSpPr>
+        <p:sp>
+          <p:nvSpPr>
+            <p:cNvPr id="114" name="Rectangle 113"/>
+            <p:cNvSpPr/>
+            <p:nvPr/>
+          </p:nvSpPr>
+          <p:spPr>
+            <a:xfrm>
+              <a:off x="8875337" y="5533597"/>
+              <a:ext cx="1551677" cy="1077763"/>
+            </a:xfrm>
+            <a:prstGeom prst="rect">
+              <a:avLst/>
+            </a:prstGeom>
+            <a:noFill/>
+            <a:ln>
+              <a:solidFill>
+                <a:schemeClr val="bg1">
+                  <a:lumMod val="50000"/>
+                </a:schemeClr>
+              </a:solidFill>
+            </a:ln>
+          </p:spPr>
+          <p:style>
+            <a:lnRef idx="2">
+              <a:schemeClr val="accent1">
+                <a:shade val="50000"/>
+              </a:schemeClr>
+            </a:lnRef>
+            <a:fillRef idx="1">
+              <a:schemeClr val="accent1"/>
+            </a:fillRef>
+            <a:effectRef idx="0">
+              <a:schemeClr val="accent1"/>
+            </a:effectRef>
+            <a:fontRef idx="minor">
+              <a:schemeClr val="lt1"/>
+            </a:fontRef>
+          </p:style>
+          <p:txBody>
+            <a:bodyPr rtlCol="0" anchor="ctr"/>
+            <a:lstStyle/>
+            <a:p>
+              <a:pPr algn="ctr"/>
+              <a:endParaRPr lang="id-ID" sz="1000">
+                <a:latin typeface="Times New Roman" panose="02020603050405020304" pitchFamily="18" charset="0"/>
+                <a:cs typeface="Times New Roman" panose="02020603050405020304" pitchFamily="18" charset="0"/>
+              </a:endParaRPr>
+            </a:p>
+          </p:txBody>
+        </p:sp>
+        <p:sp>
+          <p:nvSpPr>
+            <p:cNvPr id="115" name="TextBox 114"/>
+            <p:cNvSpPr txBox="1"/>
+            <p:nvPr/>
+          </p:nvSpPr>
+          <p:spPr>
+            <a:xfrm>
+              <a:off x="8875336" y="5570170"/>
+              <a:ext cx="1551677" cy="253916"/>
+            </a:xfrm>
+            <a:prstGeom prst="rect">
+              <a:avLst/>
+            </a:prstGeom>
+            <a:noFill/>
+          </p:spPr>
+          <p:txBody>
+            <a:bodyPr wrap="square" rtlCol="0">
+              <a:spAutoFit/>
+            </a:bodyPr>
+            <a:lstStyle/>
+            <a:p>
+              <a:pPr algn="ctr"/>
+              <a:r>
+                <a:rPr lang="en-ID" sz="1000" dirty="0" smtClean="0">
+                  <a:cs typeface="Times New Roman" panose="02020603050405020304" pitchFamily="18" charset="0"/>
+                </a:rPr>
+                <a:t>Fuzzy</a:t>
+              </a:r>
+              <a:endParaRPr lang="id-ID" sz="1000" dirty="0">
+                <a:cs typeface="Times New Roman" panose="02020603050405020304" pitchFamily="18" charset="0"/>
+              </a:endParaRPr>
+            </a:p>
+          </p:txBody>
+        </p:sp>
+        <p:sp>
+          <p:nvSpPr>
+            <p:cNvPr id="116" name="TextBox 115"/>
+            <p:cNvSpPr txBox="1"/>
+            <p:nvPr/>
+          </p:nvSpPr>
+          <p:spPr>
+            <a:xfrm>
+              <a:off x="8957633" y="5817939"/>
+              <a:ext cx="1397000" cy="707886"/>
+            </a:xfrm>
+            <a:prstGeom prst="rect">
+              <a:avLst/>
+            </a:prstGeom>
+            <a:noFill/>
+            <a:ln>
+              <a:solidFill>
+                <a:schemeClr val="bg1">
+                  <a:lumMod val="50000"/>
+                </a:schemeClr>
+              </a:solidFill>
+              <a:prstDash val="dash"/>
+            </a:ln>
+          </p:spPr>
+          <p:txBody>
+            <a:bodyPr wrap="square" rtlCol="0">
+              <a:spAutoFit/>
+            </a:bodyPr>
+            <a:lstStyle/>
+            <a:p>
+              <a:r>
+                <a:rPr lang="en-ID" sz="1000" dirty="0" smtClean="0">
+                  <a:cs typeface="Times New Roman" panose="02020603050405020304" pitchFamily="18" charset="0"/>
+                </a:rPr>
+                <a:t>-Temperature</a:t>
+              </a:r>
+            </a:p>
+            <a:p>
+              <a:r>
+                <a:rPr lang="en-ID" sz="1000" dirty="0" smtClean="0">
+                  <a:cs typeface="Times New Roman" panose="02020603050405020304" pitchFamily="18" charset="0"/>
+                </a:rPr>
+                <a:t>-Rainfall</a:t>
+              </a:r>
+            </a:p>
+            <a:p>
+              <a:r>
+                <a:rPr lang="en-ID" sz="1000" dirty="0" smtClean="0">
+                  <a:cs typeface="Times New Roman" panose="02020603050405020304" pitchFamily="18" charset="0"/>
+                </a:rPr>
+                <a:t>-Other (custom corpus)</a:t>
+              </a:r>
+            </a:p>
+            <a:p>
+              <a:r>
+                <a:rPr lang="en-ID" sz="1000" dirty="0" smtClean="0">
+                  <a:cs typeface="Times New Roman" panose="02020603050405020304" pitchFamily="18" charset="0"/>
+                </a:rPr>
+                <a:t>-General</a:t>
+              </a:r>
+            </a:p>
+          </p:txBody>
+        </p:sp>
+      </p:grpSp>
+      <p:grpSp>
+        <p:nvGrpSpPr>
+          <p:cNvPr id="119" name="Group 118"/>
+          <p:cNvGrpSpPr/>
+          <p:nvPr/>
+        </p:nvGrpSpPr>
+        <p:grpSpPr>
+          <a:xfrm>
+            <a:off x="8944242" y="4204573"/>
+            <a:ext cx="1324149" cy="1181345"/>
+            <a:chOff x="8875336" y="5495497"/>
+            <a:chExt cx="1551678" cy="1181345"/>
+          </a:xfrm>
+        </p:grpSpPr>
+        <p:sp>
+          <p:nvSpPr>
+            <p:cNvPr id="120" name="Rectangle 119"/>
+            <p:cNvSpPr/>
+            <p:nvPr/>
+          </p:nvSpPr>
+          <p:spPr>
+            <a:xfrm>
+              <a:off x="8875337" y="5495497"/>
+              <a:ext cx="1551677" cy="1181345"/>
+            </a:xfrm>
+            <a:prstGeom prst="rect">
+              <a:avLst/>
+            </a:prstGeom>
+            <a:noFill/>
+            <a:ln>
+              <a:solidFill>
+                <a:schemeClr val="bg1">
+                  <a:lumMod val="50000"/>
+                </a:schemeClr>
+              </a:solidFill>
+            </a:ln>
+          </p:spPr>
+          <p:style>
+            <a:lnRef idx="2">
+              <a:schemeClr val="accent1">
+                <a:shade val="50000"/>
+              </a:schemeClr>
+            </a:lnRef>
+            <a:fillRef idx="1">
+              <a:schemeClr val="accent1"/>
+            </a:fillRef>
+            <a:effectRef idx="0">
+              <a:schemeClr val="accent1"/>
+            </a:effectRef>
+            <a:fontRef idx="minor">
+              <a:schemeClr val="lt1"/>
+            </a:fontRef>
+          </p:style>
+          <p:txBody>
+            <a:bodyPr rtlCol="0" anchor="ctr"/>
+            <a:lstStyle/>
+            <a:p>
+              <a:pPr algn="ctr"/>
+              <a:endParaRPr lang="id-ID" sz="1000">
+                <a:latin typeface="Times New Roman" panose="02020603050405020304" pitchFamily="18" charset="0"/>
+                <a:cs typeface="Times New Roman" panose="02020603050405020304" pitchFamily="18" charset="0"/>
+              </a:endParaRPr>
+            </a:p>
+          </p:txBody>
+        </p:sp>
+        <p:sp>
+          <p:nvSpPr>
+            <p:cNvPr id="121" name="TextBox 120"/>
+            <p:cNvSpPr txBox="1"/>
+            <p:nvPr/>
+          </p:nvSpPr>
+          <p:spPr>
+            <a:xfrm>
+              <a:off x="8875336" y="5532070"/>
+              <a:ext cx="1551677" cy="246221"/>
+            </a:xfrm>
+            <a:prstGeom prst="rect">
+              <a:avLst/>
+            </a:prstGeom>
+            <a:noFill/>
+          </p:spPr>
+          <p:txBody>
+            <a:bodyPr wrap="square" rtlCol="0">
+              <a:spAutoFit/>
+            </a:bodyPr>
+            <a:lstStyle/>
+            <a:p>
+              <a:pPr algn="ctr"/>
+              <a:r>
+                <a:rPr lang="en-ID" sz="1000" dirty="0" smtClean="0">
+                  <a:cs typeface="Times New Roman" panose="02020603050405020304" pitchFamily="18" charset="0"/>
+                </a:rPr>
+                <a:t>Rule-Based Generator</a:t>
+              </a:r>
+              <a:endParaRPr lang="id-ID" sz="1000" dirty="0">
+                <a:cs typeface="Times New Roman" panose="02020603050405020304" pitchFamily="18" charset="0"/>
+              </a:endParaRPr>
+            </a:p>
+          </p:txBody>
+        </p:sp>
+        <p:sp>
+          <p:nvSpPr>
+            <p:cNvPr id="122" name="TextBox 121"/>
+            <p:cNvSpPr txBox="1"/>
+            <p:nvPr/>
+          </p:nvSpPr>
+          <p:spPr>
+            <a:xfrm>
+              <a:off x="8957632" y="5868739"/>
+              <a:ext cx="1397000" cy="707886"/>
+            </a:xfrm>
+            <a:prstGeom prst="rect">
+              <a:avLst/>
+            </a:prstGeom>
+            <a:noFill/>
+            <a:ln>
+              <a:solidFill>
+                <a:schemeClr val="bg1">
+                  <a:lumMod val="50000"/>
+                </a:schemeClr>
+              </a:solidFill>
+              <a:prstDash val="dash"/>
+            </a:ln>
+          </p:spPr>
+          <p:txBody>
+            <a:bodyPr wrap="square" rtlCol="0">
+              <a:spAutoFit/>
+            </a:bodyPr>
+            <a:lstStyle/>
+            <a:p>
+              <a:r>
+                <a:rPr lang="en-ID" sz="1000" dirty="0" smtClean="0">
+                  <a:cs typeface="Times New Roman" panose="02020603050405020304" pitchFamily="18" charset="0"/>
+                </a:rPr>
+                <a:t>-General Fuzzy</a:t>
+              </a:r>
+            </a:p>
+            <a:p>
+              <a:r>
+                <a:rPr lang="en-ID" sz="1000" dirty="0" smtClean="0">
+                  <a:cs typeface="Times New Roman" panose="02020603050405020304" pitchFamily="18" charset="0"/>
+                </a:rPr>
+                <a:t>-General Trend</a:t>
+              </a:r>
+            </a:p>
+            <a:p>
+              <a:r>
+                <a:rPr lang="en-ID" sz="1000" dirty="0" smtClean="0">
+                  <a:cs typeface="Times New Roman" panose="02020603050405020304" pitchFamily="18" charset="0"/>
+                </a:rPr>
+                <a:t>-Non General Trend</a:t>
+              </a:r>
+            </a:p>
+          </p:txBody>
+        </p:sp>
+      </p:grpSp>
+      <p:cxnSp>
+        <p:nvCxnSpPr>
+          <p:cNvPr id="124" name="Straight Arrow Connector 123"/>
+          <p:cNvCxnSpPr>
+            <a:stCxn id="109" idx="2"/>
+            <a:endCxn id="93" idx="0"/>
+          </p:cNvCxnSpPr>
+          <p:nvPr/>
+        </p:nvCxnSpPr>
+        <p:spPr>
+          <a:xfrm>
+            <a:off x="7871065" y="4589496"/>
+            <a:ext cx="7762" cy="335270"/>
+          </a:xfrm>
+          <a:prstGeom prst="straightConnector1">
+            <a:avLst/>
+          </a:prstGeom>
+          <a:ln>
+            <a:prstDash val="dash"/>
+            <a:tailEnd type="triangle"/>
+          </a:ln>
+        </p:spPr>
+        <p:style>
+          <a:lnRef idx="1">
+            <a:schemeClr val="dk1"/>
+          </a:lnRef>
+          <a:fillRef idx="0">
+            <a:schemeClr val="dk1"/>
+          </a:fillRef>
+          <a:effectRef idx="0">
+            <a:schemeClr val="dk1"/>
+          </a:effectRef>
+          <a:fontRef idx="minor">
+            <a:schemeClr val="tx1"/>
+          </a:fontRef>
+        </p:style>
+      </p:cxnSp>
+      <p:cxnSp>
+        <p:nvCxnSpPr>
+          <p:cNvPr id="130" name="Elbow Connector 129"/>
+          <p:cNvCxnSpPr>
+            <a:stCxn id="93" idx="2"/>
+            <a:endCxn id="114" idx="0"/>
+          </p:cNvCxnSpPr>
+          <p:nvPr/>
+        </p:nvCxnSpPr>
+        <p:spPr>
+          <a:xfrm rot="16200000" flipH="1">
+            <a:off x="8521603" y="4632130"/>
+            <a:ext cx="400555" cy="1686107"/>
+          </a:xfrm>
+          <a:prstGeom prst="bentConnector3">
+            <a:avLst/>
+          </a:prstGeom>
+          <a:ln>
+            <a:prstDash val="dash"/>
+            <a:tailEnd type="triangle"/>
+          </a:ln>
+        </p:spPr>
+        <p:style>
+          <a:lnRef idx="1">
+            <a:schemeClr val="dk1"/>
+          </a:lnRef>
+          <a:fillRef idx="0">
+            <a:schemeClr val="dk1"/>
+          </a:fillRef>
+          <a:effectRef idx="0">
+            <a:schemeClr val="dk1"/>
+          </a:effectRef>
+          <a:fontRef idx="minor">
+            <a:schemeClr val="tx1"/>
+          </a:fontRef>
+        </p:style>
+      </p:cxnSp>
+      <p:cxnSp>
+        <p:nvCxnSpPr>
+          <p:cNvPr id="137" name="Straight Arrow Connector 136"/>
+          <p:cNvCxnSpPr/>
+          <p:nvPr/>
+        </p:nvCxnSpPr>
+        <p:spPr>
+          <a:xfrm>
+            <a:off x="7878827" y="5299663"/>
+            <a:ext cx="0" cy="375799"/>
+          </a:xfrm>
+          <a:prstGeom prst="straightConnector1">
+            <a:avLst/>
+          </a:prstGeom>
+          <a:ln>
+            <a:prstDash val="dash"/>
+            <a:tailEnd type="triangle"/>
+          </a:ln>
+        </p:spPr>
+        <p:style>
+          <a:lnRef idx="1">
+            <a:schemeClr val="dk1"/>
+          </a:lnRef>
+          <a:fillRef idx="0">
+            <a:schemeClr val="dk1"/>
+          </a:fillRef>
+          <a:effectRef idx="0">
+            <a:schemeClr val="dk1"/>
+          </a:effectRef>
+          <a:fontRef idx="minor">
+            <a:schemeClr val="tx1"/>
+          </a:fontRef>
+        </p:style>
+      </p:cxnSp>
+      <p:cxnSp>
+        <p:nvCxnSpPr>
+          <p:cNvPr id="141" name="Straight Arrow Connector 140"/>
+          <p:cNvCxnSpPr/>
+          <p:nvPr/>
+        </p:nvCxnSpPr>
+        <p:spPr>
+          <a:xfrm flipH="1">
+            <a:off x="8603804" y="5057775"/>
+            <a:ext cx="340438" cy="0"/>
+          </a:xfrm>
+          <a:prstGeom prst="straightConnector1">
+            <a:avLst/>
+          </a:prstGeom>
+          <a:ln>
+            <a:prstDash val="dash"/>
+            <a:tailEnd type="triangle"/>
+          </a:ln>
+        </p:spPr>
+        <p:style>
+          <a:lnRef idx="1">
+            <a:schemeClr val="dk1"/>
+          </a:lnRef>
+          <a:fillRef idx="0">
+            <a:schemeClr val="dk1"/>
+          </a:fillRef>
+          <a:effectRef idx="0">
+            <a:schemeClr val="dk1"/>
+          </a:effectRef>
+          <a:fontRef idx="minor">
+            <a:schemeClr val="tx1"/>
+          </a:fontRef>
+        </p:style>
+      </p:cxnSp>
+      <p:sp>
+        <p:nvSpPr>
+          <p:cNvPr id="144" name="Rectangle 143"/>
+          <p:cNvSpPr/>
+          <p:nvPr/>
+        </p:nvSpPr>
+        <p:spPr>
+          <a:xfrm>
+            <a:off x="7220623" y="7275862"/>
+            <a:ext cx="1455602" cy="350141"/>
+          </a:xfrm>
+          <a:prstGeom prst="rect">
+            <a:avLst/>
+          </a:prstGeom>
+          <a:noFill/>
+          <a:ln>
+            <a:solidFill>
+              <a:schemeClr val="bg1">
+                <a:lumMod val="50000"/>
+              </a:schemeClr>
+            </a:solidFill>
+          </a:ln>
+        </p:spPr>
+        <p:style>
+          <a:lnRef idx="2">
+            <a:schemeClr val="accent1">
+              <a:shade val="50000"/>
+            </a:schemeClr>
+          </a:lnRef>
+          <a:fillRef idx="1">
+            <a:schemeClr val="accent1"/>
+          </a:fillRef>
+          <a:effectRef idx="0">
+            <a:schemeClr val="accent1"/>
+          </a:effectRef>
+          <a:fontRef idx="minor">
+            <a:schemeClr val="lt1"/>
+          </a:fontRef>
+        </p:style>
+        <p:txBody>
+          <a:bodyPr rtlCol="0" anchor="ctr"/>
+          <a:lstStyle/>
+          <a:p>
+            <a:pPr algn="ctr"/>
+            <a:endParaRPr lang="id-ID" sz="1000">
+              <a:latin typeface="Times New Roman" panose="02020603050405020304" pitchFamily="18" charset="0"/>
+              <a:cs typeface="Times New Roman" panose="02020603050405020304" pitchFamily="18" charset="0"/>
+            </a:endParaRPr>
+          </a:p>
+        </p:txBody>
+      </p:sp>
+      <p:sp>
+        <p:nvSpPr>
+          <p:cNvPr id="145" name="TextBox 144"/>
+          <p:cNvSpPr txBox="1"/>
+          <p:nvPr/>
+        </p:nvSpPr>
+        <p:spPr>
+          <a:xfrm>
+            <a:off x="6862785" y="7331484"/>
+            <a:ext cx="2098304" cy="253916"/>
+          </a:xfrm>
+          <a:prstGeom prst="rect">
+            <a:avLst/>
+          </a:prstGeom>
+          <a:noFill/>
+        </p:spPr>
+        <p:txBody>
+          <a:bodyPr wrap="square" rtlCol="0">
+            <a:spAutoFit/>
+          </a:bodyPr>
+          <a:lstStyle/>
+          <a:p>
+            <a:pPr algn="ctr"/>
+            <a:r>
+              <a:rPr lang="en-ID" sz="1000" dirty="0" smtClean="0">
+                <a:cs typeface="Times New Roman" panose="02020603050405020304" pitchFamily="18" charset="0"/>
+              </a:rPr>
+              <a:t>Message Inventory</a:t>
+            </a:r>
+            <a:endParaRPr lang="id-ID" sz="1000" dirty="0">
+              <a:cs typeface="Times New Roman" panose="02020603050405020304" pitchFamily="18" charset="0"/>
+            </a:endParaRPr>
+          </a:p>
+        </p:txBody>
+      </p:sp>
+      <p:grpSp>
+        <p:nvGrpSpPr>
+          <p:cNvPr id="148" name="Group 147"/>
+          <p:cNvGrpSpPr/>
+          <p:nvPr/>
+        </p:nvGrpSpPr>
+        <p:grpSpPr>
+          <a:xfrm>
+            <a:off x="4835717" y="3384239"/>
+            <a:ext cx="1482771" cy="350141"/>
+            <a:chOff x="4842978" y="2160404"/>
+            <a:chExt cx="1482771" cy="350141"/>
+          </a:xfrm>
+        </p:grpSpPr>
+        <p:sp>
+          <p:nvSpPr>
+            <p:cNvPr id="149" name="Rectangle 148"/>
+            <p:cNvSpPr/>
+            <p:nvPr/>
+          </p:nvSpPr>
+          <p:spPr>
+            <a:xfrm>
+              <a:off x="4842978" y="2160404"/>
+              <a:ext cx="1477258" cy="350141"/>
+            </a:xfrm>
+            <a:prstGeom prst="rect">
+              <a:avLst/>
+            </a:prstGeom>
+            <a:noFill/>
+            <a:ln>
+              <a:solidFill>
+                <a:schemeClr val="bg1">
+                  <a:lumMod val="50000"/>
+                </a:schemeClr>
+              </a:solidFill>
+            </a:ln>
+          </p:spPr>
+          <p:style>
+            <a:lnRef idx="2">
+              <a:schemeClr val="accent1">
+                <a:shade val="50000"/>
+              </a:schemeClr>
+            </a:lnRef>
+            <a:fillRef idx="1">
+              <a:schemeClr val="accent1"/>
+            </a:fillRef>
+            <a:effectRef idx="0">
+              <a:schemeClr val="accent1"/>
+            </a:effectRef>
+            <a:fontRef idx="minor">
+              <a:schemeClr val="lt1"/>
+            </a:fontRef>
+          </p:style>
+          <p:txBody>
+            <a:bodyPr rtlCol="0" anchor="ctr"/>
+            <a:lstStyle/>
+            <a:p>
+              <a:pPr algn="ctr"/>
+              <a:endParaRPr lang="id-ID" sz="1000">
+                <a:latin typeface="Times New Roman" panose="02020603050405020304" pitchFamily="18" charset="0"/>
+                <a:cs typeface="Times New Roman" panose="02020603050405020304" pitchFamily="18" charset="0"/>
+              </a:endParaRPr>
+            </a:p>
+          </p:txBody>
+        </p:sp>
+        <p:sp>
+          <p:nvSpPr>
+            <p:cNvPr id="150" name="TextBox 149"/>
+            <p:cNvSpPr txBox="1"/>
+            <p:nvPr/>
+          </p:nvSpPr>
+          <p:spPr>
+            <a:xfrm>
+              <a:off x="4864634" y="2208146"/>
+              <a:ext cx="1461115" cy="253916"/>
+            </a:xfrm>
+            <a:prstGeom prst="rect">
+              <a:avLst/>
+            </a:prstGeom>
+            <a:noFill/>
+          </p:spPr>
+          <p:txBody>
+            <a:bodyPr wrap="square" rtlCol="0">
+              <a:spAutoFit/>
+            </a:bodyPr>
+            <a:lstStyle/>
+            <a:p>
+              <a:pPr algn="ctr"/>
+              <a:r>
+                <a:rPr lang="en-ID" sz="1000" dirty="0" smtClean="0">
+                  <a:cs typeface="Times New Roman" panose="02020603050405020304" pitchFamily="18" charset="0"/>
+                </a:rPr>
+                <a:t>Data Interpretation</a:t>
+              </a:r>
+              <a:endParaRPr lang="id-ID" sz="1000" dirty="0">
+                <a:cs typeface="Times New Roman" panose="02020603050405020304" pitchFamily="18" charset="0"/>
+              </a:endParaRPr>
+            </a:p>
+          </p:txBody>
+        </p:sp>
+      </p:grpSp>
+      <p:cxnSp>
+        <p:nvCxnSpPr>
+          <p:cNvPr id="152" name="Straight Arrow Connector 151"/>
+          <p:cNvCxnSpPr>
+            <a:stCxn id="12" idx="2"/>
+            <a:endCxn id="65" idx="0"/>
+          </p:cNvCxnSpPr>
+          <p:nvPr/>
+        </p:nvCxnSpPr>
+        <p:spPr>
+          <a:xfrm>
+            <a:off x="5575717" y="1751633"/>
+            <a:ext cx="3380" cy="638060"/>
+          </a:xfrm>
+          <a:prstGeom prst="straightConnector1">
+            <a:avLst/>
+          </a:prstGeom>
+          <a:ln w="28575">
+            <a:tailEnd type="triangle"/>
+          </a:ln>
+        </p:spPr>
+        <p:style>
+          <a:lnRef idx="1">
+            <a:schemeClr val="dk1"/>
+          </a:lnRef>
+          <a:fillRef idx="0">
+            <a:schemeClr val="dk1"/>
+          </a:fillRef>
+          <a:effectRef idx="0">
+            <a:schemeClr val="dk1"/>
+          </a:effectRef>
+          <a:fontRef idx="minor">
+            <a:schemeClr val="tx1"/>
+          </a:fontRef>
+        </p:style>
+      </p:cxnSp>
+      <p:sp>
+        <p:nvSpPr>
+          <p:cNvPr id="154" name="TextBox 153"/>
+          <p:cNvSpPr txBox="1"/>
+          <p:nvPr/>
+        </p:nvSpPr>
+        <p:spPr>
+          <a:xfrm>
+            <a:off x="5705753" y="2838074"/>
+            <a:ext cx="1461115" cy="400110"/>
+          </a:xfrm>
+          <a:prstGeom prst="rect">
+            <a:avLst/>
+          </a:prstGeom>
+          <a:noFill/>
+        </p:spPr>
+        <p:txBody>
+          <a:bodyPr wrap="square" rtlCol="0">
+            <a:spAutoFit/>
+          </a:bodyPr>
+          <a:lstStyle/>
+          <a:p>
+            <a:r>
+              <a:rPr lang="en-ID" sz="1000" dirty="0" smtClean="0">
+                <a:cs typeface="Times New Roman" panose="02020603050405020304" pitchFamily="18" charset="0"/>
+              </a:rPr>
+              <a:t>Data Abstraction</a:t>
+            </a:r>
+          </a:p>
+          <a:p>
+            <a:r>
+              <a:rPr lang="en-ID" sz="1000" dirty="0">
+                <a:cs typeface="Times New Roman" panose="02020603050405020304" pitchFamily="18" charset="0"/>
+              </a:rPr>
+              <a:t>a</a:t>
+            </a:r>
+            <a:r>
+              <a:rPr lang="en-ID" sz="1000" dirty="0" smtClean="0">
+                <a:cs typeface="Times New Roman" panose="02020603050405020304" pitchFamily="18" charset="0"/>
+              </a:rPr>
+              <a:t>nd Event</a:t>
+            </a:r>
+            <a:endParaRPr lang="id-ID" sz="1000" dirty="0">
+              <a:cs typeface="Times New Roman" panose="02020603050405020304" pitchFamily="18" charset="0"/>
+            </a:endParaRPr>
+          </a:p>
+        </p:txBody>
+      </p:sp>
+      <p:cxnSp>
+        <p:nvCxnSpPr>
+          <p:cNvPr id="155" name="Straight Arrow Connector 154"/>
+          <p:cNvCxnSpPr/>
+          <p:nvPr/>
+        </p:nvCxnSpPr>
+        <p:spPr>
+          <a:xfrm>
+            <a:off x="5570966" y="2747840"/>
+            <a:ext cx="3380" cy="638060"/>
+          </a:xfrm>
+          <a:prstGeom prst="straightConnector1">
+            <a:avLst/>
+          </a:prstGeom>
+          <a:ln w="28575">
+            <a:tailEnd type="triangle"/>
+          </a:ln>
+        </p:spPr>
+        <p:style>
+          <a:lnRef idx="1">
+            <a:schemeClr val="dk1"/>
+          </a:lnRef>
+          <a:fillRef idx="0">
+            <a:schemeClr val="dk1"/>
+          </a:fillRef>
+          <a:effectRef idx="0">
+            <a:schemeClr val="dk1"/>
+          </a:effectRef>
+          <a:fontRef idx="minor">
+            <a:schemeClr val="tx1"/>
+          </a:fontRef>
+        </p:style>
+      </p:cxnSp>
+      <p:sp>
+        <p:nvSpPr>
+          <p:cNvPr id="156" name="TextBox 155"/>
+          <p:cNvSpPr txBox="1"/>
+          <p:nvPr/>
+        </p:nvSpPr>
+        <p:spPr>
+          <a:xfrm>
+            <a:off x="5669214" y="3823503"/>
+            <a:ext cx="1461115" cy="400110"/>
+          </a:xfrm>
+          <a:prstGeom prst="rect">
+            <a:avLst/>
+          </a:prstGeom>
+          <a:noFill/>
+        </p:spPr>
+        <p:txBody>
+          <a:bodyPr wrap="square" rtlCol="0">
+            <a:spAutoFit/>
+          </a:bodyPr>
+          <a:lstStyle/>
+          <a:p>
+            <a:r>
+              <a:rPr lang="en-ID" sz="1000" dirty="0" smtClean="0">
+                <a:cs typeface="Times New Roman" panose="02020603050405020304" pitchFamily="18" charset="0"/>
+              </a:rPr>
+              <a:t>Message </a:t>
+            </a:r>
+          </a:p>
+          <a:p>
+            <a:r>
+              <a:rPr lang="en-ID" sz="1000" dirty="0" smtClean="0">
+                <a:cs typeface="Times New Roman" panose="02020603050405020304" pitchFamily="18" charset="0"/>
+              </a:rPr>
+              <a:t>Inventory</a:t>
+            </a:r>
+            <a:endParaRPr lang="id-ID" sz="1000" dirty="0">
+              <a:cs typeface="Times New Roman" panose="02020603050405020304" pitchFamily="18" charset="0"/>
+            </a:endParaRPr>
+          </a:p>
+        </p:txBody>
+      </p:sp>
+      <p:sp>
+        <p:nvSpPr>
+          <p:cNvPr id="157" name="Rectangle 156"/>
+          <p:cNvSpPr/>
+          <p:nvPr/>
+        </p:nvSpPr>
+        <p:spPr>
+          <a:xfrm>
+            <a:off x="8871391" y="7280139"/>
+            <a:ext cx="1455602" cy="350141"/>
+          </a:xfrm>
+          <a:prstGeom prst="rect">
+            <a:avLst/>
+          </a:prstGeom>
+          <a:noFill/>
+          <a:ln>
+            <a:solidFill>
+              <a:schemeClr val="bg1">
+                <a:lumMod val="50000"/>
+              </a:schemeClr>
+            </a:solidFill>
+          </a:ln>
+        </p:spPr>
+        <p:style>
+          <a:lnRef idx="2">
+            <a:schemeClr val="accent1">
+              <a:shade val="50000"/>
+            </a:schemeClr>
+          </a:lnRef>
+          <a:fillRef idx="1">
+            <a:schemeClr val="accent1"/>
+          </a:fillRef>
+          <a:effectRef idx="0">
+            <a:schemeClr val="accent1"/>
+          </a:effectRef>
+          <a:fontRef idx="minor">
+            <a:schemeClr val="lt1"/>
+          </a:fontRef>
+        </p:style>
+        <p:txBody>
+          <a:bodyPr rtlCol="0" anchor="ctr"/>
+          <a:lstStyle/>
+          <a:p>
+            <a:pPr algn="ctr"/>
+            <a:endParaRPr lang="id-ID" sz="1000">
+              <a:latin typeface="Times New Roman" panose="02020603050405020304" pitchFamily="18" charset="0"/>
+              <a:cs typeface="Times New Roman" panose="02020603050405020304" pitchFamily="18" charset="0"/>
+            </a:endParaRPr>
+          </a:p>
+        </p:txBody>
+      </p:sp>
+      <p:sp>
+        <p:nvSpPr>
+          <p:cNvPr id="158" name="TextBox 157"/>
+          <p:cNvSpPr txBox="1"/>
+          <p:nvPr/>
+        </p:nvSpPr>
+        <p:spPr>
+          <a:xfrm>
+            <a:off x="8513553" y="7335761"/>
+            <a:ext cx="2098304" cy="253916"/>
+          </a:xfrm>
+          <a:prstGeom prst="rect">
+            <a:avLst/>
+          </a:prstGeom>
+          <a:noFill/>
+        </p:spPr>
+        <p:txBody>
+          <a:bodyPr wrap="square" rtlCol="0">
+            <a:spAutoFit/>
+          </a:bodyPr>
+          <a:lstStyle/>
+          <a:p>
+            <a:pPr algn="ctr"/>
+            <a:r>
+              <a:rPr lang="en-ID" sz="1000" dirty="0" smtClean="0">
+                <a:cs typeface="Times New Roman" panose="02020603050405020304" pitchFamily="18" charset="0"/>
+              </a:rPr>
+              <a:t>Trend </a:t>
+            </a:r>
+            <a:r>
+              <a:rPr lang="en-ID" sz="1000" dirty="0" err="1" smtClean="0">
+                <a:cs typeface="Times New Roman" panose="02020603050405020304" pitchFamily="18" charset="0"/>
+              </a:rPr>
+              <a:t>Descripton</a:t>
+            </a:r>
+            <a:endParaRPr lang="id-ID" sz="1000" dirty="0">
+              <a:cs typeface="Times New Roman" panose="02020603050405020304" pitchFamily="18" charset="0"/>
+            </a:endParaRPr>
+          </a:p>
+        </p:txBody>
+      </p:sp>
+      <p:cxnSp>
+        <p:nvCxnSpPr>
+          <p:cNvPr id="164" name="Elbow Connector 163"/>
+          <p:cNvCxnSpPr>
+            <a:stCxn id="114" idx="2"/>
+            <a:endCxn id="144" idx="0"/>
+          </p:cNvCxnSpPr>
+          <p:nvPr/>
+        </p:nvCxnSpPr>
+        <p:spPr>
+          <a:xfrm rot="5400000">
+            <a:off x="8495361" y="6206288"/>
+            <a:ext cx="522637" cy="1616510"/>
+          </a:xfrm>
+          <a:prstGeom prst="bentConnector3">
+            <a:avLst>
+              <a:gd name="adj1" fmla="val 75971"/>
+            </a:avLst>
+          </a:prstGeom>
+          <a:ln>
+            <a:prstDash val="dash"/>
+            <a:tailEnd type="triangle"/>
+          </a:ln>
+        </p:spPr>
+        <p:style>
+          <a:lnRef idx="1">
+            <a:schemeClr val="dk1"/>
+          </a:lnRef>
+          <a:fillRef idx="0">
+            <a:schemeClr val="dk1"/>
+          </a:fillRef>
+          <a:effectRef idx="0">
+            <a:schemeClr val="dk1"/>
+          </a:effectRef>
+          <a:fontRef idx="minor">
+            <a:schemeClr val="tx1"/>
+          </a:fontRef>
+        </p:style>
+      </p:cxnSp>
+      <p:cxnSp>
+        <p:nvCxnSpPr>
+          <p:cNvPr id="172" name="Straight Connector 171"/>
+          <p:cNvCxnSpPr/>
+          <p:nvPr/>
+        </p:nvCxnSpPr>
+        <p:spPr>
+          <a:xfrm>
+            <a:off x="7948424" y="7055105"/>
+            <a:ext cx="0" cy="100683"/>
+          </a:xfrm>
+          <a:prstGeom prst="line">
+            <a:avLst/>
+          </a:prstGeom>
+          <a:ln>
+            <a:prstDash val="dash"/>
+          </a:ln>
+        </p:spPr>
+        <p:style>
+          <a:lnRef idx="1">
+            <a:schemeClr val="dk1"/>
+          </a:lnRef>
+          <a:fillRef idx="0">
+            <a:schemeClr val="dk1"/>
+          </a:fillRef>
+          <a:effectRef idx="0">
+            <a:schemeClr val="dk1"/>
+          </a:effectRef>
+          <a:fontRef idx="minor">
+            <a:schemeClr val="tx1"/>
+          </a:fontRef>
+        </p:style>
+      </p:cxnSp>
+      <p:cxnSp>
+        <p:nvCxnSpPr>
+          <p:cNvPr id="174" name="Straight Arrow Connector 173"/>
+          <p:cNvCxnSpPr/>
+          <p:nvPr/>
+        </p:nvCxnSpPr>
+        <p:spPr>
+          <a:xfrm flipH="1">
+            <a:off x="8676225" y="7446169"/>
+            <a:ext cx="195166" cy="0"/>
+          </a:xfrm>
+          <a:prstGeom prst="straightConnector1">
+            <a:avLst/>
+          </a:prstGeom>
+          <a:ln>
+            <a:prstDash val="dash"/>
+            <a:tailEnd type="triangle"/>
+          </a:ln>
+        </p:spPr>
+        <p:style>
+          <a:lnRef idx="1">
+            <a:schemeClr val="dk1"/>
+          </a:lnRef>
+          <a:fillRef idx="0">
+            <a:schemeClr val="dk1"/>
+          </a:fillRef>
+          <a:effectRef idx="0">
+            <a:schemeClr val="dk1"/>
+          </a:effectRef>
+          <a:fontRef idx="minor">
+            <a:schemeClr val="tx1"/>
+          </a:fontRef>
+        </p:style>
+      </p:cxnSp>
+      <p:grpSp>
+        <p:nvGrpSpPr>
+          <p:cNvPr id="175" name="Group 174"/>
+          <p:cNvGrpSpPr/>
+          <p:nvPr/>
+        </p:nvGrpSpPr>
+        <p:grpSpPr>
+          <a:xfrm>
+            <a:off x="4839102" y="4274010"/>
+            <a:ext cx="1482771" cy="1340319"/>
+            <a:chOff x="4842978" y="2160404"/>
+            <a:chExt cx="1482771" cy="1340319"/>
+          </a:xfrm>
+        </p:grpSpPr>
+        <p:sp>
+          <p:nvSpPr>
+            <p:cNvPr id="176" name="Rectangle 175"/>
+            <p:cNvSpPr/>
+            <p:nvPr/>
+          </p:nvSpPr>
+          <p:spPr>
+            <a:xfrm>
+              <a:off x="4842978" y="2160404"/>
+              <a:ext cx="1477258" cy="1340319"/>
+            </a:xfrm>
+            <a:prstGeom prst="rect">
+              <a:avLst/>
+            </a:prstGeom>
+            <a:noFill/>
+            <a:ln>
+              <a:solidFill>
+                <a:schemeClr val="bg1">
+                  <a:lumMod val="50000"/>
+                </a:schemeClr>
+              </a:solidFill>
+            </a:ln>
+          </p:spPr>
+          <p:style>
+            <a:lnRef idx="2">
+              <a:schemeClr val="accent1">
+                <a:shade val="50000"/>
+              </a:schemeClr>
+            </a:lnRef>
+            <a:fillRef idx="1">
+              <a:schemeClr val="accent1"/>
+            </a:fillRef>
+            <a:effectRef idx="0">
+              <a:schemeClr val="accent1"/>
+            </a:effectRef>
+            <a:fontRef idx="minor">
+              <a:schemeClr val="lt1"/>
+            </a:fontRef>
+          </p:style>
+          <p:txBody>
+            <a:bodyPr rtlCol="0" anchor="ctr"/>
+            <a:lstStyle/>
+            <a:p>
+              <a:pPr algn="ctr"/>
+              <a:endParaRPr lang="id-ID" sz="1000">
+                <a:latin typeface="Times New Roman" panose="02020603050405020304" pitchFamily="18" charset="0"/>
+                <a:cs typeface="Times New Roman" panose="02020603050405020304" pitchFamily="18" charset="0"/>
+              </a:endParaRPr>
+            </a:p>
+          </p:txBody>
+        </p:sp>
+        <p:sp>
+          <p:nvSpPr>
+            <p:cNvPr id="177" name="TextBox 176"/>
+            <p:cNvSpPr txBox="1"/>
+            <p:nvPr/>
+          </p:nvSpPr>
+          <p:spPr>
+            <a:xfrm>
+              <a:off x="4864634" y="2193857"/>
+              <a:ext cx="1461115" cy="253916"/>
+            </a:xfrm>
+            <a:prstGeom prst="rect">
+              <a:avLst/>
+            </a:prstGeom>
+            <a:noFill/>
+          </p:spPr>
+          <p:txBody>
+            <a:bodyPr wrap="square" rtlCol="0">
+              <a:spAutoFit/>
+            </a:bodyPr>
+            <a:lstStyle/>
+            <a:p>
+              <a:pPr algn="ctr"/>
+              <a:r>
+                <a:rPr lang="en-ID" sz="1000" dirty="0" smtClean="0">
+                  <a:cs typeface="Times New Roman" panose="02020603050405020304" pitchFamily="18" charset="0"/>
+                </a:rPr>
+                <a:t>Document Planning</a:t>
+              </a:r>
+              <a:endParaRPr lang="id-ID" sz="1000" dirty="0">
+                <a:cs typeface="Times New Roman" panose="02020603050405020304" pitchFamily="18" charset="0"/>
+              </a:endParaRPr>
+            </a:p>
+          </p:txBody>
+        </p:sp>
+      </p:grpSp>
+      <p:sp>
+        <p:nvSpPr>
+          <p:cNvPr id="182" name="Rectangle 181"/>
+          <p:cNvSpPr/>
+          <p:nvPr/>
+        </p:nvSpPr>
+        <p:spPr>
+          <a:xfrm>
+            <a:off x="4930951" y="4671910"/>
+            <a:ext cx="1254008" cy="419842"/>
+          </a:xfrm>
+          <a:prstGeom prst="rect">
+            <a:avLst/>
+          </a:prstGeom>
+          <a:noFill/>
+          <a:ln>
+            <a:solidFill>
+              <a:schemeClr val="bg1">
+                <a:lumMod val="50000"/>
+              </a:schemeClr>
+            </a:solidFill>
+          </a:ln>
+        </p:spPr>
+        <p:style>
+          <a:lnRef idx="2">
+            <a:schemeClr val="accent1">
+              <a:shade val="50000"/>
+            </a:schemeClr>
+          </a:lnRef>
+          <a:fillRef idx="1">
+            <a:schemeClr val="accent1"/>
+          </a:fillRef>
+          <a:effectRef idx="0">
+            <a:schemeClr val="accent1"/>
+          </a:effectRef>
+          <a:fontRef idx="minor">
+            <a:schemeClr val="lt1"/>
+          </a:fontRef>
+        </p:style>
+        <p:txBody>
+          <a:bodyPr rtlCol="0" anchor="ctr"/>
+          <a:lstStyle/>
+          <a:p>
+            <a:pPr algn="ctr"/>
+            <a:endParaRPr lang="id-ID" sz="1000">
+              <a:latin typeface="Times New Roman" panose="02020603050405020304" pitchFamily="18" charset="0"/>
+              <a:cs typeface="Times New Roman" panose="02020603050405020304" pitchFamily="18" charset="0"/>
+            </a:endParaRPr>
+          </a:p>
+        </p:txBody>
+      </p:sp>
+      <p:sp>
+        <p:nvSpPr>
+          <p:cNvPr id="184" name="TextBox 183"/>
+          <p:cNvSpPr txBox="1"/>
+          <p:nvPr/>
+        </p:nvSpPr>
+        <p:spPr>
+          <a:xfrm>
+            <a:off x="4930951" y="4681776"/>
+            <a:ext cx="1254008" cy="369332"/>
+          </a:xfrm>
+          <a:prstGeom prst="rect">
+            <a:avLst/>
+          </a:prstGeom>
+          <a:noFill/>
+        </p:spPr>
+        <p:txBody>
+          <a:bodyPr wrap="square" rtlCol="0">
+            <a:spAutoFit/>
+          </a:bodyPr>
+          <a:lstStyle/>
+          <a:p>
+            <a:pPr algn="ctr"/>
+            <a:r>
+              <a:rPr lang="en-ID" sz="900" dirty="0" smtClean="0">
+                <a:cs typeface="Times New Roman" panose="02020603050405020304" pitchFamily="18" charset="0"/>
+              </a:rPr>
+              <a:t>Content</a:t>
+            </a:r>
+          </a:p>
+          <a:p>
+            <a:pPr algn="ctr"/>
+            <a:r>
+              <a:rPr lang="en-ID" sz="900" dirty="0" smtClean="0">
+                <a:cs typeface="Times New Roman" panose="02020603050405020304" pitchFamily="18" charset="0"/>
+              </a:rPr>
+              <a:t>Determination</a:t>
+            </a:r>
+            <a:endParaRPr lang="id-ID" sz="900" dirty="0">
+              <a:cs typeface="Times New Roman" panose="02020603050405020304" pitchFamily="18" charset="0"/>
+            </a:endParaRPr>
+          </a:p>
+        </p:txBody>
+      </p:sp>
+      <p:sp>
+        <p:nvSpPr>
+          <p:cNvPr id="185" name="Rectangle 184"/>
+          <p:cNvSpPr/>
+          <p:nvPr/>
+        </p:nvSpPr>
+        <p:spPr>
+          <a:xfrm>
+            <a:off x="4928132" y="5175997"/>
+            <a:ext cx="1254008" cy="419842"/>
+          </a:xfrm>
+          <a:prstGeom prst="rect">
+            <a:avLst/>
+          </a:prstGeom>
+          <a:noFill/>
+          <a:ln>
+            <a:solidFill>
+              <a:schemeClr val="bg1">
+                <a:lumMod val="50000"/>
+              </a:schemeClr>
+            </a:solidFill>
+          </a:ln>
+        </p:spPr>
+        <p:style>
+          <a:lnRef idx="2">
+            <a:schemeClr val="accent1">
+              <a:shade val="50000"/>
+            </a:schemeClr>
+          </a:lnRef>
+          <a:fillRef idx="1">
+            <a:schemeClr val="accent1"/>
+          </a:fillRef>
+          <a:effectRef idx="0">
+            <a:schemeClr val="accent1"/>
+          </a:effectRef>
+          <a:fontRef idx="minor">
+            <a:schemeClr val="lt1"/>
+          </a:fontRef>
+        </p:style>
+        <p:txBody>
+          <a:bodyPr rtlCol="0" anchor="ctr"/>
+          <a:lstStyle/>
+          <a:p>
+            <a:pPr algn="ctr"/>
+            <a:endParaRPr lang="id-ID" sz="1000">
+              <a:latin typeface="Times New Roman" panose="02020603050405020304" pitchFamily="18" charset="0"/>
+              <a:cs typeface="Times New Roman" panose="02020603050405020304" pitchFamily="18" charset="0"/>
+            </a:endParaRPr>
+          </a:p>
+        </p:txBody>
+      </p:sp>
+      <p:sp>
+        <p:nvSpPr>
+          <p:cNvPr id="186" name="TextBox 185"/>
+          <p:cNvSpPr txBox="1"/>
+          <p:nvPr/>
+        </p:nvSpPr>
+        <p:spPr>
+          <a:xfrm>
+            <a:off x="4928132" y="5185863"/>
+            <a:ext cx="1254008" cy="369332"/>
+          </a:xfrm>
+          <a:prstGeom prst="rect">
+            <a:avLst/>
+          </a:prstGeom>
+          <a:noFill/>
+        </p:spPr>
+        <p:txBody>
+          <a:bodyPr wrap="square" rtlCol="0">
+            <a:spAutoFit/>
+          </a:bodyPr>
+          <a:lstStyle/>
+          <a:p>
+            <a:pPr algn="ctr"/>
+            <a:r>
+              <a:rPr lang="en-ID" sz="900" dirty="0" smtClean="0">
+                <a:cs typeface="Times New Roman" panose="02020603050405020304" pitchFamily="18" charset="0"/>
+              </a:rPr>
+              <a:t>Document</a:t>
+            </a:r>
+          </a:p>
+          <a:p>
+            <a:pPr algn="ctr"/>
+            <a:r>
+              <a:rPr lang="en-ID" sz="900" dirty="0" smtClean="0">
+                <a:cs typeface="Times New Roman" panose="02020603050405020304" pitchFamily="18" charset="0"/>
+              </a:rPr>
+              <a:t>Structuring</a:t>
+            </a:r>
+            <a:endParaRPr lang="id-ID" sz="900" dirty="0">
+              <a:cs typeface="Times New Roman" panose="02020603050405020304" pitchFamily="18" charset="0"/>
+            </a:endParaRPr>
+          </a:p>
+        </p:txBody>
+      </p:sp>
+      <p:grpSp>
+        <p:nvGrpSpPr>
+          <p:cNvPr id="187" name="Group 186"/>
+          <p:cNvGrpSpPr/>
+          <p:nvPr/>
+        </p:nvGrpSpPr>
+        <p:grpSpPr>
+          <a:xfrm>
+            <a:off x="4844074" y="5889155"/>
+            <a:ext cx="1482771" cy="2209085"/>
+            <a:chOff x="4842978" y="2160404"/>
+            <a:chExt cx="1482771" cy="1340319"/>
+          </a:xfrm>
+        </p:grpSpPr>
+        <p:sp>
+          <p:nvSpPr>
+            <p:cNvPr id="188" name="Rectangle 187"/>
+            <p:cNvSpPr/>
+            <p:nvPr/>
+          </p:nvSpPr>
+          <p:spPr>
+            <a:xfrm>
+              <a:off x="4842978" y="2160404"/>
+              <a:ext cx="1477258" cy="1340319"/>
+            </a:xfrm>
+            <a:prstGeom prst="rect">
+              <a:avLst/>
+            </a:prstGeom>
+            <a:noFill/>
+            <a:ln>
+              <a:solidFill>
+                <a:schemeClr val="bg1">
+                  <a:lumMod val="50000"/>
+                </a:schemeClr>
+              </a:solidFill>
+            </a:ln>
+          </p:spPr>
+          <p:style>
+            <a:lnRef idx="2">
+              <a:schemeClr val="accent1">
+                <a:shade val="50000"/>
+              </a:schemeClr>
+            </a:lnRef>
+            <a:fillRef idx="1">
+              <a:schemeClr val="accent1"/>
+            </a:fillRef>
+            <a:effectRef idx="0">
+              <a:schemeClr val="accent1"/>
+            </a:effectRef>
+            <a:fontRef idx="minor">
+              <a:schemeClr val="lt1"/>
+            </a:fontRef>
+          </p:style>
+          <p:txBody>
+            <a:bodyPr rtlCol="0" anchor="ctr"/>
+            <a:lstStyle/>
+            <a:p>
+              <a:pPr algn="ctr"/>
+              <a:endParaRPr lang="id-ID" sz="1000">
+                <a:latin typeface="Times New Roman" panose="02020603050405020304" pitchFamily="18" charset="0"/>
+                <a:cs typeface="Times New Roman" panose="02020603050405020304" pitchFamily="18" charset="0"/>
+              </a:endParaRPr>
+            </a:p>
+          </p:txBody>
+        </p:sp>
+        <p:sp>
+          <p:nvSpPr>
+            <p:cNvPr id="189" name="TextBox 188"/>
+            <p:cNvSpPr txBox="1"/>
+            <p:nvPr/>
+          </p:nvSpPr>
+          <p:spPr>
+            <a:xfrm>
+              <a:off x="4864634" y="2193857"/>
+              <a:ext cx="1461115" cy="400110"/>
+            </a:xfrm>
+            <a:prstGeom prst="rect">
+              <a:avLst/>
+            </a:prstGeom>
+            <a:noFill/>
+          </p:spPr>
+          <p:txBody>
+            <a:bodyPr wrap="square" rtlCol="0">
+              <a:spAutoFit/>
+            </a:bodyPr>
+            <a:lstStyle/>
+            <a:p>
+              <a:pPr algn="ctr"/>
+              <a:r>
+                <a:rPr lang="en-ID" sz="1000" dirty="0" err="1" smtClean="0">
+                  <a:cs typeface="Times New Roman" panose="02020603050405020304" pitchFamily="18" charset="0"/>
+                </a:rPr>
+                <a:t>Macroplaning</a:t>
+              </a:r>
+              <a:r>
+                <a:rPr lang="en-ID" sz="1000" dirty="0" smtClean="0">
+                  <a:cs typeface="Times New Roman" panose="02020603050405020304" pitchFamily="18" charset="0"/>
+                </a:rPr>
+                <a:t> &amp;</a:t>
+              </a:r>
+            </a:p>
+            <a:p>
+              <a:pPr algn="ctr"/>
+              <a:r>
+                <a:rPr lang="en-ID" sz="1000" dirty="0" smtClean="0">
+                  <a:cs typeface="Times New Roman" panose="02020603050405020304" pitchFamily="18" charset="0"/>
+                </a:rPr>
+                <a:t>Realisation</a:t>
+              </a:r>
+              <a:endParaRPr lang="id-ID" sz="1000" dirty="0">
+                <a:cs typeface="Times New Roman" panose="02020603050405020304" pitchFamily="18" charset="0"/>
+              </a:endParaRPr>
+            </a:p>
+          </p:txBody>
+        </p:sp>
+      </p:grpSp>
+      <p:sp>
+        <p:nvSpPr>
+          <p:cNvPr id="190" name="Rectangle 189"/>
+          <p:cNvSpPr/>
+          <p:nvPr/>
+        </p:nvSpPr>
+        <p:spPr>
+          <a:xfrm>
+            <a:off x="4945448" y="6477562"/>
+            <a:ext cx="1254008" cy="248614"/>
+          </a:xfrm>
+          <a:prstGeom prst="rect">
+            <a:avLst/>
+          </a:prstGeom>
+          <a:noFill/>
+          <a:ln>
+            <a:solidFill>
+              <a:schemeClr val="bg1">
+                <a:lumMod val="50000"/>
+              </a:schemeClr>
+            </a:solidFill>
+          </a:ln>
+        </p:spPr>
+        <p:style>
+          <a:lnRef idx="2">
+            <a:schemeClr val="accent1">
+              <a:shade val="50000"/>
+            </a:schemeClr>
+          </a:lnRef>
+          <a:fillRef idx="1">
+            <a:schemeClr val="accent1"/>
+          </a:fillRef>
+          <a:effectRef idx="0">
+            <a:schemeClr val="accent1"/>
+          </a:effectRef>
+          <a:fontRef idx="minor">
+            <a:schemeClr val="lt1"/>
+          </a:fontRef>
+        </p:style>
+        <p:txBody>
+          <a:bodyPr rtlCol="0" anchor="ctr"/>
+          <a:lstStyle/>
+          <a:p>
+            <a:pPr algn="ctr"/>
+            <a:endParaRPr lang="id-ID" sz="1000">
+              <a:latin typeface="Times New Roman" panose="02020603050405020304" pitchFamily="18" charset="0"/>
+              <a:cs typeface="Times New Roman" panose="02020603050405020304" pitchFamily="18" charset="0"/>
+            </a:endParaRPr>
+          </a:p>
+        </p:txBody>
+      </p:sp>
+      <p:sp>
+        <p:nvSpPr>
+          <p:cNvPr id="191" name="TextBox 190"/>
+          <p:cNvSpPr txBox="1"/>
+          <p:nvPr/>
+        </p:nvSpPr>
+        <p:spPr>
+          <a:xfrm>
+            <a:off x="4945448" y="6487428"/>
+            <a:ext cx="1254008" cy="230832"/>
+          </a:xfrm>
+          <a:prstGeom prst="rect">
+            <a:avLst/>
+          </a:prstGeom>
+          <a:noFill/>
+        </p:spPr>
+        <p:txBody>
+          <a:bodyPr wrap="square" rtlCol="0">
+            <a:spAutoFit/>
+          </a:bodyPr>
+          <a:lstStyle/>
+          <a:p>
+            <a:pPr algn="ctr"/>
+            <a:r>
+              <a:rPr lang="en-ID" sz="900" dirty="0" smtClean="0">
+                <a:cs typeface="Times New Roman" panose="02020603050405020304" pitchFamily="18" charset="0"/>
+              </a:rPr>
+              <a:t>Lexicalization</a:t>
+            </a:r>
+            <a:endParaRPr lang="id-ID" sz="900" dirty="0">
+              <a:cs typeface="Times New Roman" panose="02020603050405020304" pitchFamily="18" charset="0"/>
+            </a:endParaRPr>
+          </a:p>
+        </p:txBody>
+      </p:sp>
+      <p:sp>
+        <p:nvSpPr>
+          <p:cNvPr id="192" name="Rectangle 191"/>
+          <p:cNvSpPr/>
+          <p:nvPr/>
+        </p:nvSpPr>
+        <p:spPr>
+          <a:xfrm>
+            <a:off x="4942629" y="6819418"/>
+            <a:ext cx="1254008" cy="248614"/>
+          </a:xfrm>
+          <a:prstGeom prst="rect">
+            <a:avLst/>
+          </a:prstGeom>
+          <a:noFill/>
+          <a:ln>
+            <a:solidFill>
+              <a:schemeClr val="bg1">
+                <a:lumMod val="50000"/>
+              </a:schemeClr>
+            </a:solidFill>
+          </a:ln>
+        </p:spPr>
+        <p:style>
+          <a:lnRef idx="2">
+            <a:schemeClr val="accent1">
+              <a:shade val="50000"/>
+            </a:schemeClr>
+          </a:lnRef>
+          <a:fillRef idx="1">
+            <a:schemeClr val="accent1"/>
+          </a:fillRef>
+          <a:effectRef idx="0">
+            <a:schemeClr val="accent1"/>
+          </a:effectRef>
+          <a:fontRef idx="minor">
+            <a:schemeClr val="lt1"/>
+          </a:fontRef>
+        </p:style>
+        <p:txBody>
+          <a:bodyPr rtlCol="0" anchor="ctr"/>
+          <a:lstStyle/>
+          <a:p>
+            <a:pPr algn="ctr"/>
+            <a:endParaRPr lang="id-ID" sz="1000">
+              <a:latin typeface="Times New Roman" panose="02020603050405020304" pitchFamily="18" charset="0"/>
+              <a:cs typeface="Times New Roman" panose="02020603050405020304" pitchFamily="18" charset="0"/>
+            </a:endParaRPr>
+          </a:p>
+        </p:txBody>
+      </p:sp>
+      <p:sp>
+        <p:nvSpPr>
+          <p:cNvPr id="193" name="TextBox 192"/>
+          <p:cNvSpPr txBox="1"/>
+          <p:nvPr/>
+        </p:nvSpPr>
+        <p:spPr>
+          <a:xfrm>
+            <a:off x="4925079" y="6830916"/>
+            <a:ext cx="1254008" cy="230832"/>
+          </a:xfrm>
+          <a:prstGeom prst="rect">
+            <a:avLst/>
+          </a:prstGeom>
+          <a:noFill/>
+        </p:spPr>
+        <p:txBody>
+          <a:bodyPr wrap="square" rtlCol="0">
+            <a:spAutoFit/>
+          </a:bodyPr>
+          <a:lstStyle/>
+          <a:p>
+            <a:pPr algn="ctr"/>
+            <a:r>
+              <a:rPr lang="en-ID" sz="900" dirty="0" smtClean="0">
+                <a:cs typeface="Times New Roman" panose="02020603050405020304" pitchFamily="18" charset="0"/>
+              </a:rPr>
+              <a:t>Aggregation</a:t>
+            </a:r>
+            <a:endParaRPr lang="id-ID" sz="900" dirty="0">
+              <a:cs typeface="Times New Roman" panose="02020603050405020304" pitchFamily="18" charset="0"/>
+            </a:endParaRPr>
+          </a:p>
+        </p:txBody>
+      </p:sp>
+      <p:sp>
+        <p:nvSpPr>
+          <p:cNvPr id="194" name="Rectangle 193"/>
+          <p:cNvSpPr/>
+          <p:nvPr/>
+        </p:nvSpPr>
+        <p:spPr>
+          <a:xfrm>
+            <a:off x="4942629" y="7140831"/>
+            <a:ext cx="1254008" cy="503574"/>
+          </a:xfrm>
+          <a:prstGeom prst="rect">
+            <a:avLst/>
+          </a:prstGeom>
+          <a:noFill/>
+          <a:ln>
+            <a:solidFill>
+              <a:schemeClr val="bg1">
+                <a:lumMod val="50000"/>
+              </a:schemeClr>
+            </a:solidFill>
+          </a:ln>
+        </p:spPr>
+        <p:style>
+          <a:lnRef idx="2">
+            <a:schemeClr val="accent1">
+              <a:shade val="50000"/>
+            </a:schemeClr>
+          </a:lnRef>
+          <a:fillRef idx="1">
+            <a:schemeClr val="accent1"/>
+          </a:fillRef>
+          <a:effectRef idx="0">
+            <a:schemeClr val="accent1"/>
+          </a:effectRef>
+          <a:fontRef idx="minor">
+            <a:schemeClr val="lt1"/>
+          </a:fontRef>
+        </p:style>
+        <p:txBody>
+          <a:bodyPr rtlCol="0" anchor="ctr"/>
+          <a:lstStyle/>
+          <a:p>
+            <a:pPr algn="ctr"/>
+            <a:endParaRPr lang="id-ID" sz="1000">
+              <a:latin typeface="Times New Roman" panose="02020603050405020304" pitchFamily="18" charset="0"/>
+              <a:cs typeface="Times New Roman" panose="02020603050405020304" pitchFamily="18" charset="0"/>
+            </a:endParaRPr>
+          </a:p>
+        </p:txBody>
+      </p:sp>
+      <p:sp>
+        <p:nvSpPr>
+          <p:cNvPr id="195" name="TextBox 194"/>
+          <p:cNvSpPr txBox="1"/>
+          <p:nvPr/>
+        </p:nvSpPr>
+        <p:spPr>
+          <a:xfrm>
+            <a:off x="4942629" y="7136573"/>
+            <a:ext cx="1254008" cy="507831"/>
+          </a:xfrm>
+          <a:prstGeom prst="rect">
+            <a:avLst/>
+          </a:prstGeom>
+          <a:noFill/>
+        </p:spPr>
+        <p:txBody>
+          <a:bodyPr wrap="square" rtlCol="0">
+            <a:spAutoFit/>
+          </a:bodyPr>
+          <a:lstStyle/>
+          <a:p>
+            <a:pPr algn="ctr"/>
+            <a:r>
+              <a:rPr lang="en-ID" sz="900" dirty="0" err="1" smtClean="0">
+                <a:cs typeface="Times New Roman" panose="02020603050405020304" pitchFamily="18" charset="0"/>
+              </a:rPr>
+              <a:t>Reffering</a:t>
+            </a:r>
+            <a:endParaRPr lang="en-ID" sz="900" dirty="0">
+              <a:cs typeface="Times New Roman" panose="02020603050405020304" pitchFamily="18" charset="0"/>
+            </a:endParaRPr>
+          </a:p>
+          <a:p>
+            <a:pPr algn="ctr"/>
+            <a:r>
+              <a:rPr lang="en-ID" sz="900" dirty="0" smtClean="0">
+                <a:cs typeface="Times New Roman" panose="02020603050405020304" pitchFamily="18" charset="0"/>
+              </a:rPr>
+              <a:t>Expression</a:t>
+            </a:r>
+          </a:p>
+          <a:p>
+            <a:pPr algn="ctr"/>
+            <a:r>
+              <a:rPr lang="en-ID" sz="900" dirty="0" smtClean="0">
+                <a:cs typeface="Times New Roman" panose="02020603050405020304" pitchFamily="18" charset="0"/>
+              </a:rPr>
+              <a:t>Generation</a:t>
+            </a:r>
+            <a:endParaRPr lang="id-ID" sz="900" dirty="0">
+              <a:cs typeface="Times New Roman" panose="02020603050405020304" pitchFamily="18" charset="0"/>
+            </a:endParaRPr>
+          </a:p>
+        </p:txBody>
+      </p:sp>
+      <p:sp>
+        <p:nvSpPr>
+          <p:cNvPr id="196" name="Rectangle 195"/>
+          <p:cNvSpPr/>
+          <p:nvPr/>
+        </p:nvSpPr>
+        <p:spPr>
+          <a:xfrm>
+            <a:off x="4942629" y="7747587"/>
+            <a:ext cx="1254008" cy="244795"/>
+          </a:xfrm>
+          <a:prstGeom prst="rect">
+            <a:avLst/>
+          </a:prstGeom>
+          <a:noFill/>
+          <a:ln>
+            <a:solidFill>
+              <a:schemeClr val="bg1">
+                <a:lumMod val="50000"/>
+              </a:schemeClr>
+            </a:solidFill>
+          </a:ln>
+        </p:spPr>
+        <p:style>
+          <a:lnRef idx="2">
+            <a:schemeClr val="accent1">
+              <a:shade val="50000"/>
+            </a:schemeClr>
+          </a:lnRef>
+          <a:fillRef idx="1">
+            <a:schemeClr val="accent1"/>
+          </a:fillRef>
+          <a:effectRef idx="0">
+            <a:schemeClr val="accent1"/>
+          </a:effectRef>
+          <a:fontRef idx="minor">
+            <a:schemeClr val="lt1"/>
+          </a:fontRef>
+        </p:style>
+        <p:txBody>
+          <a:bodyPr rtlCol="0" anchor="ctr"/>
+          <a:lstStyle/>
+          <a:p>
+            <a:pPr algn="ctr"/>
+            <a:endParaRPr lang="id-ID" sz="1000">
+              <a:latin typeface="Times New Roman" panose="02020603050405020304" pitchFamily="18" charset="0"/>
+              <a:cs typeface="Times New Roman" panose="02020603050405020304" pitchFamily="18" charset="0"/>
+            </a:endParaRPr>
+          </a:p>
+        </p:txBody>
+      </p:sp>
+      <p:sp>
+        <p:nvSpPr>
+          <p:cNvPr id="198" name="TextBox 197"/>
+          <p:cNvSpPr txBox="1"/>
+          <p:nvPr/>
+        </p:nvSpPr>
+        <p:spPr>
+          <a:xfrm>
+            <a:off x="4925079" y="7747586"/>
+            <a:ext cx="1254008" cy="230832"/>
+          </a:xfrm>
+          <a:prstGeom prst="rect">
+            <a:avLst/>
+          </a:prstGeom>
+          <a:noFill/>
+        </p:spPr>
+        <p:txBody>
+          <a:bodyPr wrap="square" rtlCol="0">
+            <a:spAutoFit/>
+          </a:bodyPr>
+          <a:lstStyle/>
+          <a:p>
+            <a:pPr algn="ctr"/>
+            <a:r>
+              <a:rPr lang="en-ID" sz="900" dirty="0" smtClean="0">
+                <a:cs typeface="Times New Roman" panose="02020603050405020304" pitchFamily="18" charset="0"/>
+              </a:rPr>
+              <a:t>Realisation</a:t>
+            </a:r>
+            <a:endParaRPr lang="id-ID" sz="900" dirty="0">
+              <a:cs typeface="Times New Roman" panose="02020603050405020304" pitchFamily="18" charset="0"/>
+            </a:endParaRPr>
+          </a:p>
+        </p:txBody>
+      </p:sp>
+      <p:cxnSp>
+        <p:nvCxnSpPr>
+          <p:cNvPr id="200" name="Straight Arrow Connector 199"/>
+          <p:cNvCxnSpPr>
+            <a:stCxn id="149" idx="2"/>
+            <a:endCxn id="176" idx="0"/>
+          </p:cNvCxnSpPr>
+          <p:nvPr/>
+        </p:nvCxnSpPr>
+        <p:spPr>
+          <a:xfrm>
+            <a:off x="5574346" y="3734380"/>
+            <a:ext cx="3385" cy="539630"/>
+          </a:xfrm>
+          <a:prstGeom prst="straightConnector1">
+            <a:avLst/>
+          </a:prstGeom>
+          <a:ln w="28575">
+            <a:tailEnd type="triangle"/>
+          </a:ln>
+        </p:spPr>
+        <p:style>
+          <a:lnRef idx="1">
+            <a:schemeClr val="dk1"/>
+          </a:lnRef>
+          <a:fillRef idx="0">
+            <a:schemeClr val="dk1"/>
+          </a:fillRef>
+          <a:effectRef idx="0">
+            <a:schemeClr val="dk1"/>
+          </a:effectRef>
+          <a:fontRef idx="minor">
+            <a:schemeClr val="tx1"/>
+          </a:fontRef>
+        </p:style>
+      </p:cxnSp>
+      <p:cxnSp>
+        <p:nvCxnSpPr>
+          <p:cNvPr id="202" name="Straight Arrow Connector 201"/>
+          <p:cNvCxnSpPr>
+            <a:stCxn id="176" idx="2"/>
+            <a:endCxn id="188" idx="0"/>
+          </p:cNvCxnSpPr>
+          <p:nvPr/>
+        </p:nvCxnSpPr>
+        <p:spPr>
+          <a:xfrm>
+            <a:off x="5577731" y="5614329"/>
+            <a:ext cx="4972" cy="274826"/>
+          </a:xfrm>
+          <a:prstGeom prst="straightConnector1">
+            <a:avLst/>
+          </a:prstGeom>
+          <a:ln w="28575">
+            <a:tailEnd type="triangle"/>
+          </a:ln>
+        </p:spPr>
+        <p:style>
+          <a:lnRef idx="1">
+            <a:schemeClr val="dk1"/>
+          </a:lnRef>
+          <a:fillRef idx="0">
+            <a:schemeClr val="dk1"/>
+          </a:fillRef>
+          <a:effectRef idx="0">
+            <a:schemeClr val="dk1"/>
+          </a:effectRef>
+          <a:fontRef idx="minor">
+            <a:schemeClr val="tx1"/>
+          </a:fontRef>
+        </p:style>
+      </p:cxnSp>
+      <p:sp>
+        <p:nvSpPr>
+          <p:cNvPr id="203" name="TextBox 202"/>
+          <p:cNvSpPr txBox="1"/>
+          <p:nvPr/>
+        </p:nvSpPr>
+        <p:spPr>
+          <a:xfrm>
+            <a:off x="5627665" y="5643876"/>
+            <a:ext cx="1461115" cy="246221"/>
+          </a:xfrm>
+          <a:prstGeom prst="rect">
+            <a:avLst/>
+          </a:prstGeom>
+          <a:noFill/>
+        </p:spPr>
+        <p:txBody>
+          <a:bodyPr wrap="square" rtlCol="0">
+            <a:spAutoFit/>
+          </a:bodyPr>
+          <a:lstStyle/>
+          <a:p>
+            <a:r>
+              <a:rPr lang="en-ID" sz="1000" dirty="0" smtClean="0">
+                <a:cs typeface="Times New Roman" panose="02020603050405020304" pitchFamily="18" charset="0"/>
+              </a:rPr>
+              <a:t>Content &amp; Structure</a:t>
+            </a:r>
+            <a:endParaRPr lang="id-ID" sz="1000" dirty="0">
+              <a:cs typeface="Times New Roman" panose="02020603050405020304" pitchFamily="18" charset="0"/>
+            </a:endParaRPr>
+          </a:p>
+        </p:txBody>
+      </p:sp>
+      <p:grpSp>
+        <p:nvGrpSpPr>
+          <p:cNvPr id="207" name="Group 206"/>
+          <p:cNvGrpSpPr/>
+          <p:nvPr/>
+        </p:nvGrpSpPr>
+        <p:grpSpPr>
+          <a:xfrm>
+            <a:off x="3042669" y="7771792"/>
+            <a:ext cx="1324149" cy="1347875"/>
+            <a:chOff x="8875336" y="5495497"/>
+            <a:chExt cx="1551678" cy="1347875"/>
+          </a:xfrm>
+        </p:grpSpPr>
+        <p:sp>
+          <p:nvSpPr>
+            <p:cNvPr id="208" name="Rectangle 207"/>
+            <p:cNvSpPr/>
+            <p:nvPr/>
+          </p:nvSpPr>
+          <p:spPr>
+            <a:xfrm>
+              <a:off x="8875337" y="5495497"/>
+              <a:ext cx="1551677" cy="1347875"/>
+            </a:xfrm>
+            <a:prstGeom prst="rect">
+              <a:avLst/>
+            </a:prstGeom>
+            <a:noFill/>
+            <a:ln>
+              <a:solidFill>
+                <a:schemeClr val="bg1">
+                  <a:lumMod val="50000"/>
+                </a:schemeClr>
+              </a:solidFill>
+            </a:ln>
+          </p:spPr>
+          <p:style>
+            <a:lnRef idx="2">
+              <a:schemeClr val="accent1">
+                <a:shade val="50000"/>
+              </a:schemeClr>
+            </a:lnRef>
+            <a:fillRef idx="1">
+              <a:schemeClr val="accent1"/>
+            </a:fillRef>
+            <a:effectRef idx="0">
+              <a:schemeClr val="accent1"/>
+            </a:effectRef>
+            <a:fontRef idx="minor">
+              <a:schemeClr val="lt1"/>
+            </a:fontRef>
+          </p:style>
+          <p:txBody>
+            <a:bodyPr rtlCol="0" anchor="ctr"/>
+            <a:lstStyle/>
+            <a:p>
+              <a:pPr algn="ctr"/>
+              <a:endParaRPr lang="id-ID" sz="1000">
+                <a:latin typeface="Times New Roman" panose="02020603050405020304" pitchFamily="18" charset="0"/>
+                <a:cs typeface="Times New Roman" panose="02020603050405020304" pitchFamily="18" charset="0"/>
+              </a:endParaRPr>
+            </a:p>
+          </p:txBody>
+        </p:sp>
+        <p:sp>
+          <p:nvSpPr>
+            <p:cNvPr id="209" name="TextBox 208"/>
+            <p:cNvSpPr txBox="1"/>
+            <p:nvPr/>
+          </p:nvSpPr>
+          <p:spPr>
+            <a:xfrm>
+              <a:off x="8875336" y="5532070"/>
+              <a:ext cx="1551677" cy="246221"/>
+            </a:xfrm>
+            <a:prstGeom prst="rect">
+              <a:avLst/>
+            </a:prstGeom>
+            <a:noFill/>
+          </p:spPr>
+          <p:txBody>
+            <a:bodyPr wrap="square" rtlCol="0">
+              <a:spAutoFit/>
+            </a:bodyPr>
+            <a:lstStyle/>
+            <a:p>
+              <a:pPr algn="ctr"/>
+              <a:r>
+                <a:rPr lang="en-ID" sz="1000" b="1" dirty="0" smtClean="0">
+                  <a:cs typeface="Times New Roman" panose="02020603050405020304" pitchFamily="18" charset="0"/>
+                </a:rPr>
+                <a:t>OUTPUT</a:t>
+              </a:r>
+              <a:endParaRPr lang="id-ID" sz="1000" b="1" dirty="0">
+                <a:cs typeface="Times New Roman" panose="02020603050405020304" pitchFamily="18" charset="0"/>
+              </a:endParaRPr>
+            </a:p>
+          </p:txBody>
+        </p:sp>
+        <p:sp>
+          <p:nvSpPr>
+            <p:cNvPr id="210" name="TextBox 209"/>
+            <p:cNvSpPr txBox="1"/>
+            <p:nvPr/>
+          </p:nvSpPr>
+          <p:spPr>
+            <a:xfrm>
+              <a:off x="8957632" y="5868739"/>
+              <a:ext cx="1397000" cy="861774"/>
+            </a:xfrm>
+            <a:prstGeom prst="rect">
+              <a:avLst/>
+            </a:prstGeom>
+            <a:noFill/>
+            <a:ln>
+              <a:solidFill>
+                <a:schemeClr val="bg1">
+                  <a:lumMod val="50000"/>
+                </a:schemeClr>
+              </a:solidFill>
+              <a:prstDash val="dash"/>
+            </a:ln>
+          </p:spPr>
+          <p:txBody>
+            <a:bodyPr wrap="square" rtlCol="0">
+              <a:spAutoFit/>
+            </a:bodyPr>
+            <a:lstStyle/>
+            <a:p>
+              <a:r>
+                <a:rPr lang="en-ID" sz="1000" dirty="0" smtClean="0">
+                  <a:cs typeface="Times New Roman" panose="02020603050405020304" pitchFamily="18" charset="0"/>
+                </a:rPr>
+                <a:t>-Data Summary Text</a:t>
+              </a:r>
+            </a:p>
+            <a:p>
+              <a:r>
+                <a:rPr lang="en-ID" sz="1000" dirty="0" smtClean="0">
+                  <a:cs typeface="Times New Roman" panose="02020603050405020304" pitchFamily="18" charset="0"/>
+                </a:rPr>
+                <a:t>-Current Data Text</a:t>
+              </a:r>
+            </a:p>
+            <a:p>
+              <a:r>
+                <a:rPr lang="en-ID" sz="1000" dirty="0" smtClean="0">
+                  <a:cs typeface="Times New Roman" panose="02020603050405020304" pitchFamily="18" charset="0"/>
+                </a:rPr>
+                <a:t>-Prediction Data Text</a:t>
+              </a:r>
+            </a:p>
+          </p:txBody>
+        </p:sp>
+      </p:grpSp>
+      <p:cxnSp>
+        <p:nvCxnSpPr>
+          <p:cNvPr id="212" name="Elbow Connector 211"/>
+          <p:cNvCxnSpPr>
+            <a:stCxn id="19" idx="3"/>
+            <a:endCxn id="13" idx="1"/>
+          </p:cNvCxnSpPr>
+          <p:nvPr/>
+        </p:nvCxnSpPr>
+        <p:spPr>
+          <a:xfrm flipV="1">
+            <a:off x="4411454" y="1576192"/>
+            <a:ext cx="441400" cy="1460349"/>
+          </a:xfrm>
+          <a:prstGeom prst="bentConnector3">
+            <a:avLst/>
+          </a:prstGeom>
+          <a:ln w="28575">
+            <a:tailEnd type="triangle"/>
+          </a:ln>
+        </p:spPr>
+        <p:style>
+          <a:lnRef idx="1">
+            <a:schemeClr val="dk1"/>
+          </a:lnRef>
+          <a:fillRef idx="0">
+            <a:schemeClr val="dk1"/>
+          </a:fillRef>
+          <a:effectRef idx="0">
+            <a:schemeClr val="dk1"/>
+          </a:effectRef>
+          <a:fontRef idx="minor">
+            <a:schemeClr val="tx1"/>
+          </a:fontRef>
+        </p:style>
+      </p:cxnSp>
+      <p:cxnSp>
+        <p:nvCxnSpPr>
+          <p:cNvPr id="214" name="Elbow Connector 213"/>
+          <p:cNvCxnSpPr>
+            <a:stCxn id="67" idx="1"/>
+            <a:endCxn id="66" idx="3"/>
+          </p:cNvCxnSpPr>
+          <p:nvPr/>
+        </p:nvCxnSpPr>
+        <p:spPr>
+          <a:xfrm rot="10800000" flipV="1">
+            <a:off x="6323240" y="2334533"/>
+            <a:ext cx="699525" cy="229859"/>
+          </a:xfrm>
+          <a:prstGeom prst="bentConnector3">
+            <a:avLst/>
+          </a:prstGeom>
+          <a:ln w="28575">
+            <a:tailEnd type="triangle"/>
+          </a:ln>
+        </p:spPr>
+        <p:style>
+          <a:lnRef idx="1">
+            <a:schemeClr val="dk1"/>
+          </a:lnRef>
+          <a:fillRef idx="0">
+            <a:schemeClr val="dk1"/>
+          </a:fillRef>
+          <a:effectRef idx="0">
+            <a:schemeClr val="dk1"/>
+          </a:effectRef>
+          <a:fontRef idx="minor">
+            <a:schemeClr val="tx1"/>
+          </a:fontRef>
+        </p:style>
+      </p:cxnSp>
+      <p:cxnSp>
+        <p:nvCxnSpPr>
+          <p:cNvPr id="219" name="Elbow Connector 218"/>
+          <p:cNvCxnSpPr>
+            <a:stCxn id="203" idx="3"/>
+            <a:endCxn id="150" idx="3"/>
+          </p:cNvCxnSpPr>
+          <p:nvPr/>
+        </p:nvCxnSpPr>
+        <p:spPr>
+          <a:xfrm flipH="1" flipV="1">
+            <a:off x="6318488" y="3558939"/>
+            <a:ext cx="770292" cy="2208048"/>
+          </a:xfrm>
+          <a:prstGeom prst="bentConnector3">
+            <a:avLst>
+              <a:gd name="adj1" fmla="val 34388"/>
+            </a:avLst>
+          </a:prstGeom>
+          <a:ln w="28575">
+            <a:tailEnd type="triangle"/>
+          </a:ln>
+        </p:spPr>
+        <p:style>
+          <a:lnRef idx="1">
+            <a:schemeClr val="dk1"/>
+          </a:lnRef>
+          <a:fillRef idx="0">
+            <a:schemeClr val="dk1"/>
+          </a:fillRef>
+          <a:effectRef idx="0">
+            <a:schemeClr val="dk1"/>
+          </a:effectRef>
+          <a:fontRef idx="minor">
+            <a:schemeClr val="tx1"/>
+          </a:fontRef>
+        </p:style>
+      </p:cxnSp>
+      <p:sp>
+        <p:nvSpPr>
+          <p:cNvPr id="242" name="Rectangle 241"/>
+          <p:cNvSpPr/>
+          <p:nvPr/>
+        </p:nvSpPr>
+        <p:spPr>
+          <a:xfrm>
+            <a:off x="1120408" y="5217026"/>
+            <a:ext cx="3281819" cy="2207807"/>
+          </a:xfrm>
+          <a:prstGeom prst="rect">
+            <a:avLst/>
+          </a:prstGeom>
+          <a:noFill/>
+          <a:ln>
+            <a:solidFill>
+              <a:schemeClr val="bg1">
+                <a:lumMod val="50000"/>
+              </a:schemeClr>
+            </a:solidFill>
+          </a:ln>
+        </p:spPr>
+        <p:style>
+          <a:lnRef idx="2">
+            <a:schemeClr val="accent1">
+              <a:shade val="50000"/>
+            </a:schemeClr>
+          </a:lnRef>
+          <a:fillRef idx="1">
+            <a:schemeClr val="accent1"/>
+          </a:fillRef>
+          <a:effectRef idx="0">
+            <a:schemeClr val="accent1"/>
+          </a:effectRef>
+          <a:fontRef idx="minor">
+            <a:schemeClr val="lt1"/>
+          </a:fontRef>
+        </p:style>
+        <p:txBody>
+          <a:bodyPr rtlCol="0" anchor="ctr"/>
+          <a:lstStyle/>
+          <a:p>
+            <a:pPr algn="ctr"/>
+            <a:endParaRPr lang="id-ID" sz="1000">
+              <a:latin typeface="Times New Roman" panose="02020603050405020304" pitchFamily="18" charset="0"/>
+              <a:cs typeface="Times New Roman" panose="02020603050405020304" pitchFamily="18" charset="0"/>
+            </a:endParaRPr>
+          </a:p>
+        </p:txBody>
+      </p:sp>
+      <p:sp>
+        <p:nvSpPr>
+          <p:cNvPr id="243" name="TextBox 242"/>
+          <p:cNvSpPr txBox="1"/>
+          <p:nvPr/>
+        </p:nvSpPr>
+        <p:spPr>
+          <a:xfrm>
+            <a:off x="1668298" y="5234070"/>
+            <a:ext cx="2098304" cy="253916"/>
+          </a:xfrm>
+          <a:prstGeom prst="rect">
+            <a:avLst/>
+          </a:prstGeom>
+          <a:noFill/>
+        </p:spPr>
+        <p:txBody>
+          <a:bodyPr wrap="square" rtlCol="0">
+            <a:spAutoFit/>
+          </a:bodyPr>
+          <a:lstStyle/>
+          <a:p>
+            <a:pPr algn="ctr"/>
+            <a:r>
+              <a:rPr lang="en-ID" sz="1000" dirty="0" smtClean="0">
+                <a:cs typeface="Times New Roman" panose="02020603050405020304" pitchFamily="18" charset="0"/>
+              </a:rPr>
+              <a:t>Significance-Status Determination</a:t>
+            </a:r>
+            <a:endParaRPr lang="id-ID" sz="1000" dirty="0">
+              <a:cs typeface="Times New Roman" panose="02020603050405020304" pitchFamily="18" charset="0"/>
+            </a:endParaRPr>
+          </a:p>
+        </p:txBody>
+      </p:sp>
+      <p:sp>
+        <p:nvSpPr>
+          <p:cNvPr id="244" name="Rectangle 243"/>
+          <p:cNvSpPr/>
+          <p:nvPr/>
+        </p:nvSpPr>
+        <p:spPr>
+          <a:xfrm>
+            <a:off x="2018950" y="5666177"/>
+            <a:ext cx="1397000" cy="350141"/>
+          </a:xfrm>
+          <a:prstGeom prst="rect">
+            <a:avLst/>
+          </a:prstGeom>
+          <a:noFill/>
+          <a:ln>
+            <a:solidFill>
+              <a:schemeClr val="bg1">
+                <a:lumMod val="50000"/>
+              </a:schemeClr>
+            </a:solidFill>
+          </a:ln>
+        </p:spPr>
+        <p:style>
+          <a:lnRef idx="2">
+            <a:schemeClr val="accent1">
+              <a:shade val="50000"/>
+            </a:schemeClr>
+          </a:lnRef>
+          <a:fillRef idx="1">
+            <a:schemeClr val="accent1"/>
+          </a:fillRef>
+          <a:effectRef idx="0">
+            <a:schemeClr val="accent1"/>
+          </a:effectRef>
+          <a:fontRef idx="minor">
+            <a:schemeClr val="lt1"/>
+          </a:fontRef>
+        </p:style>
+        <p:txBody>
+          <a:bodyPr rtlCol="0" anchor="ctr"/>
+          <a:lstStyle/>
+          <a:p>
+            <a:pPr algn="ctr"/>
+            <a:endParaRPr lang="id-ID" sz="1000">
+              <a:latin typeface="Times New Roman" panose="02020603050405020304" pitchFamily="18" charset="0"/>
+              <a:cs typeface="Times New Roman" panose="02020603050405020304" pitchFamily="18" charset="0"/>
+            </a:endParaRPr>
+          </a:p>
+        </p:txBody>
+      </p:sp>
+      <p:sp>
+        <p:nvSpPr>
+          <p:cNvPr id="245" name="TextBox 244"/>
+          <p:cNvSpPr txBox="1"/>
+          <p:nvPr/>
+        </p:nvSpPr>
+        <p:spPr>
+          <a:xfrm>
+            <a:off x="1673812" y="5721799"/>
+            <a:ext cx="2098304" cy="253916"/>
+          </a:xfrm>
+          <a:prstGeom prst="rect">
+            <a:avLst/>
+          </a:prstGeom>
+          <a:noFill/>
+        </p:spPr>
+        <p:txBody>
+          <a:bodyPr wrap="square" rtlCol="0">
+            <a:spAutoFit/>
+          </a:bodyPr>
+          <a:lstStyle/>
+          <a:p>
+            <a:pPr algn="ctr"/>
+            <a:r>
+              <a:rPr lang="en-ID" sz="1000" dirty="0" smtClean="0">
+                <a:cs typeface="Times New Roman" panose="02020603050405020304" pitchFamily="18" charset="0"/>
+              </a:rPr>
+              <a:t>Message Inventory</a:t>
+            </a:r>
+            <a:endParaRPr lang="id-ID" sz="1000" dirty="0">
+              <a:cs typeface="Times New Roman" panose="02020603050405020304" pitchFamily="18" charset="0"/>
+            </a:endParaRPr>
+          </a:p>
+        </p:txBody>
+      </p:sp>
+      <p:sp>
+        <p:nvSpPr>
+          <p:cNvPr id="247" name="Rectangle 246"/>
+          <p:cNvSpPr/>
+          <p:nvPr/>
+        </p:nvSpPr>
+        <p:spPr>
+          <a:xfrm>
+            <a:off x="1239206" y="6314934"/>
+            <a:ext cx="1397000" cy="350141"/>
+          </a:xfrm>
+          <a:prstGeom prst="rect">
+            <a:avLst/>
+          </a:prstGeom>
+          <a:noFill/>
+          <a:ln>
+            <a:solidFill>
+              <a:schemeClr val="bg1">
+                <a:lumMod val="50000"/>
+              </a:schemeClr>
+            </a:solidFill>
+          </a:ln>
+        </p:spPr>
+        <p:style>
+          <a:lnRef idx="2">
+            <a:schemeClr val="accent1">
+              <a:shade val="50000"/>
+            </a:schemeClr>
+          </a:lnRef>
+          <a:fillRef idx="1">
+            <a:schemeClr val="accent1"/>
+          </a:fillRef>
+          <a:effectRef idx="0">
+            <a:schemeClr val="accent1"/>
+          </a:effectRef>
+          <a:fontRef idx="minor">
+            <a:schemeClr val="lt1"/>
+          </a:fontRef>
+        </p:style>
+        <p:txBody>
+          <a:bodyPr rtlCol="0" anchor="ctr"/>
+          <a:lstStyle/>
+          <a:p>
+            <a:pPr algn="ctr"/>
+            <a:endParaRPr lang="id-ID" sz="1000">
+              <a:latin typeface="Times New Roman" panose="02020603050405020304" pitchFamily="18" charset="0"/>
+              <a:cs typeface="Times New Roman" panose="02020603050405020304" pitchFamily="18" charset="0"/>
+            </a:endParaRPr>
+          </a:p>
+        </p:txBody>
+      </p:sp>
+      <p:sp>
+        <p:nvSpPr>
+          <p:cNvPr id="251" name="TextBox 250"/>
+          <p:cNvSpPr txBox="1"/>
+          <p:nvPr/>
+        </p:nvSpPr>
+        <p:spPr>
+          <a:xfrm>
+            <a:off x="1249365" y="6351504"/>
+            <a:ext cx="1397000" cy="253916"/>
+          </a:xfrm>
+          <a:prstGeom prst="rect">
+            <a:avLst/>
+          </a:prstGeom>
+          <a:noFill/>
+        </p:spPr>
+        <p:txBody>
+          <a:bodyPr wrap="square" rtlCol="0">
+            <a:spAutoFit/>
+          </a:bodyPr>
+          <a:lstStyle/>
+          <a:p>
+            <a:pPr algn="ctr"/>
+            <a:r>
+              <a:rPr lang="en-ID" sz="1000" dirty="0" smtClean="0">
+                <a:cs typeface="Times New Roman" panose="02020603050405020304" pitchFamily="18" charset="0"/>
+              </a:rPr>
+              <a:t>Routine Message</a:t>
+            </a:r>
+          </a:p>
+        </p:txBody>
+      </p:sp>
+      <p:cxnSp>
+        <p:nvCxnSpPr>
+          <p:cNvPr id="258" name="Elbow Connector 257"/>
+          <p:cNvCxnSpPr>
+            <a:stCxn id="244" idx="2"/>
+          </p:cNvCxnSpPr>
+          <p:nvPr/>
+        </p:nvCxnSpPr>
+        <p:spPr>
+          <a:xfrm rot="16200000" flipH="1">
+            <a:off x="2972956" y="5760812"/>
+            <a:ext cx="289513" cy="800524"/>
+          </a:xfrm>
+          <a:prstGeom prst="bentConnector3">
+            <a:avLst>
+              <a:gd name="adj1" fmla="val 57950"/>
+            </a:avLst>
+          </a:prstGeom>
+          <a:ln>
+            <a:prstDash val="dash"/>
+            <a:tailEnd type="triangle"/>
+          </a:ln>
+        </p:spPr>
+        <p:style>
+          <a:lnRef idx="1">
+            <a:schemeClr val="dk1"/>
+          </a:lnRef>
+          <a:fillRef idx="0">
+            <a:schemeClr val="dk1"/>
+          </a:fillRef>
+          <a:effectRef idx="0">
+            <a:schemeClr val="dk1"/>
+          </a:effectRef>
+          <a:fontRef idx="minor">
+            <a:schemeClr val="tx1"/>
+          </a:fontRef>
+        </p:style>
+      </p:cxnSp>
+      <p:cxnSp>
+        <p:nvCxnSpPr>
+          <p:cNvPr id="259" name="Elbow Connector 258"/>
+          <p:cNvCxnSpPr>
+            <a:stCxn id="244" idx="2"/>
+            <a:endCxn id="251" idx="0"/>
+          </p:cNvCxnSpPr>
+          <p:nvPr/>
+        </p:nvCxnSpPr>
+        <p:spPr>
+          <a:xfrm rot="5400000">
+            <a:off x="2165065" y="5799119"/>
+            <a:ext cx="335186" cy="769585"/>
+          </a:xfrm>
+          <a:prstGeom prst="bentConnector3">
+            <a:avLst>
+              <a:gd name="adj1" fmla="val 50000"/>
+            </a:avLst>
+          </a:prstGeom>
+          <a:ln>
+            <a:prstDash val="dash"/>
+            <a:tailEnd type="triangle"/>
+          </a:ln>
+        </p:spPr>
+        <p:style>
+          <a:lnRef idx="1">
+            <a:schemeClr val="dk1"/>
+          </a:lnRef>
+          <a:fillRef idx="0">
+            <a:schemeClr val="dk1"/>
+          </a:fillRef>
+          <a:effectRef idx="0">
+            <a:schemeClr val="dk1"/>
+          </a:effectRef>
+          <a:fontRef idx="minor">
+            <a:schemeClr val="tx1"/>
+          </a:fontRef>
+        </p:style>
+      </p:cxnSp>
+      <p:sp>
+        <p:nvSpPr>
+          <p:cNvPr id="260" name="Rectangle 259"/>
+          <p:cNvSpPr/>
+          <p:nvPr/>
+        </p:nvSpPr>
+        <p:spPr>
+          <a:xfrm>
+            <a:off x="1983598" y="6854102"/>
+            <a:ext cx="1397000" cy="350141"/>
+          </a:xfrm>
+          <a:prstGeom prst="rect">
+            <a:avLst/>
+          </a:prstGeom>
+          <a:noFill/>
+          <a:ln>
+            <a:solidFill>
+              <a:schemeClr val="bg1">
+                <a:lumMod val="50000"/>
+              </a:schemeClr>
+            </a:solidFill>
+          </a:ln>
+        </p:spPr>
+        <p:style>
+          <a:lnRef idx="2">
+            <a:schemeClr val="accent1">
+              <a:shade val="50000"/>
+            </a:schemeClr>
+          </a:lnRef>
+          <a:fillRef idx="1">
+            <a:schemeClr val="accent1"/>
+          </a:fillRef>
+          <a:effectRef idx="0">
+            <a:schemeClr val="accent1"/>
+          </a:effectRef>
+          <a:fontRef idx="minor">
+            <a:schemeClr val="lt1"/>
+          </a:fontRef>
+        </p:style>
+        <p:txBody>
+          <a:bodyPr rtlCol="0" anchor="ctr"/>
+          <a:lstStyle/>
+          <a:p>
+            <a:pPr algn="ctr"/>
+            <a:endParaRPr lang="id-ID" sz="1000">
+              <a:latin typeface="Times New Roman" panose="02020603050405020304" pitchFamily="18" charset="0"/>
+              <a:cs typeface="Times New Roman" panose="02020603050405020304" pitchFamily="18" charset="0"/>
+            </a:endParaRPr>
+          </a:p>
+        </p:txBody>
+      </p:sp>
+      <p:sp>
+        <p:nvSpPr>
+          <p:cNvPr id="261" name="TextBox 260"/>
+          <p:cNvSpPr txBox="1"/>
+          <p:nvPr/>
+        </p:nvSpPr>
+        <p:spPr>
+          <a:xfrm>
+            <a:off x="1993757" y="6890672"/>
+            <a:ext cx="1397000" cy="253916"/>
+          </a:xfrm>
+          <a:prstGeom prst="rect">
+            <a:avLst/>
+          </a:prstGeom>
+          <a:noFill/>
+        </p:spPr>
+        <p:txBody>
+          <a:bodyPr wrap="square" rtlCol="0">
+            <a:spAutoFit/>
+          </a:bodyPr>
+          <a:lstStyle/>
+          <a:p>
+            <a:pPr algn="ctr"/>
+            <a:r>
+              <a:rPr lang="en-ID" sz="1000" dirty="0" smtClean="0">
+                <a:cs typeface="Times New Roman" panose="02020603050405020304" pitchFamily="18" charset="0"/>
+              </a:rPr>
+              <a:t>Content</a:t>
+            </a:r>
+          </a:p>
+        </p:txBody>
+      </p:sp>
+      <p:sp>
+        <p:nvSpPr>
+          <p:cNvPr id="264" name="Rectangle 263"/>
+          <p:cNvSpPr/>
+          <p:nvPr/>
+        </p:nvSpPr>
+        <p:spPr>
+          <a:xfrm>
+            <a:off x="2834849" y="6314934"/>
+            <a:ext cx="1397000" cy="350141"/>
+          </a:xfrm>
+          <a:prstGeom prst="rect">
+            <a:avLst/>
+          </a:prstGeom>
+          <a:noFill/>
+          <a:ln>
+            <a:solidFill>
+              <a:schemeClr val="bg1">
+                <a:lumMod val="50000"/>
+              </a:schemeClr>
+            </a:solidFill>
+          </a:ln>
+        </p:spPr>
+        <p:style>
+          <a:lnRef idx="2">
+            <a:schemeClr val="accent1">
+              <a:shade val="50000"/>
+            </a:schemeClr>
+          </a:lnRef>
+          <a:fillRef idx="1">
+            <a:schemeClr val="accent1"/>
+          </a:fillRef>
+          <a:effectRef idx="0">
+            <a:schemeClr val="accent1"/>
+          </a:effectRef>
+          <a:fontRef idx="minor">
+            <a:schemeClr val="lt1"/>
+          </a:fontRef>
+        </p:style>
+        <p:txBody>
+          <a:bodyPr rtlCol="0" anchor="ctr"/>
+          <a:lstStyle/>
+          <a:p>
+            <a:pPr algn="ctr"/>
+            <a:endParaRPr lang="id-ID" sz="1000">
+              <a:latin typeface="Times New Roman" panose="02020603050405020304" pitchFamily="18" charset="0"/>
+              <a:cs typeface="Times New Roman" panose="02020603050405020304" pitchFamily="18" charset="0"/>
+            </a:endParaRPr>
+          </a:p>
+        </p:txBody>
+      </p:sp>
+      <p:sp>
+        <p:nvSpPr>
+          <p:cNvPr id="265" name="TextBox 264"/>
+          <p:cNvSpPr txBox="1"/>
+          <p:nvPr/>
+        </p:nvSpPr>
+        <p:spPr>
+          <a:xfrm>
+            <a:off x="2845008" y="6294354"/>
+            <a:ext cx="1397000" cy="400110"/>
+          </a:xfrm>
+          <a:prstGeom prst="rect">
+            <a:avLst/>
+          </a:prstGeom>
+          <a:noFill/>
+        </p:spPr>
+        <p:txBody>
+          <a:bodyPr wrap="square" rtlCol="0">
+            <a:spAutoFit/>
+          </a:bodyPr>
+          <a:lstStyle/>
+          <a:p>
+            <a:pPr algn="ctr"/>
+            <a:r>
+              <a:rPr lang="en-ID" sz="1000" dirty="0" smtClean="0">
+                <a:cs typeface="Times New Roman" panose="02020603050405020304" pitchFamily="18" charset="0"/>
+              </a:rPr>
+              <a:t>Significant Event Message</a:t>
+            </a:r>
+          </a:p>
+        </p:txBody>
+      </p:sp>
+      <p:cxnSp>
+        <p:nvCxnSpPr>
+          <p:cNvPr id="268" name="Elbow Connector 267"/>
+          <p:cNvCxnSpPr>
+            <a:stCxn id="264" idx="2"/>
+            <a:endCxn id="260" idx="0"/>
+          </p:cNvCxnSpPr>
+          <p:nvPr/>
+        </p:nvCxnSpPr>
+        <p:spPr>
+          <a:xfrm rot="5400000">
+            <a:off x="3013211" y="6333963"/>
+            <a:ext cx="189027" cy="851251"/>
+          </a:xfrm>
+          <a:prstGeom prst="bentConnector3">
+            <a:avLst/>
+          </a:prstGeom>
+          <a:ln>
+            <a:prstDash val="dash"/>
+            <a:tailEnd type="triangle"/>
+          </a:ln>
+        </p:spPr>
+        <p:style>
+          <a:lnRef idx="1">
+            <a:schemeClr val="dk1"/>
+          </a:lnRef>
+          <a:fillRef idx="0">
+            <a:schemeClr val="dk1"/>
+          </a:fillRef>
+          <a:effectRef idx="0">
+            <a:schemeClr val="dk1"/>
+          </a:effectRef>
+          <a:fontRef idx="minor">
+            <a:schemeClr val="tx1"/>
+          </a:fontRef>
+        </p:style>
+      </p:cxnSp>
+      <p:cxnSp>
+        <p:nvCxnSpPr>
+          <p:cNvPr id="270" name="Elbow Connector 269"/>
+          <p:cNvCxnSpPr>
+            <a:stCxn id="247" idx="2"/>
+            <a:endCxn id="260" idx="0"/>
+          </p:cNvCxnSpPr>
+          <p:nvPr/>
+        </p:nvCxnSpPr>
+        <p:spPr>
+          <a:xfrm rot="16200000" flipH="1">
+            <a:off x="2215389" y="6387392"/>
+            <a:ext cx="189027" cy="744392"/>
+          </a:xfrm>
+          <a:prstGeom prst="bentConnector3">
+            <a:avLst/>
+          </a:prstGeom>
+          <a:ln>
+            <a:prstDash val="dash"/>
+            <a:tailEnd type="triangle"/>
+          </a:ln>
+        </p:spPr>
+        <p:style>
+          <a:lnRef idx="1">
+            <a:schemeClr val="dk1"/>
+          </a:lnRef>
+          <a:fillRef idx="0">
+            <a:schemeClr val="dk1"/>
+          </a:fillRef>
+          <a:effectRef idx="0">
+            <a:schemeClr val="dk1"/>
+          </a:effectRef>
+          <a:fontRef idx="minor">
+            <a:schemeClr val="tx1"/>
+          </a:fontRef>
+        </p:style>
+      </p:cxnSp>
+      <p:cxnSp>
+        <p:nvCxnSpPr>
+          <p:cNvPr id="273" name="Elbow Connector 272"/>
+          <p:cNvCxnSpPr>
+            <a:stCxn id="10" idx="2"/>
+            <a:endCxn id="208" idx="3"/>
+          </p:cNvCxnSpPr>
+          <p:nvPr/>
+        </p:nvCxnSpPr>
+        <p:spPr>
+          <a:xfrm rot="5400000">
+            <a:off x="4847227" y="7711092"/>
+            <a:ext cx="254230" cy="1215047"/>
+          </a:xfrm>
+          <a:prstGeom prst="bentConnector2">
+            <a:avLst/>
+          </a:prstGeom>
+          <a:ln w="28575">
+            <a:tailEnd type="triangle"/>
+          </a:ln>
+        </p:spPr>
+        <p:style>
+          <a:lnRef idx="1">
+            <a:schemeClr val="dk1"/>
+          </a:lnRef>
+          <a:fillRef idx="0">
+            <a:schemeClr val="dk1"/>
+          </a:fillRef>
+          <a:effectRef idx="0">
+            <a:schemeClr val="dk1"/>
+          </a:effectRef>
+          <a:fontRef idx="minor">
+            <a:schemeClr val="tx1"/>
+          </a:fontRef>
+        </p:style>
+      </p:cxnSp>
+      <p:cxnSp>
+        <p:nvCxnSpPr>
+          <p:cNvPr id="278" name="Elbow Connector 277"/>
+          <p:cNvCxnSpPr>
+            <a:stCxn id="89" idx="2"/>
+            <a:endCxn id="73" idx="0"/>
+          </p:cNvCxnSpPr>
+          <p:nvPr/>
+        </p:nvCxnSpPr>
+        <p:spPr>
+          <a:xfrm rot="16200000" flipH="1">
+            <a:off x="9035364" y="1219478"/>
+            <a:ext cx="176517" cy="882625"/>
+          </a:xfrm>
+          <a:prstGeom prst="bentConnector3">
+            <a:avLst/>
+          </a:prstGeom>
+          <a:ln>
+            <a:prstDash val="sysDash"/>
+            <a:tailEnd type="triangle"/>
+          </a:ln>
+        </p:spPr>
+        <p:style>
+          <a:lnRef idx="1">
+            <a:schemeClr val="dk1"/>
+          </a:lnRef>
+          <a:fillRef idx="0">
+            <a:schemeClr val="dk1"/>
+          </a:fillRef>
+          <a:effectRef idx="0">
+            <a:schemeClr val="dk1"/>
+          </a:effectRef>
+          <a:fontRef idx="minor">
+            <a:schemeClr val="tx1"/>
+          </a:fontRef>
+        </p:style>
+      </p:cxnSp>
+      <p:cxnSp>
+        <p:nvCxnSpPr>
+          <p:cNvPr id="280" name="Elbow Connector 279"/>
+          <p:cNvCxnSpPr>
+            <a:stCxn id="89" idx="2"/>
+            <a:endCxn id="69" idx="0"/>
+          </p:cNvCxnSpPr>
+          <p:nvPr/>
+        </p:nvCxnSpPr>
+        <p:spPr>
+          <a:xfrm rot="5400000">
+            <a:off x="8207998" y="1280885"/>
+            <a:ext cx="182664" cy="765961"/>
+          </a:xfrm>
+          <a:prstGeom prst="bentConnector3">
+            <a:avLst>
+              <a:gd name="adj1" fmla="val 50000"/>
+            </a:avLst>
+          </a:prstGeom>
+          <a:ln>
+            <a:prstDash val="sysDash"/>
+            <a:tailEnd type="triangle"/>
+          </a:ln>
+        </p:spPr>
+        <p:style>
+          <a:lnRef idx="1">
+            <a:schemeClr val="dk1"/>
+          </a:lnRef>
+          <a:fillRef idx="0">
+            <a:schemeClr val="dk1"/>
+          </a:fillRef>
+          <a:effectRef idx="0">
+            <a:schemeClr val="dk1"/>
+          </a:effectRef>
+          <a:fontRef idx="minor">
+            <a:schemeClr val="tx1"/>
+          </a:fontRef>
+        </p:style>
+      </p:cxnSp>
+      <p:cxnSp>
+        <p:nvCxnSpPr>
+          <p:cNvPr id="283" name="Elbow Connector 282"/>
+          <p:cNvCxnSpPr>
+            <a:stCxn id="242" idx="3"/>
+            <a:endCxn id="184" idx="1"/>
+          </p:cNvCxnSpPr>
+          <p:nvPr/>
+        </p:nvCxnSpPr>
+        <p:spPr>
+          <a:xfrm flipV="1">
+            <a:off x="4402227" y="4866442"/>
+            <a:ext cx="528724" cy="1454488"/>
+          </a:xfrm>
+          <a:prstGeom prst="bentConnector3">
+            <a:avLst/>
+          </a:prstGeom>
+          <a:ln w="28575">
+            <a:tailEnd type="triangle"/>
+          </a:ln>
+        </p:spPr>
+        <p:style>
+          <a:lnRef idx="1">
+            <a:schemeClr val="dk1"/>
+          </a:lnRef>
+          <a:fillRef idx="0">
+            <a:schemeClr val="dk1"/>
+          </a:fillRef>
+          <a:effectRef idx="0">
+            <a:schemeClr val="dk1"/>
+          </a:effectRef>
+          <a:fontRef idx="minor">
+            <a:schemeClr val="tx1"/>
+          </a:fontRef>
+        </p:style>
+      </p:cxnSp>
+    </p:spTree>
+    <p:extLst>
+      <p:ext uri="{BB962C8B-B14F-4D97-AF65-F5344CB8AC3E}">
+        <p14:creationId xmlns:p14="http://schemas.microsoft.com/office/powerpoint/2010/main" val="3053032644"/>
       </p:ext>
     </p:extLst>
   </p:cSld>
@@ -7664,6 +12918,43 @@
     </a:fmtScheme>
   </a:themeElements>
   <a:objectDefaults>
+    <a:spDef>
+      <a:spPr>
+        <a:noFill/>
+        <a:ln>
+          <a:solidFill>
+            <a:schemeClr val="bg1">
+              <a:lumMod val="50000"/>
+            </a:schemeClr>
+          </a:solidFill>
+        </a:ln>
+      </a:spPr>
+      <a:bodyPr rtlCol="0" anchor="ctr"/>
+      <a:lstStyle>
+        <a:defPPr algn="ctr">
+          <a:defRPr sz="1200">
+            <a:latin typeface="Times New Roman" panose="02020603050405020304" pitchFamily="18" charset="0"/>
+            <a:cs typeface="Times New Roman" panose="02020603050405020304" pitchFamily="18" charset="0"/>
+          </a:defRPr>
+        </a:defPPr>
+      </a:lstStyle>
+      <a:style>
+        <a:lnRef idx="2">
+          <a:schemeClr val="accent1">
+            <a:shade val="50000"/>
+          </a:schemeClr>
+        </a:lnRef>
+        <a:fillRef idx="1">
+          <a:schemeClr val="accent1"/>
+        </a:fillRef>
+        <a:effectRef idx="0">
+          <a:schemeClr val="accent1"/>
+        </a:effectRef>
+        <a:fontRef idx="minor">
+          <a:schemeClr val="lt1"/>
+        </a:fontRef>
+      </a:style>
+    </a:spDef>
     <a:lnDef>
       <a:spPr/>
       <a:bodyPr/>

--- a/Resource/Skripsi/Desain Penelitian.pptx
+++ b/Resource/Skripsi/Desain Penelitian.pptx
@@ -245,7 +245,7 @@
           <a:p>
             <a:fld id="{C6FC749A-EAD3-4020-A427-C54C9831C0FF}" type="datetimeFigureOut">
               <a:rPr lang="id-ID" smtClean="0"/>
-              <a:t>24/08/2018</a:t>
+              <a:t>27/08/2018</a:t>
             </a:fld>
             <a:endParaRPr lang="id-ID"/>
           </a:p>
@@ -415,7 +415,7 @@
           <a:p>
             <a:fld id="{C6FC749A-EAD3-4020-A427-C54C9831C0FF}" type="datetimeFigureOut">
               <a:rPr lang="id-ID" smtClean="0"/>
-              <a:t>24/08/2018</a:t>
+              <a:t>27/08/2018</a:t>
             </a:fld>
             <a:endParaRPr lang="id-ID"/>
           </a:p>
@@ -595,7 +595,7 @@
           <a:p>
             <a:fld id="{C6FC749A-EAD3-4020-A427-C54C9831C0FF}" type="datetimeFigureOut">
               <a:rPr lang="id-ID" smtClean="0"/>
-              <a:t>24/08/2018</a:t>
+              <a:t>27/08/2018</a:t>
             </a:fld>
             <a:endParaRPr lang="id-ID"/>
           </a:p>
@@ -765,7 +765,7 @@
           <a:p>
             <a:fld id="{C6FC749A-EAD3-4020-A427-C54C9831C0FF}" type="datetimeFigureOut">
               <a:rPr lang="id-ID" smtClean="0"/>
-              <a:t>24/08/2018</a:t>
+              <a:t>27/08/2018</a:t>
             </a:fld>
             <a:endParaRPr lang="id-ID"/>
           </a:p>
@@ -1011,7 +1011,7 @@
           <a:p>
             <a:fld id="{C6FC749A-EAD3-4020-A427-C54C9831C0FF}" type="datetimeFigureOut">
               <a:rPr lang="id-ID" smtClean="0"/>
-              <a:t>24/08/2018</a:t>
+              <a:t>27/08/2018</a:t>
             </a:fld>
             <a:endParaRPr lang="id-ID"/>
           </a:p>
@@ -1243,7 +1243,7 @@
           <a:p>
             <a:fld id="{C6FC749A-EAD3-4020-A427-C54C9831C0FF}" type="datetimeFigureOut">
               <a:rPr lang="id-ID" smtClean="0"/>
-              <a:t>24/08/2018</a:t>
+              <a:t>27/08/2018</a:t>
             </a:fld>
             <a:endParaRPr lang="id-ID"/>
           </a:p>
@@ -1610,7 +1610,7 @@
           <a:p>
             <a:fld id="{C6FC749A-EAD3-4020-A427-C54C9831C0FF}" type="datetimeFigureOut">
               <a:rPr lang="id-ID" smtClean="0"/>
-              <a:t>24/08/2018</a:t>
+              <a:t>27/08/2018</a:t>
             </a:fld>
             <a:endParaRPr lang="id-ID"/>
           </a:p>
@@ -1728,7 +1728,7 @@
           <a:p>
             <a:fld id="{C6FC749A-EAD3-4020-A427-C54C9831C0FF}" type="datetimeFigureOut">
               <a:rPr lang="id-ID" smtClean="0"/>
-              <a:t>24/08/2018</a:t>
+              <a:t>27/08/2018</a:t>
             </a:fld>
             <a:endParaRPr lang="id-ID"/>
           </a:p>
@@ -1823,7 +1823,7 @@
           <a:p>
             <a:fld id="{C6FC749A-EAD3-4020-A427-C54C9831C0FF}" type="datetimeFigureOut">
               <a:rPr lang="id-ID" smtClean="0"/>
-              <a:t>24/08/2018</a:t>
+              <a:t>27/08/2018</a:t>
             </a:fld>
             <a:endParaRPr lang="id-ID"/>
           </a:p>
@@ -2100,7 +2100,7 @@
           <a:p>
             <a:fld id="{C6FC749A-EAD3-4020-A427-C54C9831C0FF}" type="datetimeFigureOut">
               <a:rPr lang="id-ID" smtClean="0"/>
-              <a:t>24/08/2018</a:t>
+              <a:t>27/08/2018</a:t>
             </a:fld>
             <a:endParaRPr lang="id-ID"/>
           </a:p>
@@ -2353,7 +2353,7 @@
           <a:p>
             <a:fld id="{C6FC749A-EAD3-4020-A427-C54C9831C0FF}" type="datetimeFigureOut">
               <a:rPr lang="id-ID" smtClean="0"/>
-              <a:t>24/08/2018</a:t>
+              <a:t>27/08/2018</a:t>
             </a:fld>
             <a:endParaRPr lang="id-ID"/>
           </a:p>
@@ -2566,7 +2566,7 @@
           <a:p>
             <a:fld id="{C6FC749A-EAD3-4020-A427-C54C9831C0FF}" type="datetimeFigureOut">
               <a:rPr lang="id-ID" smtClean="0"/>
-              <a:t>24/08/2018</a:t>
+              <a:t>27/08/2018</a:t>
             </a:fld>
             <a:endParaRPr lang="id-ID"/>
           </a:p>
@@ -11154,7 +11154,7 @@
           <p:spPr>
             <a:xfrm>
               <a:off x="4864634" y="2193857"/>
-              <a:ext cx="1461115" cy="400110"/>
+              <a:ext cx="1461115" cy="242759"/>
             </a:xfrm>
             <a:prstGeom prst="rect">
               <a:avLst/>
@@ -11169,16 +11169,16 @@
             <a:p>
               <a:pPr algn="ctr"/>
               <a:r>
-                <a:rPr lang="en-ID" sz="1000" dirty="0" err="1" smtClean="0">
+                <a:rPr lang="en-ID" sz="1000" dirty="0" smtClean="0">
                   <a:cs typeface="Times New Roman" panose="02020603050405020304" pitchFamily="18" charset="0"/>
                 </a:rPr>
-                <a:t>Macroplaning</a:t>
+                <a:t>Macroplanning </a:t>
               </a:r>
               <a:r>
                 <a:rPr lang="en-ID" sz="1000" dirty="0" smtClean="0">
                   <a:cs typeface="Times New Roman" panose="02020603050405020304" pitchFamily="18" charset="0"/>
                 </a:rPr>
-                <a:t> &amp;</a:t>
+                <a:t>&amp;</a:t>
               </a:r>
             </a:p>
             <a:p>

--- a/Resource/Skripsi/Desain Penelitian.pptx
+++ b/Resource/Skripsi/Desain Penelitian.pptx
@@ -8,6 +8,8 @@
     <p:sldId id="256" r:id="rId2"/>
     <p:sldId id="257" r:id="rId3"/>
     <p:sldId id="258" r:id="rId4"/>
+    <p:sldId id="260" r:id="rId5"/>
+    <p:sldId id="259" r:id="rId6"/>
   </p:sldIdLst>
   <p:sldSz cx="12192000" cy="6858000"/>
   <p:notesSz cx="6858000" cy="9144000"/>
@@ -245,7 +247,7 @@
           <a:p>
             <a:fld id="{C6FC749A-EAD3-4020-A427-C54C9831C0FF}" type="datetimeFigureOut">
               <a:rPr lang="id-ID" smtClean="0"/>
-              <a:t>27/08/2018</a:t>
+              <a:t>08/09/2018</a:t>
             </a:fld>
             <a:endParaRPr lang="id-ID"/>
           </a:p>
@@ -415,7 +417,7 @@
           <a:p>
             <a:fld id="{C6FC749A-EAD3-4020-A427-C54C9831C0FF}" type="datetimeFigureOut">
               <a:rPr lang="id-ID" smtClean="0"/>
-              <a:t>27/08/2018</a:t>
+              <a:t>08/09/2018</a:t>
             </a:fld>
             <a:endParaRPr lang="id-ID"/>
           </a:p>
@@ -595,7 +597,7 @@
           <a:p>
             <a:fld id="{C6FC749A-EAD3-4020-A427-C54C9831C0FF}" type="datetimeFigureOut">
               <a:rPr lang="id-ID" smtClean="0"/>
-              <a:t>27/08/2018</a:t>
+              <a:t>08/09/2018</a:t>
             </a:fld>
             <a:endParaRPr lang="id-ID"/>
           </a:p>
@@ -765,7 +767,7 @@
           <a:p>
             <a:fld id="{C6FC749A-EAD3-4020-A427-C54C9831C0FF}" type="datetimeFigureOut">
               <a:rPr lang="id-ID" smtClean="0"/>
-              <a:t>27/08/2018</a:t>
+              <a:t>08/09/2018</a:t>
             </a:fld>
             <a:endParaRPr lang="id-ID"/>
           </a:p>
@@ -1011,7 +1013,7 @@
           <a:p>
             <a:fld id="{C6FC749A-EAD3-4020-A427-C54C9831C0FF}" type="datetimeFigureOut">
               <a:rPr lang="id-ID" smtClean="0"/>
-              <a:t>27/08/2018</a:t>
+              <a:t>08/09/2018</a:t>
             </a:fld>
             <a:endParaRPr lang="id-ID"/>
           </a:p>
@@ -1243,7 +1245,7 @@
           <a:p>
             <a:fld id="{C6FC749A-EAD3-4020-A427-C54C9831C0FF}" type="datetimeFigureOut">
               <a:rPr lang="id-ID" smtClean="0"/>
-              <a:t>27/08/2018</a:t>
+              <a:t>08/09/2018</a:t>
             </a:fld>
             <a:endParaRPr lang="id-ID"/>
           </a:p>
@@ -1610,7 +1612,7 @@
           <a:p>
             <a:fld id="{C6FC749A-EAD3-4020-A427-C54C9831C0FF}" type="datetimeFigureOut">
               <a:rPr lang="id-ID" smtClean="0"/>
-              <a:t>27/08/2018</a:t>
+              <a:t>08/09/2018</a:t>
             </a:fld>
             <a:endParaRPr lang="id-ID"/>
           </a:p>
@@ -1728,7 +1730,7 @@
           <a:p>
             <a:fld id="{C6FC749A-EAD3-4020-A427-C54C9831C0FF}" type="datetimeFigureOut">
               <a:rPr lang="id-ID" smtClean="0"/>
-              <a:t>27/08/2018</a:t>
+              <a:t>08/09/2018</a:t>
             </a:fld>
             <a:endParaRPr lang="id-ID"/>
           </a:p>
@@ -1823,7 +1825,7 @@
           <a:p>
             <a:fld id="{C6FC749A-EAD3-4020-A427-C54C9831C0FF}" type="datetimeFigureOut">
               <a:rPr lang="id-ID" smtClean="0"/>
-              <a:t>27/08/2018</a:t>
+              <a:t>08/09/2018</a:t>
             </a:fld>
             <a:endParaRPr lang="id-ID"/>
           </a:p>
@@ -2100,7 +2102,7 @@
           <a:p>
             <a:fld id="{C6FC749A-EAD3-4020-A427-C54C9831C0FF}" type="datetimeFigureOut">
               <a:rPr lang="id-ID" smtClean="0"/>
-              <a:t>27/08/2018</a:t>
+              <a:t>08/09/2018</a:t>
             </a:fld>
             <a:endParaRPr lang="id-ID"/>
           </a:p>
@@ -2353,7 +2355,7 @@
           <a:p>
             <a:fld id="{C6FC749A-EAD3-4020-A427-C54C9831C0FF}" type="datetimeFigureOut">
               <a:rPr lang="id-ID" smtClean="0"/>
-              <a:t>27/08/2018</a:t>
+              <a:t>08/09/2018</a:t>
             </a:fld>
             <a:endParaRPr lang="id-ID"/>
           </a:p>
@@ -2566,7 +2568,7 @@
           <a:p>
             <a:fld id="{C6FC749A-EAD3-4020-A427-C54C9831C0FF}" type="datetimeFigureOut">
               <a:rPr lang="id-ID" smtClean="0"/>
-              <a:t>27/08/2018</a:t>
+              <a:t>08/09/2018</a:t>
             </a:fld>
             <a:endParaRPr lang="id-ID"/>
           </a:p>
@@ -7435,6 +7437,12 @@
             <a:chOff x="4491825" y="385124"/>
             <a:chExt cx="2110836" cy="350141"/>
           </a:xfrm>
+          <a:solidFill>
+            <a:schemeClr val="accent5">
+              <a:lumMod val="20000"/>
+              <a:lumOff val="80000"/>
+            </a:schemeClr>
+          </a:solidFill>
         </p:grpSpPr>
         <p:sp>
           <p:nvSpPr>
@@ -7450,7 +7458,7 @@
             <a:prstGeom prst="rect">
               <a:avLst/>
             </a:prstGeom>
-            <a:noFill/>
+            <a:grpFill/>
             <a:ln>
               <a:solidFill>
                 <a:schemeClr val="bg1">
@@ -7501,7 +7509,7 @@
             <a:prstGeom prst="rect">
               <a:avLst/>
             </a:prstGeom>
-            <a:noFill/>
+            <a:grpFill/>
           </p:spPr>
           <p:txBody>
             <a:bodyPr wrap="square" rtlCol="0">
@@ -7551,7 +7559,12 @@
             <a:prstGeom prst="rect">
               <a:avLst/>
             </a:prstGeom>
-            <a:noFill/>
+            <a:solidFill>
+              <a:schemeClr val="accent4">
+                <a:lumMod val="40000"/>
+                <a:lumOff val="60000"/>
+              </a:schemeClr>
+            </a:solidFill>
             <a:ln>
               <a:solidFill>
                 <a:schemeClr val="bg1">
@@ -7639,7 +7652,9 @@
           <a:prstGeom prst="rect">
             <a:avLst/>
           </a:prstGeom>
-          <a:noFill/>
+          <a:solidFill>
+            <a:schemeClr val="bg1"/>
+          </a:solidFill>
           <a:ln>
             <a:solidFill>
               <a:schemeClr val="bg1">
@@ -7647,6 +7662,13 @@
               </a:schemeClr>
             </a:solidFill>
           </a:ln>
+          <a:effectLst>
+            <a:outerShdw blurRad="50800" dist="38100" dir="2700000" algn="tl" rotWithShape="0">
+              <a:prstClr val="black">
+                <a:alpha val="40000"/>
+              </a:prstClr>
+            </a:outerShdw>
+          </a:effectLst>
         </p:spPr>
         <p:style>
           <a:lnRef idx="2">
@@ -7847,7 +7869,12 @@
           <a:prstGeom prst="rect">
             <a:avLst/>
           </a:prstGeom>
-          <a:noFill/>
+          <a:solidFill>
+            <a:schemeClr val="accent5">
+              <a:lumMod val="20000"/>
+              <a:lumOff val="80000"/>
+            </a:schemeClr>
+          </a:solidFill>
           <a:ln>
             <a:solidFill>
               <a:schemeClr val="bg1">
@@ -7855,6 +7882,13 @@
               </a:schemeClr>
             </a:solidFill>
           </a:ln>
+          <a:effectLst>
+            <a:outerShdw blurRad="50800" dist="38100" dir="2700000" algn="tl" rotWithShape="0">
+              <a:prstClr val="black">
+                <a:alpha val="40000"/>
+              </a:prstClr>
+            </a:outerShdw>
+          </a:effectLst>
         </p:spPr>
         <p:style>
           <a:lnRef idx="2">
@@ -7911,7 +7945,7 @@
               <a:rPr lang="en-ID" sz="1000" dirty="0" smtClean="0">
                 <a:cs typeface="Times New Roman" panose="02020603050405020304" pitchFamily="18" charset="0"/>
               </a:rPr>
-              <a:t>Header Detection</a:t>
+              <a:t>Dataset</a:t>
             </a:r>
             <a:endParaRPr lang="id-ID" sz="1000" dirty="0">
               <a:cs typeface="Times New Roman" panose="02020603050405020304" pitchFamily="18" charset="0"/>
@@ -7933,7 +7967,9 @@
           <a:prstGeom prst="rect">
             <a:avLst/>
           </a:prstGeom>
-          <a:noFill/>
+          <a:solidFill>
+            <a:srgbClr val="FFFF89"/>
+          </a:solidFill>
           <a:ln>
             <a:solidFill>
               <a:schemeClr val="bg1">
@@ -7941,6 +7977,13 @@
               </a:schemeClr>
             </a:solidFill>
           </a:ln>
+          <a:effectLst>
+            <a:outerShdw blurRad="50800" dist="38100" dir="2700000" algn="tl" rotWithShape="0">
+              <a:prstClr val="black">
+                <a:alpha val="40000"/>
+              </a:prstClr>
+            </a:outerShdw>
+          </a:effectLst>
         </p:spPr>
         <p:style>
           <a:lnRef idx="2">
@@ -7984,7 +8027,9 @@
           <a:prstGeom prst="rect">
             <a:avLst/>
           </a:prstGeom>
-          <a:noFill/>
+          <a:solidFill>
+            <a:srgbClr val="FFFF89"/>
+          </a:solidFill>
           <a:ln>
             <a:solidFill>
               <a:schemeClr val="bg1">
@@ -7992,6 +8037,13 @@
               </a:schemeClr>
             </a:solidFill>
           </a:ln>
+          <a:effectLst>
+            <a:outerShdw blurRad="50800" dist="38100" dir="2700000" algn="tl" rotWithShape="0">
+              <a:prstClr val="black">
+                <a:alpha val="40000"/>
+              </a:prstClr>
+            </a:outerShdw>
+          </a:effectLst>
         </p:spPr>
         <p:style>
           <a:lnRef idx="2">
@@ -8195,7 +8247,12 @@
           <a:prstGeom prst="rect">
             <a:avLst/>
           </a:prstGeom>
-          <a:noFill/>
+          <a:solidFill>
+            <a:schemeClr val="accent5">
+              <a:lumMod val="20000"/>
+              <a:lumOff val="80000"/>
+            </a:schemeClr>
+          </a:solidFill>
           <a:ln>
             <a:solidFill>
               <a:schemeClr val="bg1">
@@ -8203,6 +8260,13 @@
               </a:schemeClr>
             </a:solidFill>
           </a:ln>
+          <a:effectLst>
+            <a:outerShdw blurRad="50800" dist="38100" dir="2700000" algn="tl" rotWithShape="0">
+              <a:prstClr val="black">
+                <a:alpha val="40000"/>
+              </a:prstClr>
+            </a:outerShdw>
+          </a:effectLst>
         </p:spPr>
         <p:style>
           <a:lnRef idx="2">
@@ -8561,10 +8625,20 @@
         <p:grpSpPr>
           <a:xfrm>
             <a:off x="4840468" y="2389693"/>
-            <a:ext cx="1482771" cy="350141"/>
+            <a:ext cx="1477258" cy="350141"/>
             <a:chOff x="4842978" y="2160404"/>
-            <a:chExt cx="1482771" cy="350141"/>
-          </a:xfrm>
+            <a:chExt cx="1477258" cy="350141"/>
+          </a:xfrm>
+          <a:solidFill>
+            <a:schemeClr val="bg1"/>
+          </a:solidFill>
+          <a:effectLst>
+            <a:outerShdw blurRad="50800" dist="38100" dir="2700000" algn="tl" rotWithShape="0">
+              <a:prstClr val="black">
+                <a:alpha val="40000"/>
+              </a:prstClr>
+            </a:outerShdw>
+          </a:effectLst>
         </p:grpSpPr>
         <p:sp>
           <p:nvSpPr>
@@ -8580,7 +8654,7 @@
             <a:prstGeom prst="rect">
               <a:avLst/>
             </a:prstGeom>
-            <a:noFill/>
+            <a:grpFill/>
             <a:ln>
               <a:solidFill>
                 <a:schemeClr val="bg1">
@@ -8625,13 +8699,13 @@
           </p:nvSpPr>
           <p:spPr>
             <a:xfrm>
-              <a:off x="4864634" y="2208146"/>
+              <a:off x="4852108" y="2208146"/>
               <a:ext cx="1461115" cy="253916"/>
             </a:xfrm>
             <a:prstGeom prst="rect">
               <a:avLst/>
             </a:prstGeom>
-            <a:noFill/>
+            <a:grpFill/>
           </p:spPr>
           <p:txBody>
             <a:bodyPr wrap="square" rtlCol="0">
@@ -8753,7 +8827,9 @@
           <a:prstGeom prst="rect">
             <a:avLst/>
           </a:prstGeom>
-          <a:noFill/>
+          <a:solidFill>
+            <a:srgbClr val="FFFF89"/>
+          </a:solidFill>
           <a:ln>
             <a:solidFill>
               <a:schemeClr val="bg1">
@@ -8761,6 +8837,13 @@
               </a:schemeClr>
             </a:solidFill>
           </a:ln>
+          <a:effectLst>
+            <a:outerShdw blurRad="50800" dist="38100" dir="2700000" algn="tl" rotWithShape="0">
+              <a:prstClr val="black">
+                <a:alpha val="40000"/>
+              </a:prstClr>
+            </a:outerShdw>
+          </a:effectLst>
         </p:spPr>
         <p:style>
           <a:lnRef idx="2">
@@ -8910,7 +8993,9 @@
           <a:prstGeom prst="rect">
             <a:avLst/>
           </a:prstGeom>
-          <a:noFill/>
+          <a:solidFill>
+            <a:srgbClr val="FFFF89"/>
+          </a:solidFill>
           <a:ln>
             <a:solidFill>
               <a:schemeClr val="bg1">
@@ -8918,6 +9003,13 @@
               </a:schemeClr>
             </a:solidFill>
           </a:ln>
+          <a:effectLst>
+            <a:outerShdw blurRad="50800" dist="38100" dir="2700000" algn="tl" rotWithShape="0">
+              <a:prstClr val="black">
+                <a:alpha val="40000"/>
+              </a:prstClr>
+            </a:outerShdw>
+          </a:effectLst>
         </p:spPr>
         <p:style>
           <a:lnRef idx="2">
@@ -9033,11 +9125,20 @@
               <a:t>Exponential </a:t>
             </a:r>
             <a:r>
+              <a:rPr lang="en-ID" sz="1000" dirty="0">
+                <a:cs typeface="Times New Roman" panose="02020603050405020304" pitchFamily="18" charset="0"/>
+              </a:rPr>
+              <a:t>S</a:t>
+            </a:r>
+            <a:r>
               <a:rPr lang="en-ID" sz="1000" dirty="0" smtClean="0">
                 <a:cs typeface="Times New Roman" panose="02020603050405020304" pitchFamily="18" charset="0"/>
               </a:rPr>
-              <a:t>smoothing</a:t>
-            </a:r>
+              <a:t>moothing</a:t>
+            </a:r>
+            <a:endParaRPr lang="en-ID" sz="1000" dirty="0" smtClean="0">
+              <a:cs typeface="Times New Roman" panose="02020603050405020304" pitchFamily="18" charset="0"/>
+            </a:endParaRPr>
           </a:p>
           <a:p>
             <a:r>
@@ -9071,7 +9172,12 @@
           <a:prstGeom prst="rect">
             <a:avLst/>
           </a:prstGeom>
-          <a:noFill/>
+          <a:solidFill>
+            <a:schemeClr val="accent5">
+              <a:lumMod val="20000"/>
+              <a:lumOff val="80000"/>
+            </a:schemeClr>
+          </a:solidFill>
           <a:ln>
             <a:solidFill>
               <a:schemeClr val="bg1">
@@ -9079,6 +9185,13 @@
               </a:schemeClr>
             </a:solidFill>
           </a:ln>
+          <a:effectLst>
+            <a:outerShdw blurRad="50800" dist="38100" dir="2700000" algn="tl" rotWithShape="0">
+              <a:prstClr val="black">
+                <a:alpha val="40000"/>
+              </a:prstClr>
+            </a:outerShdw>
+          </a:effectLst>
         </p:spPr>
         <p:style>
           <a:lnRef idx="2">
@@ -9231,7 +9344,12 @@
           <a:prstGeom prst="rect">
             <a:avLst/>
           </a:prstGeom>
-          <a:noFill/>
+          <a:solidFill>
+            <a:schemeClr val="accent5">
+              <a:lumMod val="20000"/>
+              <a:lumOff val="80000"/>
+            </a:schemeClr>
+          </a:solidFill>
           <a:ln>
             <a:solidFill>
               <a:schemeClr val="bg1">
@@ -9239,6 +9357,13 @@
               </a:schemeClr>
             </a:solidFill>
           </a:ln>
+          <a:effectLst>
+            <a:outerShdw blurRad="50800" dist="38100" dir="2700000" algn="tl" rotWithShape="0">
+              <a:prstClr val="black">
+                <a:alpha val="40000"/>
+              </a:prstClr>
+            </a:outerShdw>
+          </a:effectLst>
         </p:spPr>
         <p:style>
           <a:lnRef idx="2">
@@ -9495,7 +9620,9 @@
           <a:prstGeom prst="rect">
             <a:avLst/>
           </a:prstGeom>
-          <a:noFill/>
+          <a:solidFill>
+            <a:srgbClr val="DAE3F3"/>
+          </a:solidFill>
           <a:ln>
             <a:solidFill>
               <a:schemeClr val="bg1">
@@ -9503,6 +9630,13 @@
               </a:schemeClr>
             </a:solidFill>
           </a:ln>
+          <a:effectLst>
+            <a:outerShdw blurRad="50800" dist="38100" dir="2700000" algn="tl" rotWithShape="0">
+              <a:prstClr val="black">
+                <a:alpha val="40000"/>
+              </a:prstClr>
+            </a:outerShdw>
+          </a:effectLst>
         </p:spPr>
         <p:style>
           <a:lnRef idx="2">
@@ -9575,11 +9709,21 @@
         </p:nvGrpSpPr>
         <p:grpSpPr>
           <a:xfrm>
-            <a:off x="7138326" y="5682531"/>
-            <a:ext cx="1551678" cy="1372574"/>
-            <a:chOff x="7237417" y="5580931"/>
-            <a:chExt cx="1551678" cy="1372574"/>
-          </a:xfrm>
+            <a:off x="7138327" y="5682531"/>
+            <a:ext cx="1551677" cy="1372574"/>
+            <a:chOff x="7237418" y="5580931"/>
+            <a:chExt cx="1551677" cy="1372574"/>
+          </a:xfrm>
+          <a:solidFill>
+            <a:srgbClr val="FFFF89"/>
+          </a:solidFill>
+          <a:effectLst>
+            <a:outerShdw blurRad="50800" dist="38100" dir="2700000" algn="tl" rotWithShape="0">
+              <a:prstClr val="black">
+                <a:alpha val="40000"/>
+              </a:prstClr>
+            </a:outerShdw>
+          </a:effectLst>
         </p:grpSpPr>
         <p:sp>
           <p:nvSpPr>
@@ -9595,7 +9739,7 @@
             <a:prstGeom prst="rect">
               <a:avLst/>
             </a:prstGeom>
-            <a:noFill/>
+            <a:grpFill/>
             <a:ln>
               <a:solidFill>
                 <a:schemeClr val="bg1">
@@ -9640,13 +9784,13 @@
           </p:nvSpPr>
           <p:spPr>
             <a:xfrm>
-              <a:off x="7237417" y="5617504"/>
-              <a:ext cx="1551677" cy="253916"/>
+              <a:off x="7289667" y="5607404"/>
+              <a:ext cx="1469380" cy="246221"/>
             </a:xfrm>
             <a:prstGeom prst="rect">
               <a:avLst/>
             </a:prstGeom>
-            <a:noFill/>
+            <a:grpFill/>
           </p:spPr>
           <p:txBody>
             <a:bodyPr wrap="square" rtlCol="0">
@@ -9681,7 +9825,7 @@
             <a:prstGeom prst="rect">
               <a:avLst/>
             </a:prstGeom>
-            <a:noFill/>
+            <a:grpFill/>
             <a:ln>
               <a:solidFill>
                 <a:schemeClr val="bg1">
@@ -9791,11 +9935,21 @@
         </p:nvGrpSpPr>
         <p:grpSpPr>
           <a:xfrm>
-            <a:off x="8789094" y="5675462"/>
-            <a:ext cx="1551678" cy="1077763"/>
-            <a:chOff x="8875336" y="5533597"/>
-            <a:chExt cx="1551678" cy="1077763"/>
-          </a:xfrm>
+            <a:off x="8789095" y="5675462"/>
+            <a:ext cx="1551677" cy="1077763"/>
+            <a:chOff x="8875337" y="5533597"/>
+            <a:chExt cx="1551677" cy="1077763"/>
+          </a:xfrm>
+          <a:solidFill>
+            <a:srgbClr val="FFFF89"/>
+          </a:solidFill>
+          <a:effectLst>
+            <a:outerShdw blurRad="50800" dist="38100" dir="2700000" algn="tl" rotWithShape="0">
+              <a:prstClr val="black">
+                <a:alpha val="40000"/>
+              </a:prstClr>
+            </a:outerShdw>
+          </a:effectLst>
         </p:grpSpPr>
         <p:sp>
           <p:nvSpPr>
@@ -9811,7 +9965,7 @@
             <a:prstGeom prst="rect">
               <a:avLst/>
             </a:prstGeom>
-            <a:noFill/>
+            <a:grpFill/>
             <a:ln>
               <a:solidFill>
                 <a:schemeClr val="bg1">
@@ -9856,13 +10010,13 @@
           </p:nvSpPr>
           <p:spPr>
             <a:xfrm>
-              <a:off x="8875336" y="5570170"/>
-              <a:ext cx="1551677" cy="253916"/>
+              <a:off x="8957633" y="5563819"/>
+              <a:ext cx="1396999" cy="246220"/>
             </a:xfrm>
             <a:prstGeom prst="rect">
               <a:avLst/>
             </a:prstGeom>
-            <a:noFill/>
+            <a:grpFill/>
           </p:spPr>
           <p:txBody>
             <a:bodyPr wrap="square" rtlCol="0">
@@ -9897,7 +10051,7 @@
             <a:prstGeom prst="rect">
               <a:avLst/>
             </a:prstGeom>
-            <a:noFill/>
+            <a:grpFill/>
             <a:ln>
               <a:solidFill>
                 <a:schemeClr val="bg1">
@@ -9955,11 +10109,21 @@
         </p:nvGrpSpPr>
         <p:grpSpPr>
           <a:xfrm>
-            <a:off x="8944242" y="4204573"/>
-            <a:ext cx="1324149" cy="1181345"/>
-            <a:chOff x="8875336" y="5495497"/>
-            <a:chExt cx="1551678" cy="1181345"/>
-          </a:xfrm>
+            <a:off x="8944243" y="4204573"/>
+            <a:ext cx="1324148" cy="1181345"/>
+            <a:chOff x="8875337" y="5495497"/>
+            <a:chExt cx="1551677" cy="1181345"/>
+          </a:xfrm>
+          <a:solidFill>
+            <a:schemeClr val="bg1"/>
+          </a:solidFill>
+          <a:effectLst>
+            <a:outerShdw blurRad="50800" dist="38100" dir="2700000" algn="tl" rotWithShape="0">
+              <a:prstClr val="black">
+                <a:alpha val="40000"/>
+              </a:prstClr>
+            </a:outerShdw>
+          </a:effectLst>
         </p:grpSpPr>
         <p:sp>
           <p:nvSpPr>
@@ -9975,7 +10139,7 @@
             <a:prstGeom prst="rect">
               <a:avLst/>
             </a:prstGeom>
-            <a:noFill/>
+            <a:grpFill/>
             <a:ln>
               <a:solidFill>
                 <a:schemeClr val="bg1">
@@ -10020,13 +10184,13 @@
           </p:nvSpPr>
           <p:spPr>
             <a:xfrm>
-              <a:off x="8875336" y="5532070"/>
-              <a:ext cx="1551677" cy="246221"/>
+              <a:off x="8925937" y="5518015"/>
+              <a:ext cx="1428696" cy="400110"/>
             </a:xfrm>
             <a:prstGeom prst="rect">
               <a:avLst/>
             </a:prstGeom>
-            <a:noFill/>
+            <a:grpFill/>
           </p:spPr>
           <p:txBody>
             <a:bodyPr wrap="square" rtlCol="0">
@@ -10055,13 +10219,13 @@
           </p:nvSpPr>
           <p:spPr>
             <a:xfrm>
-              <a:off x="8957632" y="5868739"/>
+              <a:off x="8957632" y="5897317"/>
               <a:ext cx="1397000" cy="707886"/>
             </a:xfrm>
             <a:prstGeom prst="rect">
               <a:avLst/>
             </a:prstGeom>
-            <a:noFill/>
+            <a:grpFill/>
             <a:ln>
               <a:solidFill>
                 <a:schemeClr val="bg1">
@@ -10259,7 +10423,9 @@
           <a:prstGeom prst="rect">
             <a:avLst/>
           </a:prstGeom>
-          <a:noFill/>
+          <a:solidFill>
+            <a:srgbClr val="DAE3F3"/>
+          </a:solidFill>
           <a:ln>
             <a:solidFill>
               <a:schemeClr val="bg1">
@@ -10267,6 +10433,13 @@
               </a:schemeClr>
             </a:solidFill>
           </a:ln>
+          <a:effectLst>
+            <a:outerShdw blurRad="50800" dist="38100" dir="2700000" algn="tl" rotWithShape="0">
+              <a:prstClr val="black">
+                <a:alpha val="40000"/>
+              </a:prstClr>
+            </a:outerShdw>
+          </a:effectLst>
         </p:spPr>
         <p:style>
           <a:lnRef idx="2">
@@ -10339,11 +10512,21 @@
         </p:nvGrpSpPr>
         <p:grpSpPr>
           <a:xfrm>
-            <a:off x="4835717" y="3384239"/>
+            <a:off x="4835717" y="3321609"/>
             <a:ext cx="1482771" cy="350141"/>
             <a:chOff x="4842978" y="2160404"/>
             <a:chExt cx="1482771" cy="350141"/>
           </a:xfrm>
+          <a:solidFill>
+            <a:schemeClr val="bg1"/>
+          </a:solidFill>
+          <a:effectLst>
+            <a:outerShdw blurRad="50800" dist="38100" dir="2700000" algn="tl" rotWithShape="0">
+              <a:prstClr val="black">
+                <a:alpha val="40000"/>
+              </a:prstClr>
+            </a:outerShdw>
+          </a:effectLst>
         </p:grpSpPr>
         <p:sp>
           <p:nvSpPr>
@@ -10359,7 +10542,7 @@
             <a:prstGeom prst="rect">
               <a:avLst/>
             </a:prstGeom>
-            <a:noFill/>
+            <a:grpFill/>
             <a:ln>
               <a:solidFill>
                 <a:schemeClr val="bg1">
@@ -10404,13 +10587,13 @@
           </p:nvSpPr>
           <p:spPr>
             <a:xfrm>
-              <a:off x="4864634" y="2208146"/>
+              <a:off x="4864634" y="2220672"/>
               <a:ext cx="1461115" cy="253916"/>
             </a:xfrm>
             <a:prstGeom prst="rect">
               <a:avLst/>
             </a:prstGeom>
-            <a:noFill/>
+            <a:grpFill/>
           </p:spPr>
           <p:txBody>
             <a:bodyPr wrap="square" rtlCol="0">
@@ -10519,13 +10702,15 @@
       <p:cxnSp>
         <p:nvCxnSpPr>
           <p:cNvPr id="155" name="Straight Arrow Connector 154"/>
-          <p:cNvCxnSpPr/>
+          <p:cNvCxnSpPr>
+            <a:endCxn id="149" idx="0"/>
+          </p:cNvCxnSpPr>
           <p:nvPr/>
         </p:nvCxnSpPr>
         <p:spPr>
           <a:xfrm>
             <a:off x="5570966" y="2747840"/>
-            <a:ext cx="3380" cy="638060"/>
+            <a:ext cx="3380" cy="573769"/>
           </a:xfrm>
           <a:prstGeom prst="straightConnector1">
             <a:avLst/>
@@ -10605,7 +10790,9 @@
           <a:prstGeom prst="rect">
             <a:avLst/>
           </a:prstGeom>
-          <a:noFill/>
+          <a:solidFill>
+            <a:srgbClr val="DAE3F3"/>
+          </a:solidFill>
           <a:ln>
             <a:solidFill>
               <a:schemeClr val="bg1">
@@ -10613,6 +10800,13 @@
               </a:schemeClr>
             </a:solidFill>
           </a:ln>
+          <a:effectLst>
+            <a:outerShdw blurRad="50800" dist="38100" dir="2700000" algn="tl" rotWithShape="0">
+              <a:prstClr val="black">
+                <a:alpha val="40000"/>
+              </a:prstClr>
+            </a:outerShdw>
+          </a:effectLst>
         </p:spPr>
         <p:style>
           <a:lnRef idx="2">
@@ -10797,11 +10991,21 @@
         </p:nvGrpSpPr>
         <p:grpSpPr>
           <a:xfrm>
-            <a:off x="4839102" y="4274010"/>
-            <a:ext cx="1482771" cy="1340319"/>
+            <a:off x="4839102" y="4198854"/>
+            <a:ext cx="1477258" cy="1491207"/>
             <a:chOff x="4842978" y="2160404"/>
-            <a:chExt cx="1482771" cy="1340319"/>
-          </a:xfrm>
+            <a:chExt cx="1477258" cy="1340319"/>
+          </a:xfrm>
+          <a:solidFill>
+            <a:schemeClr val="bg1"/>
+          </a:solidFill>
+          <a:effectLst>
+            <a:outerShdw blurRad="50800" dist="38100" dir="2700000" algn="tl" rotWithShape="0">
+              <a:prstClr val="black">
+                <a:alpha val="40000"/>
+              </a:prstClr>
+            </a:outerShdw>
+          </a:effectLst>
         </p:grpSpPr>
         <p:sp>
           <p:nvSpPr>
@@ -10817,7 +11021,7 @@
             <a:prstGeom prst="rect">
               <a:avLst/>
             </a:prstGeom>
-            <a:noFill/>
+            <a:grpFill/>
             <a:ln>
               <a:solidFill>
                 <a:schemeClr val="bg1">
@@ -10862,13 +11066,13 @@
           </p:nvSpPr>
           <p:spPr>
             <a:xfrm>
-              <a:off x="4864634" y="2193857"/>
+              <a:off x="4852108" y="2193857"/>
               <a:ext cx="1461115" cy="253916"/>
             </a:xfrm>
             <a:prstGeom prst="rect">
               <a:avLst/>
             </a:prstGeom>
-            <a:noFill/>
+            <a:grpFill/>
           </p:spPr>
           <p:txBody>
             <a:bodyPr wrap="square" rtlCol="0">
@@ -10898,7 +11102,7 @@
         </p:nvSpPr>
         <p:spPr>
           <a:xfrm>
-            <a:off x="4930951" y="4671910"/>
+            <a:off x="4930951" y="4646858"/>
             <a:ext cx="1254008" cy="419842"/>
           </a:xfrm>
           <a:prstGeom prst="rect">
@@ -10949,7 +11153,7 @@
         </p:nvSpPr>
         <p:spPr>
           <a:xfrm>
-            <a:off x="4930951" y="4681776"/>
+            <a:off x="4930951" y="4656724"/>
             <a:ext cx="1254008" cy="369332"/>
           </a:xfrm>
           <a:prstGeom prst="rect">
@@ -11093,6 +11297,16 @@
             <a:chOff x="4842978" y="2160404"/>
             <a:chExt cx="1482771" cy="1340319"/>
           </a:xfrm>
+          <a:solidFill>
+            <a:schemeClr val="bg1"/>
+          </a:solidFill>
+          <a:effectLst>
+            <a:outerShdw blurRad="50800" dist="38100" dir="2700000" algn="tl" rotWithShape="0">
+              <a:prstClr val="black">
+                <a:alpha val="40000"/>
+              </a:prstClr>
+            </a:outerShdw>
+          </a:effectLst>
         </p:grpSpPr>
         <p:sp>
           <p:nvSpPr>
@@ -11108,7 +11322,7 @@
             <a:prstGeom prst="rect">
               <a:avLst/>
             </a:prstGeom>
-            <a:noFill/>
+            <a:grpFill/>
             <a:ln>
               <a:solidFill>
                 <a:schemeClr val="bg1">
@@ -11159,7 +11373,7 @@
             <a:prstGeom prst="rect">
               <a:avLst/>
             </a:prstGeom>
-            <a:noFill/>
+            <a:grpFill/>
           </p:spPr>
           <p:txBody>
             <a:bodyPr wrap="square" rtlCol="0">
@@ -11172,13 +11386,7 @@
                 <a:rPr lang="en-ID" sz="1000" dirty="0" smtClean="0">
                   <a:cs typeface="Times New Roman" panose="02020603050405020304" pitchFamily="18" charset="0"/>
                 </a:rPr>
-                <a:t>Macroplanning </a:t>
-              </a:r>
-              <a:r>
-                <a:rPr lang="en-ID" sz="1000" dirty="0" smtClean="0">
-                  <a:cs typeface="Times New Roman" panose="02020603050405020304" pitchFamily="18" charset="0"/>
-                </a:rPr>
-                <a:t>&amp;</a:t>
+                <a:t>Macroplanning &amp;</a:t>
               </a:r>
             </a:p>
             <a:p>
@@ -11572,8 +11780,8 @@
         </p:nvCxnSpPr>
         <p:spPr>
           <a:xfrm>
-            <a:off x="5574346" y="3734380"/>
-            <a:ext cx="3385" cy="539630"/>
+            <a:off x="5574346" y="3671750"/>
+            <a:ext cx="3385" cy="527104"/>
           </a:xfrm>
           <a:prstGeom prst="straightConnector1">
             <a:avLst/>
@@ -11608,8 +11816,8 @@
         </p:nvCxnSpPr>
         <p:spPr>
           <a:xfrm>
-            <a:off x="5577731" y="5614329"/>
-            <a:ext cx="4972" cy="274826"/>
+            <a:off x="5577731" y="5690061"/>
+            <a:ext cx="4972" cy="199094"/>
           </a:xfrm>
           <a:prstGeom prst="straightConnector1">
             <a:avLst/>
@@ -11641,7 +11849,7 @@
         </p:nvSpPr>
         <p:spPr>
           <a:xfrm>
-            <a:off x="5627665" y="5643876"/>
+            <a:off x="5627665" y="5681454"/>
             <a:ext cx="1461115" cy="246221"/>
           </a:xfrm>
           <a:prstGeom prst="rect">
@@ -11702,6 +11910,7 @@
                   <a:lumMod val="50000"/>
                 </a:schemeClr>
               </a:solidFill>
+              <a:prstDash val="dash"/>
             </a:ln>
           </p:spPr>
           <p:style>
@@ -11783,11 +11992,7 @@
             </a:prstGeom>
             <a:noFill/>
             <a:ln>
-              <a:solidFill>
-                <a:schemeClr val="bg1">
-                  <a:lumMod val="50000"/>
-                </a:schemeClr>
-              </a:solidFill>
+              <a:noFill/>
               <a:prstDash val="dash"/>
             </a:ln>
           </p:spPr>
@@ -11845,14 +12050,14 @@
           </a:ln>
         </p:spPr>
         <p:style>
-          <a:lnRef idx="1">
-            <a:schemeClr val="dk1"/>
+          <a:lnRef idx="3">
+            <a:schemeClr val="accent2"/>
           </a:lnRef>
           <a:fillRef idx="0">
-            <a:schemeClr val="dk1"/>
+            <a:schemeClr val="accent2"/>
           </a:fillRef>
-          <a:effectRef idx="0">
-            <a:schemeClr val="dk1"/>
+          <a:effectRef idx="2">
+            <a:schemeClr val="accent2"/>
           </a:effectRef>
           <a:fontRef idx="minor">
             <a:schemeClr val="tx1"/>
@@ -11870,8 +12075,8 @@
         </p:nvCxnSpPr>
         <p:spPr>
           <a:xfrm rot="10800000" flipV="1">
-            <a:off x="6323240" y="2334533"/>
-            <a:ext cx="699525" cy="229859"/>
+            <a:off x="6310714" y="2334533"/>
+            <a:ext cx="712051" cy="229859"/>
           </a:xfrm>
           <a:prstGeom prst="bentConnector3">
             <a:avLst/>
@@ -11881,14 +12086,14 @@
           </a:ln>
         </p:spPr>
         <p:style>
-          <a:lnRef idx="1">
-            <a:schemeClr val="dk1"/>
+          <a:lnRef idx="3">
+            <a:schemeClr val="accent2"/>
           </a:lnRef>
           <a:fillRef idx="0">
-            <a:schemeClr val="dk1"/>
+            <a:schemeClr val="accent2"/>
           </a:fillRef>
-          <a:effectRef idx="0">
-            <a:schemeClr val="dk1"/>
+          <a:effectRef idx="2">
+            <a:schemeClr val="accent2"/>
           </a:effectRef>
           <a:fontRef idx="minor">
             <a:schemeClr val="tx1"/>
@@ -11906,12 +12111,12 @@
         </p:nvCxnSpPr>
         <p:spPr>
           <a:xfrm flipH="1" flipV="1">
-            <a:off x="6318488" y="3558939"/>
-            <a:ext cx="770292" cy="2208048"/>
+            <a:off x="6318488" y="3508835"/>
+            <a:ext cx="770292" cy="2295730"/>
           </a:xfrm>
           <a:prstGeom prst="bentConnector3">
             <a:avLst>
-              <a:gd name="adj1" fmla="val 34388"/>
+              <a:gd name="adj1" fmla="val 35369"/>
             </a:avLst>
           </a:prstGeom>
           <a:ln w="28575">
@@ -11919,14 +12124,14 @@
           </a:ln>
         </p:spPr>
         <p:style>
-          <a:lnRef idx="1">
-            <a:schemeClr val="dk1"/>
+          <a:lnRef idx="3">
+            <a:schemeClr val="accent2"/>
           </a:lnRef>
           <a:fillRef idx="0">
-            <a:schemeClr val="dk1"/>
+            <a:schemeClr val="accent2"/>
           </a:fillRef>
-          <a:effectRef idx="0">
-            <a:schemeClr val="dk1"/>
+          <a:effectRef idx="2">
+            <a:schemeClr val="accent2"/>
           </a:effectRef>
           <a:fontRef idx="minor">
             <a:schemeClr val="tx1"/>
@@ -12033,7 +12238,12 @@
           <a:prstGeom prst="rect">
             <a:avLst/>
           </a:prstGeom>
-          <a:noFill/>
+          <a:solidFill>
+            <a:schemeClr val="accent5">
+              <a:lumMod val="20000"/>
+              <a:lumOff val="80000"/>
+            </a:schemeClr>
+          </a:solidFill>
           <a:ln>
             <a:solidFill>
               <a:schemeClr val="bg1">
@@ -12041,6 +12251,13 @@
               </a:schemeClr>
             </a:solidFill>
           </a:ln>
+          <a:effectLst>
+            <a:outerShdw blurRad="50800" dist="38100" dir="2700000" algn="tl" rotWithShape="0">
+              <a:prstClr val="black">
+                <a:alpha val="40000"/>
+              </a:prstClr>
+            </a:outerShdw>
+          </a:effectLst>
         </p:spPr>
         <p:style>
           <a:lnRef idx="2">
@@ -12119,7 +12336,9 @@
           <a:prstGeom prst="rect">
             <a:avLst/>
           </a:prstGeom>
-          <a:noFill/>
+          <a:solidFill>
+            <a:srgbClr val="FFFF89"/>
+          </a:solidFill>
           <a:ln>
             <a:solidFill>
               <a:schemeClr val="bg1">
@@ -12127,6 +12346,13 @@
               </a:schemeClr>
             </a:solidFill>
           </a:ln>
+          <a:effectLst>
+            <a:outerShdw blurRad="50800" dist="38100" dir="2700000" algn="tl" rotWithShape="0">
+              <a:prstClr val="black">
+                <a:alpha val="40000"/>
+              </a:prstClr>
+            </a:outerShdw>
+          </a:effectLst>
         </p:spPr>
         <p:style>
           <a:lnRef idx="2">
@@ -12279,7 +12505,12 @@
           <a:prstGeom prst="rect">
             <a:avLst/>
           </a:prstGeom>
-          <a:noFill/>
+          <a:solidFill>
+            <a:schemeClr val="accent5">
+              <a:lumMod val="20000"/>
+              <a:lumOff val="80000"/>
+            </a:schemeClr>
+          </a:solidFill>
           <a:ln>
             <a:solidFill>
               <a:schemeClr val="bg1">
@@ -12287,6 +12518,13 @@
               </a:schemeClr>
             </a:solidFill>
           </a:ln>
+          <a:effectLst>
+            <a:outerShdw blurRad="50800" dist="38100" dir="2700000" algn="tl" rotWithShape="0">
+              <a:prstClr val="black">
+                <a:alpha val="40000"/>
+              </a:prstClr>
+            </a:outerShdw>
+          </a:effectLst>
         </p:spPr>
         <p:style>
           <a:lnRef idx="2">
@@ -12413,7 +12651,16 @@
           <a:prstGeom prst="rect">
             <a:avLst/>
           </a:prstGeom>
-          <a:noFill/>
+          <a:solidFill>
+            <a:srgbClr val="FFFF89"/>
+          </a:solidFill>
+          <a:effectLst>
+            <a:outerShdw blurRad="50800" dist="38100" dir="2700000" algn="tl" rotWithShape="0">
+              <a:prstClr val="black">
+                <a:alpha val="40000"/>
+              </a:prstClr>
+            </a:outerShdw>
+          </a:effectLst>
         </p:spPr>
         <p:txBody>
           <a:bodyPr wrap="square" rtlCol="0">
@@ -12628,13 +12875,809 @@
         </p:nvCxnSpPr>
         <p:spPr>
           <a:xfrm flipV="1">
-            <a:off x="4402227" y="4866442"/>
-            <a:ext cx="528724" cy="1454488"/>
+            <a:off x="4402227" y="4841390"/>
+            <a:ext cx="528724" cy="1479540"/>
           </a:xfrm>
           <a:prstGeom prst="bentConnector3">
             <a:avLst/>
           </a:prstGeom>
           <a:ln w="28575">
+            <a:tailEnd type="triangle"/>
+          </a:ln>
+        </p:spPr>
+        <p:style>
+          <a:lnRef idx="3">
+            <a:schemeClr val="accent2"/>
+          </a:lnRef>
+          <a:fillRef idx="0">
+            <a:schemeClr val="accent2"/>
+          </a:fillRef>
+          <a:effectRef idx="2">
+            <a:schemeClr val="accent2"/>
+          </a:effectRef>
+          <a:fontRef idx="minor">
+            <a:schemeClr val="tx1"/>
+          </a:fontRef>
+        </p:style>
+      </p:cxnSp>
+      <p:sp>
+        <p:nvSpPr>
+          <p:cNvPr id="134" name="Rectangle 133"/>
+          <p:cNvSpPr/>
+          <p:nvPr/>
+        </p:nvSpPr>
+        <p:spPr>
+          <a:xfrm>
+            <a:off x="4733339" y="-439392"/>
+            <a:ext cx="1477258" cy="350141"/>
+          </a:xfrm>
+          <a:prstGeom prst="rect">
+            <a:avLst/>
+          </a:prstGeom>
+          <a:solidFill>
+            <a:schemeClr val="bg1"/>
+          </a:solidFill>
+          <a:ln>
+            <a:noFill/>
+          </a:ln>
+        </p:spPr>
+        <p:style>
+          <a:lnRef idx="2">
+            <a:schemeClr val="accent1">
+              <a:shade val="50000"/>
+            </a:schemeClr>
+          </a:lnRef>
+          <a:fillRef idx="1">
+            <a:schemeClr val="accent1"/>
+          </a:fillRef>
+          <a:effectRef idx="0">
+            <a:schemeClr val="accent1"/>
+          </a:effectRef>
+          <a:fontRef idx="minor">
+            <a:schemeClr val="lt1"/>
+          </a:fontRef>
+        </p:style>
+        <p:txBody>
+          <a:bodyPr rtlCol="0" anchor="ctr"/>
+          <a:lstStyle/>
+          <a:p>
+            <a:pPr algn="ctr"/>
+            <a:endParaRPr lang="id-ID" sz="1000">
+              <a:latin typeface="Times New Roman" panose="02020603050405020304" pitchFamily="18" charset="0"/>
+              <a:cs typeface="Times New Roman" panose="02020603050405020304" pitchFamily="18" charset="0"/>
+            </a:endParaRPr>
+          </a:p>
+        </p:txBody>
+      </p:sp>
+      <p:sp>
+        <p:nvSpPr>
+          <p:cNvPr id="136" name="Rectangle 135"/>
+          <p:cNvSpPr/>
+          <p:nvPr/>
+        </p:nvSpPr>
+        <p:spPr>
+          <a:xfrm>
+            <a:off x="4719379" y="10430242"/>
+            <a:ext cx="1477258" cy="350141"/>
+          </a:xfrm>
+          <a:prstGeom prst="rect">
+            <a:avLst/>
+          </a:prstGeom>
+          <a:solidFill>
+            <a:schemeClr val="bg1"/>
+          </a:solidFill>
+          <a:ln>
+            <a:noFill/>
+          </a:ln>
+        </p:spPr>
+        <p:style>
+          <a:lnRef idx="2">
+            <a:schemeClr val="accent1">
+              <a:shade val="50000"/>
+            </a:schemeClr>
+          </a:lnRef>
+          <a:fillRef idx="1">
+            <a:schemeClr val="accent1"/>
+          </a:fillRef>
+          <a:effectRef idx="0">
+            <a:schemeClr val="accent1"/>
+          </a:effectRef>
+          <a:fontRef idx="minor">
+            <a:schemeClr val="lt1"/>
+          </a:fontRef>
+        </p:style>
+        <p:txBody>
+          <a:bodyPr rtlCol="0" anchor="ctr"/>
+          <a:lstStyle/>
+          <a:p>
+            <a:pPr algn="ctr"/>
+            <a:endParaRPr lang="id-ID" sz="1000">
+              <a:latin typeface="Times New Roman" panose="02020603050405020304" pitchFamily="18" charset="0"/>
+              <a:cs typeface="Times New Roman" panose="02020603050405020304" pitchFamily="18" charset="0"/>
+            </a:endParaRPr>
+          </a:p>
+        </p:txBody>
+      </p:sp>
+      <p:sp>
+        <p:nvSpPr>
+          <p:cNvPr id="328" name="Rectangle 327"/>
+          <p:cNvSpPr/>
+          <p:nvPr/>
+        </p:nvSpPr>
+        <p:spPr>
+          <a:xfrm>
+            <a:off x="9741192" y="5277142"/>
+            <a:ext cx="1468018" cy="350141"/>
+          </a:xfrm>
+          <a:prstGeom prst="rect">
+            <a:avLst/>
+          </a:prstGeom>
+          <a:noFill/>
+          <a:ln>
+            <a:noFill/>
+          </a:ln>
+        </p:spPr>
+        <p:style>
+          <a:lnRef idx="2">
+            <a:schemeClr val="accent1">
+              <a:shade val="50000"/>
+            </a:schemeClr>
+          </a:lnRef>
+          <a:fillRef idx="1">
+            <a:schemeClr val="accent1"/>
+          </a:fillRef>
+          <a:effectRef idx="0">
+            <a:schemeClr val="accent1"/>
+          </a:effectRef>
+          <a:fontRef idx="minor">
+            <a:schemeClr val="lt1"/>
+          </a:fontRef>
+        </p:style>
+        <p:txBody>
+          <a:bodyPr rtlCol="0" anchor="ctr"/>
+          <a:lstStyle/>
+          <a:p>
+            <a:pPr algn="ctr"/>
+            <a:endParaRPr lang="id-ID" sz="1000">
+              <a:latin typeface="Times New Roman" panose="02020603050405020304" pitchFamily="18" charset="0"/>
+              <a:cs typeface="Times New Roman" panose="02020603050405020304" pitchFamily="18" charset="0"/>
+            </a:endParaRPr>
+          </a:p>
+        </p:txBody>
+      </p:sp>
+      <p:sp>
+        <p:nvSpPr>
+          <p:cNvPr id="329" name="Rectangle 328"/>
+          <p:cNvSpPr/>
+          <p:nvPr/>
+        </p:nvSpPr>
+        <p:spPr>
+          <a:xfrm>
+            <a:off x="366242" y="4983950"/>
+            <a:ext cx="1468018" cy="350141"/>
+          </a:xfrm>
+          <a:prstGeom prst="rect">
+            <a:avLst/>
+          </a:prstGeom>
+          <a:noFill/>
+          <a:ln>
+            <a:noFill/>
+          </a:ln>
+        </p:spPr>
+        <p:style>
+          <a:lnRef idx="2">
+            <a:schemeClr val="accent1">
+              <a:shade val="50000"/>
+            </a:schemeClr>
+          </a:lnRef>
+          <a:fillRef idx="1">
+            <a:schemeClr val="accent1"/>
+          </a:fillRef>
+          <a:effectRef idx="0">
+            <a:schemeClr val="accent1"/>
+          </a:effectRef>
+          <a:fontRef idx="minor">
+            <a:schemeClr val="lt1"/>
+          </a:fontRef>
+        </p:style>
+        <p:txBody>
+          <a:bodyPr rtlCol="0" anchor="ctr"/>
+          <a:lstStyle/>
+          <a:p>
+            <a:pPr algn="ctr"/>
+            <a:endParaRPr lang="id-ID" sz="1000">
+              <a:latin typeface="Times New Roman" panose="02020603050405020304" pitchFamily="18" charset="0"/>
+              <a:cs typeface="Times New Roman" panose="02020603050405020304" pitchFamily="18" charset="0"/>
+            </a:endParaRPr>
+          </a:p>
+        </p:txBody>
+      </p:sp>
+      <p:sp>
+        <p:nvSpPr>
+          <p:cNvPr id="330" name="Rectangle 329"/>
+          <p:cNvSpPr/>
+          <p:nvPr/>
+        </p:nvSpPr>
+        <p:spPr>
+          <a:xfrm>
+            <a:off x="1120408" y="9504915"/>
+            <a:ext cx="440667" cy="350141"/>
+          </a:xfrm>
+          <a:prstGeom prst="rect">
+            <a:avLst/>
+          </a:prstGeom>
+          <a:solidFill>
+            <a:schemeClr val="accent5">
+              <a:lumMod val="20000"/>
+              <a:lumOff val="80000"/>
+            </a:schemeClr>
+          </a:solidFill>
+          <a:ln>
+            <a:solidFill>
+              <a:schemeClr val="bg1">
+                <a:lumMod val="50000"/>
+              </a:schemeClr>
+            </a:solidFill>
+          </a:ln>
+          <a:effectLst>
+            <a:outerShdw blurRad="50800" dist="38100" dir="2700000" algn="tl" rotWithShape="0">
+              <a:prstClr val="black">
+                <a:alpha val="40000"/>
+              </a:prstClr>
+            </a:outerShdw>
+          </a:effectLst>
+        </p:spPr>
+        <p:style>
+          <a:lnRef idx="2">
+            <a:schemeClr val="accent1">
+              <a:shade val="50000"/>
+            </a:schemeClr>
+          </a:lnRef>
+          <a:fillRef idx="1">
+            <a:schemeClr val="accent1"/>
+          </a:fillRef>
+          <a:effectRef idx="0">
+            <a:schemeClr val="accent1"/>
+          </a:effectRef>
+          <a:fontRef idx="minor">
+            <a:schemeClr val="lt1"/>
+          </a:fontRef>
+        </p:style>
+        <p:txBody>
+          <a:bodyPr rtlCol="0" anchor="ctr"/>
+          <a:lstStyle/>
+          <a:p>
+            <a:pPr algn="ctr"/>
+            <a:endParaRPr lang="id-ID" sz="1000">
+              <a:latin typeface="Times New Roman" panose="02020603050405020304" pitchFamily="18" charset="0"/>
+              <a:cs typeface="Times New Roman" panose="02020603050405020304" pitchFamily="18" charset="0"/>
+            </a:endParaRPr>
+          </a:p>
+        </p:txBody>
+      </p:sp>
+      <p:sp>
+        <p:nvSpPr>
+          <p:cNvPr id="331" name="Rectangle 330"/>
+          <p:cNvSpPr/>
+          <p:nvPr/>
+        </p:nvSpPr>
+        <p:spPr>
+          <a:xfrm>
+            <a:off x="7822631" y="9528930"/>
+            <a:ext cx="440667" cy="350141"/>
+          </a:xfrm>
+          <a:prstGeom prst="rect">
+            <a:avLst/>
+          </a:prstGeom>
+          <a:solidFill>
+            <a:srgbClr val="FFFF89"/>
+          </a:solidFill>
+          <a:ln>
+            <a:solidFill>
+              <a:schemeClr val="bg1">
+                <a:lumMod val="50000"/>
+              </a:schemeClr>
+            </a:solidFill>
+          </a:ln>
+          <a:effectLst>
+            <a:outerShdw blurRad="50800" dist="38100" dir="2700000" algn="tl" rotWithShape="0">
+              <a:prstClr val="black">
+                <a:alpha val="40000"/>
+              </a:prstClr>
+            </a:outerShdw>
+          </a:effectLst>
+        </p:spPr>
+        <p:style>
+          <a:lnRef idx="2">
+            <a:schemeClr val="accent1">
+              <a:shade val="50000"/>
+            </a:schemeClr>
+          </a:lnRef>
+          <a:fillRef idx="1">
+            <a:schemeClr val="accent1"/>
+          </a:fillRef>
+          <a:effectRef idx="0">
+            <a:schemeClr val="accent1"/>
+          </a:effectRef>
+          <a:fontRef idx="minor">
+            <a:schemeClr val="lt1"/>
+          </a:fontRef>
+        </p:style>
+        <p:txBody>
+          <a:bodyPr rtlCol="0" anchor="ctr"/>
+          <a:lstStyle/>
+          <a:p>
+            <a:pPr algn="ctr"/>
+            <a:endParaRPr lang="id-ID" sz="1000">
+              <a:latin typeface="Times New Roman" panose="02020603050405020304" pitchFamily="18" charset="0"/>
+              <a:cs typeface="Times New Roman" panose="02020603050405020304" pitchFamily="18" charset="0"/>
+            </a:endParaRPr>
+          </a:p>
+        </p:txBody>
+      </p:sp>
+      <p:sp>
+        <p:nvSpPr>
+          <p:cNvPr id="332" name="Rectangle 331"/>
+          <p:cNvSpPr/>
+          <p:nvPr/>
+        </p:nvSpPr>
+        <p:spPr>
+          <a:xfrm>
+            <a:off x="3470671" y="9504915"/>
+            <a:ext cx="440667" cy="350141"/>
+          </a:xfrm>
+          <a:prstGeom prst="rect">
+            <a:avLst/>
+          </a:prstGeom>
+          <a:noFill/>
+          <a:ln>
+            <a:solidFill>
+              <a:schemeClr val="bg1">
+                <a:lumMod val="50000"/>
+              </a:schemeClr>
+            </a:solidFill>
+          </a:ln>
+          <a:effectLst/>
+        </p:spPr>
+        <p:style>
+          <a:lnRef idx="2">
+            <a:schemeClr val="accent1">
+              <a:shade val="50000"/>
+            </a:schemeClr>
+          </a:lnRef>
+          <a:fillRef idx="1">
+            <a:schemeClr val="accent1"/>
+          </a:fillRef>
+          <a:effectRef idx="0">
+            <a:schemeClr val="accent1"/>
+          </a:effectRef>
+          <a:fontRef idx="minor">
+            <a:schemeClr val="lt1"/>
+          </a:fontRef>
+        </p:style>
+        <p:txBody>
+          <a:bodyPr rtlCol="0" anchor="ctr"/>
+          <a:lstStyle/>
+          <a:p>
+            <a:pPr algn="ctr"/>
+            <a:endParaRPr lang="id-ID" sz="1000">
+              <a:latin typeface="Times New Roman" panose="02020603050405020304" pitchFamily="18" charset="0"/>
+              <a:cs typeface="Times New Roman" panose="02020603050405020304" pitchFamily="18" charset="0"/>
+            </a:endParaRPr>
+          </a:p>
+        </p:txBody>
+      </p:sp>
+      <p:sp>
+        <p:nvSpPr>
+          <p:cNvPr id="333" name="Rectangle 332"/>
+          <p:cNvSpPr/>
+          <p:nvPr/>
+        </p:nvSpPr>
+        <p:spPr>
+          <a:xfrm>
+            <a:off x="5623943" y="9504915"/>
+            <a:ext cx="440667" cy="350141"/>
+          </a:xfrm>
+          <a:prstGeom prst="rect">
+            <a:avLst/>
+          </a:prstGeom>
+          <a:noFill/>
+          <a:ln>
+            <a:solidFill>
+              <a:schemeClr val="bg1">
+                <a:lumMod val="50000"/>
+              </a:schemeClr>
+            </a:solidFill>
+            <a:prstDash val="dash"/>
+          </a:ln>
+          <a:effectLst/>
+        </p:spPr>
+        <p:style>
+          <a:lnRef idx="2">
+            <a:schemeClr val="accent1">
+              <a:shade val="50000"/>
+            </a:schemeClr>
+          </a:lnRef>
+          <a:fillRef idx="1">
+            <a:schemeClr val="accent1"/>
+          </a:fillRef>
+          <a:effectRef idx="0">
+            <a:schemeClr val="accent1"/>
+          </a:effectRef>
+          <a:fontRef idx="minor">
+            <a:schemeClr val="lt1"/>
+          </a:fontRef>
+        </p:style>
+        <p:txBody>
+          <a:bodyPr rtlCol="0" anchor="ctr"/>
+          <a:lstStyle/>
+          <a:p>
+            <a:pPr algn="ctr"/>
+            <a:endParaRPr lang="id-ID" sz="1000">
+              <a:latin typeface="Times New Roman" panose="02020603050405020304" pitchFamily="18" charset="0"/>
+              <a:cs typeface="Times New Roman" panose="02020603050405020304" pitchFamily="18" charset="0"/>
+            </a:endParaRPr>
+          </a:p>
+        </p:txBody>
+      </p:sp>
+      <p:sp>
+        <p:nvSpPr>
+          <p:cNvPr id="334" name="Rectangle 333"/>
+          <p:cNvSpPr/>
+          <p:nvPr/>
+        </p:nvSpPr>
+        <p:spPr>
+          <a:xfrm>
+            <a:off x="1120408" y="10088761"/>
+            <a:ext cx="440667" cy="350141"/>
+          </a:xfrm>
+          <a:prstGeom prst="rect">
+            <a:avLst/>
+          </a:prstGeom>
+          <a:solidFill>
+            <a:schemeClr val="accent4">
+              <a:lumMod val="40000"/>
+              <a:lumOff val="60000"/>
+            </a:schemeClr>
+          </a:solidFill>
+          <a:ln>
+            <a:solidFill>
+              <a:schemeClr val="bg1">
+                <a:lumMod val="50000"/>
+              </a:schemeClr>
+            </a:solidFill>
+          </a:ln>
+          <a:effectLst>
+            <a:outerShdw blurRad="50800" dist="38100" dir="2700000" algn="tl" rotWithShape="0">
+              <a:prstClr val="black">
+                <a:alpha val="40000"/>
+              </a:prstClr>
+            </a:outerShdw>
+          </a:effectLst>
+        </p:spPr>
+        <p:style>
+          <a:lnRef idx="2">
+            <a:schemeClr val="accent1">
+              <a:shade val="50000"/>
+            </a:schemeClr>
+          </a:lnRef>
+          <a:fillRef idx="1">
+            <a:schemeClr val="accent1"/>
+          </a:fillRef>
+          <a:effectRef idx="0">
+            <a:schemeClr val="accent1"/>
+          </a:effectRef>
+          <a:fontRef idx="minor">
+            <a:schemeClr val="lt1"/>
+          </a:fontRef>
+        </p:style>
+        <p:txBody>
+          <a:bodyPr rtlCol="0" anchor="ctr"/>
+          <a:lstStyle/>
+          <a:p>
+            <a:pPr algn="ctr"/>
+            <a:endParaRPr lang="id-ID" sz="1000">
+              <a:latin typeface="Times New Roman" panose="02020603050405020304" pitchFamily="18" charset="0"/>
+              <a:cs typeface="Times New Roman" panose="02020603050405020304" pitchFamily="18" charset="0"/>
+            </a:endParaRPr>
+          </a:p>
+        </p:txBody>
+      </p:sp>
+      <p:cxnSp>
+        <p:nvCxnSpPr>
+          <p:cNvPr id="335" name="Straight Arrow Connector 334"/>
+          <p:cNvCxnSpPr/>
+          <p:nvPr/>
+        </p:nvCxnSpPr>
+        <p:spPr>
+          <a:xfrm>
+            <a:off x="2906306" y="10276261"/>
+            <a:ext cx="964807" cy="0"/>
+          </a:xfrm>
+          <a:prstGeom prst="straightConnector1">
+            <a:avLst/>
+          </a:prstGeom>
+          <a:ln w="28575">
+            <a:tailEnd type="triangle"/>
+          </a:ln>
+        </p:spPr>
+        <p:style>
+          <a:lnRef idx="1">
+            <a:schemeClr val="dk1"/>
+          </a:lnRef>
+          <a:fillRef idx="0">
+            <a:schemeClr val="dk1"/>
+          </a:fillRef>
+          <a:effectRef idx="0">
+            <a:schemeClr val="dk1"/>
+          </a:effectRef>
+          <a:fontRef idx="minor">
+            <a:schemeClr val="tx1"/>
+          </a:fontRef>
+        </p:style>
+      </p:cxnSp>
+      <p:sp>
+        <p:nvSpPr>
+          <p:cNvPr id="336" name="TextBox 335"/>
+          <p:cNvSpPr txBox="1"/>
+          <p:nvPr/>
+        </p:nvSpPr>
+        <p:spPr>
+          <a:xfrm>
+            <a:off x="1701289" y="9534724"/>
+            <a:ext cx="2098304" cy="338554"/>
+          </a:xfrm>
+          <a:prstGeom prst="rect">
+            <a:avLst/>
+          </a:prstGeom>
+          <a:noFill/>
+        </p:spPr>
+        <p:txBody>
+          <a:bodyPr wrap="square" rtlCol="0">
+            <a:spAutoFit/>
+          </a:bodyPr>
+          <a:lstStyle/>
+          <a:p>
+            <a:r>
+              <a:rPr lang="en-ID" sz="1600" dirty="0" smtClean="0">
+                <a:cs typeface="Times New Roman" panose="02020603050405020304" pitchFamily="18" charset="0"/>
+              </a:rPr>
+              <a:t>Data</a:t>
+            </a:r>
+            <a:endParaRPr lang="id-ID" sz="1600" dirty="0">
+              <a:cs typeface="Times New Roman" panose="02020603050405020304" pitchFamily="18" charset="0"/>
+            </a:endParaRPr>
+          </a:p>
+        </p:txBody>
+      </p:sp>
+      <p:sp>
+        <p:nvSpPr>
+          <p:cNvPr id="337" name="TextBox 336"/>
+          <p:cNvSpPr txBox="1"/>
+          <p:nvPr/>
+        </p:nvSpPr>
+        <p:spPr>
+          <a:xfrm>
+            <a:off x="8333406" y="9500174"/>
+            <a:ext cx="2098304" cy="338554"/>
+          </a:xfrm>
+          <a:prstGeom prst="rect">
+            <a:avLst/>
+          </a:prstGeom>
+          <a:noFill/>
+        </p:spPr>
+        <p:txBody>
+          <a:bodyPr wrap="square" rtlCol="0">
+            <a:spAutoFit/>
+          </a:bodyPr>
+          <a:lstStyle/>
+          <a:p>
+            <a:r>
+              <a:rPr lang="en-ID" sz="1600" dirty="0" smtClean="0">
+                <a:cs typeface="Times New Roman" panose="02020603050405020304" pitchFamily="18" charset="0"/>
+              </a:rPr>
+              <a:t>Proses </a:t>
+            </a:r>
+            <a:r>
+              <a:rPr lang="en-ID" sz="1600" dirty="0" err="1" smtClean="0">
+                <a:cs typeface="Times New Roman" panose="02020603050405020304" pitchFamily="18" charset="0"/>
+              </a:rPr>
+              <a:t>Pilihan</a:t>
+            </a:r>
+            <a:endParaRPr lang="id-ID" sz="1600" dirty="0">
+              <a:cs typeface="Times New Roman" panose="02020603050405020304" pitchFamily="18" charset="0"/>
+            </a:endParaRPr>
+          </a:p>
+        </p:txBody>
+      </p:sp>
+      <p:sp>
+        <p:nvSpPr>
+          <p:cNvPr id="338" name="TextBox 337"/>
+          <p:cNvSpPr txBox="1"/>
+          <p:nvPr/>
+        </p:nvSpPr>
+        <p:spPr>
+          <a:xfrm>
+            <a:off x="4051552" y="9534724"/>
+            <a:ext cx="2098304" cy="338554"/>
+          </a:xfrm>
+          <a:prstGeom prst="rect">
+            <a:avLst/>
+          </a:prstGeom>
+          <a:noFill/>
+        </p:spPr>
+        <p:txBody>
+          <a:bodyPr wrap="square" rtlCol="0">
+            <a:spAutoFit/>
+          </a:bodyPr>
+          <a:lstStyle/>
+          <a:p>
+            <a:r>
+              <a:rPr lang="en-ID" sz="1600" dirty="0" smtClean="0">
+                <a:cs typeface="Times New Roman" panose="02020603050405020304" pitchFamily="18" charset="0"/>
+              </a:rPr>
+              <a:t>Proses</a:t>
+            </a:r>
+            <a:endParaRPr lang="id-ID" sz="1600" dirty="0">
+              <a:cs typeface="Times New Roman" panose="02020603050405020304" pitchFamily="18" charset="0"/>
+            </a:endParaRPr>
+          </a:p>
+        </p:txBody>
+      </p:sp>
+      <p:sp>
+        <p:nvSpPr>
+          <p:cNvPr id="339" name="TextBox 338"/>
+          <p:cNvSpPr txBox="1"/>
+          <p:nvPr/>
+        </p:nvSpPr>
+        <p:spPr>
+          <a:xfrm>
+            <a:off x="6149856" y="9534724"/>
+            <a:ext cx="2098304" cy="338554"/>
+          </a:xfrm>
+          <a:prstGeom prst="rect">
+            <a:avLst/>
+          </a:prstGeom>
+          <a:noFill/>
+        </p:spPr>
+        <p:txBody>
+          <a:bodyPr wrap="square" rtlCol="0">
+            <a:spAutoFit/>
+          </a:bodyPr>
+          <a:lstStyle/>
+          <a:p>
+            <a:r>
+              <a:rPr lang="en-ID" sz="1600" dirty="0" err="1" smtClean="0">
+                <a:cs typeface="Times New Roman" panose="02020603050405020304" pitchFamily="18" charset="0"/>
+              </a:rPr>
+              <a:t>Kelompok</a:t>
+            </a:r>
+            <a:endParaRPr lang="id-ID" sz="1600" dirty="0">
+              <a:cs typeface="Times New Roman" panose="02020603050405020304" pitchFamily="18" charset="0"/>
+            </a:endParaRPr>
+          </a:p>
+        </p:txBody>
+      </p:sp>
+      <p:sp>
+        <p:nvSpPr>
+          <p:cNvPr id="340" name="TextBox 339"/>
+          <p:cNvSpPr txBox="1"/>
+          <p:nvPr/>
+        </p:nvSpPr>
+        <p:spPr>
+          <a:xfrm>
+            <a:off x="1701289" y="10077174"/>
+            <a:ext cx="2098304" cy="338554"/>
+          </a:xfrm>
+          <a:prstGeom prst="rect">
+            <a:avLst/>
+          </a:prstGeom>
+          <a:noFill/>
+        </p:spPr>
+        <p:txBody>
+          <a:bodyPr wrap="square" rtlCol="0">
+            <a:spAutoFit/>
+          </a:bodyPr>
+          <a:lstStyle/>
+          <a:p>
+            <a:r>
+              <a:rPr lang="en-ID" sz="1600" dirty="0" err="1" smtClean="0">
+                <a:cs typeface="Times New Roman" panose="02020603050405020304" pitchFamily="18" charset="0"/>
+              </a:rPr>
+              <a:t>Sistem</a:t>
+            </a:r>
+            <a:endParaRPr lang="id-ID" sz="1600" dirty="0">
+              <a:cs typeface="Times New Roman" panose="02020603050405020304" pitchFamily="18" charset="0"/>
+            </a:endParaRPr>
+          </a:p>
+        </p:txBody>
+      </p:sp>
+      <p:sp>
+        <p:nvSpPr>
+          <p:cNvPr id="341" name="TextBox 340"/>
+          <p:cNvSpPr txBox="1"/>
+          <p:nvPr/>
+        </p:nvSpPr>
+        <p:spPr>
+          <a:xfrm>
+            <a:off x="4037038" y="10091688"/>
+            <a:ext cx="2098304" cy="338554"/>
+          </a:xfrm>
+          <a:prstGeom prst="rect">
+            <a:avLst/>
+          </a:prstGeom>
+          <a:noFill/>
+        </p:spPr>
+        <p:txBody>
+          <a:bodyPr wrap="square" rtlCol="0">
+            <a:spAutoFit/>
+          </a:bodyPr>
+          <a:lstStyle/>
+          <a:p>
+            <a:r>
+              <a:rPr lang="en-ID" sz="1600" dirty="0" err="1" smtClean="0">
+                <a:cs typeface="Times New Roman" panose="02020603050405020304" pitchFamily="18" charset="0"/>
+              </a:rPr>
+              <a:t>Alur</a:t>
+            </a:r>
+            <a:endParaRPr lang="id-ID" sz="1600" dirty="0">
+              <a:cs typeface="Times New Roman" panose="02020603050405020304" pitchFamily="18" charset="0"/>
+            </a:endParaRPr>
+          </a:p>
+        </p:txBody>
+      </p:sp>
+      <p:sp>
+        <p:nvSpPr>
+          <p:cNvPr id="342" name="TextBox 341"/>
+          <p:cNvSpPr txBox="1"/>
+          <p:nvPr/>
+        </p:nvSpPr>
+        <p:spPr>
+          <a:xfrm>
+            <a:off x="6149856" y="10091688"/>
+            <a:ext cx="2098304" cy="338554"/>
+          </a:xfrm>
+          <a:prstGeom prst="rect">
+            <a:avLst/>
+          </a:prstGeom>
+          <a:noFill/>
+        </p:spPr>
+        <p:txBody>
+          <a:bodyPr wrap="square" rtlCol="0">
+            <a:spAutoFit/>
+          </a:bodyPr>
+          <a:lstStyle/>
+          <a:p>
+            <a:r>
+              <a:rPr lang="en-ID" sz="1600" dirty="0" err="1" smtClean="0">
+                <a:cs typeface="Times New Roman" panose="02020603050405020304" pitchFamily="18" charset="0"/>
+              </a:rPr>
+              <a:t>Keterangan</a:t>
+            </a:r>
+            <a:endParaRPr lang="id-ID" sz="1600" dirty="0">
+              <a:cs typeface="Times New Roman" panose="02020603050405020304" pitchFamily="18" charset="0"/>
+            </a:endParaRPr>
+          </a:p>
+        </p:txBody>
+      </p:sp>
+      <p:cxnSp>
+        <p:nvCxnSpPr>
+          <p:cNvPr id="343" name="Straight Arrow Connector 342"/>
+          <p:cNvCxnSpPr/>
+          <p:nvPr/>
+        </p:nvCxnSpPr>
+        <p:spPr>
+          <a:xfrm>
+            <a:off x="5141539" y="10276261"/>
+            <a:ext cx="964807" cy="0"/>
+          </a:xfrm>
+          <a:prstGeom prst="straightConnector1">
+            <a:avLst/>
+          </a:prstGeom>
+          <a:ln w="28575">
+            <a:solidFill>
+              <a:schemeClr val="accent2"/>
+            </a:solidFill>
             <a:tailEnd type="triangle"/>
           </a:ln>
         </p:spPr>
@@ -12657,6 +13700,5958 @@
     <p:extLst>
       <p:ext uri="{BB962C8B-B14F-4D97-AF65-F5344CB8AC3E}">
         <p14:creationId xmlns:p14="http://schemas.microsoft.com/office/powerpoint/2010/main" val="3053032644"/>
+      </p:ext>
+    </p:extLst>
+  </p:cSld>
+  <p:clrMapOvr>
+    <a:masterClrMapping/>
+  </p:clrMapOvr>
+</p:sld>
+</file>
+
+<file path=ppt/slides/slide4.xml><?xml version="1.0" encoding="utf-8"?>
+<p:sld xmlns:a="http://schemas.openxmlformats.org/drawingml/2006/main" xmlns:r="http://schemas.openxmlformats.org/officeDocument/2006/relationships" xmlns:p="http://schemas.openxmlformats.org/presentationml/2006/main">
+  <p:cSld>
+    <p:spTree>
+      <p:nvGrpSpPr>
+        <p:cNvPr id="1" name=""/>
+        <p:cNvGrpSpPr/>
+        <p:nvPr/>
+      </p:nvGrpSpPr>
+      <p:grpSpPr>
+        <a:xfrm>
+          <a:off x="0" y="0"/>
+          <a:ext cx="0" cy="0"/>
+          <a:chOff x="0" y="0"/>
+          <a:chExt cx="0" cy="0"/>
+        </a:xfrm>
+      </p:grpSpPr>
+      <p:sp>
+        <p:nvSpPr>
+          <p:cNvPr id="4" name="Rectangle 3"/>
+          <p:cNvSpPr/>
+          <p:nvPr/>
+        </p:nvSpPr>
+        <p:spPr>
+          <a:xfrm>
+            <a:off x="829333" y="577977"/>
+            <a:ext cx="440667" cy="350141"/>
+          </a:xfrm>
+          <a:prstGeom prst="rect">
+            <a:avLst/>
+          </a:prstGeom>
+          <a:solidFill>
+            <a:schemeClr val="accent5">
+              <a:lumMod val="20000"/>
+              <a:lumOff val="80000"/>
+            </a:schemeClr>
+          </a:solidFill>
+          <a:ln>
+            <a:solidFill>
+              <a:schemeClr val="bg1">
+                <a:lumMod val="50000"/>
+              </a:schemeClr>
+            </a:solidFill>
+          </a:ln>
+          <a:effectLst>
+            <a:outerShdw blurRad="50800" dist="38100" dir="2700000" algn="tl" rotWithShape="0">
+              <a:prstClr val="black">
+                <a:alpha val="40000"/>
+              </a:prstClr>
+            </a:outerShdw>
+          </a:effectLst>
+        </p:spPr>
+        <p:style>
+          <a:lnRef idx="2">
+            <a:schemeClr val="accent1">
+              <a:shade val="50000"/>
+            </a:schemeClr>
+          </a:lnRef>
+          <a:fillRef idx="1">
+            <a:schemeClr val="accent1"/>
+          </a:fillRef>
+          <a:effectRef idx="0">
+            <a:schemeClr val="accent1"/>
+          </a:effectRef>
+          <a:fontRef idx="minor">
+            <a:schemeClr val="lt1"/>
+          </a:fontRef>
+        </p:style>
+        <p:txBody>
+          <a:bodyPr rtlCol="0" anchor="ctr"/>
+          <a:lstStyle/>
+          <a:p>
+            <a:pPr algn="ctr"/>
+            <a:endParaRPr lang="id-ID" sz="1000">
+              <a:latin typeface="Times New Roman" panose="02020603050405020304" pitchFamily="18" charset="0"/>
+              <a:cs typeface="Times New Roman" panose="02020603050405020304" pitchFamily="18" charset="0"/>
+            </a:endParaRPr>
+          </a:p>
+        </p:txBody>
+      </p:sp>
+      <p:sp>
+        <p:nvSpPr>
+          <p:cNvPr id="5" name="Rectangle 4"/>
+          <p:cNvSpPr/>
+          <p:nvPr/>
+        </p:nvSpPr>
+        <p:spPr>
+          <a:xfrm>
+            <a:off x="8773438" y="601992"/>
+            <a:ext cx="440667" cy="350141"/>
+          </a:xfrm>
+          <a:prstGeom prst="rect">
+            <a:avLst/>
+          </a:prstGeom>
+          <a:solidFill>
+            <a:srgbClr val="FFFF89"/>
+          </a:solidFill>
+          <a:ln>
+            <a:solidFill>
+              <a:schemeClr val="bg1">
+                <a:lumMod val="50000"/>
+              </a:schemeClr>
+            </a:solidFill>
+          </a:ln>
+          <a:effectLst>
+            <a:outerShdw blurRad="50800" dist="38100" dir="2700000" algn="tl" rotWithShape="0">
+              <a:prstClr val="black">
+                <a:alpha val="40000"/>
+              </a:prstClr>
+            </a:outerShdw>
+          </a:effectLst>
+        </p:spPr>
+        <p:style>
+          <a:lnRef idx="2">
+            <a:schemeClr val="accent1">
+              <a:shade val="50000"/>
+            </a:schemeClr>
+          </a:lnRef>
+          <a:fillRef idx="1">
+            <a:schemeClr val="accent1"/>
+          </a:fillRef>
+          <a:effectRef idx="0">
+            <a:schemeClr val="accent1"/>
+          </a:effectRef>
+          <a:fontRef idx="minor">
+            <a:schemeClr val="lt1"/>
+          </a:fontRef>
+        </p:style>
+        <p:txBody>
+          <a:bodyPr rtlCol="0" anchor="ctr"/>
+          <a:lstStyle/>
+          <a:p>
+            <a:pPr algn="ctr"/>
+            <a:endParaRPr lang="id-ID" sz="1000">
+              <a:latin typeface="Times New Roman" panose="02020603050405020304" pitchFamily="18" charset="0"/>
+              <a:cs typeface="Times New Roman" panose="02020603050405020304" pitchFamily="18" charset="0"/>
+            </a:endParaRPr>
+          </a:p>
+        </p:txBody>
+      </p:sp>
+      <p:sp>
+        <p:nvSpPr>
+          <p:cNvPr id="6" name="Rectangle 5"/>
+          <p:cNvSpPr/>
+          <p:nvPr/>
+        </p:nvSpPr>
+        <p:spPr>
+          <a:xfrm>
+            <a:off x="3648733" y="577977"/>
+            <a:ext cx="440667" cy="350141"/>
+          </a:xfrm>
+          <a:prstGeom prst="rect">
+            <a:avLst/>
+          </a:prstGeom>
+          <a:noFill/>
+          <a:ln>
+            <a:solidFill>
+              <a:schemeClr val="bg1">
+                <a:lumMod val="50000"/>
+              </a:schemeClr>
+            </a:solidFill>
+          </a:ln>
+          <a:effectLst/>
+        </p:spPr>
+        <p:style>
+          <a:lnRef idx="2">
+            <a:schemeClr val="accent1">
+              <a:shade val="50000"/>
+            </a:schemeClr>
+          </a:lnRef>
+          <a:fillRef idx="1">
+            <a:schemeClr val="accent1"/>
+          </a:fillRef>
+          <a:effectRef idx="0">
+            <a:schemeClr val="accent1"/>
+          </a:effectRef>
+          <a:fontRef idx="minor">
+            <a:schemeClr val="lt1"/>
+          </a:fontRef>
+        </p:style>
+        <p:txBody>
+          <a:bodyPr rtlCol="0" anchor="ctr"/>
+          <a:lstStyle/>
+          <a:p>
+            <a:pPr algn="ctr"/>
+            <a:endParaRPr lang="id-ID" sz="1000">
+              <a:latin typeface="Times New Roman" panose="02020603050405020304" pitchFamily="18" charset="0"/>
+              <a:cs typeface="Times New Roman" panose="02020603050405020304" pitchFamily="18" charset="0"/>
+            </a:endParaRPr>
+          </a:p>
+        </p:txBody>
+      </p:sp>
+      <p:sp>
+        <p:nvSpPr>
+          <p:cNvPr id="10" name="Rectangle 9"/>
+          <p:cNvSpPr/>
+          <p:nvPr/>
+        </p:nvSpPr>
+        <p:spPr>
+          <a:xfrm>
+            <a:off x="6149221" y="577977"/>
+            <a:ext cx="440667" cy="350141"/>
+          </a:xfrm>
+          <a:prstGeom prst="rect">
+            <a:avLst/>
+          </a:prstGeom>
+          <a:noFill/>
+          <a:ln>
+            <a:solidFill>
+              <a:schemeClr val="bg1">
+                <a:lumMod val="50000"/>
+              </a:schemeClr>
+            </a:solidFill>
+            <a:prstDash val="dash"/>
+          </a:ln>
+          <a:effectLst/>
+        </p:spPr>
+        <p:style>
+          <a:lnRef idx="2">
+            <a:schemeClr val="accent1">
+              <a:shade val="50000"/>
+            </a:schemeClr>
+          </a:lnRef>
+          <a:fillRef idx="1">
+            <a:schemeClr val="accent1"/>
+          </a:fillRef>
+          <a:effectRef idx="0">
+            <a:schemeClr val="accent1"/>
+          </a:effectRef>
+          <a:fontRef idx="minor">
+            <a:schemeClr val="lt1"/>
+          </a:fontRef>
+        </p:style>
+        <p:txBody>
+          <a:bodyPr rtlCol="0" anchor="ctr"/>
+          <a:lstStyle/>
+          <a:p>
+            <a:pPr algn="ctr"/>
+            <a:endParaRPr lang="id-ID" sz="1000">
+              <a:latin typeface="Times New Roman" panose="02020603050405020304" pitchFamily="18" charset="0"/>
+              <a:cs typeface="Times New Roman" panose="02020603050405020304" pitchFamily="18" charset="0"/>
+            </a:endParaRPr>
+          </a:p>
+        </p:txBody>
+      </p:sp>
+      <p:sp>
+        <p:nvSpPr>
+          <p:cNvPr id="11" name="Rectangle 10"/>
+          <p:cNvSpPr/>
+          <p:nvPr/>
+        </p:nvSpPr>
+        <p:spPr>
+          <a:xfrm>
+            <a:off x="829333" y="1161823"/>
+            <a:ext cx="440667" cy="350141"/>
+          </a:xfrm>
+          <a:prstGeom prst="rect">
+            <a:avLst/>
+          </a:prstGeom>
+          <a:solidFill>
+            <a:schemeClr val="accent4">
+              <a:lumMod val="40000"/>
+              <a:lumOff val="60000"/>
+            </a:schemeClr>
+          </a:solidFill>
+          <a:ln>
+            <a:solidFill>
+              <a:schemeClr val="bg1">
+                <a:lumMod val="50000"/>
+              </a:schemeClr>
+            </a:solidFill>
+          </a:ln>
+          <a:effectLst>
+            <a:outerShdw blurRad="50800" dist="38100" dir="2700000" algn="tl" rotWithShape="0">
+              <a:prstClr val="black">
+                <a:alpha val="40000"/>
+              </a:prstClr>
+            </a:outerShdw>
+          </a:effectLst>
+        </p:spPr>
+        <p:style>
+          <a:lnRef idx="2">
+            <a:schemeClr val="accent1">
+              <a:shade val="50000"/>
+            </a:schemeClr>
+          </a:lnRef>
+          <a:fillRef idx="1">
+            <a:schemeClr val="accent1"/>
+          </a:fillRef>
+          <a:effectRef idx="0">
+            <a:schemeClr val="accent1"/>
+          </a:effectRef>
+          <a:fontRef idx="minor">
+            <a:schemeClr val="lt1"/>
+          </a:fontRef>
+        </p:style>
+        <p:txBody>
+          <a:bodyPr rtlCol="0" anchor="ctr"/>
+          <a:lstStyle/>
+          <a:p>
+            <a:pPr algn="ctr"/>
+            <a:endParaRPr lang="id-ID" sz="1000">
+              <a:latin typeface="Times New Roman" panose="02020603050405020304" pitchFamily="18" charset="0"/>
+              <a:cs typeface="Times New Roman" panose="02020603050405020304" pitchFamily="18" charset="0"/>
+            </a:endParaRPr>
+          </a:p>
+        </p:txBody>
+      </p:sp>
+      <p:cxnSp>
+        <p:nvCxnSpPr>
+          <p:cNvPr id="14" name="Straight Arrow Connector 13"/>
+          <p:cNvCxnSpPr/>
+          <p:nvPr/>
+        </p:nvCxnSpPr>
+        <p:spPr>
+          <a:xfrm>
+            <a:off x="3084368" y="1349323"/>
+            <a:ext cx="964807" cy="0"/>
+          </a:xfrm>
+          <a:prstGeom prst="straightConnector1">
+            <a:avLst/>
+          </a:prstGeom>
+          <a:ln w="28575">
+            <a:tailEnd type="triangle"/>
+          </a:ln>
+        </p:spPr>
+        <p:style>
+          <a:lnRef idx="1">
+            <a:schemeClr val="dk1"/>
+          </a:lnRef>
+          <a:fillRef idx="0">
+            <a:schemeClr val="dk1"/>
+          </a:fillRef>
+          <a:effectRef idx="0">
+            <a:schemeClr val="dk1"/>
+          </a:effectRef>
+          <a:fontRef idx="minor">
+            <a:schemeClr val="tx1"/>
+          </a:fontRef>
+        </p:style>
+      </p:cxnSp>
+      <p:sp>
+        <p:nvSpPr>
+          <p:cNvPr id="20" name="TextBox 19"/>
+          <p:cNvSpPr txBox="1"/>
+          <p:nvPr/>
+        </p:nvSpPr>
+        <p:spPr>
+          <a:xfrm>
+            <a:off x="1410214" y="607786"/>
+            <a:ext cx="2098304" cy="338554"/>
+          </a:xfrm>
+          <a:prstGeom prst="rect">
+            <a:avLst/>
+          </a:prstGeom>
+          <a:noFill/>
+        </p:spPr>
+        <p:txBody>
+          <a:bodyPr wrap="square" rtlCol="0">
+            <a:spAutoFit/>
+          </a:bodyPr>
+          <a:lstStyle/>
+          <a:p>
+            <a:r>
+              <a:rPr lang="en-ID" sz="1600" dirty="0" smtClean="0">
+                <a:cs typeface="Times New Roman" panose="02020603050405020304" pitchFamily="18" charset="0"/>
+              </a:rPr>
+              <a:t>Data</a:t>
+            </a:r>
+            <a:endParaRPr lang="id-ID" sz="1600" dirty="0">
+              <a:cs typeface="Times New Roman" panose="02020603050405020304" pitchFamily="18" charset="0"/>
+            </a:endParaRPr>
+          </a:p>
+        </p:txBody>
+      </p:sp>
+      <p:sp>
+        <p:nvSpPr>
+          <p:cNvPr id="22" name="TextBox 21"/>
+          <p:cNvSpPr txBox="1"/>
+          <p:nvPr/>
+        </p:nvSpPr>
+        <p:spPr>
+          <a:xfrm>
+            <a:off x="9284213" y="573236"/>
+            <a:ext cx="2098304" cy="338554"/>
+          </a:xfrm>
+          <a:prstGeom prst="rect">
+            <a:avLst/>
+          </a:prstGeom>
+          <a:noFill/>
+        </p:spPr>
+        <p:txBody>
+          <a:bodyPr wrap="square" rtlCol="0">
+            <a:spAutoFit/>
+          </a:bodyPr>
+          <a:lstStyle/>
+          <a:p>
+            <a:r>
+              <a:rPr lang="en-ID" sz="1600" dirty="0" smtClean="0">
+                <a:cs typeface="Times New Roman" panose="02020603050405020304" pitchFamily="18" charset="0"/>
+              </a:rPr>
+              <a:t>Proses </a:t>
+            </a:r>
+            <a:r>
+              <a:rPr lang="en-ID" sz="1600" dirty="0" err="1" smtClean="0">
+                <a:cs typeface="Times New Roman" panose="02020603050405020304" pitchFamily="18" charset="0"/>
+              </a:rPr>
+              <a:t>Pilihan</a:t>
+            </a:r>
+            <a:endParaRPr lang="id-ID" sz="1600" dirty="0">
+              <a:cs typeface="Times New Roman" panose="02020603050405020304" pitchFamily="18" charset="0"/>
+            </a:endParaRPr>
+          </a:p>
+        </p:txBody>
+      </p:sp>
+      <p:sp>
+        <p:nvSpPr>
+          <p:cNvPr id="23" name="TextBox 22"/>
+          <p:cNvSpPr txBox="1"/>
+          <p:nvPr/>
+        </p:nvSpPr>
+        <p:spPr>
+          <a:xfrm>
+            <a:off x="4229614" y="607786"/>
+            <a:ext cx="2098304" cy="338554"/>
+          </a:xfrm>
+          <a:prstGeom prst="rect">
+            <a:avLst/>
+          </a:prstGeom>
+          <a:noFill/>
+        </p:spPr>
+        <p:txBody>
+          <a:bodyPr wrap="square" rtlCol="0">
+            <a:spAutoFit/>
+          </a:bodyPr>
+          <a:lstStyle/>
+          <a:p>
+            <a:r>
+              <a:rPr lang="en-ID" sz="1600" dirty="0" smtClean="0">
+                <a:cs typeface="Times New Roman" panose="02020603050405020304" pitchFamily="18" charset="0"/>
+              </a:rPr>
+              <a:t>Proses</a:t>
+            </a:r>
+            <a:endParaRPr lang="id-ID" sz="1600" dirty="0">
+              <a:cs typeface="Times New Roman" panose="02020603050405020304" pitchFamily="18" charset="0"/>
+            </a:endParaRPr>
+          </a:p>
+        </p:txBody>
+      </p:sp>
+      <p:sp>
+        <p:nvSpPr>
+          <p:cNvPr id="24" name="TextBox 23"/>
+          <p:cNvSpPr txBox="1"/>
+          <p:nvPr/>
+        </p:nvSpPr>
+        <p:spPr>
+          <a:xfrm>
+            <a:off x="6675134" y="607786"/>
+            <a:ext cx="2098304" cy="338554"/>
+          </a:xfrm>
+          <a:prstGeom prst="rect">
+            <a:avLst/>
+          </a:prstGeom>
+          <a:noFill/>
+        </p:spPr>
+        <p:txBody>
+          <a:bodyPr wrap="square" rtlCol="0">
+            <a:spAutoFit/>
+          </a:bodyPr>
+          <a:lstStyle/>
+          <a:p>
+            <a:r>
+              <a:rPr lang="en-ID" sz="1600" dirty="0" err="1" smtClean="0">
+                <a:cs typeface="Times New Roman" panose="02020603050405020304" pitchFamily="18" charset="0"/>
+              </a:rPr>
+              <a:t>Kelompok</a:t>
+            </a:r>
+            <a:endParaRPr lang="id-ID" sz="1600" dirty="0">
+              <a:cs typeface="Times New Roman" panose="02020603050405020304" pitchFamily="18" charset="0"/>
+            </a:endParaRPr>
+          </a:p>
+        </p:txBody>
+      </p:sp>
+      <p:sp>
+        <p:nvSpPr>
+          <p:cNvPr id="25" name="TextBox 24"/>
+          <p:cNvSpPr txBox="1"/>
+          <p:nvPr/>
+        </p:nvSpPr>
+        <p:spPr>
+          <a:xfrm>
+            <a:off x="1410214" y="1150236"/>
+            <a:ext cx="2098304" cy="338554"/>
+          </a:xfrm>
+          <a:prstGeom prst="rect">
+            <a:avLst/>
+          </a:prstGeom>
+          <a:noFill/>
+        </p:spPr>
+        <p:txBody>
+          <a:bodyPr wrap="square" rtlCol="0">
+            <a:spAutoFit/>
+          </a:bodyPr>
+          <a:lstStyle/>
+          <a:p>
+            <a:r>
+              <a:rPr lang="en-ID" sz="1600" dirty="0" err="1" smtClean="0">
+                <a:cs typeface="Times New Roman" panose="02020603050405020304" pitchFamily="18" charset="0"/>
+              </a:rPr>
+              <a:t>Sistem</a:t>
+            </a:r>
+            <a:endParaRPr lang="id-ID" sz="1600" dirty="0">
+              <a:cs typeface="Times New Roman" panose="02020603050405020304" pitchFamily="18" charset="0"/>
+            </a:endParaRPr>
+          </a:p>
+        </p:txBody>
+      </p:sp>
+      <p:sp>
+        <p:nvSpPr>
+          <p:cNvPr id="27" name="TextBox 26"/>
+          <p:cNvSpPr txBox="1"/>
+          <p:nvPr/>
+        </p:nvSpPr>
+        <p:spPr>
+          <a:xfrm>
+            <a:off x="4215100" y="1164750"/>
+            <a:ext cx="2098304" cy="338554"/>
+          </a:xfrm>
+          <a:prstGeom prst="rect">
+            <a:avLst/>
+          </a:prstGeom>
+          <a:noFill/>
+        </p:spPr>
+        <p:txBody>
+          <a:bodyPr wrap="square" rtlCol="0">
+            <a:spAutoFit/>
+          </a:bodyPr>
+          <a:lstStyle/>
+          <a:p>
+            <a:r>
+              <a:rPr lang="en-ID" sz="1600" dirty="0" err="1" smtClean="0">
+                <a:cs typeface="Times New Roman" panose="02020603050405020304" pitchFamily="18" charset="0"/>
+              </a:rPr>
+              <a:t>Alur</a:t>
+            </a:r>
+            <a:endParaRPr lang="id-ID" sz="1600" dirty="0">
+              <a:cs typeface="Times New Roman" panose="02020603050405020304" pitchFamily="18" charset="0"/>
+            </a:endParaRPr>
+          </a:p>
+        </p:txBody>
+      </p:sp>
+      <p:sp>
+        <p:nvSpPr>
+          <p:cNvPr id="28" name="TextBox 27"/>
+          <p:cNvSpPr txBox="1"/>
+          <p:nvPr/>
+        </p:nvSpPr>
+        <p:spPr>
+          <a:xfrm>
+            <a:off x="6675134" y="1164750"/>
+            <a:ext cx="2098304" cy="338554"/>
+          </a:xfrm>
+          <a:prstGeom prst="rect">
+            <a:avLst/>
+          </a:prstGeom>
+          <a:noFill/>
+        </p:spPr>
+        <p:txBody>
+          <a:bodyPr wrap="square" rtlCol="0">
+            <a:spAutoFit/>
+          </a:bodyPr>
+          <a:lstStyle/>
+          <a:p>
+            <a:r>
+              <a:rPr lang="en-ID" sz="1600" dirty="0" err="1" smtClean="0">
+                <a:cs typeface="Times New Roman" panose="02020603050405020304" pitchFamily="18" charset="0"/>
+              </a:rPr>
+              <a:t>Keterangan</a:t>
+            </a:r>
+            <a:endParaRPr lang="id-ID" sz="1600" dirty="0">
+              <a:cs typeface="Times New Roman" panose="02020603050405020304" pitchFamily="18" charset="0"/>
+            </a:endParaRPr>
+          </a:p>
+        </p:txBody>
+      </p:sp>
+      <p:cxnSp>
+        <p:nvCxnSpPr>
+          <p:cNvPr id="30" name="Straight Arrow Connector 29"/>
+          <p:cNvCxnSpPr/>
+          <p:nvPr/>
+        </p:nvCxnSpPr>
+        <p:spPr>
+          <a:xfrm>
+            <a:off x="5666817" y="1349323"/>
+            <a:ext cx="964807" cy="0"/>
+          </a:xfrm>
+          <a:prstGeom prst="straightConnector1">
+            <a:avLst/>
+          </a:prstGeom>
+          <a:ln w="28575">
+            <a:solidFill>
+              <a:schemeClr val="accent2"/>
+            </a:solidFill>
+            <a:tailEnd type="triangle"/>
+          </a:ln>
+        </p:spPr>
+        <p:style>
+          <a:lnRef idx="1">
+            <a:schemeClr val="dk1"/>
+          </a:lnRef>
+          <a:fillRef idx="0">
+            <a:schemeClr val="dk1"/>
+          </a:fillRef>
+          <a:effectRef idx="0">
+            <a:schemeClr val="dk1"/>
+          </a:effectRef>
+          <a:fontRef idx="minor">
+            <a:schemeClr val="tx1"/>
+          </a:fontRef>
+        </p:style>
+      </p:cxnSp>
+    </p:spTree>
+    <p:extLst>
+      <p:ext uri="{BB962C8B-B14F-4D97-AF65-F5344CB8AC3E}">
+        <p14:creationId xmlns:p14="http://schemas.microsoft.com/office/powerpoint/2010/main" val="3711505840"/>
+      </p:ext>
+    </p:extLst>
+  </p:cSld>
+  <p:clrMapOvr>
+    <a:masterClrMapping/>
+  </p:clrMapOvr>
+</p:sld>
+</file>
+
+<file path=ppt/slides/slide5.xml><?xml version="1.0" encoding="utf-8"?>
+<p:sld xmlns:a="http://schemas.openxmlformats.org/drawingml/2006/main" xmlns:r="http://schemas.openxmlformats.org/officeDocument/2006/relationships" xmlns:p="http://schemas.openxmlformats.org/presentationml/2006/main">
+  <p:cSld>
+    <p:spTree>
+      <p:nvGrpSpPr>
+        <p:cNvPr id="1" name=""/>
+        <p:cNvGrpSpPr/>
+        <p:nvPr/>
+      </p:nvGrpSpPr>
+      <p:grpSpPr>
+        <a:xfrm>
+          <a:off x="0" y="0"/>
+          <a:ext cx="0" cy="0"/>
+          <a:chOff x="0" y="0"/>
+          <a:chExt cx="0" cy="0"/>
+        </a:xfrm>
+      </p:grpSpPr>
+      <p:grpSp>
+        <p:nvGrpSpPr>
+          <p:cNvPr id="130" name="Group 129"/>
+          <p:cNvGrpSpPr/>
+          <p:nvPr/>
+        </p:nvGrpSpPr>
+        <p:grpSpPr>
+          <a:xfrm>
+            <a:off x="4529757" y="269533"/>
+            <a:ext cx="2110836" cy="350141"/>
+            <a:chOff x="4491825" y="385124"/>
+            <a:chExt cx="2110836" cy="350141"/>
+          </a:xfrm>
+          <a:noFill/>
+        </p:grpSpPr>
+        <p:sp>
+          <p:nvSpPr>
+            <p:cNvPr id="131" name="Rectangle 130"/>
+            <p:cNvSpPr/>
+            <p:nvPr/>
+          </p:nvSpPr>
+          <p:spPr>
+            <a:xfrm>
+              <a:off x="4491825" y="385124"/>
+              <a:ext cx="2104570" cy="350141"/>
+            </a:xfrm>
+            <a:prstGeom prst="rect">
+              <a:avLst/>
+            </a:prstGeom>
+            <a:grpFill/>
+            <a:ln>
+              <a:solidFill>
+                <a:schemeClr val="bg1">
+                  <a:lumMod val="50000"/>
+                </a:schemeClr>
+              </a:solidFill>
+            </a:ln>
+          </p:spPr>
+          <p:style>
+            <a:lnRef idx="2">
+              <a:schemeClr val="accent1">
+                <a:shade val="50000"/>
+              </a:schemeClr>
+            </a:lnRef>
+            <a:fillRef idx="1">
+              <a:schemeClr val="accent1"/>
+            </a:fillRef>
+            <a:effectRef idx="0">
+              <a:schemeClr val="accent1"/>
+            </a:effectRef>
+            <a:fontRef idx="minor">
+              <a:schemeClr val="lt1"/>
+            </a:fontRef>
+          </p:style>
+          <p:txBody>
+            <a:bodyPr rtlCol="0" anchor="ctr"/>
+            <a:lstStyle/>
+            <a:p>
+              <a:pPr algn="ctr"/>
+              <a:endParaRPr lang="id-ID" sz="1000">
+                <a:latin typeface="Times New Roman" panose="02020603050405020304" pitchFamily="18" charset="0"/>
+                <a:cs typeface="Times New Roman" panose="02020603050405020304" pitchFamily="18" charset="0"/>
+              </a:endParaRPr>
+            </a:p>
+          </p:txBody>
+        </p:sp>
+        <p:sp>
+          <p:nvSpPr>
+            <p:cNvPr id="132" name="TextBox 131"/>
+            <p:cNvSpPr txBox="1"/>
+            <p:nvPr/>
+          </p:nvSpPr>
+          <p:spPr>
+            <a:xfrm>
+              <a:off x="4504357" y="434170"/>
+              <a:ext cx="2098304" cy="253916"/>
+            </a:xfrm>
+            <a:prstGeom prst="rect">
+              <a:avLst/>
+            </a:prstGeom>
+            <a:grpFill/>
+          </p:spPr>
+          <p:txBody>
+            <a:bodyPr wrap="square" rtlCol="0">
+              <a:spAutoFit/>
+            </a:bodyPr>
+            <a:lstStyle/>
+            <a:p>
+              <a:pPr algn="ctr"/>
+              <a:r>
+                <a:rPr lang="en-ID" sz="1000" b="1" dirty="0" smtClean="0">
+                  <a:cs typeface="Times New Roman" panose="02020603050405020304" pitchFamily="18" charset="0"/>
+                </a:rPr>
+                <a:t>DATASET</a:t>
+              </a:r>
+              <a:endParaRPr lang="id-ID" sz="1000" b="1" dirty="0">
+                <a:cs typeface="Times New Roman" panose="02020603050405020304" pitchFamily="18" charset="0"/>
+              </a:endParaRPr>
+            </a:p>
+          </p:txBody>
+        </p:sp>
+      </p:grpSp>
+      <p:grpSp>
+        <p:nvGrpSpPr>
+          <p:cNvPr id="133" name="Group 132"/>
+          <p:cNvGrpSpPr/>
+          <p:nvPr/>
+        </p:nvGrpSpPr>
+        <p:grpSpPr>
+          <a:xfrm>
+            <a:off x="4533560" y="967652"/>
+            <a:ext cx="2091074" cy="7223848"/>
+            <a:chOff x="4529925" y="950609"/>
+            <a:chExt cx="2098304" cy="5695776"/>
+          </a:xfrm>
+          <a:noFill/>
+        </p:grpSpPr>
+        <p:sp>
+          <p:nvSpPr>
+            <p:cNvPr id="134" name="Rectangle 133"/>
+            <p:cNvSpPr/>
+            <p:nvPr/>
+          </p:nvSpPr>
+          <p:spPr>
+            <a:xfrm>
+              <a:off x="4730395" y="950609"/>
+              <a:ext cx="1702919" cy="5695776"/>
+            </a:xfrm>
+            <a:prstGeom prst="rect">
+              <a:avLst/>
+            </a:prstGeom>
+            <a:grpFill/>
+            <a:ln>
+              <a:solidFill>
+                <a:schemeClr val="bg1">
+                  <a:lumMod val="50000"/>
+                </a:schemeClr>
+              </a:solidFill>
+              <a:prstDash val="dash"/>
+            </a:ln>
+          </p:spPr>
+          <p:style>
+            <a:lnRef idx="2">
+              <a:schemeClr val="accent1">
+                <a:shade val="50000"/>
+              </a:schemeClr>
+            </a:lnRef>
+            <a:fillRef idx="1">
+              <a:schemeClr val="accent1"/>
+            </a:fillRef>
+            <a:effectRef idx="0">
+              <a:schemeClr val="accent1"/>
+            </a:effectRef>
+            <a:fontRef idx="minor">
+              <a:schemeClr val="lt1"/>
+            </a:fontRef>
+          </p:style>
+          <p:txBody>
+            <a:bodyPr rtlCol="0" anchor="ctr"/>
+            <a:lstStyle/>
+            <a:p>
+              <a:pPr algn="ctr"/>
+              <a:endParaRPr lang="id-ID" sz="1000">
+                <a:latin typeface="Times New Roman" panose="02020603050405020304" pitchFamily="18" charset="0"/>
+                <a:cs typeface="Times New Roman" panose="02020603050405020304" pitchFamily="18" charset="0"/>
+              </a:endParaRPr>
+            </a:p>
+          </p:txBody>
+        </p:sp>
+        <p:sp>
+          <p:nvSpPr>
+            <p:cNvPr id="135" name="TextBox 134"/>
+            <p:cNvSpPr txBox="1"/>
+            <p:nvPr/>
+          </p:nvSpPr>
+          <p:spPr>
+            <a:xfrm>
+              <a:off x="4529925" y="1007697"/>
+              <a:ext cx="2098304" cy="253916"/>
+            </a:xfrm>
+            <a:prstGeom prst="rect">
+              <a:avLst/>
+            </a:prstGeom>
+            <a:grpFill/>
+          </p:spPr>
+          <p:txBody>
+            <a:bodyPr wrap="square" rtlCol="0">
+              <a:spAutoFit/>
+            </a:bodyPr>
+            <a:lstStyle/>
+            <a:p>
+              <a:pPr algn="ctr"/>
+              <a:r>
+                <a:rPr lang="en-ID" sz="1000" b="1" dirty="0" smtClean="0">
+                  <a:cs typeface="Times New Roman" panose="02020603050405020304" pitchFamily="18" charset="0"/>
+                </a:rPr>
+                <a:t>D2T</a:t>
+              </a:r>
+              <a:endParaRPr lang="id-ID" sz="1000" b="1" dirty="0">
+                <a:cs typeface="Times New Roman" panose="02020603050405020304" pitchFamily="18" charset="0"/>
+              </a:endParaRPr>
+            </a:p>
+          </p:txBody>
+        </p:sp>
+      </p:grpSp>
+      <p:sp>
+        <p:nvSpPr>
+          <p:cNvPr id="136" name="Rectangle 135"/>
+          <p:cNvSpPr/>
+          <p:nvPr/>
+        </p:nvSpPr>
+        <p:spPr>
+          <a:xfrm>
+            <a:off x="4842978" y="1401492"/>
+            <a:ext cx="1465478" cy="350141"/>
+          </a:xfrm>
+          <a:prstGeom prst="rect">
+            <a:avLst/>
+          </a:prstGeom>
+          <a:solidFill>
+            <a:schemeClr val="bg1"/>
+          </a:solidFill>
+          <a:ln>
+            <a:solidFill>
+              <a:schemeClr val="bg1">
+                <a:lumMod val="50000"/>
+              </a:schemeClr>
+            </a:solidFill>
+          </a:ln>
+          <a:effectLst>
+            <a:outerShdw blurRad="50800" dist="38100" dir="2700000" algn="tl" rotWithShape="0">
+              <a:prstClr val="black">
+                <a:alpha val="40000"/>
+              </a:prstClr>
+            </a:outerShdw>
+          </a:effectLst>
+        </p:spPr>
+        <p:style>
+          <a:lnRef idx="2">
+            <a:schemeClr val="accent1">
+              <a:shade val="50000"/>
+            </a:schemeClr>
+          </a:lnRef>
+          <a:fillRef idx="1">
+            <a:schemeClr val="accent1"/>
+          </a:fillRef>
+          <a:effectRef idx="0">
+            <a:schemeClr val="accent1"/>
+          </a:effectRef>
+          <a:fontRef idx="minor">
+            <a:schemeClr val="lt1"/>
+          </a:fontRef>
+        </p:style>
+        <p:txBody>
+          <a:bodyPr rtlCol="0" anchor="ctr"/>
+          <a:lstStyle/>
+          <a:p>
+            <a:pPr algn="ctr"/>
+            <a:endParaRPr lang="id-ID" sz="1000">
+              <a:latin typeface="Times New Roman" panose="02020603050405020304" pitchFamily="18" charset="0"/>
+              <a:cs typeface="Times New Roman" panose="02020603050405020304" pitchFamily="18" charset="0"/>
+            </a:endParaRPr>
+          </a:p>
+        </p:txBody>
+      </p:sp>
+      <p:sp>
+        <p:nvSpPr>
+          <p:cNvPr id="137" name="TextBox 136"/>
+          <p:cNvSpPr txBox="1"/>
+          <p:nvPr/>
+        </p:nvSpPr>
+        <p:spPr>
+          <a:xfrm>
+            <a:off x="4852854" y="1449234"/>
+            <a:ext cx="1461115" cy="253916"/>
+          </a:xfrm>
+          <a:prstGeom prst="rect">
+            <a:avLst/>
+          </a:prstGeom>
+          <a:noFill/>
+        </p:spPr>
+        <p:txBody>
+          <a:bodyPr wrap="square" rtlCol="0">
+            <a:spAutoFit/>
+          </a:bodyPr>
+          <a:lstStyle/>
+          <a:p>
+            <a:pPr algn="ctr"/>
+            <a:r>
+              <a:rPr lang="en-ID" sz="1000" dirty="0">
+                <a:cs typeface="Times New Roman" panose="02020603050405020304" pitchFamily="18" charset="0"/>
+              </a:rPr>
+              <a:t>General Data Handler</a:t>
+            </a:r>
+            <a:endParaRPr lang="id-ID" sz="1000" dirty="0">
+              <a:cs typeface="Times New Roman" panose="02020603050405020304" pitchFamily="18" charset="0"/>
+            </a:endParaRPr>
+          </a:p>
+        </p:txBody>
+      </p:sp>
+      <p:cxnSp>
+        <p:nvCxnSpPr>
+          <p:cNvPr id="138" name="Straight Arrow Connector 137"/>
+          <p:cNvCxnSpPr>
+            <a:stCxn id="131" idx="2"/>
+            <a:endCxn id="134" idx="0"/>
+          </p:cNvCxnSpPr>
+          <p:nvPr/>
+        </p:nvCxnSpPr>
+        <p:spPr>
+          <a:xfrm flipH="1">
+            <a:off x="5581865" y="619674"/>
+            <a:ext cx="177" cy="347978"/>
+          </a:xfrm>
+          <a:prstGeom prst="straightConnector1">
+            <a:avLst/>
+          </a:prstGeom>
+          <a:ln w="28575">
+            <a:tailEnd type="triangle"/>
+          </a:ln>
+        </p:spPr>
+        <p:style>
+          <a:lnRef idx="1">
+            <a:schemeClr val="dk1"/>
+          </a:lnRef>
+          <a:fillRef idx="0">
+            <a:schemeClr val="dk1"/>
+          </a:fillRef>
+          <a:effectRef idx="0">
+            <a:schemeClr val="dk1"/>
+          </a:effectRef>
+          <a:fontRef idx="minor">
+            <a:schemeClr val="tx1"/>
+          </a:fontRef>
+        </p:style>
+      </p:cxnSp>
+      <p:sp>
+        <p:nvSpPr>
+          <p:cNvPr id="139" name="Rectangle 138"/>
+          <p:cNvSpPr/>
+          <p:nvPr/>
+        </p:nvSpPr>
+        <p:spPr>
+          <a:xfrm>
+            <a:off x="1129635" y="965969"/>
+            <a:ext cx="3281819" cy="4141143"/>
+          </a:xfrm>
+          <a:prstGeom prst="rect">
+            <a:avLst/>
+          </a:prstGeom>
+          <a:noFill/>
+          <a:ln>
+            <a:solidFill>
+              <a:schemeClr val="bg1">
+                <a:lumMod val="50000"/>
+              </a:schemeClr>
+            </a:solidFill>
+          </a:ln>
+        </p:spPr>
+        <p:style>
+          <a:lnRef idx="2">
+            <a:schemeClr val="accent1">
+              <a:shade val="50000"/>
+            </a:schemeClr>
+          </a:lnRef>
+          <a:fillRef idx="1">
+            <a:schemeClr val="accent1"/>
+          </a:fillRef>
+          <a:effectRef idx="0">
+            <a:schemeClr val="accent1"/>
+          </a:effectRef>
+          <a:fontRef idx="minor">
+            <a:schemeClr val="lt1"/>
+          </a:fontRef>
+        </p:style>
+        <p:txBody>
+          <a:bodyPr rtlCol="0" anchor="ctr"/>
+          <a:lstStyle/>
+          <a:p>
+            <a:pPr algn="ctr"/>
+            <a:endParaRPr lang="id-ID" sz="1000">
+              <a:latin typeface="Times New Roman" panose="02020603050405020304" pitchFamily="18" charset="0"/>
+              <a:cs typeface="Times New Roman" panose="02020603050405020304" pitchFamily="18" charset="0"/>
+            </a:endParaRPr>
+          </a:p>
+        </p:txBody>
+      </p:sp>
+      <p:sp>
+        <p:nvSpPr>
+          <p:cNvPr id="140" name="TextBox 139"/>
+          <p:cNvSpPr txBox="1"/>
+          <p:nvPr/>
+        </p:nvSpPr>
+        <p:spPr>
+          <a:xfrm>
+            <a:off x="1677525" y="983013"/>
+            <a:ext cx="2098304" cy="253916"/>
+          </a:xfrm>
+          <a:prstGeom prst="rect">
+            <a:avLst/>
+          </a:prstGeom>
+          <a:noFill/>
+        </p:spPr>
+        <p:txBody>
+          <a:bodyPr wrap="square" rtlCol="0">
+            <a:spAutoFit/>
+          </a:bodyPr>
+          <a:lstStyle/>
+          <a:p>
+            <a:pPr algn="ctr"/>
+            <a:r>
+              <a:rPr lang="en-ID" sz="1000" dirty="0" smtClean="0">
+                <a:cs typeface="Times New Roman" panose="02020603050405020304" pitchFamily="18" charset="0"/>
+              </a:rPr>
+              <a:t>General Data Handler</a:t>
+            </a:r>
+            <a:endParaRPr lang="id-ID" sz="1000" dirty="0">
+              <a:cs typeface="Times New Roman" panose="02020603050405020304" pitchFamily="18" charset="0"/>
+            </a:endParaRPr>
+          </a:p>
+        </p:txBody>
+      </p:sp>
+      <p:sp>
+        <p:nvSpPr>
+          <p:cNvPr id="141" name="Rectangle 140"/>
+          <p:cNvSpPr/>
+          <p:nvPr/>
+        </p:nvSpPr>
+        <p:spPr>
+          <a:xfrm>
+            <a:off x="2028177" y="1415120"/>
+            <a:ext cx="1397000" cy="350141"/>
+          </a:xfrm>
+          <a:prstGeom prst="rect">
+            <a:avLst/>
+          </a:prstGeom>
+          <a:noFill/>
+          <a:ln>
+            <a:solidFill>
+              <a:schemeClr val="bg1">
+                <a:lumMod val="50000"/>
+              </a:schemeClr>
+            </a:solidFill>
+          </a:ln>
+        </p:spPr>
+        <p:style>
+          <a:lnRef idx="2">
+            <a:schemeClr val="accent1">
+              <a:shade val="50000"/>
+            </a:schemeClr>
+          </a:lnRef>
+          <a:fillRef idx="1">
+            <a:schemeClr val="accent1"/>
+          </a:fillRef>
+          <a:effectRef idx="0">
+            <a:schemeClr val="accent1"/>
+          </a:effectRef>
+          <a:fontRef idx="minor">
+            <a:schemeClr val="lt1"/>
+          </a:fontRef>
+        </p:style>
+        <p:txBody>
+          <a:bodyPr rtlCol="0" anchor="ctr"/>
+          <a:lstStyle/>
+          <a:p>
+            <a:pPr algn="ctr"/>
+            <a:endParaRPr lang="id-ID" sz="1000">
+              <a:latin typeface="Times New Roman" panose="02020603050405020304" pitchFamily="18" charset="0"/>
+              <a:cs typeface="Times New Roman" panose="02020603050405020304" pitchFamily="18" charset="0"/>
+            </a:endParaRPr>
+          </a:p>
+        </p:txBody>
+      </p:sp>
+      <p:sp>
+        <p:nvSpPr>
+          <p:cNvPr id="142" name="TextBox 141"/>
+          <p:cNvSpPr txBox="1"/>
+          <p:nvPr/>
+        </p:nvSpPr>
+        <p:spPr>
+          <a:xfrm>
+            <a:off x="1683039" y="1470742"/>
+            <a:ext cx="2098304" cy="253916"/>
+          </a:xfrm>
+          <a:prstGeom prst="rect">
+            <a:avLst/>
+          </a:prstGeom>
+          <a:noFill/>
+        </p:spPr>
+        <p:txBody>
+          <a:bodyPr wrap="square" rtlCol="0">
+            <a:spAutoFit/>
+          </a:bodyPr>
+          <a:lstStyle/>
+          <a:p>
+            <a:pPr algn="ctr"/>
+            <a:r>
+              <a:rPr lang="en-ID" sz="1000" dirty="0" smtClean="0">
+                <a:cs typeface="Times New Roman" panose="02020603050405020304" pitchFamily="18" charset="0"/>
+              </a:rPr>
+              <a:t>Header Detection</a:t>
+            </a:r>
+            <a:endParaRPr lang="id-ID" sz="1000" dirty="0">
+              <a:cs typeface="Times New Roman" panose="02020603050405020304" pitchFamily="18" charset="0"/>
+            </a:endParaRPr>
+          </a:p>
+        </p:txBody>
+      </p:sp>
+      <p:sp>
+        <p:nvSpPr>
+          <p:cNvPr id="143" name="Rectangle 142"/>
+          <p:cNvSpPr/>
+          <p:nvPr/>
+        </p:nvSpPr>
+        <p:spPr>
+          <a:xfrm>
+            <a:off x="2752028" y="2054774"/>
+            <a:ext cx="1550345" cy="1046688"/>
+          </a:xfrm>
+          <a:prstGeom prst="rect">
+            <a:avLst/>
+          </a:prstGeom>
+          <a:noFill/>
+          <a:ln>
+            <a:solidFill>
+              <a:schemeClr val="bg1">
+                <a:lumMod val="50000"/>
+              </a:schemeClr>
+            </a:solidFill>
+          </a:ln>
+        </p:spPr>
+        <p:style>
+          <a:lnRef idx="2">
+            <a:schemeClr val="accent1">
+              <a:shade val="50000"/>
+            </a:schemeClr>
+          </a:lnRef>
+          <a:fillRef idx="1">
+            <a:schemeClr val="accent1"/>
+          </a:fillRef>
+          <a:effectRef idx="0">
+            <a:schemeClr val="accent1"/>
+          </a:effectRef>
+          <a:fontRef idx="minor">
+            <a:schemeClr val="lt1"/>
+          </a:fontRef>
+        </p:style>
+        <p:txBody>
+          <a:bodyPr rtlCol="0" anchor="ctr"/>
+          <a:lstStyle/>
+          <a:p>
+            <a:pPr algn="ctr"/>
+            <a:endParaRPr lang="id-ID" sz="1000">
+              <a:latin typeface="Times New Roman" panose="02020603050405020304" pitchFamily="18" charset="0"/>
+              <a:cs typeface="Times New Roman" panose="02020603050405020304" pitchFamily="18" charset="0"/>
+            </a:endParaRPr>
+          </a:p>
+        </p:txBody>
+      </p:sp>
+      <p:sp>
+        <p:nvSpPr>
+          <p:cNvPr id="144" name="Rectangle 143"/>
+          <p:cNvSpPr/>
+          <p:nvPr/>
+        </p:nvSpPr>
+        <p:spPr>
+          <a:xfrm>
+            <a:off x="1248433" y="2063877"/>
+            <a:ext cx="1397000" cy="350141"/>
+          </a:xfrm>
+          <a:prstGeom prst="rect">
+            <a:avLst/>
+          </a:prstGeom>
+          <a:noFill/>
+          <a:ln>
+            <a:solidFill>
+              <a:schemeClr val="bg1">
+                <a:lumMod val="50000"/>
+              </a:schemeClr>
+            </a:solidFill>
+          </a:ln>
+        </p:spPr>
+        <p:style>
+          <a:lnRef idx="2">
+            <a:schemeClr val="accent1">
+              <a:shade val="50000"/>
+            </a:schemeClr>
+          </a:lnRef>
+          <a:fillRef idx="1">
+            <a:schemeClr val="accent1"/>
+          </a:fillRef>
+          <a:effectRef idx="0">
+            <a:schemeClr val="accent1"/>
+          </a:effectRef>
+          <a:fontRef idx="minor">
+            <a:schemeClr val="lt1"/>
+          </a:fontRef>
+        </p:style>
+        <p:txBody>
+          <a:bodyPr rtlCol="0" anchor="ctr"/>
+          <a:lstStyle/>
+          <a:p>
+            <a:pPr algn="ctr"/>
+            <a:endParaRPr lang="id-ID" sz="1000">
+              <a:latin typeface="Times New Roman" panose="02020603050405020304" pitchFamily="18" charset="0"/>
+              <a:cs typeface="Times New Roman" panose="02020603050405020304" pitchFamily="18" charset="0"/>
+            </a:endParaRPr>
+          </a:p>
+        </p:txBody>
+      </p:sp>
+      <p:sp>
+        <p:nvSpPr>
+          <p:cNvPr id="145" name="TextBox 144"/>
+          <p:cNvSpPr txBox="1"/>
+          <p:nvPr/>
+        </p:nvSpPr>
+        <p:spPr>
+          <a:xfrm>
+            <a:off x="2818704" y="2091342"/>
+            <a:ext cx="1397000" cy="253916"/>
+          </a:xfrm>
+          <a:prstGeom prst="rect">
+            <a:avLst/>
+          </a:prstGeom>
+          <a:noFill/>
+        </p:spPr>
+        <p:txBody>
+          <a:bodyPr wrap="square" rtlCol="0">
+            <a:spAutoFit/>
+          </a:bodyPr>
+          <a:lstStyle/>
+          <a:p>
+            <a:pPr algn="ctr"/>
+            <a:r>
+              <a:rPr lang="en-ID" sz="1000" dirty="0" smtClean="0">
+                <a:cs typeface="Times New Roman" panose="02020603050405020304" pitchFamily="18" charset="0"/>
+              </a:rPr>
+              <a:t>No Header</a:t>
+            </a:r>
+          </a:p>
+        </p:txBody>
+      </p:sp>
+      <p:sp>
+        <p:nvSpPr>
+          <p:cNvPr id="146" name="Rectangle 145"/>
+          <p:cNvSpPr/>
+          <p:nvPr/>
+        </p:nvSpPr>
+        <p:spPr>
+          <a:xfrm>
+            <a:off x="2828229" y="2517682"/>
+            <a:ext cx="1397000" cy="485951"/>
+          </a:xfrm>
+          <a:prstGeom prst="rect">
+            <a:avLst/>
+          </a:prstGeom>
+          <a:noFill/>
+          <a:ln>
+            <a:solidFill>
+              <a:schemeClr val="bg1">
+                <a:lumMod val="50000"/>
+              </a:schemeClr>
+            </a:solidFill>
+            <a:prstDash val="dash"/>
+          </a:ln>
+        </p:spPr>
+        <p:style>
+          <a:lnRef idx="2">
+            <a:schemeClr val="accent1">
+              <a:shade val="50000"/>
+            </a:schemeClr>
+          </a:lnRef>
+          <a:fillRef idx="1">
+            <a:schemeClr val="accent1"/>
+          </a:fillRef>
+          <a:effectRef idx="0">
+            <a:schemeClr val="accent1"/>
+          </a:effectRef>
+          <a:fontRef idx="minor">
+            <a:schemeClr val="lt1"/>
+          </a:fontRef>
+        </p:style>
+        <p:txBody>
+          <a:bodyPr rtlCol="0" anchor="ctr"/>
+          <a:lstStyle/>
+          <a:p>
+            <a:pPr algn="ctr"/>
+            <a:endParaRPr lang="id-ID" sz="1000">
+              <a:latin typeface="Times New Roman" panose="02020603050405020304" pitchFamily="18" charset="0"/>
+              <a:cs typeface="Times New Roman" panose="02020603050405020304" pitchFamily="18" charset="0"/>
+            </a:endParaRPr>
+          </a:p>
+        </p:txBody>
+      </p:sp>
+      <p:sp>
+        <p:nvSpPr>
+          <p:cNvPr id="147" name="TextBox 146"/>
+          <p:cNvSpPr txBox="1"/>
+          <p:nvPr/>
+        </p:nvSpPr>
+        <p:spPr>
+          <a:xfrm>
+            <a:off x="2828229" y="2541969"/>
+            <a:ext cx="1397000" cy="415498"/>
+          </a:xfrm>
+          <a:prstGeom prst="rect">
+            <a:avLst/>
+          </a:prstGeom>
+          <a:noFill/>
+        </p:spPr>
+        <p:txBody>
+          <a:bodyPr wrap="square" rtlCol="0">
+            <a:spAutoFit/>
+          </a:bodyPr>
+          <a:lstStyle/>
+          <a:p>
+            <a:pPr algn="ctr"/>
+            <a:r>
+              <a:rPr lang="en-ID" sz="1000" dirty="0" smtClean="0">
+                <a:cs typeface="Times New Roman" panose="02020603050405020304" pitchFamily="18" charset="0"/>
+              </a:rPr>
+              <a:t>Create Header:</a:t>
+            </a:r>
+          </a:p>
+          <a:p>
+            <a:pPr algn="ctr"/>
+            <a:r>
+              <a:rPr lang="en-ID" sz="1000" dirty="0" smtClean="0">
+                <a:cs typeface="Times New Roman" panose="02020603050405020304" pitchFamily="18" charset="0"/>
+              </a:rPr>
+              <a:t>DateTime,v2,v3,etc</a:t>
+            </a:r>
+            <a:endParaRPr lang="id-ID" sz="1000" dirty="0">
+              <a:cs typeface="Times New Roman" panose="02020603050405020304" pitchFamily="18" charset="0"/>
+            </a:endParaRPr>
+          </a:p>
+        </p:txBody>
+      </p:sp>
+      <p:sp>
+        <p:nvSpPr>
+          <p:cNvPr id="148" name="TextBox 147"/>
+          <p:cNvSpPr txBox="1"/>
+          <p:nvPr/>
+        </p:nvSpPr>
+        <p:spPr>
+          <a:xfrm>
+            <a:off x="1258592" y="2100447"/>
+            <a:ext cx="1397000" cy="253916"/>
+          </a:xfrm>
+          <a:prstGeom prst="rect">
+            <a:avLst/>
+          </a:prstGeom>
+          <a:noFill/>
+        </p:spPr>
+        <p:txBody>
+          <a:bodyPr wrap="square" rtlCol="0">
+            <a:spAutoFit/>
+          </a:bodyPr>
+          <a:lstStyle/>
+          <a:p>
+            <a:pPr algn="ctr"/>
+            <a:r>
+              <a:rPr lang="en-ID" sz="1000" dirty="0" smtClean="0">
+                <a:cs typeface="Times New Roman" panose="02020603050405020304" pitchFamily="18" charset="0"/>
+              </a:rPr>
+              <a:t>With Header</a:t>
+            </a:r>
+          </a:p>
+        </p:txBody>
+      </p:sp>
+      <p:sp>
+        <p:nvSpPr>
+          <p:cNvPr id="149" name="Rectangle 148"/>
+          <p:cNvSpPr/>
+          <p:nvPr/>
+        </p:nvSpPr>
+        <p:spPr>
+          <a:xfrm>
+            <a:off x="1873499" y="3459253"/>
+            <a:ext cx="1551677" cy="1535676"/>
+          </a:xfrm>
+          <a:prstGeom prst="rect">
+            <a:avLst/>
+          </a:prstGeom>
+          <a:noFill/>
+          <a:ln>
+            <a:solidFill>
+              <a:schemeClr val="bg1">
+                <a:lumMod val="50000"/>
+              </a:schemeClr>
+            </a:solidFill>
+          </a:ln>
+        </p:spPr>
+        <p:style>
+          <a:lnRef idx="2">
+            <a:schemeClr val="accent1">
+              <a:shade val="50000"/>
+            </a:schemeClr>
+          </a:lnRef>
+          <a:fillRef idx="1">
+            <a:schemeClr val="accent1"/>
+          </a:fillRef>
+          <a:effectRef idx="0">
+            <a:schemeClr val="accent1"/>
+          </a:effectRef>
+          <a:fontRef idx="minor">
+            <a:schemeClr val="lt1"/>
+          </a:fontRef>
+        </p:style>
+        <p:txBody>
+          <a:bodyPr rtlCol="0" anchor="ctr"/>
+          <a:lstStyle/>
+          <a:p>
+            <a:pPr algn="ctr"/>
+            <a:endParaRPr lang="id-ID" sz="1000">
+              <a:latin typeface="Times New Roman" panose="02020603050405020304" pitchFamily="18" charset="0"/>
+              <a:cs typeface="Times New Roman" panose="02020603050405020304" pitchFamily="18" charset="0"/>
+            </a:endParaRPr>
+          </a:p>
+        </p:txBody>
+      </p:sp>
+      <p:sp>
+        <p:nvSpPr>
+          <p:cNvPr id="150" name="TextBox 149"/>
+          <p:cNvSpPr txBox="1"/>
+          <p:nvPr/>
+        </p:nvSpPr>
+        <p:spPr>
+          <a:xfrm>
+            <a:off x="1606440" y="3495826"/>
+            <a:ext cx="2098304" cy="253916"/>
+          </a:xfrm>
+          <a:prstGeom prst="rect">
+            <a:avLst/>
+          </a:prstGeom>
+          <a:noFill/>
+        </p:spPr>
+        <p:txBody>
+          <a:bodyPr wrap="square" rtlCol="0">
+            <a:spAutoFit/>
+          </a:bodyPr>
+          <a:lstStyle/>
+          <a:p>
+            <a:pPr algn="ctr"/>
+            <a:r>
+              <a:rPr lang="en-ID" sz="1000" dirty="0" smtClean="0">
+                <a:cs typeface="Times New Roman" panose="02020603050405020304" pitchFamily="18" charset="0"/>
+              </a:rPr>
+              <a:t>Parameter </a:t>
+            </a:r>
+            <a:r>
+              <a:rPr lang="en-ID" sz="1000" dirty="0" err="1" smtClean="0">
+                <a:cs typeface="Times New Roman" panose="02020603050405020304" pitchFamily="18" charset="0"/>
+              </a:rPr>
+              <a:t>Config</a:t>
+            </a:r>
+            <a:endParaRPr lang="id-ID" sz="1000" dirty="0">
+              <a:cs typeface="Times New Roman" panose="02020603050405020304" pitchFamily="18" charset="0"/>
+            </a:endParaRPr>
+          </a:p>
+        </p:txBody>
+      </p:sp>
+      <p:cxnSp>
+        <p:nvCxnSpPr>
+          <p:cNvPr id="151" name="Elbow Connector 150"/>
+          <p:cNvCxnSpPr>
+            <a:stCxn id="144" idx="2"/>
+            <a:endCxn id="149" idx="0"/>
+          </p:cNvCxnSpPr>
+          <p:nvPr/>
+        </p:nvCxnSpPr>
+        <p:spPr>
+          <a:xfrm rot="16200000" flipH="1">
+            <a:off x="1775518" y="2585432"/>
+            <a:ext cx="1045235" cy="702405"/>
+          </a:xfrm>
+          <a:prstGeom prst="bentConnector3">
+            <a:avLst/>
+          </a:prstGeom>
+          <a:ln>
+            <a:prstDash val="dash"/>
+            <a:tailEnd type="triangle"/>
+          </a:ln>
+        </p:spPr>
+        <p:style>
+          <a:lnRef idx="1">
+            <a:schemeClr val="dk1"/>
+          </a:lnRef>
+          <a:fillRef idx="0">
+            <a:schemeClr val="dk1"/>
+          </a:fillRef>
+          <a:effectRef idx="0">
+            <a:schemeClr val="dk1"/>
+          </a:effectRef>
+          <a:fontRef idx="minor">
+            <a:schemeClr val="tx1"/>
+          </a:fontRef>
+        </p:style>
+      </p:cxnSp>
+      <p:cxnSp>
+        <p:nvCxnSpPr>
+          <p:cNvPr id="152" name="Elbow Connector 151"/>
+          <p:cNvCxnSpPr>
+            <a:stCxn id="143" idx="2"/>
+            <a:endCxn id="149" idx="0"/>
+          </p:cNvCxnSpPr>
+          <p:nvPr/>
+        </p:nvCxnSpPr>
+        <p:spPr>
+          <a:xfrm rot="5400000">
+            <a:off x="2909375" y="2841426"/>
+            <a:ext cx="357791" cy="877863"/>
+          </a:xfrm>
+          <a:prstGeom prst="bentConnector3">
+            <a:avLst/>
+          </a:prstGeom>
+          <a:ln>
+            <a:prstDash val="dash"/>
+            <a:tailEnd type="triangle"/>
+          </a:ln>
+        </p:spPr>
+        <p:style>
+          <a:lnRef idx="1">
+            <a:schemeClr val="dk1"/>
+          </a:lnRef>
+          <a:fillRef idx="0">
+            <a:schemeClr val="dk1"/>
+          </a:fillRef>
+          <a:effectRef idx="0">
+            <a:schemeClr val="dk1"/>
+          </a:effectRef>
+          <a:fontRef idx="minor">
+            <a:schemeClr val="tx1"/>
+          </a:fontRef>
+        </p:style>
+      </p:cxnSp>
+      <p:sp>
+        <p:nvSpPr>
+          <p:cNvPr id="153" name="Rectangle 152"/>
+          <p:cNvSpPr/>
+          <p:nvPr/>
+        </p:nvSpPr>
+        <p:spPr>
+          <a:xfrm>
+            <a:off x="1957092" y="3855546"/>
+            <a:ext cx="1397000" cy="1073589"/>
+          </a:xfrm>
+          <a:prstGeom prst="rect">
+            <a:avLst/>
+          </a:prstGeom>
+          <a:noFill/>
+          <a:ln>
+            <a:solidFill>
+              <a:schemeClr val="bg1">
+                <a:lumMod val="50000"/>
+              </a:schemeClr>
+            </a:solidFill>
+            <a:prstDash val="dash"/>
+          </a:ln>
+        </p:spPr>
+        <p:style>
+          <a:lnRef idx="2">
+            <a:schemeClr val="accent1">
+              <a:shade val="50000"/>
+            </a:schemeClr>
+          </a:lnRef>
+          <a:fillRef idx="1">
+            <a:schemeClr val="accent1"/>
+          </a:fillRef>
+          <a:effectRef idx="0">
+            <a:schemeClr val="accent1"/>
+          </a:effectRef>
+          <a:fontRef idx="minor">
+            <a:schemeClr val="lt1"/>
+          </a:fontRef>
+        </p:style>
+        <p:txBody>
+          <a:bodyPr rtlCol="0" anchor="ctr"/>
+          <a:lstStyle/>
+          <a:p>
+            <a:pPr algn="ctr"/>
+            <a:endParaRPr lang="id-ID" sz="1000">
+              <a:latin typeface="Times New Roman" panose="02020603050405020304" pitchFamily="18" charset="0"/>
+              <a:cs typeface="Times New Roman" panose="02020603050405020304" pitchFamily="18" charset="0"/>
+            </a:endParaRPr>
+          </a:p>
+        </p:txBody>
+      </p:sp>
+      <p:sp>
+        <p:nvSpPr>
+          <p:cNvPr id="154" name="TextBox 153"/>
+          <p:cNvSpPr txBox="1"/>
+          <p:nvPr/>
+        </p:nvSpPr>
+        <p:spPr>
+          <a:xfrm>
+            <a:off x="1957092" y="3867308"/>
+            <a:ext cx="1397000" cy="1015663"/>
+          </a:xfrm>
+          <a:prstGeom prst="rect">
+            <a:avLst/>
+          </a:prstGeom>
+          <a:noFill/>
+        </p:spPr>
+        <p:txBody>
+          <a:bodyPr wrap="square" rtlCol="0">
+            <a:spAutoFit/>
+          </a:bodyPr>
+          <a:lstStyle/>
+          <a:p>
+            <a:r>
+              <a:rPr lang="en-ID" sz="1000" dirty="0" smtClean="0">
+                <a:cs typeface="Times New Roman" panose="02020603050405020304" pitchFamily="18" charset="0"/>
+              </a:rPr>
+              <a:t>-User defined </a:t>
+            </a:r>
+            <a:r>
+              <a:rPr lang="en-ID" sz="1000" dirty="0" err="1" smtClean="0">
+                <a:cs typeface="Times New Roman" panose="02020603050405020304" pitchFamily="18" charset="0"/>
+              </a:rPr>
+              <a:t>config</a:t>
+            </a:r>
+            <a:endParaRPr lang="en-ID" sz="1000" dirty="0" smtClean="0">
+              <a:cs typeface="Times New Roman" panose="02020603050405020304" pitchFamily="18" charset="0"/>
+            </a:endParaRPr>
+          </a:p>
+          <a:p>
+            <a:r>
+              <a:rPr lang="en-ID" sz="1000" dirty="0" smtClean="0">
+                <a:cs typeface="Times New Roman" panose="02020603050405020304" pitchFamily="18" charset="0"/>
+              </a:rPr>
+              <a:t>-Data Interval</a:t>
+            </a:r>
+          </a:p>
+          <a:p>
+            <a:r>
+              <a:rPr lang="en-ID" sz="1000" dirty="0" smtClean="0">
+                <a:cs typeface="Times New Roman" panose="02020603050405020304" pitchFamily="18" charset="0"/>
+              </a:rPr>
+              <a:t>-Type (numerical, categorical)</a:t>
+            </a:r>
+          </a:p>
+          <a:p>
+            <a:r>
+              <a:rPr lang="en-ID" sz="1000" dirty="0" smtClean="0">
+                <a:cs typeface="Times New Roman" panose="02020603050405020304" pitchFamily="18" charset="0"/>
+              </a:rPr>
+              <a:t>-Rule(fuzzy, range)</a:t>
+            </a:r>
+          </a:p>
+          <a:p>
+            <a:r>
+              <a:rPr lang="en-ID" sz="1000" dirty="0" smtClean="0">
+                <a:cs typeface="Times New Roman" panose="02020603050405020304" pitchFamily="18" charset="0"/>
+              </a:rPr>
+              <a:t>-Alternate (Replacer)</a:t>
+            </a:r>
+            <a:endParaRPr lang="id-ID" sz="1000" dirty="0">
+              <a:cs typeface="Times New Roman" panose="02020603050405020304" pitchFamily="18" charset="0"/>
+            </a:endParaRPr>
+          </a:p>
+        </p:txBody>
+      </p:sp>
+      <p:cxnSp>
+        <p:nvCxnSpPr>
+          <p:cNvPr id="155" name="Elbow Connector 154"/>
+          <p:cNvCxnSpPr>
+            <a:stCxn id="141" idx="2"/>
+            <a:endCxn id="143" idx="0"/>
+          </p:cNvCxnSpPr>
+          <p:nvPr/>
+        </p:nvCxnSpPr>
+        <p:spPr>
+          <a:xfrm rot="16200000" flipH="1">
+            <a:off x="2982183" y="1509755"/>
+            <a:ext cx="289513" cy="800524"/>
+          </a:xfrm>
+          <a:prstGeom prst="bentConnector3">
+            <a:avLst>
+              <a:gd name="adj1" fmla="val 50000"/>
+            </a:avLst>
+          </a:prstGeom>
+          <a:ln>
+            <a:prstDash val="dash"/>
+            <a:tailEnd type="triangle"/>
+          </a:ln>
+        </p:spPr>
+        <p:style>
+          <a:lnRef idx="1">
+            <a:schemeClr val="dk1"/>
+          </a:lnRef>
+          <a:fillRef idx="0">
+            <a:schemeClr val="dk1"/>
+          </a:fillRef>
+          <a:effectRef idx="0">
+            <a:schemeClr val="dk1"/>
+          </a:effectRef>
+          <a:fontRef idx="minor">
+            <a:schemeClr val="tx1"/>
+          </a:fontRef>
+        </p:style>
+      </p:cxnSp>
+      <p:cxnSp>
+        <p:nvCxnSpPr>
+          <p:cNvPr id="156" name="Elbow Connector 155"/>
+          <p:cNvCxnSpPr>
+            <a:stCxn id="141" idx="2"/>
+            <a:endCxn id="148" idx="0"/>
+          </p:cNvCxnSpPr>
+          <p:nvPr/>
+        </p:nvCxnSpPr>
+        <p:spPr>
+          <a:xfrm rot="5400000">
+            <a:off x="2174292" y="1548062"/>
+            <a:ext cx="335186" cy="769585"/>
+          </a:xfrm>
+          <a:prstGeom prst="bentConnector3">
+            <a:avLst>
+              <a:gd name="adj1" fmla="val 50000"/>
+            </a:avLst>
+          </a:prstGeom>
+          <a:ln>
+            <a:prstDash val="dash"/>
+            <a:tailEnd type="triangle"/>
+          </a:ln>
+        </p:spPr>
+        <p:style>
+          <a:lnRef idx="1">
+            <a:schemeClr val="dk1"/>
+          </a:lnRef>
+          <a:fillRef idx="0">
+            <a:schemeClr val="dk1"/>
+          </a:fillRef>
+          <a:effectRef idx="0">
+            <a:schemeClr val="dk1"/>
+          </a:effectRef>
+          <a:fontRef idx="minor">
+            <a:schemeClr val="tx1"/>
+          </a:fontRef>
+        </p:style>
+      </p:cxnSp>
+      <p:grpSp>
+        <p:nvGrpSpPr>
+          <p:cNvPr id="157" name="Group 156"/>
+          <p:cNvGrpSpPr/>
+          <p:nvPr/>
+        </p:nvGrpSpPr>
+        <p:grpSpPr>
+          <a:xfrm>
+            <a:off x="4840468" y="2389693"/>
+            <a:ext cx="1477258" cy="350141"/>
+            <a:chOff x="4842978" y="2160404"/>
+            <a:chExt cx="1477258" cy="350141"/>
+          </a:xfrm>
+          <a:solidFill>
+            <a:schemeClr val="bg1"/>
+          </a:solidFill>
+          <a:effectLst>
+            <a:outerShdw blurRad="50800" dist="38100" dir="2700000" algn="tl" rotWithShape="0">
+              <a:prstClr val="black">
+                <a:alpha val="40000"/>
+              </a:prstClr>
+            </a:outerShdw>
+          </a:effectLst>
+        </p:grpSpPr>
+        <p:sp>
+          <p:nvSpPr>
+            <p:cNvPr id="158" name="Rectangle 157"/>
+            <p:cNvSpPr/>
+            <p:nvPr/>
+          </p:nvSpPr>
+          <p:spPr>
+            <a:xfrm>
+              <a:off x="4842978" y="2160404"/>
+              <a:ext cx="1477258" cy="350141"/>
+            </a:xfrm>
+            <a:prstGeom prst="rect">
+              <a:avLst/>
+            </a:prstGeom>
+            <a:grpFill/>
+            <a:ln>
+              <a:solidFill>
+                <a:schemeClr val="bg1">
+                  <a:lumMod val="50000"/>
+                </a:schemeClr>
+              </a:solidFill>
+            </a:ln>
+          </p:spPr>
+          <p:style>
+            <a:lnRef idx="2">
+              <a:schemeClr val="accent1">
+                <a:shade val="50000"/>
+              </a:schemeClr>
+            </a:lnRef>
+            <a:fillRef idx="1">
+              <a:schemeClr val="accent1"/>
+            </a:fillRef>
+            <a:effectRef idx="0">
+              <a:schemeClr val="accent1"/>
+            </a:effectRef>
+            <a:fontRef idx="minor">
+              <a:schemeClr val="lt1"/>
+            </a:fontRef>
+          </p:style>
+          <p:txBody>
+            <a:bodyPr rtlCol="0" anchor="ctr"/>
+            <a:lstStyle/>
+            <a:p>
+              <a:pPr algn="ctr"/>
+              <a:endParaRPr lang="id-ID" sz="1000">
+                <a:latin typeface="Times New Roman" panose="02020603050405020304" pitchFamily="18" charset="0"/>
+                <a:cs typeface="Times New Roman" panose="02020603050405020304" pitchFamily="18" charset="0"/>
+              </a:endParaRPr>
+            </a:p>
+          </p:txBody>
+        </p:sp>
+        <p:sp>
+          <p:nvSpPr>
+            <p:cNvPr id="159" name="TextBox 158"/>
+            <p:cNvSpPr txBox="1"/>
+            <p:nvPr/>
+          </p:nvSpPr>
+          <p:spPr>
+            <a:xfrm>
+              <a:off x="4852108" y="2208146"/>
+              <a:ext cx="1461115" cy="253916"/>
+            </a:xfrm>
+            <a:prstGeom prst="rect">
+              <a:avLst/>
+            </a:prstGeom>
+            <a:grpFill/>
+          </p:spPr>
+          <p:txBody>
+            <a:bodyPr wrap="square" rtlCol="0">
+              <a:spAutoFit/>
+            </a:bodyPr>
+            <a:lstStyle/>
+            <a:p>
+              <a:pPr algn="ctr"/>
+              <a:r>
+                <a:rPr lang="en-ID" sz="1000" dirty="0" smtClean="0">
+                  <a:cs typeface="Times New Roman" panose="02020603050405020304" pitchFamily="18" charset="0"/>
+                </a:rPr>
+                <a:t>Signal Analysis</a:t>
+              </a:r>
+              <a:endParaRPr lang="id-ID" sz="1000" dirty="0">
+                <a:cs typeface="Times New Roman" panose="02020603050405020304" pitchFamily="18" charset="0"/>
+              </a:endParaRPr>
+            </a:p>
+          </p:txBody>
+        </p:sp>
+      </p:grpSp>
+      <p:sp>
+        <p:nvSpPr>
+          <p:cNvPr id="160" name="Rectangle 159"/>
+          <p:cNvSpPr/>
+          <p:nvPr/>
+        </p:nvSpPr>
+        <p:spPr>
+          <a:xfrm>
+            <a:off x="7022764" y="934687"/>
+            <a:ext cx="3435686" cy="2799693"/>
+          </a:xfrm>
+          <a:prstGeom prst="rect">
+            <a:avLst/>
+          </a:prstGeom>
+          <a:noFill/>
+          <a:ln>
+            <a:solidFill>
+              <a:schemeClr val="bg1">
+                <a:lumMod val="50000"/>
+              </a:schemeClr>
+            </a:solidFill>
+          </a:ln>
+        </p:spPr>
+        <p:style>
+          <a:lnRef idx="2">
+            <a:schemeClr val="accent1">
+              <a:shade val="50000"/>
+            </a:schemeClr>
+          </a:lnRef>
+          <a:fillRef idx="1">
+            <a:schemeClr val="accent1"/>
+          </a:fillRef>
+          <a:effectRef idx="0">
+            <a:schemeClr val="accent1"/>
+          </a:effectRef>
+          <a:fontRef idx="minor">
+            <a:schemeClr val="lt1"/>
+          </a:fontRef>
+        </p:style>
+        <p:txBody>
+          <a:bodyPr rtlCol="0" anchor="ctr"/>
+          <a:lstStyle/>
+          <a:p>
+            <a:pPr algn="ctr"/>
+            <a:endParaRPr lang="id-ID" sz="1000">
+              <a:latin typeface="Times New Roman" panose="02020603050405020304" pitchFamily="18" charset="0"/>
+              <a:cs typeface="Times New Roman" panose="02020603050405020304" pitchFamily="18" charset="0"/>
+            </a:endParaRPr>
+          </a:p>
+        </p:txBody>
+      </p:sp>
+      <p:sp>
+        <p:nvSpPr>
+          <p:cNvPr id="161" name="TextBox 160"/>
+          <p:cNvSpPr txBox="1"/>
+          <p:nvPr/>
+        </p:nvSpPr>
+        <p:spPr>
+          <a:xfrm>
+            <a:off x="7570654" y="951732"/>
+            <a:ext cx="2098304" cy="253916"/>
+          </a:xfrm>
+          <a:prstGeom prst="rect">
+            <a:avLst/>
+          </a:prstGeom>
+          <a:noFill/>
+        </p:spPr>
+        <p:txBody>
+          <a:bodyPr wrap="square" rtlCol="0">
+            <a:spAutoFit/>
+          </a:bodyPr>
+          <a:lstStyle/>
+          <a:p>
+            <a:pPr algn="ctr"/>
+            <a:r>
+              <a:rPr lang="en-ID" sz="1000" dirty="0" smtClean="0">
+                <a:cs typeface="Times New Roman" panose="02020603050405020304" pitchFamily="18" charset="0"/>
+              </a:rPr>
+              <a:t>Signal Analysis</a:t>
+            </a:r>
+            <a:endParaRPr lang="id-ID" sz="1000" dirty="0">
+              <a:cs typeface="Times New Roman" panose="02020603050405020304" pitchFamily="18" charset="0"/>
+            </a:endParaRPr>
+          </a:p>
+        </p:txBody>
+      </p:sp>
+      <p:sp>
+        <p:nvSpPr>
+          <p:cNvPr id="162" name="Rectangle 161"/>
+          <p:cNvSpPr/>
+          <p:nvPr/>
+        </p:nvSpPr>
+        <p:spPr>
+          <a:xfrm>
+            <a:off x="7140510" y="1755197"/>
+            <a:ext cx="1551677" cy="1228611"/>
+          </a:xfrm>
+          <a:prstGeom prst="rect">
+            <a:avLst/>
+          </a:prstGeom>
+          <a:noFill/>
+          <a:ln>
+            <a:solidFill>
+              <a:schemeClr val="bg1">
+                <a:lumMod val="50000"/>
+              </a:schemeClr>
+            </a:solidFill>
+          </a:ln>
+        </p:spPr>
+        <p:style>
+          <a:lnRef idx="2">
+            <a:schemeClr val="accent1">
+              <a:shade val="50000"/>
+            </a:schemeClr>
+          </a:lnRef>
+          <a:fillRef idx="1">
+            <a:schemeClr val="accent1"/>
+          </a:fillRef>
+          <a:effectRef idx="0">
+            <a:schemeClr val="accent1"/>
+          </a:effectRef>
+          <a:fontRef idx="minor">
+            <a:schemeClr val="lt1"/>
+          </a:fontRef>
+        </p:style>
+        <p:txBody>
+          <a:bodyPr rtlCol="0" anchor="ctr"/>
+          <a:lstStyle/>
+          <a:p>
+            <a:pPr algn="ctr"/>
+            <a:endParaRPr lang="id-ID" sz="1000">
+              <a:latin typeface="Times New Roman" panose="02020603050405020304" pitchFamily="18" charset="0"/>
+              <a:cs typeface="Times New Roman" panose="02020603050405020304" pitchFamily="18" charset="0"/>
+            </a:endParaRPr>
+          </a:p>
+        </p:txBody>
+      </p:sp>
+      <p:sp>
+        <p:nvSpPr>
+          <p:cNvPr id="163" name="TextBox 162"/>
+          <p:cNvSpPr txBox="1"/>
+          <p:nvPr/>
+        </p:nvSpPr>
+        <p:spPr>
+          <a:xfrm>
+            <a:off x="7140509" y="1791770"/>
+            <a:ext cx="1551677" cy="253916"/>
+          </a:xfrm>
+          <a:prstGeom prst="rect">
+            <a:avLst/>
+          </a:prstGeom>
+          <a:noFill/>
+        </p:spPr>
+        <p:txBody>
+          <a:bodyPr wrap="square" rtlCol="0">
+            <a:spAutoFit/>
+          </a:bodyPr>
+          <a:lstStyle/>
+          <a:p>
+            <a:pPr algn="ctr"/>
+            <a:r>
+              <a:rPr lang="en-ID" sz="1000" dirty="0" smtClean="0">
+                <a:cs typeface="Times New Roman" panose="02020603050405020304" pitchFamily="18" charset="0"/>
+              </a:rPr>
+              <a:t>Statistical Tools</a:t>
+            </a:r>
+            <a:endParaRPr lang="id-ID" sz="1000" dirty="0">
+              <a:cs typeface="Times New Roman" panose="02020603050405020304" pitchFamily="18" charset="0"/>
+            </a:endParaRPr>
+          </a:p>
+        </p:txBody>
+      </p:sp>
+      <p:sp>
+        <p:nvSpPr>
+          <p:cNvPr id="164" name="TextBox 163"/>
+          <p:cNvSpPr txBox="1"/>
+          <p:nvPr/>
+        </p:nvSpPr>
+        <p:spPr>
+          <a:xfrm>
+            <a:off x="7222806" y="2039539"/>
+            <a:ext cx="1397000" cy="861774"/>
+          </a:xfrm>
+          <a:prstGeom prst="rect">
+            <a:avLst/>
+          </a:prstGeom>
+          <a:noFill/>
+          <a:ln>
+            <a:solidFill>
+              <a:schemeClr val="bg1">
+                <a:lumMod val="50000"/>
+              </a:schemeClr>
+            </a:solidFill>
+            <a:prstDash val="dash"/>
+          </a:ln>
+        </p:spPr>
+        <p:txBody>
+          <a:bodyPr wrap="square" rtlCol="0">
+            <a:spAutoFit/>
+          </a:bodyPr>
+          <a:lstStyle/>
+          <a:p>
+            <a:r>
+              <a:rPr lang="en-ID" sz="1000" dirty="0" smtClean="0">
+                <a:cs typeface="Times New Roman" panose="02020603050405020304" pitchFamily="18" charset="0"/>
+              </a:rPr>
+              <a:t>-Min, Max</a:t>
+            </a:r>
+          </a:p>
+          <a:p>
+            <a:r>
+              <a:rPr lang="en-ID" sz="1000" dirty="0" smtClean="0">
+                <a:cs typeface="Times New Roman" panose="02020603050405020304" pitchFamily="18" charset="0"/>
+              </a:rPr>
+              <a:t>-Average</a:t>
+            </a:r>
+          </a:p>
+          <a:p>
+            <a:r>
+              <a:rPr lang="en-ID" sz="1000" dirty="0" smtClean="0">
+                <a:cs typeface="Times New Roman" panose="02020603050405020304" pitchFamily="18" charset="0"/>
+              </a:rPr>
+              <a:t>-Linear Model</a:t>
+            </a:r>
+          </a:p>
+          <a:p>
+            <a:r>
+              <a:rPr lang="en-ID" sz="1000" dirty="0" smtClean="0">
+                <a:cs typeface="Times New Roman" panose="02020603050405020304" pitchFamily="18" charset="0"/>
+              </a:rPr>
+              <a:t>-Repeated event</a:t>
+            </a:r>
+          </a:p>
+          <a:p>
+            <a:r>
+              <a:rPr lang="en-ID" sz="1000" dirty="0" smtClean="0">
+                <a:cs typeface="Times New Roman" panose="02020603050405020304" pitchFamily="18" charset="0"/>
+              </a:rPr>
+              <a:t>-Extreme event</a:t>
+            </a:r>
+          </a:p>
+        </p:txBody>
+      </p:sp>
+      <p:sp>
+        <p:nvSpPr>
+          <p:cNvPr id="165" name="Rectangle 164"/>
+          <p:cNvSpPr/>
+          <p:nvPr/>
+        </p:nvSpPr>
+        <p:spPr>
+          <a:xfrm>
+            <a:off x="8789096" y="1749050"/>
+            <a:ext cx="1551677" cy="1234758"/>
+          </a:xfrm>
+          <a:prstGeom prst="rect">
+            <a:avLst/>
+          </a:prstGeom>
+          <a:noFill/>
+          <a:ln>
+            <a:solidFill>
+              <a:schemeClr val="bg1">
+                <a:lumMod val="50000"/>
+              </a:schemeClr>
+            </a:solidFill>
+          </a:ln>
+        </p:spPr>
+        <p:style>
+          <a:lnRef idx="2">
+            <a:schemeClr val="accent1">
+              <a:shade val="50000"/>
+            </a:schemeClr>
+          </a:lnRef>
+          <a:fillRef idx="1">
+            <a:schemeClr val="accent1"/>
+          </a:fillRef>
+          <a:effectRef idx="0">
+            <a:schemeClr val="accent1"/>
+          </a:effectRef>
+          <a:fontRef idx="minor">
+            <a:schemeClr val="lt1"/>
+          </a:fontRef>
+        </p:style>
+        <p:txBody>
+          <a:bodyPr rtlCol="0" anchor="ctr"/>
+          <a:lstStyle/>
+          <a:p>
+            <a:pPr algn="ctr"/>
+            <a:endParaRPr lang="id-ID" sz="1000">
+              <a:latin typeface="Times New Roman" panose="02020603050405020304" pitchFamily="18" charset="0"/>
+              <a:cs typeface="Times New Roman" panose="02020603050405020304" pitchFamily="18" charset="0"/>
+            </a:endParaRPr>
+          </a:p>
+        </p:txBody>
+      </p:sp>
+      <p:sp>
+        <p:nvSpPr>
+          <p:cNvPr id="166" name="TextBox 165"/>
+          <p:cNvSpPr txBox="1"/>
+          <p:nvPr/>
+        </p:nvSpPr>
+        <p:spPr>
+          <a:xfrm>
+            <a:off x="8789095" y="1785623"/>
+            <a:ext cx="1551677" cy="253916"/>
+          </a:xfrm>
+          <a:prstGeom prst="rect">
+            <a:avLst/>
+          </a:prstGeom>
+          <a:noFill/>
+        </p:spPr>
+        <p:txBody>
+          <a:bodyPr wrap="square" rtlCol="0">
+            <a:spAutoFit/>
+          </a:bodyPr>
+          <a:lstStyle/>
+          <a:p>
+            <a:pPr algn="ctr"/>
+            <a:r>
+              <a:rPr lang="en-ID" sz="1000" dirty="0" smtClean="0">
+                <a:cs typeface="Times New Roman" panose="02020603050405020304" pitchFamily="18" charset="0"/>
+              </a:rPr>
+              <a:t>Machine Learning</a:t>
+            </a:r>
+            <a:endParaRPr lang="id-ID" sz="1000" dirty="0">
+              <a:cs typeface="Times New Roman" panose="02020603050405020304" pitchFamily="18" charset="0"/>
+            </a:endParaRPr>
+          </a:p>
+        </p:txBody>
+      </p:sp>
+      <p:sp>
+        <p:nvSpPr>
+          <p:cNvPr id="167" name="TextBox 166"/>
+          <p:cNvSpPr txBox="1"/>
+          <p:nvPr/>
+        </p:nvSpPr>
+        <p:spPr>
+          <a:xfrm>
+            <a:off x="8871392" y="2033392"/>
+            <a:ext cx="1397000" cy="861774"/>
+          </a:xfrm>
+          <a:prstGeom prst="rect">
+            <a:avLst/>
+          </a:prstGeom>
+          <a:noFill/>
+          <a:ln>
+            <a:solidFill>
+              <a:schemeClr val="bg1">
+                <a:lumMod val="50000"/>
+              </a:schemeClr>
+            </a:solidFill>
+            <a:prstDash val="dash"/>
+          </a:ln>
+        </p:spPr>
+        <p:txBody>
+          <a:bodyPr wrap="square" rtlCol="0">
+            <a:spAutoFit/>
+          </a:bodyPr>
+          <a:lstStyle/>
+          <a:p>
+            <a:r>
+              <a:rPr lang="en-ID" sz="1000" dirty="0" smtClean="0">
+                <a:cs typeface="Times New Roman" panose="02020603050405020304" pitchFamily="18" charset="0"/>
+              </a:rPr>
+              <a:t>-Time series Analysis</a:t>
+            </a:r>
+          </a:p>
+          <a:p>
+            <a:r>
+              <a:rPr lang="en-ID" sz="1000" dirty="0" smtClean="0">
+                <a:cs typeface="Times New Roman" panose="02020603050405020304" pitchFamily="18" charset="0"/>
+              </a:rPr>
+              <a:t>-</a:t>
+            </a:r>
+            <a:r>
+              <a:rPr lang="en-ID" sz="1000" dirty="0">
+                <a:cs typeface="Times New Roman" panose="02020603050405020304" pitchFamily="18" charset="0"/>
+              </a:rPr>
+              <a:t>Exponential </a:t>
+            </a:r>
+            <a:r>
+              <a:rPr lang="en-ID" sz="1000" dirty="0">
+                <a:cs typeface="Times New Roman" panose="02020603050405020304" pitchFamily="18" charset="0"/>
+              </a:rPr>
+              <a:t>S</a:t>
+            </a:r>
+            <a:r>
+              <a:rPr lang="en-ID" sz="1000" dirty="0" smtClean="0">
+                <a:cs typeface="Times New Roman" panose="02020603050405020304" pitchFamily="18" charset="0"/>
+              </a:rPr>
+              <a:t>moothing</a:t>
+            </a:r>
+            <a:endParaRPr lang="en-ID" sz="1000" dirty="0" smtClean="0">
+              <a:cs typeface="Times New Roman" panose="02020603050405020304" pitchFamily="18" charset="0"/>
+            </a:endParaRPr>
+          </a:p>
+          <a:p>
+            <a:r>
+              <a:rPr lang="en-ID" sz="1000" dirty="0" smtClean="0">
+                <a:cs typeface="Times New Roman" panose="02020603050405020304" pitchFamily="18" charset="0"/>
+              </a:rPr>
+              <a:t>-Linear Regression</a:t>
+            </a:r>
+          </a:p>
+          <a:p>
+            <a:r>
+              <a:rPr lang="en-ID" sz="1000" dirty="0" smtClean="0">
+                <a:cs typeface="Times New Roman" panose="02020603050405020304" pitchFamily="18" charset="0"/>
+              </a:rPr>
+              <a:t>-Knuth Morris Pratt</a:t>
+            </a:r>
+          </a:p>
+        </p:txBody>
+      </p:sp>
+      <p:sp>
+        <p:nvSpPr>
+          <p:cNvPr id="168" name="Rectangle 167"/>
+          <p:cNvSpPr/>
+          <p:nvPr/>
+        </p:nvSpPr>
+        <p:spPr>
+          <a:xfrm>
+            <a:off x="7959447" y="3238185"/>
+            <a:ext cx="1465478" cy="350141"/>
+          </a:xfrm>
+          <a:prstGeom prst="rect">
+            <a:avLst/>
+          </a:prstGeom>
+          <a:noFill/>
+          <a:ln>
+            <a:solidFill>
+              <a:schemeClr val="bg1">
+                <a:lumMod val="50000"/>
+              </a:schemeClr>
+            </a:solidFill>
+          </a:ln>
+        </p:spPr>
+        <p:style>
+          <a:lnRef idx="2">
+            <a:schemeClr val="accent1">
+              <a:shade val="50000"/>
+            </a:schemeClr>
+          </a:lnRef>
+          <a:fillRef idx="1">
+            <a:schemeClr val="accent1"/>
+          </a:fillRef>
+          <a:effectRef idx="0">
+            <a:schemeClr val="accent1"/>
+          </a:effectRef>
+          <a:fontRef idx="minor">
+            <a:schemeClr val="lt1"/>
+          </a:fontRef>
+        </p:style>
+        <p:txBody>
+          <a:bodyPr rtlCol="0" anchor="ctr"/>
+          <a:lstStyle/>
+          <a:p>
+            <a:pPr algn="ctr"/>
+            <a:endParaRPr lang="id-ID" sz="1000">
+              <a:latin typeface="Times New Roman" panose="02020603050405020304" pitchFamily="18" charset="0"/>
+              <a:cs typeface="Times New Roman" panose="02020603050405020304" pitchFamily="18" charset="0"/>
+            </a:endParaRPr>
+          </a:p>
+        </p:txBody>
+      </p:sp>
+      <p:sp>
+        <p:nvSpPr>
+          <p:cNvPr id="169" name="TextBox 168"/>
+          <p:cNvSpPr txBox="1"/>
+          <p:nvPr/>
+        </p:nvSpPr>
+        <p:spPr>
+          <a:xfrm>
+            <a:off x="7969323" y="3285927"/>
+            <a:ext cx="1461115" cy="253916"/>
+          </a:xfrm>
+          <a:prstGeom prst="rect">
+            <a:avLst/>
+          </a:prstGeom>
+          <a:noFill/>
+        </p:spPr>
+        <p:txBody>
+          <a:bodyPr wrap="square" rtlCol="0">
+            <a:spAutoFit/>
+          </a:bodyPr>
+          <a:lstStyle/>
+          <a:p>
+            <a:pPr algn="ctr"/>
+            <a:r>
+              <a:rPr lang="en-ID" sz="1000" dirty="0" smtClean="0">
+                <a:cs typeface="Times New Roman" panose="02020603050405020304" pitchFamily="18" charset="0"/>
+              </a:rPr>
+              <a:t>Analysis Result &amp; Predict</a:t>
+            </a:r>
+            <a:endParaRPr lang="id-ID" sz="1000" dirty="0">
+              <a:cs typeface="Times New Roman" panose="02020603050405020304" pitchFamily="18" charset="0"/>
+            </a:endParaRPr>
+          </a:p>
+        </p:txBody>
+      </p:sp>
+      <p:cxnSp>
+        <p:nvCxnSpPr>
+          <p:cNvPr id="170" name="Elbow Connector 169"/>
+          <p:cNvCxnSpPr>
+            <a:stCxn id="165" idx="2"/>
+            <a:endCxn id="168" idx="0"/>
+          </p:cNvCxnSpPr>
+          <p:nvPr/>
+        </p:nvCxnSpPr>
+        <p:spPr>
+          <a:xfrm rot="5400000">
+            <a:off x="9001373" y="2674622"/>
+            <a:ext cx="254377" cy="872749"/>
+          </a:xfrm>
+          <a:prstGeom prst="bentConnector3">
+            <a:avLst/>
+          </a:prstGeom>
+          <a:ln>
+            <a:prstDash val="dash"/>
+            <a:tailEnd type="triangle"/>
+          </a:ln>
+        </p:spPr>
+        <p:style>
+          <a:lnRef idx="1">
+            <a:schemeClr val="dk1"/>
+          </a:lnRef>
+          <a:fillRef idx="0">
+            <a:schemeClr val="dk1"/>
+          </a:fillRef>
+          <a:effectRef idx="0">
+            <a:schemeClr val="dk1"/>
+          </a:effectRef>
+          <a:fontRef idx="minor">
+            <a:schemeClr val="tx1"/>
+          </a:fontRef>
+        </p:style>
+      </p:cxnSp>
+      <p:cxnSp>
+        <p:nvCxnSpPr>
+          <p:cNvPr id="171" name="Elbow Connector 170"/>
+          <p:cNvCxnSpPr>
+            <a:stCxn id="162" idx="2"/>
+            <a:endCxn id="168" idx="0"/>
+          </p:cNvCxnSpPr>
+          <p:nvPr/>
+        </p:nvCxnSpPr>
+        <p:spPr>
+          <a:xfrm rot="16200000" flipH="1">
+            <a:off x="8177079" y="2723077"/>
+            <a:ext cx="254377" cy="775837"/>
+          </a:xfrm>
+          <a:prstGeom prst="bentConnector3">
+            <a:avLst/>
+          </a:prstGeom>
+          <a:ln>
+            <a:prstDash val="dash"/>
+            <a:tailEnd type="triangle"/>
+          </a:ln>
+        </p:spPr>
+        <p:style>
+          <a:lnRef idx="1">
+            <a:schemeClr val="dk1"/>
+          </a:lnRef>
+          <a:fillRef idx="0">
+            <a:schemeClr val="dk1"/>
+          </a:fillRef>
+          <a:effectRef idx="0">
+            <a:schemeClr val="dk1"/>
+          </a:effectRef>
+          <a:fontRef idx="minor">
+            <a:schemeClr val="tx1"/>
+          </a:fontRef>
+        </p:style>
+      </p:cxnSp>
+      <p:sp>
+        <p:nvSpPr>
+          <p:cNvPr id="172" name="Rectangle 171"/>
+          <p:cNvSpPr/>
+          <p:nvPr/>
+        </p:nvSpPr>
+        <p:spPr>
+          <a:xfrm>
+            <a:off x="7949571" y="1222392"/>
+            <a:ext cx="1465478" cy="350141"/>
+          </a:xfrm>
+          <a:prstGeom prst="rect">
+            <a:avLst/>
+          </a:prstGeom>
+          <a:noFill/>
+          <a:ln>
+            <a:solidFill>
+              <a:schemeClr val="bg1">
+                <a:lumMod val="50000"/>
+              </a:schemeClr>
+            </a:solidFill>
+          </a:ln>
+        </p:spPr>
+        <p:style>
+          <a:lnRef idx="2">
+            <a:schemeClr val="accent1">
+              <a:shade val="50000"/>
+            </a:schemeClr>
+          </a:lnRef>
+          <a:fillRef idx="1">
+            <a:schemeClr val="accent1"/>
+          </a:fillRef>
+          <a:effectRef idx="0">
+            <a:schemeClr val="accent1"/>
+          </a:effectRef>
+          <a:fontRef idx="minor">
+            <a:schemeClr val="lt1"/>
+          </a:fontRef>
+        </p:style>
+        <p:txBody>
+          <a:bodyPr rtlCol="0" anchor="ctr"/>
+          <a:lstStyle/>
+          <a:p>
+            <a:pPr algn="ctr"/>
+            <a:endParaRPr lang="id-ID" sz="1000">
+              <a:latin typeface="Times New Roman" panose="02020603050405020304" pitchFamily="18" charset="0"/>
+              <a:cs typeface="Times New Roman" panose="02020603050405020304" pitchFamily="18" charset="0"/>
+            </a:endParaRPr>
+          </a:p>
+        </p:txBody>
+      </p:sp>
+      <p:sp>
+        <p:nvSpPr>
+          <p:cNvPr id="173" name="TextBox 172"/>
+          <p:cNvSpPr txBox="1"/>
+          <p:nvPr/>
+        </p:nvSpPr>
+        <p:spPr>
+          <a:xfrm>
+            <a:off x="7959447" y="1270134"/>
+            <a:ext cx="1461115" cy="253916"/>
+          </a:xfrm>
+          <a:prstGeom prst="rect">
+            <a:avLst/>
+          </a:prstGeom>
+          <a:noFill/>
+        </p:spPr>
+        <p:txBody>
+          <a:bodyPr wrap="square" rtlCol="0">
+            <a:spAutoFit/>
+          </a:bodyPr>
+          <a:lstStyle/>
+          <a:p>
+            <a:pPr algn="ctr"/>
+            <a:r>
+              <a:rPr lang="en-ID" sz="1000" dirty="0" smtClean="0">
+                <a:cs typeface="Times New Roman" panose="02020603050405020304" pitchFamily="18" charset="0"/>
+              </a:rPr>
+              <a:t>Parameter </a:t>
+            </a:r>
+            <a:r>
+              <a:rPr lang="en-ID" sz="1000" dirty="0" err="1" smtClean="0">
+                <a:cs typeface="Times New Roman" panose="02020603050405020304" pitchFamily="18" charset="0"/>
+              </a:rPr>
+              <a:t>Config</a:t>
+            </a:r>
+            <a:endParaRPr lang="id-ID" sz="1000" dirty="0">
+              <a:cs typeface="Times New Roman" panose="02020603050405020304" pitchFamily="18" charset="0"/>
+            </a:endParaRPr>
+          </a:p>
+        </p:txBody>
+      </p:sp>
+      <p:sp>
+        <p:nvSpPr>
+          <p:cNvPr id="174" name="Rectangle 173"/>
+          <p:cNvSpPr/>
+          <p:nvPr/>
+        </p:nvSpPr>
+        <p:spPr>
+          <a:xfrm>
+            <a:off x="7022764" y="3872314"/>
+            <a:ext cx="3435686" cy="3833411"/>
+          </a:xfrm>
+          <a:prstGeom prst="rect">
+            <a:avLst/>
+          </a:prstGeom>
+          <a:noFill/>
+          <a:ln>
+            <a:solidFill>
+              <a:schemeClr val="bg1">
+                <a:lumMod val="50000"/>
+              </a:schemeClr>
+            </a:solidFill>
+          </a:ln>
+        </p:spPr>
+        <p:style>
+          <a:lnRef idx="2">
+            <a:schemeClr val="accent1">
+              <a:shade val="50000"/>
+            </a:schemeClr>
+          </a:lnRef>
+          <a:fillRef idx="1">
+            <a:schemeClr val="accent1"/>
+          </a:fillRef>
+          <a:effectRef idx="0">
+            <a:schemeClr val="accent1"/>
+          </a:effectRef>
+          <a:fontRef idx="minor">
+            <a:schemeClr val="lt1"/>
+          </a:fontRef>
+        </p:style>
+        <p:txBody>
+          <a:bodyPr rtlCol="0" anchor="ctr"/>
+          <a:lstStyle/>
+          <a:p>
+            <a:pPr algn="ctr"/>
+            <a:endParaRPr lang="id-ID" sz="1000">
+              <a:latin typeface="Times New Roman" panose="02020603050405020304" pitchFamily="18" charset="0"/>
+              <a:cs typeface="Times New Roman" panose="02020603050405020304" pitchFamily="18" charset="0"/>
+            </a:endParaRPr>
+          </a:p>
+        </p:txBody>
+      </p:sp>
+      <p:sp>
+        <p:nvSpPr>
+          <p:cNvPr id="175" name="TextBox 174"/>
+          <p:cNvSpPr txBox="1"/>
+          <p:nvPr/>
+        </p:nvSpPr>
+        <p:spPr>
+          <a:xfrm>
+            <a:off x="7685272" y="3912230"/>
+            <a:ext cx="2098304" cy="253916"/>
+          </a:xfrm>
+          <a:prstGeom prst="rect">
+            <a:avLst/>
+          </a:prstGeom>
+          <a:noFill/>
+        </p:spPr>
+        <p:txBody>
+          <a:bodyPr wrap="square" rtlCol="0">
+            <a:spAutoFit/>
+          </a:bodyPr>
+          <a:lstStyle/>
+          <a:p>
+            <a:pPr algn="ctr"/>
+            <a:r>
+              <a:rPr lang="en-ID" sz="1000" dirty="0" smtClean="0">
+                <a:cs typeface="Times New Roman" panose="02020603050405020304" pitchFamily="18" charset="0"/>
+              </a:rPr>
+              <a:t>Data Interpretation</a:t>
+            </a:r>
+            <a:endParaRPr lang="id-ID" sz="1000" dirty="0">
+              <a:cs typeface="Times New Roman" panose="02020603050405020304" pitchFamily="18" charset="0"/>
+            </a:endParaRPr>
+          </a:p>
+        </p:txBody>
+      </p:sp>
+      <p:sp>
+        <p:nvSpPr>
+          <p:cNvPr id="176" name="Rectangle 175"/>
+          <p:cNvSpPr/>
+          <p:nvPr/>
+        </p:nvSpPr>
+        <p:spPr>
+          <a:xfrm>
+            <a:off x="7151026" y="4924766"/>
+            <a:ext cx="1455602" cy="350141"/>
+          </a:xfrm>
+          <a:prstGeom prst="rect">
+            <a:avLst/>
+          </a:prstGeom>
+          <a:noFill/>
+          <a:ln>
+            <a:solidFill>
+              <a:schemeClr val="bg1">
+                <a:lumMod val="50000"/>
+              </a:schemeClr>
+            </a:solidFill>
+          </a:ln>
+        </p:spPr>
+        <p:style>
+          <a:lnRef idx="2">
+            <a:schemeClr val="accent1">
+              <a:shade val="50000"/>
+            </a:schemeClr>
+          </a:lnRef>
+          <a:fillRef idx="1">
+            <a:schemeClr val="accent1"/>
+          </a:fillRef>
+          <a:effectRef idx="0">
+            <a:schemeClr val="accent1"/>
+          </a:effectRef>
+          <a:fontRef idx="minor">
+            <a:schemeClr val="lt1"/>
+          </a:fontRef>
+        </p:style>
+        <p:txBody>
+          <a:bodyPr rtlCol="0" anchor="ctr"/>
+          <a:lstStyle/>
+          <a:p>
+            <a:pPr algn="ctr"/>
+            <a:endParaRPr lang="id-ID" sz="1000">
+              <a:latin typeface="Times New Roman" panose="02020603050405020304" pitchFamily="18" charset="0"/>
+              <a:cs typeface="Times New Roman" panose="02020603050405020304" pitchFamily="18" charset="0"/>
+            </a:endParaRPr>
+          </a:p>
+        </p:txBody>
+      </p:sp>
+      <p:sp>
+        <p:nvSpPr>
+          <p:cNvPr id="177" name="TextBox 176"/>
+          <p:cNvSpPr txBox="1"/>
+          <p:nvPr/>
+        </p:nvSpPr>
+        <p:spPr>
+          <a:xfrm>
+            <a:off x="6793188" y="4980388"/>
+            <a:ext cx="2098304" cy="253916"/>
+          </a:xfrm>
+          <a:prstGeom prst="rect">
+            <a:avLst/>
+          </a:prstGeom>
+          <a:noFill/>
+        </p:spPr>
+        <p:txBody>
+          <a:bodyPr wrap="square" rtlCol="0">
+            <a:spAutoFit/>
+          </a:bodyPr>
+          <a:lstStyle/>
+          <a:p>
+            <a:pPr algn="ctr"/>
+            <a:r>
+              <a:rPr lang="en-ID" sz="1000" dirty="0" smtClean="0">
+                <a:cs typeface="Times New Roman" panose="02020603050405020304" pitchFamily="18" charset="0"/>
+              </a:rPr>
+              <a:t>Rule-Based</a:t>
+            </a:r>
+            <a:endParaRPr lang="id-ID" sz="1000" dirty="0">
+              <a:cs typeface="Times New Roman" panose="02020603050405020304" pitchFamily="18" charset="0"/>
+            </a:endParaRPr>
+          </a:p>
+        </p:txBody>
+      </p:sp>
+      <p:sp>
+        <p:nvSpPr>
+          <p:cNvPr id="178" name="Rectangle 177"/>
+          <p:cNvSpPr/>
+          <p:nvPr/>
+        </p:nvSpPr>
+        <p:spPr>
+          <a:xfrm>
+            <a:off x="7138326" y="4239355"/>
+            <a:ext cx="1465478" cy="350141"/>
+          </a:xfrm>
+          <a:prstGeom prst="rect">
+            <a:avLst/>
+          </a:prstGeom>
+          <a:noFill/>
+          <a:ln>
+            <a:solidFill>
+              <a:schemeClr val="bg1">
+                <a:lumMod val="50000"/>
+              </a:schemeClr>
+            </a:solidFill>
+          </a:ln>
+        </p:spPr>
+        <p:style>
+          <a:lnRef idx="2">
+            <a:schemeClr val="accent1">
+              <a:shade val="50000"/>
+            </a:schemeClr>
+          </a:lnRef>
+          <a:fillRef idx="1">
+            <a:schemeClr val="accent1"/>
+          </a:fillRef>
+          <a:effectRef idx="0">
+            <a:schemeClr val="accent1"/>
+          </a:effectRef>
+          <a:fontRef idx="minor">
+            <a:schemeClr val="lt1"/>
+          </a:fontRef>
+        </p:style>
+        <p:txBody>
+          <a:bodyPr rtlCol="0" anchor="ctr"/>
+          <a:lstStyle/>
+          <a:p>
+            <a:pPr algn="ctr"/>
+            <a:endParaRPr lang="id-ID" sz="1000">
+              <a:latin typeface="Times New Roman" panose="02020603050405020304" pitchFamily="18" charset="0"/>
+              <a:cs typeface="Times New Roman" panose="02020603050405020304" pitchFamily="18" charset="0"/>
+            </a:endParaRPr>
+          </a:p>
+        </p:txBody>
+      </p:sp>
+      <p:sp>
+        <p:nvSpPr>
+          <p:cNvPr id="179" name="TextBox 178"/>
+          <p:cNvSpPr txBox="1"/>
+          <p:nvPr/>
+        </p:nvSpPr>
+        <p:spPr>
+          <a:xfrm>
+            <a:off x="7148202" y="4287097"/>
+            <a:ext cx="1461115" cy="253916"/>
+          </a:xfrm>
+          <a:prstGeom prst="rect">
+            <a:avLst/>
+          </a:prstGeom>
+          <a:noFill/>
+        </p:spPr>
+        <p:txBody>
+          <a:bodyPr wrap="square" rtlCol="0">
+            <a:spAutoFit/>
+          </a:bodyPr>
+          <a:lstStyle/>
+          <a:p>
+            <a:pPr algn="ctr"/>
+            <a:r>
+              <a:rPr lang="en-ID" sz="1000" dirty="0" smtClean="0">
+                <a:cs typeface="Times New Roman" panose="02020603050405020304" pitchFamily="18" charset="0"/>
+              </a:rPr>
+              <a:t>Analysis Result &amp; Predict</a:t>
+            </a:r>
+            <a:endParaRPr lang="id-ID" sz="1000" dirty="0">
+              <a:cs typeface="Times New Roman" panose="02020603050405020304" pitchFamily="18" charset="0"/>
+            </a:endParaRPr>
+          </a:p>
+        </p:txBody>
+      </p:sp>
+      <p:grpSp>
+        <p:nvGrpSpPr>
+          <p:cNvPr id="180" name="Group 179"/>
+          <p:cNvGrpSpPr/>
+          <p:nvPr/>
+        </p:nvGrpSpPr>
+        <p:grpSpPr>
+          <a:xfrm>
+            <a:off x="7138326" y="5682531"/>
+            <a:ext cx="1551678" cy="1372574"/>
+            <a:chOff x="7237417" y="5580931"/>
+            <a:chExt cx="1551678" cy="1372574"/>
+          </a:xfrm>
+          <a:noFill/>
+        </p:grpSpPr>
+        <p:sp>
+          <p:nvSpPr>
+            <p:cNvPr id="181" name="Rectangle 180"/>
+            <p:cNvSpPr/>
+            <p:nvPr/>
+          </p:nvSpPr>
+          <p:spPr>
+            <a:xfrm>
+              <a:off x="7237418" y="5580931"/>
+              <a:ext cx="1551677" cy="1372574"/>
+            </a:xfrm>
+            <a:prstGeom prst="rect">
+              <a:avLst/>
+            </a:prstGeom>
+            <a:grpFill/>
+            <a:ln>
+              <a:solidFill>
+                <a:schemeClr val="bg1">
+                  <a:lumMod val="50000"/>
+                </a:schemeClr>
+              </a:solidFill>
+            </a:ln>
+          </p:spPr>
+          <p:style>
+            <a:lnRef idx="2">
+              <a:schemeClr val="accent1">
+                <a:shade val="50000"/>
+              </a:schemeClr>
+            </a:lnRef>
+            <a:fillRef idx="1">
+              <a:schemeClr val="accent1"/>
+            </a:fillRef>
+            <a:effectRef idx="0">
+              <a:schemeClr val="accent1"/>
+            </a:effectRef>
+            <a:fontRef idx="minor">
+              <a:schemeClr val="lt1"/>
+            </a:fontRef>
+          </p:style>
+          <p:txBody>
+            <a:bodyPr rtlCol="0" anchor="ctr"/>
+            <a:lstStyle/>
+            <a:p>
+              <a:pPr algn="ctr"/>
+              <a:endParaRPr lang="id-ID" sz="1000">
+                <a:latin typeface="Times New Roman" panose="02020603050405020304" pitchFamily="18" charset="0"/>
+                <a:cs typeface="Times New Roman" panose="02020603050405020304" pitchFamily="18" charset="0"/>
+              </a:endParaRPr>
+            </a:p>
+          </p:txBody>
+        </p:sp>
+        <p:sp>
+          <p:nvSpPr>
+            <p:cNvPr id="182" name="TextBox 181"/>
+            <p:cNvSpPr txBox="1"/>
+            <p:nvPr/>
+          </p:nvSpPr>
+          <p:spPr>
+            <a:xfrm>
+              <a:off x="7237417" y="5617504"/>
+              <a:ext cx="1551677" cy="253916"/>
+            </a:xfrm>
+            <a:prstGeom prst="rect">
+              <a:avLst/>
+            </a:prstGeom>
+            <a:grpFill/>
+          </p:spPr>
+          <p:txBody>
+            <a:bodyPr wrap="square" rtlCol="0">
+              <a:spAutoFit/>
+            </a:bodyPr>
+            <a:lstStyle/>
+            <a:p>
+              <a:pPr algn="ctr"/>
+              <a:r>
+                <a:rPr lang="en-ID" sz="1000" dirty="0" smtClean="0">
+                  <a:cs typeface="Times New Roman" panose="02020603050405020304" pitchFamily="18" charset="0"/>
+                </a:rPr>
+                <a:t>Crisp</a:t>
+              </a:r>
+              <a:endParaRPr lang="id-ID" sz="1000" dirty="0">
+                <a:cs typeface="Times New Roman" panose="02020603050405020304" pitchFamily="18" charset="0"/>
+              </a:endParaRPr>
+            </a:p>
+          </p:txBody>
+        </p:sp>
+        <p:sp>
+          <p:nvSpPr>
+            <p:cNvPr id="183" name="TextBox 182"/>
+            <p:cNvSpPr txBox="1"/>
+            <p:nvPr/>
+          </p:nvSpPr>
+          <p:spPr>
+            <a:xfrm>
+              <a:off x="7319714" y="5865273"/>
+              <a:ext cx="1397000" cy="1015663"/>
+            </a:xfrm>
+            <a:prstGeom prst="rect">
+              <a:avLst/>
+            </a:prstGeom>
+            <a:grpFill/>
+            <a:ln>
+              <a:solidFill>
+                <a:schemeClr val="bg1">
+                  <a:lumMod val="50000"/>
+                </a:schemeClr>
+              </a:solidFill>
+              <a:prstDash val="dash"/>
+            </a:ln>
+          </p:spPr>
+          <p:txBody>
+            <a:bodyPr wrap="square" rtlCol="0">
+              <a:spAutoFit/>
+            </a:bodyPr>
+            <a:lstStyle/>
+            <a:p>
+              <a:r>
+                <a:rPr lang="en-ID" sz="1000" dirty="0" smtClean="0">
+                  <a:cs typeface="Times New Roman" panose="02020603050405020304" pitchFamily="18" charset="0"/>
+                </a:rPr>
+                <a:t>-</a:t>
+              </a:r>
+              <a:r>
+                <a:rPr lang="en-ID" sz="1000" dirty="0" err="1" smtClean="0">
+                  <a:cs typeface="Times New Roman" panose="02020603050405020304" pitchFamily="18" charset="0"/>
+                </a:rPr>
+                <a:t>AirQuality</a:t>
+              </a:r>
+              <a:endParaRPr lang="en-ID" sz="1000" dirty="0" smtClean="0">
+                <a:cs typeface="Times New Roman" panose="02020603050405020304" pitchFamily="18" charset="0"/>
+              </a:endParaRPr>
+            </a:p>
+            <a:p>
+              <a:r>
+                <a:rPr lang="en-ID" sz="1000" dirty="0" smtClean="0">
+                  <a:cs typeface="Times New Roman" panose="02020603050405020304" pitchFamily="18" charset="0"/>
+                </a:rPr>
+                <a:t>-</a:t>
+              </a:r>
+              <a:r>
+                <a:rPr lang="en-ID" sz="1000" dirty="0" err="1" smtClean="0">
+                  <a:cs typeface="Times New Roman" panose="02020603050405020304" pitchFamily="18" charset="0"/>
+                </a:rPr>
+                <a:t>WindSpeed</a:t>
+              </a:r>
+              <a:endParaRPr lang="en-ID" sz="1000" dirty="0" smtClean="0">
+                <a:cs typeface="Times New Roman" panose="02020603050405020304" pitchFamily="18" charset="0"/>
+              </a:endParaRPr>
+            </a:p>
+            <a:p>
+              <a:r>
+                <a:rPr lang="en-ID" sz="1000" dirty="0" smtClean="0">
+                  <a:cs typeface="Times New Roman" panose="02020603050405020304" pitchFamily="18" charset="0"/>
+                </a:rPr>
+                <a:t>-</a:t>
+              </a:r>
+              <a:r>
+                <a:rPr lang="en-ID" sz="1000" dirty="0" err="1" smtClean="0">
+                  <a:cs typeface="Times New Roman" panose="02020603050405020304" pitchFamily="18" charset="0"/>
+                </a:rPr>
+                <a:t>WindDirection</a:t>
+              </a:r>
+              <a:endParaRPr lang="en-ID" sz="1000" dirty="0" smtClean="0">
+                <a:cs typeface="Times New Roman" panose="02020603050405020304" pitchFamily="18" charset="0"/>
+              </a:endParaRPr>
+            </a:p>
+            <a:p>
+              <a:r>
+                <a:rPr lang="en-ID" sz="1000" dirty="0" smtClean="0">
+                  <a:cs typeface="Times New Roman" panose="02020603050405020304" pitchFamily="18" charset="0"/>
+                </a:rPr>
+                <a:t>-</a:t>
+              </a:r>
+              <a:r>
+                <a:rPr lang="en-ID" sz="1000" dirty="0" err="1" smtClean="0">
+                  <a:cs typeface="Times New Roman" panose="02020603050405020304" pitchFamily="18" charset="0"/>
+                </a:rPr>
+                <a:t>CloudCoberage</a:t>
+              </a:r>
+              <a:endParaRPr lang="en-ID" sz="1000" dirty="0">
+                <a:cs typeface="Times New Roman" panose="02020603050405020304" pitchFamily="18" charset="0"/>
+              </a:endParaRPr>
+            </a:p>
+            <a:p>
+              <a:r>
+                <a:rPr lang="en-ID" sz="1000" dirty="0">
+                  <a:cs typeface="Times New Roman" panose="02020603050405020304" pitchFamily="18" charset="0"/>
+                </a:rPr>
+                <a:t>-Other (custom corpus)</a:t>
+              </a:r>
+            </a:p>
+            <a:p>
+              <a:r>
+                <a:rPr lang="en-ID" sz="1000" dirty="0">
+                  <a:cs typeface="Times New Roman" panose="02020603050405020304" pitchFamily="18" charset="0"/>
+                </a:rPr>
+                <a:t>-General</a:t>
+              </a:r>
+            </a:p>
+          </p:txBody>
+        </p:sp>
+      </p:grpSp>
+      <p:grpSp>
+        <p:nvGrpSpPr>
+          <p:cNvPr id="184" name="Group 183"/>
+          <p:cNvGrpSpPr/>
+          <p:nvPr/>
+        </p:nvGrpSpPr>
+        <p:grpSpPr>
+          <a:xfrm>
+            <a:off x="8789094" y="5675462"/>
+            <a:ext cx="1551678" cy="1077763"/>
+            <a:chOff x="8875336" y="5533597"/>
+            <a:chExt cx="1551678" cy="1077763"/>
+          </a:xfrm>
+          <a:noFill/>
+        </p:grpSpPr>
+        <p:sp>
+          <p:nvSpPr>
+            <p:cNvPr id="185" name="Rectangle 184"/>
+            <p:cNvSpPr/>
+            <p:nvPr/>
+          </p:nvSpPr>
+          <p:spPr>
+            <a:xfrm>
+              <a:off x="8875337" y="5533597"/>
+              <a:ext cx="1551677" cy="1077763"/>
+            </a:xfrm>
+            <a:prstGeom prst="rect">
+              <a:avLst/>
+            </a:prstGeom>
+            <a:grpFill/>
+            <a:ln>
+              <a:solidFill>
+                <a:schemeClr val="bg1">
+                  <a:lumMod val="50000"/>
+                </a:schemeClr>
+              </a:solidFill>
+            </a:ln>
+          </p:spPr>
+          <p:style>
+            <a:lnRef idx="2">
+              <a:schemeClr val="accent1">
+                <a:shade val="50000"/>
+              </a:schemeClr>
+            </a:lnRef>
+            <a:fillRef idx="1">
+              <a:schemeClr val="accent1"/>
+            </a:fillRef>
+            <a:effectRef idx="0">
+              <a:schemeClr val="accent1"/>
+            </a:effectRef>
+            <a:fontRef idx="minor">
+              <a:schemeClr val="lt1"/>
+            </a:fontRef>
+          </p:style>
+          <p:txBody>
+            <a:bodyPr rtlCol="0" anchor="ctr"/>
+            <a:lstStyle/>
+            <a:p>
+              <a:pPr algn="ctr"/>
+              <a:endParaRPr lang="id-ID" sz="1000">
+                <a:latin typeface="Times New Roman" panose="02020603050405020304" pitchFamily="18" charset="0"/>
+                <a:cs typeface="Times New Roman" panose="02020603050405020304" pitchFamily="18" charset="0"/>
+              </a:endParaRPr>
+            </a:p>
+          </p:txBody>
+        </p:sp>
+        <p:sp>
+          <p:nvSpPr>
+            <p:cNvPr id="186" name="TextBox 185"/>
+            <p:cNvSpPr txBox="1"/>
+            <p:nvPr/>
+          </p:nvSpPr>
+          <p:spPr>
+            <a:xfrm>
+              <a:off x="8875336" y="5570170"/>
+              <a:ext cx="1551677" cy="253916"/>
+            </a:xfrm>
+            <a:prstGeom prst="rect">
+              <a:avLst/>
+            </a:prstGeom>
+            <a:grpFill/>
+          </p:spPr>
+          <p:txBody>
+            <a:bodyPr wrap="square" rtlCol="0">
+              <a:spAutoFit/>
+            </a:bodyPr>
+            <a:lstStyle/>
+            <a:p>
+              <a:pPr algn="ctr"/>
+              <a:r>
+                <a:rPr lang="en-ID" sz="1000" dirty="0" smtClean="0">
+                  <a:cs typeface="Times New Roman" panose="02020603050405020304" pitchFamily="18" charset="0"/>
+                </a:rPr>
+                <a:t>Fuzzy</a:t>
+              </a:r>
+              <a:endParaRPr lang="id-ID" sz="1000" dirty="0">
+                <a:cs typeface="Times New Roman" panose="02020603050405020304" pitchFamily="18" charset="0"/>
+              </a:endParaRPr>
+            </a:p>
+          </p:txBody>
+        </p:sp>
+        <p:sp>
+          <p:nvSpPr>
+            <p:cNvPr id="187" name="TextBox 186"/>
+            <p:cNvSpPr txBox="1"/>
+            <p:nvPr/>
+          </p:nvSpPr>
+          <p:spPr>
+            <a:xfrm>
+              <a:off x="8957633" y="5817939"/>
+              <a:ext cx="1397000" cy="707886"/>
+            </a:xfrm>
+            <a:prstGeom prst="rect">
+              <a:avLst/>
+            </a:prstGeom>
+            <a:grpFill/>
+            <a:ln>
+              <a:solidFill>
+                <a:schemeClr val="bg1">
+                  <a:lumMod val="50000"/>
+                </a:schemeClr>
+              </a:solidFill>
+              <a:prstDash val="dash"/>
+            </a:ln>
+          </p:spPr>
+          <p:txBody>
+            <a:bodyPr wrap="square" rtlCol="0">
+              <a:spAutoFit/>
+            </a:bodyPr>
+            <a:lstStyle/>
+            <a:p>
+              <a:r>
+                <a:rPr lang="en-ID" sz="1000" dirty="0" smtClean="0">
+                  <a:cs typeface="Times New Roman" panose="02020603050405020304" pitchFamily="18" charset="0"/>
+                </a:rPr>
+                <a:t>-Temperature</a:t>
+              </a:r>
+            </a:p>
+            <a:p>
+              <a:r>
+                <a:rPr lang="en-ID" sz="1000" dirty="0" smtClean="0">
+                  <a:cs typeface="Times New Roman" panose="02020603050405020304" pitchFamily="18" charset="0"/>
+                </a:rPr>
+                <a:t>-Rainfall</a:t>
+              </a:r>
+            </a:p>
+            <a:p>
+              <a:r>
+                <a:rPr lang="en-ID" sz="1000" dirty="0" smtClean="0">
+                  <a:cs typeface="Times New Roman" panose="02020603050405020304" pitchFamily="18" charset="0"/>
+                </a:rPr>
+                <a:t>-Other (custom corpus)</a:t>
+              </a:r>
+            </a:p>
+            <a:p>
+              <a:r>
+                <a:rPr lang="en-ID" sz="1000" dirty="0" smtClean="0">
+                  <a:cs typeface="Times New Roman" panose="02020603050405020304" pitchFamily="18" charset="0"/>
+                </a:rPr>
+                <a:t>-General</a:t>
+              </a:r>
+            </a:p>
+          </p:txBody>
+        </p:sp>
+      </p:grpSp>
+      <p:grpSp>
+        <p:nvGrpSpPr>
+          <p:cNvPr id="188" name="Group 187"/>
+          <p:cNvGrpSpPr/>
+          <p:nvPr/>
+        </p:nvGrpSpPr>
+        <p:grpSpPr>
+          <a:xfrm>
+            <a:off x="8944242" y="4204573"/>
+            <a:ext cx="1324149" cy="1181345"/>
+            <a:chOff x="8875336" y="5495497"/>
+            <a:chExt cx="1551678" cy="1181345"/>
+          </a:xfrm>
+          <a:noFill/>
+        </p:grpSpPr>
+        <p:sp>
+          <p:nvSpPr>
+            <p:cNvPr id="189" name="Rectangle 188"/>
+            <p:cNvSpPr/>
+            <p:nvPr/>
+          </p:nvSpPr>
+          <p:spPr>
+            <a:xfrm>
+              <a:off x="8875337" y="5495497"/>
+              <a:ext cx="1551677" cy="1181345"/>
+            </a:xfrm>
+            <a:prstGeom prst="rect">
+              <a:avLst/>
+            </a:prstGeom>
+            <a:grpFill/>
+            <a:ln>
+              <a:solidFill>
+                <a:schemeClr val="bg1">
+                  <a:lumMod val="50000"/>
+                </a:schemeClr>
+              </a:solidFill>
+            </a:ln>
+          </p:spPr>
+          <p:style>
+            <a:lnRef idx="2">
+              <a:schemeClr val="accent1">
+                <a:shade val="50000"/>
+              </a:schemeClr>
+            </a:lnRef>
+            <a:fillRef idx="1">
+              <a:schemeClr val="accent1"/>
+            </a:fillRef>
+            <a:effectRef idx="0">
+              <a:schemeClr val="accent1"/>
+            </a:effectRef>
+            <a:fontRef idx="minor">
+              <a:schemeClr val="lt1"/>
+            </a:fontRef>
+          </p:style>
+          <p:txBody>
+            <a:bodyPr rtlCol="0" anchor="ctr"/>
+            <a:lstStyle/>
+            <a:p>
+              <a:pPr algn="ctr"/>
+              <a:endParaRPr lang="id-ID" sz="1000">
+                <a:latin typeface="Times New Roman" panose="02020603050405020304" pitchFamily="18" charset="0"/>
+                <a:cs typeface="Times New Roman" panose="02020603050405020304" pitchFamily="18" charset="0"/>
+              </a:endParaRPr>
+            </a:p>
+          </p:txBody>
+        </p:sp>
+        <p:sp>
+          <p:nvSpPr>
+            <p:cNvPr id="190" name="TextBox 189"/>
+            <p:cNvSpPr txBox="1"/>
+            <p:nvPr/>
+          </p:nvSpPr>
+          <p:spPr>
+            <a:xfrm>
+              <a:off x="8875336" y="5532070"/>
+              <a:ext cx="1551677" cy="246221"/>
+            </a:xfrm>
+            <a:prstGeom prst="rect">
+              <a:avLst/>
+            </a:prstGeom>
+            <a:grpFill/>
+          </p:spPr>
+          <p:txBody>
+            <a:bodyPr wrap="square" rtlCol="0">
+              <a:spAutoFit/>
+            </a:bodyPr>
+            <a:lstStyle/>
+            <a:p>
+              <a:pPr algn="ctr"/>
+              <a:r>
+                <a:rPr lang="en-ID" sz="1000" dirty="0" smtClean="0">
+                  <a:cs typeface="Times New Roman" panose="02020603050405020304" pitchFamily="18" charset="0"/>
+                </a:rPr>
+                <a:t>Rule-Based Generator</a:t>
+              </a:r>
+              <a:endParaRPr lang="id-ID" sz="1000" dirty="0">
+                <a:cs typeface="Times New Roman" panose="02020603050405020304" pitchFamily="18" charset="0"/>
+              </a:endParaRPr>
+            </a:p>
+          </p:txBody>
+        </p:sp>
+        <p:sp>
+          <p:nvSpPr>
+            <p:cNvPr id="191" name="TextBox 190"/>
+            <p:cNvSpPr txBox="1"/>
+            <p:nvPr/>
+          </p:nvSpPr>
+          <p:spPr>
+            <a:xfrm>
+              <a:off x="8957632" y="5868739"/>
+              <a:ext cx="1397000" cy="707886"/>
+            </a:xfrm>
+            <a:prstGeom prst="rect">
+              <a:avLst/>
+            </a:prstGeom>
+            <a:grpFill/>
+            <a:ln>
+              <a:solidFill>
+                <a:schemeClr val="bg1">
+                  <a:lumMod val="50000"/>
+                </a:schemeClr>
+              </a:solidFill>
+              <a:prstDash val="dash"/>
+            </a:ln>
+          </p:spPr>
+          <p:txBody>
+            <a:bodyPr wrap="square" rtlCol="0">
+              <a:spAutoFit/>
+            </a:bodyPr>
+            <a:lstStyle/>
+            <a:p>
+              <a:r>
+                <a:rPr lang="en-ID" sz="1000" dirty="0" smtClean="0">
+                  <a:cs typeface="Times New Roman" panose="02020603050405020304" pitchFamily="18" charset="0"/>
+                </a:rPr>
+                <a:t>-General Fuzzy</a:t>
+              </a:r>
+            </a:p>
+            <a:p>
+              <a:r>
+                <a:rPr lang="en-ID" sz="1000" dirty="0" smtClean="0">
+                  <a:cs typeface="Times New Roman" panose="02020603050405020304" pitchFamily="18" charset="0"/>
+                </a:rPr>
+                <a:t>-General Trend</a:t>
+              </a:r>
+            </a:p>
+            <a:p>
+              <a:r>
+                <a:rPr lang="en-ID" sz="1000" dirty="0" smtClean="0">
+                  <a:cs typeface="Times New Roman" panose="02020603050405020304" pitchFamily="18" charset="0"/>
+                </a:rPr>
+                <a:t>-Non General Trend</a:t>
+              </a:r>
+            </a:p>
+          </p:txBody>
+        </p:sp>
+      </p:grpSp>
+      <p:cxnSp>
+        <p:nvCxnSpPr>
+          <p:cNvPr id="192" name="Straight Arrow Connector 191"/>
+          <p:cNvCxnSpPr>
+            <a:stCxn id="178" idx="2"/>
+            <a:endCxn id="176" idx="0"/>
+          </p:cNvCxnSpPr>
+          <p:nvPr/>
+        </p:nvCxnSpPr>
+        <p:spPr>
+          <a:xfrm>
+            <a:off x="7871065" y="4589496"/>
+            <a:ext cx="7762" cy="335270"/>
+          </a:xfrm>
+          <a:prstGeom prst="straightConnector1">
+            <a:avLst/>
+          </a:prstGeom>
+          <a:ln>
+            <a:prstDash val="dash"/>
+            <a:tailEnd type="triangle"/>
+          </a:ln>
+        </p:spPr>
+        <p:style>
+          <a:lnRef idx="1">
+            <a:schemeClr val="dk1"/>
+          </a:lnRef>
+          <a:fillRef idx="0">
+            <a:schemeClr val="dk1"/>
+          </a:fillRef>
+          <a:effectRef idx="0">
+            <a:schemeClr val="dk1"/>
+          </a:effectRef>
+          <a:fontRef idx="minor">
+            <a:schemeClr val="tx1"/>
+          </a:fontRef>
+        </p:style>
+      </p:cxnSp>
+      <p:cxnSp>
+        <p:nvCxnSpPr>
+          <p:cNvPr id="193" name="Elbow Connector 192"/>
+          <p:cNvCxnSpPr>
+            <a:stCxn id="176" idx="2"/>
+            <a:endCxn id="185" idx="0"/>
+          </p:cNvCxnSpPr>
+          <p:nvPr/>
+        </p:nvCxnSpPr>
+        <p:spPr>
+          <a:xfrm rot="16200000" flipH="1">
+            <a:off x="8521603" y="4632130"/>
+            <a:ext cx="400555" cy="1686107"/>
+          </a:xfrm>
+          <a:prstGeom prst="bentConnector3">
+            <a:avLst/>
+          </a:prstGeom>
+          <a:ln>
+            <a:prstDash val="dash"/>
+            <a:tailEnd type="triangle"/>
+          </a:ln>
+        </p:spPr>
+        <p:style>
+          <a:lnRef idx="1">
+            <a:schemeClr val="dk1"/>
+          </a:lnRef>
+          <a:fillRef idx="0">
+            <a:schemeClr val="dk1"/>
+          </a:fillRef>
+          <a:effectRef idx="0">
+            <a:schemeClr val="dk1"/>
+          </a:effectRef>
+          <a:fontRef idx="minor">
+            <a:schemeClr val="tx1"/>
+          </a:fontRef>
+        </p:style>
+      </p:cxnSp>
+      <p:cxnSp>
+        <p:nvCxnSpPr>
+          <p:cNvPr id="194" name="Straight Arrow Connector 193"/>
+          <p:cNvCxnSpPr/>
+          <p:nvPr/>
+        </p:nvCxnSpPr>
+        <p:spPr>
+          <a:xfrm>
+            <a:off x="7878827" y="5299663"/>
+            <a:ext cx="0" cy="375799"/>
+          </a:xfrm>
+          <a:prstGeom prst="straightConnector1">
+            <a:avLst/>
+          </a:prstGeom>
+          <a:ln>
+            <a:prstDash val="dash"/>
+            <a:tailEnd type="triangle"/>
+          </a:ln>
+        </p:spPr>
+        <p:style>
+          <a:lnRef idx="1">
+            <a:schemeClr val="dk1"/>
+          </a:lnRef>
+          <a:fillRef idx="0">
+            <a:schemeClr val="dk1"/>
+          </a:fillRef>
+          <a:effectRef idx="0">
+            <a:schemeClr val="dk1"/>
+          </a:effectRef>
+          <a:fontRef idx="minor">
+            <a:schemeClr val="tx1"/>
+          </a:fontRef>
+        </p:style>
+      </p:cxnSp>
+      <p:cxnSp>
+        <p:nvCxnSpPr>
+          <p:cNvPr id="195" name="Straight Arrow Connector 194"/>
+          <p:cNvCxnSpPr/>
+          <p:nvPr/>
+        </p:nvCxnSpPr>
+        <p:spPr>
+          <a:xfrm flipH="1">
+            <a:off x="8603804" y="5057775"/>
+            <a:ext cx="340438" cy="0"/>
+          </a:xfrm>
+          <a:prstGeom prst="straightConnector1">
+            <a:avLst/>
+          </a:prstGeom>
+          <a:ln>
+            <a:prstDash val="dash"/>
+            <a:tailEnd type="triangle"/>
+          </a:ln>
+        </p:spPr>
+        <p:style>
+          <a:lnRef idx="1">
+            <a:schemeClr val="dk1"/>
+          </a:lnRef>
+          <a:fillRef idx="0">
+            <a:schemeClr val="dk1"/>
+          </a:fillRef>
+          <a:effectRef idx="0">
+            <a:schemeClr val="dk1"/>
+          </a:effectRef>
+          <a:fontRef idx="minor">
+            <a:schemeClr val="tx1"/>
+          </a:fontRef>
+        </p:style>
+      </p:cxnSp>
+      <p:sp>
+        <p:nvSpPr>
+          <p:cNvPr id="196" name="Rectangle 195"/>
+          <p:cNvSpPr/>
+          <p:nvPr/>
+        </p:nvSpPr>
+        <p:spPr>
+          <a:xfrm>
+            <a:off x="7220623" y="7275862"/>
+            <a:ext cx="1455602" cy="350141"/>
+          </a:xfrm>
+          <a:prstGeom prst="rect">
+            <a:avLst/>
+          </a:prstGeom>
+          <a:noFill/>
+          <a:ln>
+            <a:solidFill>
+              <a:schemeClr val="bg1">
+                <a:lumMod val="50000"/>
+              </a:schemeClr>
+            </a:solidFill>
+          </a:ln>
+        </p:spPr>
+        <p:style>
+          <a:lnRef idx="2">
+            <a:schemeClr val="accent1">
+              <a:shade val="50000"/>
+            </a:schemeClr>
+          </a:lnRef>
+          <a:fillRef idx="1">
+            <a:schemeClr val="accent1"/>
+          </a:fillRef>
+          <a:effectRef idx="0">
+            <a:schemeClr val="accent1"/>
+          </a:effectRef>
+          <a:fontRef idx="minor">
+            <a:schemeClr val="lt1"/>
+          </a:fontRef>
+        </p:style>
+        <p:txBody>
+          <a:bodyPr rtlCol="0" anchor="ctr"/>
+          <a:lstStyle/>
+          <a:p>
+            <a:pPr algn="ctr"/>
+            <a:endParaRPr lang="id-ID" sz="1000">
+              <a:latin typeface="Times New Roman" panose="02020603050405020304" pitchFamily="18" charset="0"/>
+              <a:cs typeface="Times New Roman" panose="02020603050405020304" pitchFamily="18" charset="0"/>
+            </a:endParaRPr>
+          </a:p>
+        </p:txBody>
+      </p:sp>
+      <p:sp>
+        <p:nvSpPr>
+          <p:cNvPr id="197" name="TextBox 196"/>
+          <p:cNvSpPr txBox="1"/>
+          <p:nvPr/>
+        </p:nvSpPr>
+        <p:spPr>
+          <a:xfrm>
+            <a:off x="6862785" y="7331484"/>
+            <a:ext cx="2098304" cy="253916"/>
+          </a:xfrm>
+          <a:prstGeom prst="rect">
+            <a:avLst/>
+          </a:prstGeom>
+          <a:noFill/>
+        </p:spPr>
+        <p:txBody>
+          <a:bodyPr wrap="square" rtlCol="0">
+            <a:spAutoFit/>
+          </a:bodyPr>
+          <a:lstStyle/>
+          <a:p>
+            <a:pPr algn="ctr"/>
+            <a:r>
+              <a:rPr lang="en-ID" sz="1000" dirty="0" smtClean="0">
+                <a:cs typeface="Times New Roman" panose="02020603050405020304" pitchFamily="18" charset="0"/>
+              </a:rPr>
+              <a:t>Message Inventory</a:t>
+            </a:r>
+            <a:endParaRPr lang="id-ID" sz="1000" dirty="0">
+              <a:cs typeface="Times New Roman" panose="02020603050405020304" pitchFamily="18" charset="0"/>
+            </a:endParaRPr>
+          </a:p>
+        </p:txBody>
+      </p:sp>
+      <p:grpSp>
+        <p:nvGrpSpPr>
+          <p:cNvPr id="198" name="Group 197"/>
+          <p:cNvGrpSpPr/>
+          <p:nvPr/>
+        </p:nvGrpSpPr>
+        <p:grpSpPr>
+          <a:xfrm>
+            <a:off x="4835717" y="3321609"/>
+            <a:ext cx="1482771" cy="350141"/>
+            <a:chOff x="4842978" y="2160404"/>
+            <a:chExt cx="1482771" cy="350141"/>
+          </a:xfrm>
+          <a:solidFill>
+            <a:schemeClr val="bg1"/>
+          </a:solidFill>
+          <a:effectLst>
+            <a:outerShdw blurRad="50800" dist="38100" dir="2700000" algn="tl" rotWithShape="0">
+              <a:prstClr val="black">
+                <a:alpha val="40000"/>
+              </a:prstClr>
+            </a:outerShdw>
+          </a:effectLst>
+        </p:grpSpPr>
+        <p:sp>
+          <p:nvSpPr>
+            <p:cNvPr id="199" name="Rectangle 198"/>
+            <p:cNvSpPr/>
+            <p:nvPr/>
+          </p:nvSpPr>
+          <p:spPr>
+            <a:xfrm>
+              <a:off x="4842978" y="2160404"/>
+              <a:ext cx="1477258" cy="350141"/>
+            </a:xfrm>
+            <a:prstGeom prst="rect">
+              <a:avLst/>
+            </a:prstGeom>
+            <a:grpFill/>
+            <a:ln>
+              <a:solidFill>
+                <a:schemeClr val="bg1">
+                  <a:lumMod val="50000"/>
+                </a:schemeClr>
+              </a:solidFill>
+            </a:ln>
+          </p:spPr>
+          <p:style>
+            <a:lnRef idx="2">
+              <a:schemeClr val="accent1">
+                <a:shade val="50000"/>
+              </a:schemeClr>
+            </a:lnRef>
+            <a:fillRef idx="1">
+              <a:schemeClr val="accent1"/>
+            </a:fillRef>
+            <a:effectRef idx="0">
+              <a:schemeClr val="accent1"/>
+            </a:effectRef>
+            <a:fontRef idx="minor">
+              <a:schemeClr val="lt1"/>
+            </a:fontRef>
+          </p:style>
+          <p:txBody>
+            <a:bodyPr rtlCol="0" anchor="ctr"/>
+            <a:lstStyle/>
+            <a:p>
+              <a:pPr algn="ctr"/>
+              <a:endParaRPr lang="id-ID" sz="1000">
+                <a:latin typeface="Times New Roman" panose="02020603050405020304" pitchFamily="18" charset="0"/>
+                <a:cs typeface="Times New Roman" panose="02020603050405020304" pitchFamily="18" charset="0"/>
+              </a:endParaRPr>
+            </a:p>
+          </p:txBody>
+        </p:sp>
+        <p:sp>
+          <p:nvSpPr>
+            <p:cNvPr id="200" name="TextBox 199"/>
+            <p:cNvSpPr txBox="1"/>
+            <p:nvPr/>
+          </p:nvSpPr>
+          <p:spPr>
+            <a:xfrm>
+              <a:off x="4864634" y="2220672"/>
+              <a:ext cx="1461115" cy="253916"/>
+            </a:xfrm>
+            <a:prstGeom prst="rect">
+              <a:avLst/>
+            </a:prstGeom>
+            <a:grpFill/>
+          </p:spPr>
+          <p:txBody>
+            <a:bodyPr wrap="square" rtlCol="0">
+              <a:spAutoFit/>
+            </a:bodyPr>
+            <a:lstStyle/>
+            <a:p>
+              <a:pPr algn="ctr"/>
+              <a:r>
+                <a:rPr lang="en-ID" sz="1000" dirty="0" smtClean="0">
+                  <a:cs typeface="Times New Roman" panose="02020603050405020304" pitchFamily="18" charset="0"/>
+                </a:rPr>
+                <a:t>Data Interpretation</a:t>
+              </a:r>
+              <a:endParaRPr lang="id-ID" sz="1000" dirty="0">
+                <a:cs typeface="Times New Roman" panose="02020603050405020304" pitchFamily="18" charset="0"/>
+              </a:endParaRPr>
+            </a:p>
+          </p:txBody>
+        </p:sp>
+      </p:grpSp>
+      <p:cxnSp>
+        <p:nvCxnSpPr>
+          <p:cNvPr id="201" name="Straight Arrow Connector 200"/>
+          <p:cNvCxnSpPr>
+            <a:stCxn id="136" idx="2"/>
+            <a:endCxn id="158" idx="0"/>
+          </p:cNvCxnSpPr>
+          <p:nvPr/>
+        </p:nvCxnSpPr>
+        <p:spPr>
+          <a:xfrm>
+            <a:off x="5575717" y="1751633"/>
+            <a:ext cx="3380" cy="638060"/>
+          </a:xfrm>
+          <a:prstGeom prst="straightConnector1">
+            <a:avLst/>
+          </a:prstGeom>
+          <a:ln w="28575">
+            <a:tailEnd type="triangle"/>
+          </a:ln>
+        </p:spPr>
+        <p:style>
+          <a:lnRef idx="1">
+            <a:schemeClr val="dk1"/>
+          </a:lnRef>
+          <a:fillRef idx="0">
+            <a:schemeClr val="dk1"/>
+          </a:fillRef>
+          <a:effectRef idx="0">
+            <a:schemeClr val="dk1"/>
+          </a:effectRef>
+          <a:fontRef idx="minor">
+            <a:schemeClr val="tx1"/>
+          </a:fontRef>
+        </p:style>
+      </p:cxnSp>
+      <p:sp>
+        <p:nvSpPr>
+          <p:cNvPr id="202" name="TextBox 201"/>
+          <p:cNvSpPr txBox="1"/>
+          <p:nvPr/>
+        </p:nvSpPr>
+        <p:spPr>
+          <a:xfrm>
+            <a:off x="5705753" y="2838074"/>
+            <a:ext cx="1461115" cy="400110"/>
+          </a:xfrm>
+          <a:prstGeom prst="rect">
+            <a:avLst/>
+          </a:prstGeom>
+          <a:noFill/>
+        </p:spPr>
+        <p:txBody>
+          <a:bodyPr wrap="square" rtlCol="0">
+            <a:spAutoFit/>
+          </a:bodyPr>
+          <a:lstStyle/>
+          <a:p>
+            <a:r>
+              <a:rPr lang="en-ID" sz="1000" dirty="0" smtClean="0">
+                <a:cs typeface="Times New Roman" panose="02020603050405020304" pitchFamily="18" charset="0"/>
+              </a:rPr>
+              <a:t>Data Abstraction</a:t>
+            </a:r>
+          </a:p>
+          <a:p>
+            <a:r>
+              <a:rPr lang="en-ID" sz="1000" dirty="0">
+                <a:cs typeface="Times New Roman" panose="02020603050405020304" pitchFamily="18" charset="0"/>
+              </a:rPr>
+              <a:t>a</a:t>
+            </a:r>
+            <a:r>
+              <a:rPr lang="en-ID" sz="1000" dirty="0" smtClean="0">
+                <a:cs typeface="Times New Roman" panose="02020603050405020304" pitchFamily="18" charset="0"/>
+              </a:rPr>
+              <a:t>nd Event</a:t>
+            </a:r>
+            <a:endParaRPr lang="id-ID" sz="1000" dirty="0">
+              <a:cs typeface="Times New Roman" panose="02020603050405020304" pitchFamily="18" charset="0"/>
+            </a:endParaRPr>
+          </a:p>
+        </p:txBody>
+      </p:sp>
+      <p:cxnSp>
+        <p:nvCxnSpPr>
+          <p:cNvPr id="203" name="Straight Arrow Connector 202"/>
+          <p:cNvCxnSpPr>
+            <a:endCxn id="199" idx="0"/>
+          </p:cNvCxnSpPr>
+          <p:nvPr/>
+        </p:nvCxnSpPr>
+        <p:spPr>
+          <a:xfrm>
+            <a:off x="5570966" y="2747840"/>
+            <a:ext cx="3380" cy="573769"/>
+          </a:xfrm>
+          <a:prstGeom prst="straightConnector1">
+            <a:avLst/>
+          </a:prstGeom>
+          <a:ln w="28575">
+            <a:tailEnd type="triangle"/>
+          </a:ln>
+        </p:spPr>
+        <p:style>
+          <a:lnRef idx="1">
+            <a:schemeClr val="dk1"/>
+          </a:lnRef>
+          <a:fillRef idx="0">
+            <a:schemeClr val="dk1"/>
+          </a:fillRef>
+          <a:effectRef idx="0">
+            <a:schemeClr val="dk1"/>
+          </a:effectRef>
+          <a:fontRef idx="minor">
+            <a:schemeClr val="tx1"/>
+          </a:fontRef>
+        </p:style>
+      </p:cxnSp>
+      <p:sp>
+        <p:nvSpPr>
+          <p:cNvPr id="204" name="TextBox 203"/>
+          <p:cNvSpPr txBox="1"/>
+          <p:nvPr/>
+        </p:nvSpPr>
+        <p:spPr>
+          <a:xfrm>
+            <a:off x="5669214" y="3748347"/>
+            <a:ext cx="1461115" cy="400110"/>
+          </a:xfrm>
+          <a:prstGeom prst="rect">
+            <a:avLst/>
+          </a:prstGeom>
+          <a:noFill/>
+        </p:spPr>
+        <p:txBody>
+          <a:bodyPr wrap="square" rtlCol="0">
+            <a:spAutoFit/>
+          </a:bodyPr>
+          <a:lstStyle/>
+          <a:p>
+            <a:r>
+              <a:rPr lang="en-ID" sz="1000" dirty="0" smtClean="0">
+                <a:cs typeface="Times New Roman" panose="02020603050405020304" pitchFamily="18" charset="0"/>
+              </a:rPr>
+              <a:t>Message </a:t>
+            </a:r>
+          </a:p>
+          <a:p>
+            <a:r>
+              <a:rPr lang="en-ID" sz="1000" dirty="0" smtClean="0">
+                <a:cs typeface="Times New Roman" panose="02020603050405020304" pitchFamily="18" charset="0"/>
+              </a:rPr>
+              <a:t>Inventory</a:t>
+            </a:r>
+            <a:endParaRPr lang="id-ID" sz="1000" dirty="0">
+              <a:cs typeface="Times New Roman" panose="02020603050405020304" pitchFamily="18" charset="0"/>
+            </a:endParaRPr>
+          </a:p>
+        </p:txBody>
+      </p:sp>
+      <p:sp>
+        <p:nvSpPr>
+          <p:cNvPr id="205" name="Rectangle 204"/>
+          <p:cNvSpPr/>
+          <p:nvPr/>
+        </p:nvSpPr>
+        <p:spPr>
+          <a:xfrm>
+            <a:off x="8871391" y="7280139"/>
+            <a:ext cx="1455602" cy="350141"/>
+          </a:xfrm>
+          <a:prstGeom prst="rect">
+            <a:avLst/>
+          </a:prstGeom>
+          <a:noFill/>
+          <a:ln>
+            <a:solidFill>
+              <a:schemeClr val="bg1">
+                <a:lumMod val="50000"/>
+              </a:schemeClr>
+            </a:solidFill>
+          </a:ln>
+        </p:spPr>
+        <p:style>
+          <a:lnRef idx="2">
+            <a:schemeClr val="accent1">
+              <a:shade val="50000"/>
+            </a:schemeClr>
+          </a:lnRef>
+          <a:fillRef idx="1">
+            <a:schemeClr val="accent1"/>
+          </a:fillRef>
+          <a:effectRef idx="0">
+            <a:schemeClr val="accent1"/>
+          </a:effectRef>
+          <a:fontRef idx="minor">
+            <a:schemeClr val="lt1"/>
+          </a:fontRef>
+        </p:style>
+        <p:txBody>
+          <a:bodyPr rtlCol="0" anchor="ctr"/>
+          <a:lstStyle/>
+          <a:p>
+            <a:pPr algn="ctr"/>
+            <a:endParaRPr lang="id-ID" sz="1000">
+              <a:latin typeface="Times New Roman" panose="02020603050405020304" pitchFamily="18" charset="0"/>
+              <a:cs typeface="Times New Roman" panose="02020603050405020304" pitchFamily="18" charset="0"/>
+            </a:endParaRPr>
+          </a:p>
+        </p:txBody>
+      </p:sp>
+      <p:sp>
+        <p:nvSpPr>
+          <p:cNvPr id="206" name="TextBox 205"/>
+          <p:cNvSpPr txBox="1"/>
+          <p:nvPr/>
+        </p:nvSpPr>
+        <p:spPr>
+          <a:xfrm>
+            <a:off x="8513553" y="7335761"/>
+            <a:ext cx="2098304" cy="253916"/>
+          </a:xfrm>
+          <a:prstGeom prst="rect">
+            <a:avLst/>
+          </a:prstGeom>
+          <a:noFill/>
+        </p:spPr>
+        <p:txBody>
+          <a:bodyPr wrap="square" rtlCol="0">
+            <a:spAutoFit/>
+          </a:bodyPr>
+          <a:lstStyle/>
+          <a:p>
+            <a:pPr algn="ctr"/>
+            <a:r>
+              <a:rPr lang="en-ID" sz="1000" dirty="0" smtClean="0">
+                <a:cs typeface="Times New Roman" panose="02020603050405020304" pitchFamily="18" charset="0"/>
+              </a:rPr>
+              <a:t>Trend </a:t>
+            </a:r>
+            <a:r>
+              <a:rPr lang="en-ID" sz="1000" dirty="0" err="1" smtClean="0">
+                <a:cs typeface="Times New Roman" panose="02020603050405020304" pitchFamily="18" charset="0"/>
+              </a:rPr>
+              <a:t>Descripton</a:t>
+            </a:r>
+            <a:endParaRPr lang="id-ID" sz="1000" dirty="0">
+              <a:cs typeface="Times New Roman" panose="02020603050405020304" pitchFamily="18" charset="0"/>
+            </a:endParaRPr>
+          </a:p>
+        </p:txBody>
+      </p:sp>
+      <p:cxnSp>
+        <p:nvCxnSpPr>
+          <p:cNvPr id="207" name="Elbow Connector 206"/>
+          <p:cNvCxnSpPr>
+            <a:stCxn id="185" idx="2"/>
+            <a:endCxn id="196" idx="0"/>
+          </p:cNvCxnSpPr>
+          <p:nvPr/>
+        </p:nvCxnSpPr>
+        <p:spPr>
+          <a:xfrm rot="5400000">
+            <a:off x="8495361" y="6206288"/>
+            <a:ext cx="522637" cy="1616510"/>
+          </a:xfrm>
+          <a:prstGeom prst="bentConnector3">
+            <a:avLst>
+              <a:gd name="adj1" fmla="val 75971"/>
+            </a:avLst>
+          </a:prstGeom>
+          <a:ln>
+            <a:prstDash val="dash"/>
+            <a:tailEnd type="triangle"/>
+          </a:ln>
+        </p:spPr>
+        <p:style>
+          <a:lnRef idx="1">
+            <a:schemeClr val="dk1"/>
+          </a:lnRef>
+          <a:fillRef idx="0">
+            <a:schemeClr val="dk1"/>
+          </a:fillRef>
+          <a:effectRef idx="0">
+            <a:schemeClr val="dk1"/>
+          </a:effectRef>
+          <a:fontRef idx="minor">
+            <a:schemeClr val="tx1"/>
+          </a:fontRef>
+        </p:style>
+      </p:cxnSp>
+      <p:cxnSp>
+        <p:nvCxnSpPr>
+          <p:cNvPr id="208" name="Straight Connector 207"/>
+          <p:cNvCxnSpPr/>
+          <p:nvPr/>
+        </p:nvCxnSpPr>
+        <p:spPr>
+          <a:xfrm>
+            <a:off x="7948424" y="7055105"/>
+            <a:ext cx="0" cy="100683"/>
+          </a:xfrm>
+          <a:prstGeom prst="line">
+            <a:avLst/>
+          </a:prstGeom>
+          <a:ln>
+            <a:prstDash val="dash"/>
+          </a:ln>
+        </p:spPr>
+        <p:style>
+          <a:lnRef idx="1">
+            <a:schemeClr val="dk1"/>
+          </a:lnRef>
+          <a:fillRef idx="0">
+            <a:schemeClr val="dk1"/>
+          </a:fillRef>
+          <a:effectRef idx="0">
+            <a:schemeClr val="dk1"/>
+          </a:effectRef>
+          <a:fontRef idx="minor">
+            <a:schemeClr val="tx1"/>
+          </a:fontRef>
+        </p:style>
+      </p:cxnSp>
+      <p:cxnSp>
+        <p:nvCxnSpPr>
+          <p:cNvPr id="209" name="Straight Arrow Connector 208"/>
+          <p:cNvCxnSpPr/>
+          <p:nvPr/>
+        </p:nvCxnSpPr>
+        <p:spPr>
+          <a:xfrm flipH="1">
+            <a:off x="8676225" y="7446169"/>
+            <a:ext cx="195166" cy="0"/>
+          </a:xfrm>
+          <a:prstGeom prst="straightConnector1">
+            <a:avLst/>
+          </a:prstGeom>
+          <a:ln>
+            <a:prstDash val="dash"/>
+            <a:tailEnd type="triangle"/>
+          </a:ln>
+        </p:spPr>
+        <p:style>
+          <a:lnRef idx="1">
+            <a:schemeClr val="dk1"/>
+          </a:lnRef>
+          <a:fillRef idx="0">
+            <a:schemeClr val="dk1"/>
+          </a:fillRef>
+          <a:effectRef idx="0">
+            <a:schemeClr val="dk1"/>
+          </a:effectRef>
+          <a:fontRef idx="minor">
+            <a:schemeClr val="tx1"/>
+          </a:fontRef>
+        </p:style>
+      </p:cxnSp>
+      <p:grpSp>
+        <p:nvGrpSpPr>
+          <p:cNvPr id="210" name="Group 209"/>
+          <p:cNvGrpSpPr/>
+          <p:nvPr/>
+        </p:nvGrpSpPr>
+        <p:grpSpPr>
+          <a:xfrm>
+            <a:off x="4839102" y="4198854"/>
+            <a:ext cx="1477258" cy="1491207"/>
+            <a:chOff x="4842978" y="2160404"/>
+            <a:chExt cx="1477258" cy="1340319"/>
+          </a:xfrm>
+          <a:solidFill>
+            <a:schemeClr val="bg1"/>
+          </a:solidFill>
+          <a:effectLst>
+            <a:outerShdw blurRad="50800" dist="38100" dir="2700000" algn="tl" rotWithShape="0">
+              <a:prstClr val="black">
+                <a:alpha val="40000"/>
+              </a:prstClr>
+            </a:outerShdw>
+          </a:effectLst>
+        </p:grpSpPr>
+        <p:sp>
+          <p:nvSpPr>
+            <p:cNvPr id="211" name="Rectangle 210"/>
+            <p:cNvSpPr/>
+            <p:nvPr/>
+          </p:nvSpPr>
+          <p:spPr>
+            <a:xfrm>
+              <a:off x="4842978" y="2160404"/>
+              <a:ext cx="1477258" cy="1340319"/>
+            </a:xfrm>
+            <a:prstGeom prst="rect">
+              <a:avLst/>
+            </a:prstGeom>
+            <a:grpFill/>
+            <a:ln>
+              <a:solidFill>
+                <a:schemeClr val="bg1">
+                  <a:lumMod val="50000"/>
+                </a:schemeClr>
+              </a:solidFill>
+            </a:ln>
+          </p:spPr>
+          <p:style>
+            <a:lnRef idx="2">
+              <a:schemeClr val="accent1">
+                <a:shade val="50000"/>
+              </a:schemeClr>
+            </a:lnRef>
+            <a:fillRef idx="1">
+              <a:schemeClr val="accent1"/>
+            </a:fillRef>
+            <a:effectRef idx="0">
+              <a:schemeClr val="accent1"/>
+            </a:effectRef>
+            <a:fontRef idx="minor">
+              <a:schemeClr val="lt1"/>
+            </a:fontRef>
+          </p:style>
+          <p:txBody>
+            <a:bodyPr rtlCol="0" anchor="ctr"/>
+            <a:lstStyle/>
+            <a:p>
+              <a:pPr algn="ctr"/>
+              <a:endParaRPr lang="id-ID" sz="1000">
+                <a:latin typeface="Times New Roman" panose="02020603050405020304" pitchFamily="18" charset="0"/>
+                <a:cs typeface="Times New Roman" panose="02020603050405020304" pitchFamily="18" charset="0"/>
+              </a:endParaRPr>
+            </a:p>
+          </p:txBody>
+        </p:sp>
+        <p:sp>
+          <p:nvSpPr>
+            <p:cNvPr id="212" name="TextBox 211"/>
+            <p:cNvSpPr txBox="1"/>
+            <p:nvPr/>
+          </p:nvSpPr>
+          <p:spPr>
+            <a:xfrm>
+              <a:off x="4852108" y="2193857"/>
+              <a:ext cx="1461115" cy="253916"/>
+            </a:xfrm>
+            <a:prstGeom prst="rect">
+              <a:avLst/>
+            </a:prstGeom>
+            <a:grpFill/>
+          </p:spPr>
+          <p:txBody>
+            <a:bodyPr wrap="square" rtlCol="0">
+              <a:spAutoFit/>
+            </a:bodyPr>
+            <a:lstStyle/>
+            <a:p>
+              <a:pPr algn="ctr"/>
+              <a:r>
+                <a:rPr lang="en-ID" sz="1000" dirty="0" smtClean="0">
+                  <a:cs typeface="Times New Roman" panose="02020603050405020304" pitchFamily="18" charset="0"/>
+                </a:rPr>
+                <a:t>Document Planning</a:t>
+              </a:r>
+              <a:endParaRPr lang="id-ID" sz="1000" dirty="0">
+                <a:cs typeface="Times New Roman" panose="02020603050405020304" pitchFamily="18" charset="0"/>
+              </a:endParaRPr>
+            </a:p>
+          </p:txBody>
+        </p:sp>
+      </p:grpSp>
+      <p:sp>
+        <p:nvSpPr>
+          <p:cNvPr id="213" name="Rectangle 212"/>
+          <p:cNvSpPr/>
+          <p:nvPr/>
+        </p:nvSpPr>
+        <p:spPr>
+          <a:xfrm>
+            <a:off x="4930951" y="4646858"/>
+            <a:ext cx="1254008" cy="419842"/>
+          </a:xfrm>
+          <a:prstGeom prst="rect">
+            <a:avLst/>
+          </a:prstGeom>
+          <a:noFill/>
+          <a:ln>
+            <a:solidFill>
+              <a:schemeClr val="bg1">
+                <a:lumMod val="50000"/>
+              </a:schemeClr>
+            </a:solidFill>
+          </a:ln>
+        </p:spPr>
+        <p:style>
+          <a:lnRef idx="2">
+            <a:schemeClr val="accent1">
+              <a:shade val="50000"/>
+            </a:schemeClr>
+          </a:lnRef>
+          <a:fillRef idx="1">
+            <a:schemeClr val="accent1"/>
+          </a:fillRef>
+          <a:effectRef idx="0">
+            <a:schemeClr val="accent1"/>
+          </a:effectRef>
+          <a:fontRef idx="minor">
+            <a:schemeClr val="lt1"/>
+          </a:fontRef>
+        </p:style>
+        <p:txBody>
+          <a:bodyPr rtlCol="0" anchor="ctr"/>
+          <a:lstStyle/>
+          <a:p>
+            <a:pPr algn="ctr"/>
+            <a:endParaRPr lang="id-ID" sz="1000">
+              <a:latin typeface="Times New Roman" panose="02020603050405020304" pitchFamily="18" charset="0"/>
+              <a:cs typeface="Times New Roman" panose="02020603050405020304" pitchFamily="18" charset="0"/>
+            </a:endParaRPr>
+          </a:p>
+        </p:txBody>
+      </p:sp>
+      <p:sp>
+        <p:nvSpPr>
+          <p:cNvPr id="214" name="TextBox 213"/>
+          <p:cNvSpPr txBox="1"/>
+          <p:nvPr/>
+        </p:nvSpPr>
+        <p:spPr>
+          <a:xfrm>
+            <a:off x="4930951" y="4656724"/>
+            <a:ext cx="1254008" cy="369332"/>
+          </a:xfrm>
+          <a:prstGeom prst="rect">
+            <a:avLst/>
+          </a:prstGeom>
+          <a:noFill/>
+        </p:spPr>
+        <p:txBody>
+          <a:bodyPr wrap="square" rtlCol="0">
+            <a:spAutoFit/>
+          </a:bodyPr>
+          <a:lstStyle/>
+          <a:p>
+            <a:pPr algn="ctr"/>
+            <a:r>
+              <a:rPr lang="en-ID" sz="900" dirty="0" smtClean="0">
+                <a:cs typeface="Times New Roman" panose="02020603050405020304" pitchFamily="18" charset="0"/>
+              </a:rPr>
+              <a:t>Content</a:t>
+            </a:r>
+          </a:p>
+          <a:p>
+            <a:pPr algn="ctr"/>
+            <a:r>
+              <a:rPr lang="en-ID" sz="900" dirty="0" smtClean="0">
+                <a:cs typeface="Times New Roman" panose="02020603050405020304" pitchFamily="18" charset="0"/>
+              </a:rPr>
+              <a:t>Determination</a:t>
+            </a:r>
+            <a:endParaRPr lang="id-ID" sz="900" dirty="0">
+              <a:cs typeface="Times New Roman" panose="02020603050405020304" pitchFamily="18" charset="0"/>
+            </a:endParaRPr>
+          </a:p>
+        </p:txBody>
+      </p:sp>
+      <p:sp>
+        <p:nvSpPr>
+          <p:cNvPr id="215" name="Rectangle 214"/>
+          <p:cNvSpPr/>
+          <p:nvPr/>
+        </p:nvSpPr>
+        <p:spPr>
+          <a:xfrm>
+            <a:off x="4928132" y="5175997"/>
+            <a:ext cx="1254008" cy="419842"/>
+          </a:xfrm>
+          <a:prstGeom prst="rect">
+            <a:avLst/>
+          </a:prstGeom>
+          <a:noFill/>
+          <a:ln>
+            <a:solidFill>
+              <a:schemeClr val="bg1">
+                <a:lumMod val="50000"/>
+              </a:schemeClr>
+            </a:solidFill>
+          </a:ln>
+        </p:spPr>
+        <p:style>
+          <a:lnRef idx="2">
+            <a:schemeClr val="accent1">
+              <a:shade val="50000"/>
+            </a:schemeClr>
+          </a:lnRef>
+          <a:fillRef idx="1">
+            <a:schemeClr val="accent1"/>
+          </a:fillRef>
+          <a:effectRef idx="0">
+            <a:schemeClr val="accent1"/>
+          </a:effectRef>
+          <a:fontRef idx="minor">
+            <a:schemeClr val="lt1"/>
+          </a:fontRef>
+        </p:style>
+        <p:txBody>
+          <a:bodyPr rtlCol="0" anchor="ctr"/>
+          <a:lstStyle/>
+          <a:p>
+            <a:pPr algn="ctr"/>
+            <a:endParaRPr lang="id-ID" sz="1000">
+              <a:latin typeface="Times New Roman" panose="02020603050405020304" pitchFamily="18" charset="0"/>
+              <a:cs typeface="Times New Roman" panose="02020603050405020304" pitchFamily="18" charset="0"/>
+            </a:endParaRPr>
+          </a:p>
+        </p:txBody>
+      </p:sp>
+      <p:sp>
+        <p:nvSpPr>
+          <p:cNvPr id="216" name="TextBox 215"/>
+          <p:cNvSpPr txBox="1"/>
+          <p:nvPr/>
+        </p:nvSpPr>
+        <p:spPr>
+          <a:xfrm>
+            <a:off x="4928132" y="5185863"/>
+            <a:ext cx="1254008" cy="369332"/>
+          </a:xfrm>
+          <a:prstGeom prst="rect">
+            <a:avLst/>
+          </a:prstGeom>
+          <a:noFill/>
+        </p:spPr>
+        <p:txBody>
+          <a:bodyPr wrap="square" rtlCol="0">
+            <a:spAutoFit/>
+          </a:bodyPr>
+          <a:lstStyle/>
+          <a:p>
+            <a:pPr algn="ctr"/>
+            <a:r>
+              <a:rPr lang="en-ID" sz="900" dirty="0" smtClean="0">
+                <a:cs typeface="Times New Roman" panose="02020603050405020304" pitchFamily="18" charset="0"/>
+              </a:rPr>
+              <a:t>Document</a:t>
+            </a:r>
+          </a:p>
+          <a:p>
+            <a:pPr algn="ctr"/>
+            <a:r>
+              <a:rPr lang="en-ID" sz="900" dirty="0" smtClean="0">
+                <a:cs typeface="Times New Roman" panose="02020603050405020304" pitchFamily="18" charset="0"/>
+              </a:rPr>
+              <a:t>Structuring</a:t>
+            </a:r>
+            <a:endParaRPr lang="id-ID" sz="900" dirty="0">
+              <a:cs typeface="Times New Roman" panose="02020603050405020304" pitchFamily="18" charset="0"/>
+            </a:endParaRPr>
+          </a:p>
+        </p:txBody>
+      </p:sp>
+      <p:grpSp>
+        <p:nvGrpSpPr>
+          <p:cNvPr id="217" name="Group 216"/>
+          <p:cNvGrpSpPr/>
+          <p:nvPr/>
+        </p:nvGrpSpPr>
+        <p:grpSpPr>
+          <a:xfrm>
+            <a:off x="4844074" y="5889155"/>
+            <a:ext cx="1482771" cy="2209085"/>
+            <a:chOff x="4842978" y="2160404"/>
+            <a:chExt cx="1482771" cy="1340319"/>
+          </a:xfrm>
+          <a:noFill/>
+          <a:effectLst>
+            <a:outerShdw blurRad="50800" dist="38100" dir="2700000" algn="tl" rotWithShape="0">
+              <a:prstClr val="black">
+                <a:alpha val="40000"/>
+              </a:prstClr>
+            </a:outerShdw>
+          </a:effectLst>
+        </p:grpSpPr>
+        <p:sp>
+          <p:nvSpPr>
+            <p:cNvPr id="218" name="Rectangle 217"/>
+            <p:cNvSpPr/>
+            <p:nvPr/>
+          </p:nvSpPr>
+          <p:spPr>
+            <a:xfrm>
+              <a:off x="4842978" y="2160404"/>
+              <a:ext cx="1477258" cy="1340319"/>
+            </a:xfrm>
+            <a:prstGeom prst="rect">
+              <a:avLst/>
+            </a:prstGeom>
+            <a:solidFill>
+              <a:schemeClr val="bg1"/>
+            </a:solidFill>
+            <a:ln>
+              <a:solidFill>
+                <a:schemeClr val="bg1">
+                  <a:lumMod val="50000"/>
+                </a:schemeClr>
+              </a:solidFill>
+            </a:ln>
+          </p:spPr>
+          <p:style>
+            <a:lnRef idx="2">
+              <a:schemeClr val="accent1">
+                <a:shade val="50000"/>
+              </a:schemeClr>
+            </a:lnRef>
+            <a:fillRef idx="1">
+              <a:schemeClr val="accent1"/>
+            </a:fillRef>
+            <a:effectRef idx="0">
+              <a:schemeClr val="accent1"/>
+            </a:effectRef>
+            <a:fontRef idx="minor">
+              <a:schemeClr val="lt1"/>
+            </a:fontRef>
+          </p:style>
+          <p:txBody>
+            <a:bodyPr rtlCol="0" anchor="ctr"/>
+            <a:lstStyle/>
+            <a:p>
+              <a:pPr algn="ctr"/>
+              <a:endParaRPr lang="id-ID" sz="1000">
+                <a:latin typeface="Times New Roman" panose="02020603050405020304" pitchFamily="18" charset="0"/>
+                <a:cs typeface="Times New Roman" panose="02020603050405020304" pitchFamily="18" charset="0"/>
+              </a:endParaRPr>
+            </a:p>
+          </p:txBody>
+        </p:sp>
+        <p:sp>
+          <p:nvSpPr>
+            <p:cNvPr id="219" name="TextBox 218"/>
+            <p:cNvSpPr txBox="1"/>
+            <p:nvPr/>
+          </p:nvSpPr>
+          <p:spPr>
+            <a:xfrm>
+              <a:off x="4864634" y="2193857"/>
+              <a:ext cx="1461115" cy="242759"/>
+            </a:xfrm>
+            <a:prstGeom prst="rect">
+              <a:avLst/>
+            </a:prstGeom>
+            <a:grpFill/>
+          </p:spPr>
+          <p:txBody>
+            <a:bodyPr wrap="square" rtlCol="0">
+              <a:spAutoFit/>
+            </a:bodyPr>
+            <a:lstStyle/>
+            <a:p>
+              <a:pPr algn="ctr"/>
+              <a:r>
+                <a:rPr lang="en-ID" sz="1000" dirty="0" smtClean="0">
+                  <a:cs typeface="Times New Roman" panose="02020603050405020304" pitchFamily="18" charset="0"/>
+                </a:rPr>
+                <a:t>Macroplanning &amp;</a:t>
+              </a:r>
+            </a:p>
+            <a:p>
+              <a:pPr algn="ctr"/>
+              <a:r>
+                <a:rPr lang="en-ID" sz="1000" dirty="0" smtClean="0">
+                  <a:cs typeface="Times New Roman" panose="02020603050405020304" pitchFamily="18" charset="0"/>
+                </a:rPr>
+                <a:t>Realisation</a:t>
+              </a:r>
+              <a:endParaRPr lang="id-ID" sz="1000" dirty="0">
+                <a:cs typeface="Times New Roman" panose="02020603050405020304" pitchFamily="18" charset="0"/>
+              </a:endParaRPr>
+            </a:p>
+          </p:txBody>
+        </p:sp>
+      </p:grpSp>
+      <p:sp>
+        <p:nvSpPr>
+          <p:cNvPr id="220" name="Rectangle 219"/>
+          <p:cNvSpPr/>
+          <p:nvPr/>
+        </p:nvSpPr>
+        <p:spPr>
+          <a:xfrm>
+            <a:off x="4945448" y="6477562"/>
+            <a:ext cx="1254008" cy="248614"/>
+          </a:xfrm>
+          <a:prstGeom prst="rect">
+            <a:avLst/>
+          </a:prstGeom>
+          <a:noFill/>
+          <a:ln>
+            <a:solidFill>
+              <a:schemeClr val="bg1">
+                <a:lumMod val="50000"/>
+              </a:schemeClr>
+            </a:solidFill>
+          </a:ln>
+        </p:spPr>
+        <p:style>
+          <a:lnRef idx="2">
+            <a:schemeClr val="accent1">
+              <a:shade val="50000"/>
+            </a:schemeClr>
+          </a:lnRef>
+          <a:fillRef idx="1">
+            <a:schemeClr val="accent1"/>
+          </a:fillRef>
+          <a:effectRef idx="0">
+            <a:schemeClr val="accent1"/>
+          </a:effectRef>
+          <a:fontRef idx="minor">
+            <a:schemeClr val="lt1"/>
+          </a:fontRef>
+        </p:style>
+        <p:txBody>
+          <a:bodyPr rtlCol="0" anchor="ctr"/>
+          <a:lstStyle/>
+          <a:p>
+            <a:pPr algn="ctr"/>
+            <a:endParaRPr lang="id-ID" sz="1000">
+              <a:latin typeface="Times New Roman" panose="02020603050405020304" pitchFamily="18" charset="0"/>
+              <a:cs typeface="Times New Roman" panose="02020603050405020304" pitchFamily="18" charset="0"/>
+            </a:endParaRPr>
+          </a:p>
+        </p:txBody>
+      </p:sp>
+      <p:sp>
+        <p:nvSpPr>
+          <p:cNvPr id="221" name="TextBox 220"/>
+          <p:cNvSpPr txBox="1"/>
+          <p:nvPr/>
+        </p:nvSpPr>
+        <p:spPr>
+          <a:xfrm>
+            <a:off x="4945448" y="6487428"/>
+            <a:ext cx="1254008" cy="230832"/>
+          </a:xfrm>
+          <a:prstGeom prst="rect">
+            <a:avLst/>
+          </a:prstGeom>
+          <a:noFill/>
+        </p:spPr>
+        <p:txBody>
+          <a:bodyPr wrap="square" rtlCol="0">
+            <a:spAutoFit/>
+          </a:bodyPr>
+          <a:lstStyle/>
+          <a:p>
+            <a:pPr algn="ctr"/>
+            <a:r>
+              <a:rPr lang="en-ID" sz="900" dirty="0" smtClean="0">
+                <a:cs typeface="Times New Roman" panose="02020603050405020304" pitchFamily="18" charset="0"/>
+              </a:rPr>
+              <a:t>Lexicalization</a:t>
+            </a:r>
+            <a:endParaRPr lang="id-ID" sz="900" dirty="0">
+              <a:cs typeface="Times New Roman" panose="02020603050405020304" pitchFamily="18" charset="0"/>
+            </a:endParaRPr>
+          </a:p>
+        </p:txBody>
+      </p:sp>
+      <p:sp>
+        <p:nvSpPr>
+          <p:cNvPr id="222" name="Rectangle 221"/>
+          <p:cNvSpPr/>
+          <p:nvPr/>
+        </p:nvSpPr>
+        <p:spPr>
+          <a:xfrm>
+            <a:off x="4942629" y="6819418"/>
+            <a:ext cx="1254008" cy="248614"/>
+          </a:xfrm>
+          <a:prstGeom prst="rect">
+            <a:avLst/>
+          </a:prstGeom>
+          <a:noFill/>
+          <a:ln>
+            <a:solidFill>
+              <a:schemeClr val="bg1">
+                <a:lumMod val="50000"/>
+              </a:schemeClr>
+            </a:solidFill>
+          </a:ln>
+        </p:spPr>
+        <p:style>
+          <a:lnRef idx="2">
+            <a:schemeClr val="accent1">
+              <a:shade val="50000"/>
+            </a:schemeClr>
+          </a:lnRef>
+          <a:fillRef idx="1">
+            <a:schemeClr val="accent1"/>
+          </a:fillRef>
+          <a:effectRef idx="0">
+            <a:schemeClr val="accent1"/>
+          </a:effectRef>
+          <a:fontRef idx="minor">
+            <a:schemeClr val="lt1"/>
+          </a:fontRef>
+        </p:style>
+        <p:txBody>
+          <a:bodyPr rtlCol="0" anchor="ctr"/>
+          <a:lstStyle/>
+          <a:p>
+            <a:pPr algn="ctr"/>
+            <a:endParaRPr lang="id-ID" sz="1000">
+              <a:latin typeface="Times New Roman" panose="02020603050405020304" pitchFamily="18" charset="0"/>
+              <a:cs typeface="Times New Roman" panose="02020603050405020304" pitchFamily="18" charset="0"/>
+            </a:endParaRPr>
+          </a:p>
+        </p:txBody>
+      </p:sp>
+      <p:sp>
+        <p:nvSpPr>
+          <p:cNvPr id="223" name="TextBox 222"/>
+          <p:cNvSpPr txBox="1"/>
+          <p:nvPr/>
+        </p:nvSpPr>
+        <p:spPr>
+          <a:xfrm>
+            <a:off x="4925079" y="6830916"/>
+            <a:ext cx="1254008" cy="230832"/>
+          </a:xfrm>
+          <a:prstGeom prst="rect">
+            <a:avLst/>
+          </a:prstGeom>
+          <a:noFill/>
+        </p:spPr>
+        <p:txBody>
+          <a:bodyPr wrap="square" rtlCol="0">
+            <a:spAutoFit/>
+          </a:bodyPr>
+          <a:lstStyle/>
+          <a:p>
+            <a:pPr algn="ctr"/>
+            <a:r>
+              <a:rPr lang="en-ID" sz="900" dirty="0" smtClean="0">
+                <a:cs typeface="Times New Roman" panose="02020603050405020304" pitchFamily="18" charset="0"/>
+              </a:rPr>
+              <a:t>Aggregation</a:t>
+            </a:r>
+            <a:endParaRPr lang="id-ID" sz="900" dirty="0">
+              <a:cs typeface="Times New Roman" panose="02020603050405020304" pitchFamily="18" charset="0"/>
+            </a:endParaRPr>
+          </a:p>
+        </p:txBody>
+      </p:sp>
+      <p:sp>
+        <p:nvSpPr>
+          <p:cNvPr id="224" name="Rectangle 223"/>
+          <p:cNvSpPr/>
+          <p:nvPr/>
+        </p:nvSpPr>
+        <p:spPr>
+          <a:xfrm>
+            <a:off x="4942629" y="7140831"/>
+            <a:ext cx="1254008" cy="503574"/>
+          </a:xfrm>
+          <a:prstGeom prst="rect">
+            <a:avLst/>
+          </a:prstGeom>
+          <a:noFill/>
+          <a:ln>
+            <a:solidFill>
+              <a:schemeClr val="bg1">
+                <a:lumMod val="50000"/>
+              </a:schemeClr>
+            </a:solidFill>
+          </a:ln>
+        </p:spPr>
+        <p:style>
+          <a:lnRef idx="2">
+            <a:schemeClr val="accent1">
+              <a:shade val="50000"/>
+            </a:schemeClr>
+          </a:lnRef>
+          <a:fillRef idx="1">
+            <a:schemeClr val="accent1"/>
+          </a:fillRef>
+          <a:effectRef idx="0">
+            <a:schemeClr val="accent1"/>
+          </a:effectRef>
+          <a:fontRef idx="minor">
+            <a:schemeClr val="lt1"/>
+          </a:fontRef>
+        </p:style>
+        <p:txBody>
+          <a:bodyPr rtlCol="0" anchor="ctr"/>
+          <a:lstStyle/>
+          <a:p>
+            <a:pPr algn="ctr"/>
+            <a:endParaRPr lang="id-ID" sz="1000">
+              <a:latin typeface="Times New Roman" panose="02020603050405020304" pitchFamily="18" charset="0"/>
+              <a:cs typeface="Times New Roman" panose="02020603050405020304" pitchFamily="18" charset="0"/>
+            </a:endParaRPr>
+          </a:p>
+        </p:txBody>
+      </p:sp>
+      <p:sp>
+        <p:nvSpPr>
+          <p:cNvPr id="225" name="TextBox 224"/>
+          <p:cNvSpPr txBox="1"/>
+          <p:nvPr/>
+        </p:nvSpPr>
+        <p:spPr>
+          <a:xfrm>
+            <a:off x="4942629" y="7136573"/>
+            <a:ext cx="1254008" cy="507831"/>
+          </a:xfrm>
+          <a:prstGeom prst="rect">
+            <a:avLst/>
+          </a:prstGeom>
+          <a:noFill/>
+        </p:spPr>
+        <p:txBody>
+          <a:bodyPr wrap="square" rtlCol="0">
+            <a:spAutoFit/>
+          </a:bodyPr>
+          <a:lstStyle/>
+          <a:p>
+            <a:pPr algn="ctr"/>
+            <a:r>
+              <a:rPr lang="en-ID" sz="900" dirty="0" err="1" smtClean="0">
+                <a:cs typeface="Times New Roman" panose="02020603050405020304" pitchFamily="18" charset="0"/>
+              </a:rPr>
+              <a:t>Reffering</a:t>
+            </a:r>
+            <a:endParaRPr lang="en-ID" sz="900" dirty="0">
+              <a:cs typeface="Times New Roman" panose="02020603050405020304" pitchFamily="18" charset="0"/>
+            </a:endParaRPr>
+          </a:p>
+          <a:p>
+            <a:pPr algn="ctr"/>
+            <a:r>
+              <a:rPr lang="en-ID" sz="900" dirty="0" smtClean="0">
+                <a:cs typeface="Times New Roman" panose="02020603050405020304" pitchFamily="18" charset="0"/>
+              </a:rPr>
+              <a:t>Expression</a:t>
+            </a:r>
+          </a:p>
+          <a:p>
+            <a:pPr algn="ctr"/>
+            <a:r>
+              <a:rPr lang="en-ID" sz="900" dirty="0" smtClean="0">
+                <a:cs typeface="Times New Roman" panose="02020603050405020304" pitchFamily="18" charset="0"/>
+              </a:rPr>
+              <a:t>Generation</a:t>
+            </a:r>
+            <a:endParaRPr lang="id-ID" sz="900" dirty="0">
+              <a:cs typeface="Times New Roman" panose="02020603050405020304" pitchFamily="18" charset="0"/>
+            </a:endParaRPr>
+          </a:p>
+        </p:txBody>
+      </p:sp>
+      <p:sp>
+        <p:nvSpPr>
+          <p:cNvPr id="226" name="Rectangle 225"/>
+          <p:cNvSpPr/>
+          <p:nvPr/>
+        </p:nvSpPr>
+        <p:spPr>
+          <a:xfrm>
+            <a:off x="4942629" y="7747587"/>
+            <a:ext cx="1254008" cy="244795"/>
+          </a:xfrm>
+          <a:prstGeom prst="rect">
+            <a:avLst/>
+          </a:prstGeom>
+          <a:noFill/>
+          <a:ln>
+            <a:solidFill>
+              <a:schemeClr val="bg1">
+                <a:lumMod val="50000"/>
+              </a:schemeClr>
+            </a:solidFill>
+          </a:ln>
+        </p:spPr>
+        <p:style>
+          <a:lnRef idx="2">
+            <a:schemeClr val="accent1">
+              <a:shade val="50000"/>
+            </a:schemeClr>
+          </a:lnRef>
+          <a:fillRef idx="1">
+            <a:schemeClr val="accent1"/>
+          </a:fillRef>
+          <a:effectRef idx="0">
+            <a:schemeClr val="accent1"/>
+          </a:effectRef>
+          <a:fontRef idx="minor">
+            <a:schemeClr val="lt1"/>
+          </a:fontRef>
+        </p:style>
+        <p:txBody>
+          <a:bodyPr rtlCol="0" anchor="ctr"/>
+          <a:lstStyle/>
+          <a:p>
+            <a:pPr algn="ctr"/>
+            <a:endParaRPr lang="id-ID" sz="1000">
+              <a:latin typeface="Times New Roman" panose="02020603050405020304" pitchFamily="18" charset="0"/>
+              <a:cs typeface="Times New Roman" panose="02020603050405020304" pitchFamily="18" charset="0"/>
+            </a:endParaRPr>
+          </a:p>
+        </p:txBody>
+      </p:sp>
+      <p:sp>
+        <p:nvSpPr>
+          <p:cNvPr id="227" name="TextBox 226"/>
+          <p:cNvSpPr txBox="1"/>
+          <p:nvPr/>
+        </p:nvSpPr>
+        <p:spPr>
+          <a:xfrm>
+            <a:off x="4925079" y="7747586"/>
+            <a:ext cx="1254008" cy="230832"/>
+          </a:xfrm>
+          <a:prstGeom prst="rect">
+            <a:avLst/>
+          </a:prstGeom>
+          <a:noFill/>
+        </p:spPr>
+        <p:txBody>
+          <a:bodyPr wrap="square" rtlCol="0">
+            <a:spAutoFit/>
+          </a:bodyPr>
+          <a:lstStyle/>
+          <a:p>
+            <a:pPr algn="ctr"/>
+            <a:r>
+              <a:rPr lang="en-ID" sz="900" dirty="0" smtClean="0">
+                <a:cs typeface="Times New Roman" panose="02020603050405020304" pitchFamily="18" charset="0"/>
+              </a:rPr>
+              <a:t>Realisation</a:t>
+            </a:r>
+            <a:endParaRPr lang="id-ID" sz="900" dirty="0">
+              <a:cs typeface="Times New Roman" panose="02020603050405020304" pitchFamily="18" charset="0"/>
+            </a:endParaRPr>
+          </a:p>
+        </p:txBody>
+      </p:sp>
+      <p:cxnSp>
+        <p:nvCxnSpPr>
+          <p:cNvPr id="228" name="Straight Arrow Connector 227"/>
+          <p:cNvCxnSpPr>
+            <a:stCxn id="199" idx="2"/>
+            <a:endCxn id="211" idx="0"/>
+          </p:cNvCxnSpPr>
+          <p:nvPr/>
+        </p:nvCxnSpPr>
+        <p:spPr>
+          <a:xfrm>
+            <a:off x="5574346" y="3671750"/>
+            <a:ext cx="3385" cy="527104"/>
+          </a:xfrm>
+          <a:prstGeom prst="straightConnector1">
+            <a:avLst/>
+          </a:prstGeom>
+          <a:ln w="28575">
+            <a:tailEnd type="triangle"/>
+          </a:ln>
+        </p:spPr>
+        <p:style>
+          <a:lnRef idx="1">
+            <a:schemeClr val="dk1"/>
+          </a:lnRef>
+          <a:fillRef idx="0">
+            <a:schemeClr val="dk1"/>
+          </a:fillRef>
+          <a:effectRef idx="0">
+            <a:schemeClr val="dk1"/>
+          </a:effectRef>
+          <a:fontRef idx="minor">
+            <a:schemeClr val="tx1"/>
+          </a:fontRef>
+        </p:style>
+      </p:cxnSp>
+      <p:cxnSp>
+        <p:nvCxnSpPr>
+          <p:cNvPr id="229" name="Straight Arrow Connector 228"/>
+          <p:cNvCxnSpPr>
+            <a:stCxn id="211" idx="2"/>
+            <a:endCxn id="218" idx="0"/>
+          </p:cNvCxnSpPr>
+          <p:nvPr/>
+        </p:nvCxnSpPr>
+        <p:spPr>
+          <a:xfrm>
+            <a:off x="5577731" y="5690061"/>
+            <a:ext cx="4972" cy="199094"/>
+          </a:xfrm>
+          <a:prstGeom prst="straightConnector1">
+            <a:avLst/>
+          </a:prstGeom>
+          <a:ln w="28575">
+            <a:tailEnd type="triangle"/>
+          </a:ln>
+        </p:spPr>
+        <p:style>
+          <a:lnRef idx="1">
+            <a:schemeClr val="dk1"/>
+          </a:lnRef>
+          <a:fillRef idx="0">
+            <a:schemeClr val="dk1"/>
+          </a:fillRef>
+          <a:effectRef idx="0">
+            <a:schemeClr val="dk1"/>
+          </a:effectRef>
+          <a:fontRef idx="minor">
+            <a:schemeClr val="tx1"/>
+          </a:fontRef>
+        </p:style>
+      </p:cxnSp>
+      <p:sp>
+        <p:nvSpPr>
+          <p:cNvPr id="230" name="TextBox 229"/>
+          <p:cNvSpPr txBox="1"/>
+          <p:nvPr/>
+        </p:nvSpPr>
+        <p:spPr>
+          <a:xfrm>
+            <a:off x="5627665" y="5681454"/>
+            <a:ext cx="1461115" cy="246221"/>
+          </a:xfrm>
+          <a:prstGeom prst="rect">
+            <a:avLst/>
+          </a:prstGeom>
+          <a:noFill/>
+        </p:spPr>
+        <p:txBody>
+          <a:bodyPr wrap="square" rtlCol="0">
+            <a:spAutoFit/>
+          </a:bodyPr>
+          <a:lstStyle/>
+          <a:p>
+            <a:r>
+              <a:rPr lang="en-ID" sz="1000" dirty="0" smtClean="0">
+                <a:cs typeface="Times New Roman" panose="02020603050405020304" pitchFamily="18" charset="0"/>
+              </a:rPr>
+              <a:t>Content &amp; Structure</a:t>
+            </a:r>
+            <a:endParaRPr lang="id-ID" sz="1000" dirty="0">
+              <a:cs typeface="Times New Roman" panose="02020603050405020304" pitchFamily="18" charset="0"/>
+            </a:endParaRPr>
+          </a:p>
+        </p:txBody>
+      </p:sp>
+      <p:grpSp>
+        <p:nvGrpSpPr>
+          <p:cNvPr id="231" name="Group 230"/>
+          <p:cNvGrpSpPr/>
+          <p:nvPr/>
+        </p:nvGrpSpPr>
+        <p:grpSpPr>
+          <a:xfrm>
+            <a:off x="3042669" y="7771792"/>
+            <a:ext cx="1324149" cy="1347875"/>
+            <a:chOff x="8875336" y="5495497"/>
+            <a:chExt cx="1551678" cy="1347875"/>
+          </a:xfrm>
+          <a:noFill/>
+        </p:grpSpPr>
+        <p:sp>
+          <p:nvSpPr>
+            <p:cNvPr id="232" name="Rectangle 231"/>
+            <p:cNvSpPr/>
+            <p:nvPr/>
+          </p:nvSpPr>
+          <p:spPr>
+            <a:xfrm>
+              <a:off x="8875337" y="5495497"/>
+              <a:ext cx="1551677" cy="1347875"/>
+            </a:xfrm>
+            <a:prstGeom prst="rect">
+              <a:avLst/>
+            </a:prstGeom>
+            <a:grpFill/>
+            <a:ln>
+              <a:solidFill>
+                <a:schemeClr val="bg1">
+                  <a:lumMod val="50000"/>
+                </a:schemeClr>
+              </a:solidFill>
+              <a:prstDash val="dash"/>
+            </a:ln>
+          </p:spPr>
+          <p:style>
+            <a:lnRef idx="2">
+              <a:schemeClr val="accent1">
+                <a:shade val="50000"/>
+              </a:schemeClr>
+            </a:lnRef>
+            <a:fillRef idx="1">
+              <a:schemeClr val="accent1"/>
+            </a:fillRef>
+            <a:effectRef idx="0">
+              <a:schemeClr val="accent1"/>
+            </a:effectRef>
+            <a:fontRef idx="minor">
+              <a:schemeClr val="lt1"/>
+            </a:fontRef>
+          </p:style>
+          <p:txBody>
+            <a:bodyPr rtlCol="0" anchor="ctr"/>
+            <a:lstStyle/>
+            <a:p>
+              <a:pPr algn="ctr"/>
+              <a:endParaRPr lang="id-ID" sz="1000">
+                <a:latin typeface="Times New Roman" panose="02020603050405020304" pitchFamily="18" charset="0"/>
+                <a:cs typeface="Times New Roman" panose="02020603050405020304" pitchFamily="18" charset="0"/>
+              </a:endParaRPr>
+            </a:p>
+          </p:txBody>
+        </p:sp>
+        <p:sp>
+          <p:nvSpPr>
+            <p:cNvPr id="233" name="TextBox 232"/>
+            <p:cNvSpPr txBox="1"/>
+            <p:nvPr/>
+          </p:nvSpPr>
+          <p:spPr>
+            <a:xfrm>
+              <a:off x="8875336" y="5532070"/>
+              <a:ext cx="1551677" cy="246221"/>
+            </a:xfrm>
+            <a:prstGeom prst="rect">
+              <a:avLst/>
+            </a:prstGeom>
+            <a:grpFill/>
+          </p:spPr>
+          <p:txBody>
+            <a:bodyPr wrap="square" rtlCol="0">
+              <a:spAutoFit/>
+            </a:bodyPr>
+            <a:lstStyle/>
+            <a:p>
+              <a:pPr algn="ctr"/>
+              <a:r>
+                <a:rPr lang="en-ID" sz="1000" b="1" dirty="0" smtClean="0">
+                  <a:cs typeface="Times New Roman" panose="02020603050405020304" pitchFamily="18" charset="0"/>
+                </a:rPr>
+                <a:t>OUTPUT</a:t>
+              </a:r>
+              <a:endParaRPr lang="id-ID" sz="1000" b="1" dirty="0">
+                <a:cs typeface="Times New Roman" panose="02020603050405020304" pitchFamily="18" charset="0"/>
+              </a:endParaRPr>
+            </a:p>
+          </p:txBody>
+        </p:sp>
+        <p:sp>
+          <p:nvSpPr>
+            <p:cNvPr id="234" name="TextBox 233"/>
+            <p:cNvSpPr txBox="1"/>
+            <p:nvPr/>
+          </p:nvSpPr>
+          <p:spPr>
+            <a:xfrm>
+              <a:off x="8957632" y="5868739"/>
+              <a:ext cx="1397000" cy="861774"/>
+            </a:xfrm>
+            <a:prstGeom prst="rect">
+              <a:avLst/>
+            </a:prstGeom>
+            <a:grpFill/>
+            <a:ln>
+              <a:noFill/>
+              <a:prstDash val="dash"/>
+            </a:ln>
+          </p:spPr>
+          <p:txBody>
+            <a:bodyPr wrap="square" rtlCol="0">
+              <a:spAutoFit/>
+            </a:bodyPr>
+            <a:lstStyle/>
+            <a:p>
+              <a:r>
+                <a:rPr lang="en-ID" sz="1000" dirty="0" smtClean="0">
+                  <a:cs typeface="Times New Roman" panose="02020603050405020304" pitchFamily="18" charset="0"/>
+                </a:rPr>
+                <a:t>-Data Summary Text</a:t>
+              </a:r>
+            </a:p>
+            <a:p>
+              <a:r>
+                <a:rPr lang="en-ID" sz="1000" dirty="0" smtClean="0">
+                  <a:cs typeface="Times New Roman" panose="02020603050405020304" pitchFamily="18" charset="0"/>
+                </a:rPr>
+                <a:t>-Current Data Text</a:t>
+              </a:r>
+            </a:p>
+            <a:p>
+              <a:r>
+                <a:rPr lang="en-ID" sz="1000" dirty="0" smtClean="0">
+                  <a:cs typeface="Times New Roman" panose="02020603050405020304" pitchFamily="18" charset="0"/>
+                </a:rPr>
+                <a:t>-Prediction Data Text</a:t>
+              </a:r>
+            </a:p>
+          </p:txBody>
+        </p:sp>
+      </p:grpSp>
+      <p:cxnSp>
+        <p:nvCxnSpPr>
+          <p:cNvPr id="235" name="Elbow Connector 234"/>
+          <p:cNvCxnSpPr>
+            <a:stCxn id="139" idx="3"/>
+            <a:endCxn id="137" idx="1"/>
+          </p:cNvCxnSpPr>
+          <p:nvPr/>
+        </p:nvCxnSpPr>
+        <p:spPr>
+          <a:xfrm flipV="1">
+            <a:off x="4411454" y="1576192"/>
+            <a:ext cx="441400" cy="1460349"/>
+          </a:xfrm>
+          <a:prstGeom prst="bentConnector3">
+            <a:avLst/>
+          </a:prstGeom>
+          <a:ln w="28575">
+            <a:tailEnd type="triangle"/>
+          </a:ln>
+        </p:spPr>
+        <p:style>
+          <a:lnRef idx="1">
+            <a:schemeClr val="dk1"/>
+          </a:lnRef>
+          <a:fillRef idx="0">
+            <a:schemeClr val="dk1"/>
+          </a:fillRef>
+          <a:effectRef idx="0">
+            <a:schemeClr val="dk1"/>
+          </a:effectRef>
+          <a:fontRef idx="minor">
+            <a:schemeClr val="tx1"/>
+          </a:fontRef>
+        </p:style>
+      </p:cxnSp>
+      <p:cxnSp>
+        <p:nvCxnSpPr>
+          <p:cNvPr id="236" name="Elbow Connector 235"/>
+          <p:cNvCxnSpPr>
+            <a:stCxn id="160" idx="1"/>
+            <a:endCxn id="159" idx="3"/>
+          </p:cNvCxnSpPr>
+          <p:nvPr/>
+        </p:nvCxnSpPr>
+        <p:spPr>
+          <a:xfrm rot="10800000" flipV="1">
+            <a:off x="6310714" y="2334533"/>
+            <a:ext cx="712051" cy="229859"/>
+          </a:xfrm>
+          <a:prstGeom prst="bentConnector3">
+            <a:avLst/>
+          </a:prstGeom>
+          <a:ln w="28575">
+            <a:tailEnd type="triangle"/>
+          </a:ln>
+        </p:spPr>
+        <p:style>
+          <a:lnRef idx="1">
+            <a:schemeClr val="dk1"/>
+          </a:lnRef>
+          <a:fillRef idx="0">
+            <a:schemeClr val="dk1"/>
+          </a:fillRef>
+          <a:effectRef idx="0">
+            <a:schemeClr val="dk1"/>
+          </a:effectRef>
+          <a:fontRef idx="minor">
+            <a:schemeClr val="tx1"/>
+          </a:fontRef>
+        </p:style>
+      </p:cxnSp>
+      <p:cxnSp>
+        <p:nvCxnSpPr>
+          <p:cNvPr id="237" name="Elbow Connector 236"/>
+          <p:cNvCxnSpPr>
+            <a:stCxn id="230" idx="3"/>
+            <a:endCxn id="200" idx="3"/>
+          </p:cNvCxnSpPr>
+          <p:nvPr/>
+        </p:nvCxnSpPr>
+        <p:spPr>
+          <a:xfrm flipH="1" flipV="1">
+            <a:off x="6318488" y="3508835"/>
+            <a:ext cx="770292" cy="2295730"/>
+          </a:xfrm>
+          <a:prstGeom prst="bentConnector3">
+            <a:avLst>
+              <a:gd name="adj1" fmla="val 35369"/>
+            </a:avLst>
+          </a:prstGeom>
+          <a:ln w="28575">
+            <a:tailEnd type="triangle"/>
+          </a:ln>
+        </p:spPr>
+        <p:style>
+          <a:lnRef idx="1">
+            <a:schemeClr val="dk1"/>
+          </a:lnRef>
+          <a:fillRef idx="0">
+            <a:schemeClr val="dk1"/>
+          </a:fillRef>
+          <a:effectRef idx="0">
+            <a:schemeClr val="dk1"/>
+          </a:effectRef>
+          <a:fontRef idx="minor">
+            <a:schemeClr val="tx1"/>
+          </a:fontRef>
+        </p:style>
+      </p:cxnSp>
+      <p:sp>
+        <p:nvSpPr>
+          <p:cNvPr id="238" name="Rectangle 237"/>
+          <p:cNvSpPr/>
+          <p:nvPr/>
+        </p:nvSpPr>
+        <p:spPr>
+          <a:xfrm>
+            <a:off x="1120408" y="5217026"/>
+            <a:ext cx="3281819" cy="2207807"/>
+          </a:xfrm>
+          <a:prstGeom prst="rect">
+            <a:avLst/>
+          </a:prstGeom>
+          <a:noFill/>
+          <a:ln>
+            <a:solidFill>
+              <a:schemeClr val="bg1">
+                <a:lumMod val="50000"/>
+              </a:schemeClr>
+            </a:solidFill>
+          </a:ln>
+        </p:spPr>
+        <p:style>
+          <a:lnRef idx="2">
+            <a:schemeClr val="accent1">
+              <a:shade val="50000"/>
+            </a:schemeClr>
+          </a:lnRef>
+          <a:fillRef idx="1">
+            <a:schemeClr val="accent1"/>
+          </a:fillRef>
+          <a:effectRef idx="0">
+            <a:schemeClr val="accent1"/>
+          </a:effectRef>
+          <a:fontRef idx="minor">
+            <a:schemeClr val="lt1"/>
+          </a:fontRef>
+        </p:style>
+        <p:txBody>
+          <a:bodyPr rtlCol="0" anchor="ctr"/>
+          <a:lstStyle/>
+          <a:p>
+            <a:pPr algn="ctr"/>
+            <a:endParaRPr lang="id-ID" sz="1000">
+              <a:latin typeface="Times New Roman" panose="02020603050405020304" pitchFamily="18" charset="0"/>
+              <a:cs typeface="Times New Roman" panose="02020603050405020304" pitchFamily="18" charset="0"/>
+            </a:endParaRPr>
+          </a:p>
+        </p:txBody>
+      </p:sp>
+      <p:sp>
+        <p:nvSpPr>
+          <p:cNvPr id="239" name="TextBox 238"/>
+          <p:cNvSpPr txBox="1"/>
+          <p:nvPr/>
+        </p:nvSpPr>
+        <p:spPr>
+          <a:xfrm>
+            <a:off x="1668298" y="5234070"/>
+            <a:ext cx="2098304" cy="253916"/>
+          </a:xfrm>
+          <a:prstGeom prst="rect">
+            <a:avLst/>
+          </a:prstGeom>
+          <a:noFill/>
+        </p:spPr>
+        <p:txBody>
+          <a:bodyPr wrap="square" rtlCol="0">
+            <a:spAutoFit/>
+          </a:bodyPr>
+          <a:lstStyle/>
+          <a:p>
+            <a:pPr algn="ctr"/>
+            <a:r>
+              <a:rPr lang="en-ID" sz="1000" dirty="0" smtClean="0">
+                <a:cs typeface="Times New Roman" panose="02020603050405020304" pitchFamily="18" charset="0"/>
+              </a:rPr>
+              <a:t>Significance-Status Determination</a:t>
+            </a:r>
+            <a:endParaRPr lang="id-ID" sz="1000" dirty="0">
+              <a:cs typeface="Times New Roman" panose="02020603050405020304" pitchFamily="18" charset="0"/>
+            </a:endParaRPr>
+          </a:p>
+        </p:txBody>
+      </p:sp>
+      <p:sp>
+        <p:nvSpPr>
+          <p:cNvPr id="240" name="Rectangle 239"/>
+          <p:cNvSpPr/>
+          <p:nvPr/>
+        </p:nvSpPr>
+        <p:spPr>
+          <a:xfrm>
+            <a:off x="2018950" y="5666177"/>
+            <a:ext cx="1397000" cy="350141"/>
+          </a:xfrm>
+          <a:prstGeom prst="rect">
+            <a:avLst/>
+          </a:prstGeom>
+          <a:noFill/>
+          <a:ln>
+            <a:solidFill>
+              <a:schemeClr val="bg1">
+                <a:lumMod val="50000"/>
+              </a:schemeClr>
+            </a:solidFill>
+          </a:ln>
+        </p:spPr>
+        <p:style>
+          <a:lnRef idx="2">
+            <a:schemeClr val="accent1">
+              <a:shade val="50000"/>
+            </a:schemeClr>
+          </a:lnRef>
+          <a:fillRef idx="1">
+            <a:schemeClr val="accent1"/>
+          </a:fillRef>
+          <a:effectRef idx="0">
+            <a:schemeClr val="accent1"/>
+          </a:effectRef>
+          <a:fontRef idx="minor">
+            <a:schemeClr val="lt1"/>
+          </a:fontRef>
+        </p:style>
+        <p:txBody>
+          <a:bodyPr rtlCol="0" anchor="ctr"/>
+          <a:lstStyle/>
+          <a:p>
+            <a:pPr algn="ctr"/>
+            <a:endParaRPr lang="id-ID" sz="1000">
+              <a:latin typeface="Times New Roman" panose="02020603050405020304" pitchFamily="18" charset="0"/>
+              <a:cs typeface="Times New Roman" panose="02020603050405020304" pitchFamily="18" charset="0"/>
+            </a:endParaRPr>
+          </a:p>
+        </p:txBody>
+      </p:sp>
+      <p:sp>
+        <p:nvSpPr>
+          <p:cNvPr id="241" name="TextBox 240"/>
+          <p:cNvSpPr txBox="1"/>
+          <p:nvPr/>
+        </p:nvSpPr>
+        <p:spPr>
+          <a:xfrm>
+            <a:off x="1673812" y="5721799"/>
+            <a:ext cx="2098304" cy="253916"/>
+          </a:xfrm>
+          <a:prstGeom prst="rect">
+            <a:avLst/>
+          </a:prstGeom>
+          <a:noFill/>
+        </p:spPr>
+        <p:txBody>
+          <a:bodyPr wrap="square" rtlCol="0">
+            <a:spAutoFit/>
+          </a:bodyPr>
+          <a:lstStyle/>
+          <a:p>
+            <a:pPr algn="ctr"/>
+            <a:r>
+              <a:rPr lang="en-ID" sz="1000" dirty="0" smtClean="0">
+                <a:cs typeface="Times New Roman" panose="02020603050405020304" pitchFamily="18" charset="0"/>
+              </a:rPr>
+              <a:t>Message Inventory</a:t>
+            </a:r>
+            <a:endParaRPr lang="id-ID" sz="1000" dirty="0">
+              <a:cs typeface="Times New Roman" panose="02020603050405020304" pitchFamily="18" charset="0"/>
+            </a:endParaRPr>
+          </a:p>
+        </p:txBody>
+      </p:sp>
+      <p:sp>
+        <p:nvSpPr>
+          <p:cNvPr id="242" name="Rectangle 241"/>
+          <p:cNvSpPr/>
+          <p:nvPr/>
+        </p:nvSpPr>
+        <p:spPr>
+          <a:xfrm>
+            <a:off x="1239206" y="6314934"/>
+            <a:ext cx="1397000" cy="350141"/>
+          </a:xfrm>
+          <a:prstGeom prst="rect">
+            <a:avLst/>
+          </a:prstGeom>
+          <a:noFill/>
+          <a:ln>
+            <a:solidFill>
+              <a:schemeClr val="bg1">
+                <a:lumMod val="50000"/>
+              </a:schemeClr>
+            </a:solidFill>
+          </a:ln>
+        </p:spPr>
+        <p:style>
+          <a:lnRef idx="2">
+            <a:schemeClr val="accent1">
+              <a:shade val="50000"/>
+            </a:schemeClr>
+          </a:lnRef>
+          <a:fillRef idx="1">
+            <a:schemeClr val="accent1"/>
+          </a:fillRef>
+          <a:effectRef idx="0">
+            <a:schemeClr val="accent1"/>
+          </a:effectRef>
+          <a:fontRef idx="minor">
+            <a:schemeClr val="lt1"/>
+          </a:fontRef>
+        </p:style>
+        <p:txBody>
+          <a:bodyPr rtlCol="0" anchor="ctr"/>
+          <a:lstStyle/>
+          <a:p>
+            <a:pPr algn="ctr"/>
+            <a:endParaRPr lang="id-ID" sz="1000">
+              <a:latin typeface="Times New Roman" panose="02020603050405020304" pitchFamily="18" charset="0"/>
+              <a:cs typeface="Times New Roman" panose="02020603050405020304" pitchFamily="18" charset="0"/>
+            </a:endParaRPr>
+          </a:p>
+        </p:txBody>
+      </p:sp>
+      <p:sp>
+        <p:nvSpPr>
+          <p:cNvPr id="243" name="TextBox 242"/>
+          <p:cNvSpPr txBox="1"/>
+          <p:nvPr/>
+        </p:nvSpPr>
+        <p:spPr>
+          <a:xfrm>
+            <a:off x="1249365" y="6351504"/>
+            <a:ext cx="1397000" cy="253916"/>
+          </a:xfrm>
+          <a:prstGeom prst="rect">
+            <a:avLst/>
+          </a:prstGeom>
+          <a:noFill/>
+        </p:spPr>
+        <p:txBody>
+          <a:bodyPr wrap="square" rtlCol="0">
+            <a:spAutoFit/>
+          </a:bodyPr>
+          <a:lstStyle/>
+          <a:p>
+            <a:pPr algn="ctr"/>
+            <a:r>
+              <a:rPr lang="en-ID" sz="1000" dirty="0" smtClean="0">
+                <a:cs typeface="Times New Roman" panose="02020603050405020304" pitchFamily="18" charset="0"/>
+              </a:rPr>
+              <a:t>Routine Message</a:t>
+            </a:r>
+          </a:p>
+        </p:txBody>
+      </p:sp>
+      <p:cxnSp>
+        <p:nvCxnSpPr>
+          <p:cNvPr id="244" name="Elbow Connector 243"/>
+          <p:cNvCxnSpPr>
+            <a:stCxn id="240" idx="2"/>
+          </p:cNvCxnSpPr>
+          <p:nvPr/>
+        </p:nvCxnSpPr>
+        <p:spPr>
+          <a:xfrm rot="16200000" flipH="1">
+            <a:off x="2972956" y="5760812"/>
+            <a:ext cx="289513" cy="800524"/>
+          </a:xfrm>
+          <a:prstGeom prst="bentConnector3">
+            <a:avLst>
+              <a:gd name="adj1" fmla="val 57950"/>
+            </a:avLst>
+          </a:prstGeom>
+          <a:ln>
+            <a:prstDash val="dash"/>
+            <a:tailEnd type="triangle"/>
+          </a:ln>
+        </p:spPr>
+        <p:style>
+          <a:lnRef idx="1">
+            <a:schemeClr val="dk1"/>
+          </a:lnRef>
+          <a:fillRef idx="0">
+            <a:schemeClr val="dk1"/>
+          </a:fillRef>
+          <a:effectRef idx="0">
+            <a:schemeClr val="dk1"/>
+          </a:effectRef>
+          <a:fontRef idx="minor">
+            <a:schemeClr val="tx1"/>
+          </a:fontRef>
+        </p:style>
+      </p:cxnSp>
+      <p:cxnSp>
+        <p:nvCxnSpPr>
+          <p:cNvPr id="245" name="Elbow Connector 244"/>
+          <p:cNvCxnSpPr>
+            <a:stCxn id="240" idx="2"/>
+            <a:endCxn id="243" idx="0"/>
+          </p:cNvCxnSpPr>
+          <p:nvPr/>
+        </p:nvCxnSpPr>
+        <p:spPr>
+          <a:xfrm rot="5400000">
+            <a:off x="2165065" y="5799119"/>
+            <a:ext cx="335186" cy="769585"/>
+          </a:xfrm>
+          <a:prstGeom prst="bentConnector3">
+            <a:avLst>
+              <a:gd name="adj1" fmla="val 50000"/>
+            </a:avLst>
+          </a:prstGeom>
+          <a:ln>
+            <a:prstDash val="dash"/>
+            <a:tailEnd type="triangle"/>
+          </a:ln>
+        </p:spPr>
+        <p:style>
+          <a:lnRef idx="1">
+            <a:schemeClr val="dk1"/>
+          </a:lnRef>
+          <a:fillRef idx="0">
+            <a:schemeClr val="dk1"/>
+          </a:fillRef>
+          <a:effectRef idx="0">
+            <a:schemeClr val="dk1"/>
+          </a:effectRef>
+          <a:fontRef idx="minor">
+            <a:schemeClr val="tx1"/>
+          </a:fontRef>
+        </p:style>
+      </p:cxnSp>
+      <p:sp>
+        <p:nvSpPr>
+          <p:cNvPr id="246" name="Rectangle 245"/>
+          <p:cNvSpPr/>
+          <p:nvPr/>
+        </p:nvSpPr>
+        <p:spPr>
+          <a:xfrm>
+            <a:off x="1983598" y="6854102"/>
+            <a:ext cx="1397000" cy="350141"/>
+          </a:xfrm>
+          <a:prstGeom prst="rect">
+            <a:avLst/>
+          </a:prstGeom>
+          <a:noFill/>
+          <a:ln>
+            <a:solidFill>
+              <a:schemeClr val="bg1">
+                <a:lumMod val="50000"/>
+              </a:schemeClr>
+            </a:solidFill>
+          </a:ln>
+        </p:spPr>
+        <p:style>
+          <a:lnRef idx="2">
+            <a:schemeClr val="accent1">
+              <a:shade val="50000"/>
+            </a:schemeClr>
+          </a:lnRef>
+          <a:fillRef idx="1">
+            <a:schemeClr val="accent1"/>
+          </a:fillRef>
+          <a:effectRef idx="0">
+            <a:schemeClr val="accent1"/>
+          </a:effectRef>
+          <a:fontRef idx="minor">
+            <a:schemeClr val="lt1"/>
+          </a:fontRef>
+        </p:style>
+        <p:txBody>
+          <a:bodyPr rtlCol="0" anchor="ctr"/>
+          <a:lstStyle/>
+          <a:p>
+            <a:pPr algn="ctr"/>
+            <a:endParaRPr lang="id-ID" sz="1000">
+              <a:latin typeface="Times New Roman" panose="02020603050405020304" pitchFamily="18" charset="0"/>
+              <a:cs typeface="Times New Roman" panose="02020603050405020304" pitchFamily="18" charset="0"/>
+            </a:endParaRPr>
+          </a:p>
+        </p:txBody>
+      </p:sp>
+      <p:sp>
+        <p:nvSpPr>
+          <p:cNvPr id="247" name="TextBox 246"/>
+          <p:cNvSpPr txBox="1"/>
+          <p:nvPr/>
+        </p:nvSpPr>
+        <p:spPr>
+          <a:xfrm>
+            <a:off x="1993757" y="6890672"/>
+            <a:ext cx="1397000" cy="253916"/>
+          </a:xfrm>
+          <a:prstGeom prst="rect">
+            <a:avLst/>
+          </a:prstGeom>
+          <a:noFill/>
+        </p:spPr>
+        <p:txBody>
+          <a:bodyPr wrap="square" rtlCol="0">
+            <a:spAutoFit/>
+          </a:bodyPr>
+          <a:lstStyle/>
+          <a:p>
+            <a:pPr algn="ctr"/>
+            <a:r>
+              <a:rPr lang="en-ID" sz="1000" dirty="0" smtClean="0">
+                <a:cs typeface="Times New Roman" panose="02020603050405020304" pitchFamily="18" charset="0"/>
+              </a:rPr>
+              <a:t>Content</a:t>
+            </a:r>
+          </a:p>
+        </p:txBody>
+      </p:sp>
+      <p:sp>
+        <p:nvSpPr>
+          <p:cNvPr id="248" name="Rectangle 247"/>
+          <p:cNvSpPr/>
+          <p:nvPr/>
+        </p:nvSpPr>
+        <p:spPr>
+          <a:xfrm>
+            <a:off x="2834849" y="6314934"/>
+            <a:ext cx="1397000" cy="350141"/>
+          </a:xfrm>
+          <a:prstGeom prst="rect">
+            <a:avLst/>
+          </a:prstGeom>
+          <a:noFill/>
+          <a:ln>
+            <a:solidFill>
+              <a:schemeClr val="bg1">
+                <a:lumMod val="50000"/>
+              </a:schemeClr>
+            </a:solidFill>
+          </a:ln>
+        </p:spPr>
+        <p:style>
+          <a:lnRef idx="2">
+            <a:schemeClr val="accent1">
+              <a:shade val="50000"/>
+            </a:schemeClr>
+          </a:lnRef>
+          <a:fillRef idx="1">
+            <a:schemeClr val="accent1"/>
+          </a:fillRef>
+          <a:effectRef idx="0">
+            <a:schemeClr val="accent1"/>
+          </a:effectRef>
+          <a:fontRef idx="minor">
+            <a:schemeClr val="lt1"/>
+          </a:fontRef>
+        </p:style>
+        <p:txBody>
+          <a:bodyPr rtlCol="0" anchor="ctr"/>
+          <a:lstStyle/>
+          <a:p>
+            <a:pPr algn="ctr"/>
+            <a:endParaRPr lang="id-ID" sz="1000">
+              <a:latin typeface="Times New Roman" panose="02020603050405020304" pitchFamily="18" charset="0"/>
+              <a:cs typeface="Times New Roman" panose="02020603050405020304" pitchFamily="18" charset="0"/>
+            </a:endParaRPr>
+          </a:p>
+        </p:txBody>
+      </p:sp>
+      <p:sp>
+        <p:nvSpPr>
+          <p:cNvPr id="249" name="TextBox 248"/>
+          <p:cNvSpPr txBox="1"/>
+          <p:nvPr/>
+        </p:nvSpPr>
+        <p:spPr>
+          <a:xfrm>
+            <a:off x="2845008" y="6294354"/>
+            <a:ext cx="1397000" cy="400110"/>
+          </a:xfrm>
+          <a:prstGeom prst="rect">
+            <a:avLst/>
+          </a:prstGeom>
+          <a:noFill/>
+        </p:spPr>
+        <p:txBody>
+          <a:bodyPr wrap="square" rtlCol="0">
+            <a:spAutoFit/>
+          </a:bodyPr>
+          <a:lstStyle/>
+          <a:p>
+            <a:pPr algn="ctr"/>
+            <a:r>
+              <a:rPr lang="en-ID" sz="1000" dirty="0" smtClean="0">
+                <a:cs typeface="Times New Roman" panose="02020603050405020304" pitchFamily="18" charset="0"/>
+              </a:rPr>
+              <a:t>Significant Event Message</a:t>
+            </a:r>
+          </a:p>
+        </p:txBody>
+      </p:sp>
+      <p:cxnSp>
+        <p:nvCxnSpPr>
+          <p:cNvPr id="250" name="Elbow Connector 249"/>
+          <p:cNvCxnSpPr>
+            <a:stCxn id="248" idx="2"/>
+            <a:endCxn id="246" idx="0"/>
+          </p:cNvCxnSpPr>
+          <p:nvPr/>
+        </p:nvCxnSpPr>
+        <p:spPr>
+          <a:xfrm rot="5400000">
+            <a:off x="3013211" y="6333963"/>
+            <a:ext cx="189027" cy="851251"/>
+          </a:xfrm>
+          <a:prstGeom prst="bentConnector3">
+            <a:avLst/>
+          </a:prstGeom>
+          <a:ln>
+            <a:prstDash val="dash"/>
+            <a:tailEnd type="triangle"/>
+          </a:ln>
+        </p:spPr>
+        <p:style>
+          <a:lnRef idx="1">
+            <a:schemeClr val="dk1"/>
+          </a:lnRef>
+          <a:fillRef idx="0">
+            <a:schemeClr val="dk1"/>
+          </a:fillRef>
+          <a:effectRef idx="0">
+            <a:schemeClr val="dk1"/>
+          </a:effectRef>
+          <a:fontRef idx="minor">
+            <a:schemeClr val="tx1"/>
+          </a:fontRef>
+        </p:style>
+      </p:cxnSp>
+      <p:cxnSp>
+        <p:nvCxnSpPr>
+          <p:cNvPr id="251" name="Elbow Connector 250"/>
+          <p:cNvCxnSpPr>
+            <a:stCxn id="242" idx="2"/>
+            <a:endCxn id="246" idx="0"/>
+          </p:cNvCxnSpPr>
+          <p:nvPr/>
+        </p:nvCxnSpPr>
+        <p:spPr>
+          <a:xfrm rot="16200000" flipH="1">
+            <a:off x="2215389" y="6387392"/>
+            <a:ext cx="189027" cy="744392"/>
+          </a:xfrm>
+          <a:prstGeom prst="bentConnector3">
+            <a:avLst/>
+          </a:prstGeom>
+          <a:ln>
+            <a:prstDash val="dash"/>
+            <a:tailEnd type="triangle"/>
+          </a:ln>
+        </p:spPr>
+        <p:style>
+          <a:lnRef idx="1">
+            <a:schemeClr val="dk1"/>
+          </a:lnRef>
+          <a:fillRef idx="0">
+            <a:schemeClr val="dk1"/>
+          </a:fillRef>
+          <a:effectRef idx="0">
+            <a:schemeClr val="dk1"/>
+          </a:effectRef>
+          <a:fontRef idx="minor">
+            <a:schemeClr val="tx1"/>
+          </a:fontRef>
+        </p:style>
+      </p:cxnSp>
+      <p:cxnSp>
+        <p:nvCxnSpPr>
+          <p:cNvPr id="252" name="Elbow Connector 251"/>
+          <p:cNvCxnSpPr>
+            <a:stCxn id="134" idx="2"/>
+            <a:endCxn id="232" idx="3"/>
+          </p:cNvCxnSpPr>
+          <p:nvPr/>
+        </p:nvCxnSpPr>
+        <p:spPr>
+          <a:xfrm rot="5400000">
+            <a:off x="4847227" y="7711092"/>
+            <a:ext cx="254230" cy="1215047"/>
+          </a:xfrm>
+          <a:prstGeom prst="bentConnector2">
+            <a:avLst/>
+          </a:prstGeom>
+          <a:ln w="28575">
+            <a:tailEnd type="triangle"/>
+          </a:ln>
+        </p:spPr>
+        <p:style>
+          <a:lnRef idx="1">
+            <a:schemeClr val="dk1"/>
+          </a:lnRef>
+          <a:fillRef idx="0">
+            <a:schemeClr val="dk1"/>
+          </a:fillRef>
+          <a:effectRef idx="0">
+            <a:schemeClr val="dk1"/>
+          </a:effectRef>
+          <a:fontRef idx="minor">
+            <a:schemeClr val="tx1"/>
+          </a:fontRef>
+        </p:style>
+      </p:cxnSp>
+      <p:cxnSp>
+        <p:nvCxnSpPr>
+          <p:cNvPr id="253" name="Elbow Connector 252"/>
+          <p:cNvCxnSpPr>
+            <a:stCxn id="172" idx="2"/>
+            <a:endCxn id="165" idx="0"/>
+          </p:cNvCxnSpPr>
+          <p:nvPr/>
+        </p:nvCxnSpPr>
+        <p:spPr>
+          <a:xfrm rot="16200000" flipH="1">
+            <a:off x="9035364" y="1219478"/>
+            <a:ext cx="176517" cy="882625"/>
+          </a:xfrm>
+          <a:prstGeom prst="bentConnector3">
+            <a:avLst/>
+          </a:prstGeom>
+          <a:ln>
+            <a:prstDash val="sysDash"/>
+            <a:tailEnd type="triangle"/>
+          </a:ln>
+        </p:spPr>
+        <p:style>
+          <a:lnRef idx="1">
+            <a:schemeClr val="dk1"/>
+          </a:lnRef>
+          <a:fillRef idx="0">
+            <a:schemeClr val="dk1"/>
+          </a:fillRef>
+          <a:effectRef idx="0">
+            <a:schemeClr val="dk1"/>
+          </a:effectRef>
+          <a:fontRef idx="minor">
+            <a:schemeClr val="tx1"/>
+          </a:fontRef>
+        </p:style>
+      </p:cxnSp>
+      <p:cxnSp>
+        <p:nvCxnSpPr>
+          <p:cNvPr id="254" name="Elbow Connector 253"/>
+          <p:cNvCxnSpPr>
+            <a:stCxn id="172" idx="2"/>
+            <a:endCxn id="162" idx="0"/>
+          </p:cNvCxnSpPr>
+          <p:nvPr/>
+        </p:nvCxnSpPr>
+        <p:spPr>
+          <a:xfrm rot="5400000">
+            <a:off x="8207998" y="1280885"/>
+            <a:ext cx="182664" cy="765961"/>
+          </a:xfrm>
+          <a:prstGeom prst="bentConnector3">
+            <a:avLst>
+              <a:gd name="adj1" fmla="val 50000"/>
+            </a:avLst>
+          </a:prstGeom>
+          <a:ln>
+            <a:prstDash val="sysDash"/>
+            <a:tailEnd type="triangle"/>
+          </a:ln>
+        </p:spPr>
+        <p:style>
+          <a:lnRef idx="1">
+            <a:schemeClr val="dk1"/>
+          </a:lnRef>
+          <a:fillRef idx="0">
+            <a:schemeClr val="dk1"/>
+          </a:fillRef>
+          <a:effectRef idx="0">
+            <a:schemeClr val="dk1"/>
+          </a:effectRef>
+          <a:fontRef idx="minor">
+            <a:schemeClr val="tx1"/>
+          </a:fontRef>
+        </p:style>
+      </p:cxnSp>
+      <p:cxnSp>
+        <p:nvCxnSpPr>
+          <p:cNvPr id="255" name="Elbow Connector 254"/>
+          <p:cNvCxnSpPr>
+            <a:stCxn id="238" idx="3"/>
+            <a:endCxn id="211" idx="1"/>
+          </p:cNvCxnSpPr>
+          <p:nvPr/>
+        </p:nvCxnSpPr>
+        <p:spPr>
+          <a:xfrm flipV="1">
+            <a:off x="4402227" y="4944458"/>
+            <a:ext cx="436875" cy="1376472"/>
+          </a:xfrm>
+          <a:prstGeom prst="bentConnector3">
+            <a:avLst/>
+          </a:prstGeom>
+          <a:ln w="28575">
+            <a:tailEnd type="triangle"/>
+          </a:ln>
+        </p:spPr>
+        <p:style>
+          <a:lnRef idx="1">
+            <a:schemeClr val="dk1"/>
+          </a:lnRef>
+          <a:fillRef idx="0">
+            <a:schemeClr val="dk1"/>
+          </a:fillRef>
+          <a:effectRef idx="0">
+            <a:schemeClr val="dk1"/>
+          </a:effectRef>
+          <a:fontRef idx="minor">
+            <a:schemeClr val="tx1"/>
+          </a:fontRef>
+        </p:style>
+      </p:cxnSp>
+    </p:spTree>
+    <p:extLst>
+      <p:ext uri="{BB962C8B-B14F-4D97-AF65-F5344CB8AC3E}">
+        <p14:creationId xmlns:p14="http://schemas.microsoft.com/office/powerpoint/2010/main" val="1185883326"/>
       </p:ext>
     </p:extLst>
   </p:cSld>

--- a/Resource/Skripsi/Desain Penelitian.pptx
+++ b/Resource/Skripsi/Desain Penelitian.pptx
@@ -9122,13 +9122,7 @@
               <a:rPr lang="en-ID" sz="1000" dirty="0">
                 <a:cs typeface="Times New Roman" panose="02020603050405020304" pitchFamily="18" charset="0"/>
               </a:rPr>
-              <a:t>Exponential </a:t>
-            </a:r>
-            <a:r>
-              <a:rPr lang="en-ID" sz="1000" dirty="0">
-                <a:cs typeface="Times New Roman" panose="02020603050405020304" pitchFamily="18" charset="0"/>
-              </a:rPr>
-              <a:t>S</a:t>
+              <a:t>Exponential S</a:t>
             </a:r>
             <a:r>
               <a:rPr lang="en-ID" sz="1000" dirty="0" smtClean="0">
@@ -9136,9 +9130,6 @@
               </a:rPr>
               <a:t>moothing</a:t>
             </a:r>
-            <a:endParaRPr lang="en-ID" sz="1000" dirty="0" smtClean="0">
-              <a:cs typeface="Times New Roman" panose="02020603050405020304" pitchFamily="18" charset="0"/>
-            </a:endParaRPr>
           </a:p>
           <a:p>
             <a:r>
@@ -15989,13 +15980,7 @@
               <a:rPr lang="en-ID" sz="1000" dirty="0">
                 <a:cs typeface="Times New Roman" panose="02020603050405020304" pitchFamily="18" charset="0"/>
               </a:rPr>
-              <a:t>Exponential </a:t>
-            </a:r>
-            <a:r>
-              <a:rPr lang="en-ID" sz="1000" dirty="0">
-                <a:cs typeface="Times New Roman" panose="02020603050405020304" pitchFamily="18" charset="0"/>
-              </a:rPr>
-              <a:t>S</a:t>
+              <a:t>Exponential S</a:t>
             </a:r>
             <a:r>
               <a:rPr lang="en-ID" sz="1000" dirty="0" smtClean="0">
@@ -16003,9 +15988,6 @@
               </a:rPr>
               <a:t>moothing</a:t>
             </a:r>
-            <a:endParaRPr lang="en-ID" sz="1000" dirty="0" smtClean="0">
-              <a:cs typeface="Times New Roman" panose="02020603050405020304" pitchFamily="18" charset="0"/>
-            </a:endParaRPr>
           </a:p>
           <a:p>
             <a:r>

--- a/Resource/Skripsi/Desain Penelitian.pptx
+++ b/Resource/Skripsi/Desain Penelitian.pptx
@@ -247,7 +247,7 @@
           <a:p>
             <a:fld id="{C6FC749A-EAD3-4020-A427-C54C9831C0FF}" type="datetimeFigureOut">
               <a:rPr lang="id-ID" smtClean="0"/>
-              <a:t>08/09/2018</a:t>
+              <a:t>09/11/2018</a:t>
             </a:fld>
             <a:endParaRPr lang="id-ID"/>
           </a:p>
@@ -417,7 +417,7 @@
           <a:p>
             <a:fld id="{C6FC749A-EAD3-4020-A427-C54C9831C0FF}" type="datetimeFigureOut">
               <a:rPr lang="id-ID" smtClean="0"/>
-              <a:t>08/09/2018</a:t>
+              <a:t>09/11/2018</a:t>
             </a:fld>
             <a:endParaRPr lang="id-ID"/>
           </a:p>
@@ -597,7 +597,7 @@
           <a:p>
             <a:fld id="{C6FC749A-EAD3-4020-A427-C54C9831C0FF}" type="datetimeFigureOut">
               <a:rPr lang="id-ID" smtClean="0"/>
-              <a:t>08/09/2018</a:t>
+              <a:t>09/11/2018</a:t>
             </a:fld>
             <a:endParaRPr lang="id-ID"/>
           </a:p>
@@ -767,7 +767,7 @@
           <a:p>
             <a:fld id="{C6FC749A-EAD3-4020-A427-C54C9831C0FF}" type="datetimeFigureOut">
               <a:rPr lang="id-ID" smtClean="0"/>
-              <a:t>08/09/2018</a:t>
+              <a:t>09/11/2018</a:t>
             </a:fld>
             <a:endParaRPr lang="id-ID"/>
           </a:p>
@@ -1013,7 +1013,7 @@
           <a:p>
             <a:fld id="{C6FC749A-EAD3-4020-A427-C54C9831C0FF}" type="datetimeFigureOut">
               <a:rPr lang="id-ID" smtClean="0"/>
-              <a:t>08/09/2018</a:t>
+              <a:t>09/11/2018</a:t>
             </a:fld>
             <a:endParaRPr lang="id-ID"/>
           </a:p>
@@ -1245,7 +1245,7 @@
           <a:p>
             <a:fld id="{C6FC749A-EAD3-4020-A427-C54C9831C0FF}" type="datetimeFigureOut">
               <a:rPr lang="id-ID" smtClean="0"/>
-              <a:t>08/09/2018</a:t>
+              <a:t>09/11/2018</a:t>
             </a:fld>
             <a:endParaRPr lang="id-ID"/>
           </a:p>
@@ -1612,7 +1612,7 @@
           <a:p>
             <a:fld id="{C6FC749A-EAD3-4020-A427-C54C9831C0FF}" type="datetimeFigureOut">
               <a:rPr lang="id-ID" smtClean="0"/>
-              <a:t>08/09/2018</a:t>
+              <a:t>09/11/2018</a:t>
             </a:fld>
             <a:endParaRPr lang="id-ID"/>
           </a:p>
@@ -1730,7 +1730,7 @@
           <a:p>
             <a:fld id="{C6FC749A-EAD3-4020-A427-C54C9831C0FF}" type="datetimeFigureOut">
               <a:rPr lang="id-ID" smtClean="0"/>
-              <a:t>08/09/2018</a:t>
+              <a:t>09/11/2018</a:t>
             </a:fld>
             <a:endParaRPr lang="id-ID"/>
           </a:p>
@@ -1825,7 +1825,7 @@
           <a:p>
             <a:fld id="{C6FC749A-EAD3-4020-A427-C54C9831C0FF}" type="datetimeFigureOut">
               <a:rPr lang="id-ID" smtClean="0"/>
-              <a:t>08/09/2018</a:t>
+              <a:t>09/11/2018</a:t>
             </a:fld>
             <a:endParaRPr lang="id-ID"/>
           </a:p>
@@ -2102,7 +2102,7 @@
           <a:p>
             <a:fld id="{C6FC749A-EAD3-4020-A427-C54C9831C0FF}" type="datetimeFigureOut">
               <a:rPr lang="id-ID" smtClean="0"/>
-              <a:t>08/09/2018</a:t>
+              <a:t>09/11/2018</a:t>
             </a:fld>
             <a:endParaRPr lang="id-ID"/>
           </a:p>
@@ -2355,7 +2355,7 @@
           <a:p>
             <a:fld id="{C6FC749A-EAD3-4020-A427-C54C9831C0FF}" type="datetimeFigureOut">
               <a:rPr lang="id-ID" smtClean="0"/>
-              <a:t>08/09/2018</a:t>
+              <a:t>09/11/2018</a:t>
             </a:fld>
             <a:endParaRPr lang="id-ID"/>
           </a:p>
@@ -2568,7 +2568,7 @@
           <a:p>
             <a:fld id="{C6FC749A-EAD3-4020-A427-C54C9831C0FF}" type="datetimeFigureOut">
               <a:rPr lang="id-ID" smtClean="0"/>
-              <a:t>08/09/2018</a:t>
+              <a:t>09/11/2018</a:t>
             </a:fld>
             <a:endParaRPr lang="id-ID"/>
           </a:p>
@@ -6957,34 +6957,6 @@
                 <a:latin typeface="Times New Roman" panose="02020603050405020304" pitchFamily="18" charset="0"/>
                 <a:cs typeface="Times New Roman" panose="02020603050405020304" pitchFamily="18" charset="0"/>
               </a:rPr>
-              <a:t>Analisis</a:t>
-            </a:r>
-            <a:r>
-              <a:rPr lang="en-ID" sz="1200" dirty="0" smtClean="0">
-                <a:latin typeface="Times New Roman" panose="02020603050405020304" pitchFamily="18" charset="0"/>
-                <a:cs typeface="Times New Roman" panose="02020603050405020304" pitchFamily="18" charset="0"/>
-              </a:rPr>
-              <a:t> </a:t>
-            </a:r>
-            <a:r>
-              <a:rPr lang="en-ID" sz="1200" dirty="0" err="1" smtClean="0">
-                <a:latin typeface="Times New Roman" panose="02020603050405020304" pitchFamily="18" charset="0"/>
-                <a:cs typeface="Times New Roman" panose="02020603050405020304" pitchFamily="18" charset="0"/>
-              </a:rPr>
-              <a:t>Hasil</a:t>
-            </a:r>
-            <a:r>
-              <a:rPr lang="en-ID" sz="1200" dirty="0" smtClean="0">
-                <a:latin typeface="Times New Roman" panose="02020603050405020304" pitchFamily="18" charset="0"/>
-                <a:cs typeface="Times New Roman" panose="02020603050405020304" pitchFamily="18" charset="0"/>
-              </a:rPr>
-              <a:t> </a:t>
-            </a:r>
-            <a:r>
-              <a:rPr lang="en-ID" sz="1200" dirty="0" err="1" smtClean="0">
-                <a:latin typeface="Times New Roman" panose="02020603050405020304" pitchFamily="18" charset="0"/>
-                <a:cs typeface="Times New Roman" panose="02020603050405020304" pitchFamily="18" charset="0"/>
-              </a:rPr>
               <a:t>Eksperimen</a:t>
             </a:r>
             <a:endParaRPr lang="id-ID" sz="1200" dirty="0">
@@ -7067,21 +7039,35 @@
           <a:p>
             <a:pPr algn="ctr"/>
             <a:r>
-              <a:rPr lang="en-ID" sz="1200" dirty="0" err="1" smtClean="0">
+              <a:rPr lang="en-ID" sz="1200" dirty="0" err="1">
                 <a:latin typeface="Times New Roman" panose="02020603050405020304" pitchFamily="18" charset="0"/>
                 <a:cs typeface="Times New Roman" panose="02020603050405020304" pitchFamily="18" charset="0"/>
               </a:rPr>
-              <a:t>Desain</a:t>
-            </a:r>
-            <a:r>
-              <a:rPr lang="en-ID" sz="1200" dirty="0" smtClean="0">
+              <a:t>Analisis</a:t>
+            </a:r>
+            <a:r>
+              <a:rPr lang="en-ID" sz="1200" dirty="0">
                 <a:latin typeface="Times New Roman" panose="02020603050405020304" pitchFamily="18" charset="0"/>
                 <a:cs typeface="Times New Roman" panose="02020603050405020304" pitchFamily="18" charset="0"/>
               </a:rPr>
               <a:t> </a:t>
             </a:r>
             <a:r>
-              <a:rPr lang="en-ID" sz="1200" dirty="0" err="1" smtClean="0">
+              <a:rPr lang="en-ID" sz="1200" dirty="0" err="1">
+                <a:latin typeface="Times New Roman" panose="02020603050405020304" pitchFamily="18" charset="0"/>
+                <a:cs typeface="Times New Roman" panose="02020603050405020304" pitchFamily="18" charset="0"/>
+              </a:rPr>
+              <a:t>Hasil</a:t>
+            </a:r>
+            <a:r>
+              <a:rPr lang="en-ID" sz="1200" dirty="0">
+                <a:latin typeface="Times New Roman" panose="02020603050405020304" pitchFamily="18" charset="0"/>
+                <a:cs typeface="Times New Roman" panose="02020603050405020304" pitchFamily="18" charset="0"/>
+              </a:rPr>
+              <a:t> </a:t>
+            </a:r>
+            <a:r>
+              <a:rPr lang="en-ID" sz="1200" dirty="0" err="1">
                 <a:latin typeface="Times New Roman" panose="02020603050405020304" pitchFamily="18" charset="0"/>
                 <a:cs typeface="Times New Roman" panose="02020603050405020304" pitchFamily="18" charset="0"/>
               </a:rPr>
@@ -7167,25 +7153,25 @@
           <a:p>
             <a:pPr algn="ctr"/>
             <a:r>
+              <a:rPr lang="en-ID" sz="1200" dirty="0" err="1">
+                <a:latin typeface="Times New Roman" panose="02020603050405020304" pitchFamily="18" charset="0"/>
+                <a:cs typeface="Times New Roman" panose="02020603050405020304" pitchFamily="18" charset="0"/>
+              </a:rPr>
+              <a:t>Desain</a:t>
+            </a:r>
+            <a:r>
+              <a:rPr lang="en-ID" sz="1200" dirty="0">
+                <a:latin typeface="Times New Roman" panose="02020603050405020304" pitchFamily="18" charset="0"/>
+                <a:cs typeface="Times New Roman" panose="02020603050405020304" pitchFamily="18" charset="0"/>
+              </a:rPr>
+              <a:t> </a:t>
+            </a:r>
+            <a:r>
               <a:rPr lang="en-ID" sz="1200" dirty="0" err="1" smtClean="0">
                 <a:latin typeface="Times New Roman" panose="02020603050405020304" pitchFamily="18" charset="0"/>
                 <a:cs typeface="Times New Roman" panose="02020603050405020304" pitchFamily="18" charset="0"/>
               </a:rPr>
-              <a:t>Penarikan</a:t>
-            </a:r>
-            <a:r>
-              <a:rPr lang="en-ID" sz="1200" dirty="0" smtClean="0">
-                <a:latin typeface="Times New Roman" panose="02020603050405020304" pitchFamily="18" charset="0"/>
-                <a:cs typeface="Times New Roman" panose="02020603050405020304" pitchFamily="18" charset="0"/>
-              </a:rPr>
-              <a:t> </a:t>
-            </a:r>
-            <a:r>
-              <a:rPr lang="en-ID" sz="1200" dirty="0" err="1" smtClean="0">
-                <a:latin typeface="Times New Roman" panose="02020603050405020304" pitchFamily="18" charset="0"/>
-                <a:cs typeface="Times New Roman" panose="02020603050405020304" pitchFamily="18" charset="0"/>
-              </a:rPr>
-              <a:t>Kesimpulan</a:t>
+              <a:t>Eksperimen</a:t>
             </a:r>
             <a:endParaRPr lang="id-ID" sz="1200" dirty="0">
               <a:latin typeface="Times New Roman" panose="02020603050405020304" pitchFamily="18" charset="0"/>
@@ -7352,7 +7338,7 @@
         <p:spPr>
           <a:xfrm>
             <a:off x="2511377" y="9466303"/>
-            <a:ext cx="2542684" cy="276999"/>
+            <a:ext cx="2542684" cy="461665"/>
           </a:xfrm>
           <a:prstGeom prst="rect">
             <a:avLst/>
@@ -7367,33 +7353,345 @@
           <a:p>
             <a:pPr algn="ctr"/>
             <a:r>
-              <a:rPr lang="en-ID" sz="1200" dirty="0" err="1" smtClean="0">
+              <a:rPr lang="en-ID" sz="1200" dirty="0" err="1">
                 <a:latin typeface="Times New Roman" panose="02020603050405020304" pitchFamily="18" charset="0"/>
                 <a:cs typeface="Times New Roman" panose="02020603050405020304" pitchFamily="18" charset="0"/>
               </a:rPr>
-              <a:t>Desain</a:t>
-            </a:r>
-            <a:r>
-              <a:rPr lang="en-ID" sz="1200" dirty="0" smtClean="0">
+              <a:t>Penarikan</a:t>
+            </a:r>
+            <a:r>
+              <a:rPr lang="en-ID" sz="1200" dirty="0">
                 <a:latin typeface="Times New Roman" panose="02020603050405020304" pitchFamily="18" charset="0"/>
                 <a:cs typeface="Times New Roman" panose="02020603050405020304" pitchFamily="18" charset="0"/>
               </a:rPr>
               <a:t> </a:t>
             </a:r>
             <a:r>
-              <a:rPr lang="en-ID" sz="1200" dirty="0" err="1" smtClean="0">
+              <a:rPr lang="en-ID" sz="1200" dirty="0" err="1">
                 <a:latin typeface="Times New Roman" panose="02020603050405020304" pitchFamily="18" charset="0"/>
                 <a:cs typeface="Times New Roman" panose="02020603050405020304" pitchFamily="18" charset="0"/>
               </a:rPr>
-              <a:t>Eksperimen</a:t>
+              <a:t>Kesimpulan</a:t>
             </a:r>
             <a:endParaRPr lang="id-ID" sz="1200" dirty="0">
               <a:latin typeface="Times New Roman" panose="02020603050405020304" pitchFamily="18" charset="0"/>
               <a:cs typeface="Times New Roman" panose="02020603050405020304" pitchFamily="18" charset="0"/>
             </a:endParaRPr>
           </a:p>
-        </p:txBody>
-      </p:sp>
+          <a:p>
+            <a:pPr algn="ctr"/>
+            <a:endParaRPr lang="id-ID" sz="1200" dirty="0">
+              <a:latin typeface="Times New Roman" panose="02020603050405020304" pitchFamily="18" charset="0"/>
+              <a:cs typeface="Times New Roman" panose="02020603050405020304" pitchFamily="18" charset="0"/>
+            </a:endParaRPr>
+          </a:p>
+        </p:txBody>
+      </p:sp>
+      <p:cxnSp>
+        <p:nvCxnSpPr>
+          <p:cNvPr id="3" name="Straight Arrow Connector 2"/>
+          <p:cNvCxnSpPr>
+            <a:stCxn id="4" idx="3"/>
+          </p:cNvCxnSpPr>
+          <p:nvPr/>
+        </p:nvCxnSpPr>
+        <p:spPr>
+          <a:xfrm flipV="1">
+            <a:off x="5140310" y="86497"/>
+            <a:ext cx="258434" cy="49"/>
+          </a:xfrm>
+          <a:prstGeom prst="straightConnector1">
+            <a:avLst/>
+          </a:prstGeom>
+          <a:ln>
+            <a:tailEnd type="triangle"/>
+          </a:ln>
+        </p:spPr>
+        <p:style>
+          <a:lnRef idx="1">
+            <a:schemeClr val="dk1"/>
+          </a:lnRef>
+          <a:fillRef idx="0">
+            <a:schemeClr val="dk1"/>
+          </a:fillRef>
+          <a:effectRef idx="0">
+            <a:schemeClr val="dk1"/>
+          </a:effectRef>
+          <a:fontRef idx="minor">
+            <a:schemeClr val="tx1"/>
+          </a:fontRef>
+        </p:style>
+      </p:cxnSp>
+      <p:cxnSp>
+        <p:nvCxnSpPr>
+          <p:cNvPr id="13" name="Straight Arrow Connector 12"/>
+          <p:cNvCxnSpPr>
+            <a:endCxn id="9" idx="3"/>
+          </p:cNvCxnSpPr>
+          <p:nvPr/>
+        </p:nvCxnSpPr>
+        <p:spPr>
+          <a:xfrm flipH="1">
+            <a:off x="5121450" y="1485900"/>
+            <a:ext cx="254838" cy="2330"/>
+          </a:xfrm>
+          <a:prstGeom prst="straightConnector1">
+            <a:avLst/>
+          </a:prstGeom>
+          <a:ln>
+            <a:tailEnd type="triangle"/>
+          </a:ln>
+        </p:spPr>
+        <p:style>
+          <a:lnRef idx="1">
+            <a:schemeClr val="dk1"/>
+          </a:lnRef>
+          <a:fillRef idx="0">
+            <a:schemeClr val="dk1"/>
+          </a:fillRef>
+          <a:effectRef idx="0">
+            <a:schemeClr val="dk1"/>
+          </a:effectRef>
+          <a:fontRef idx="minor">
+            <a:schemeClr val="tx1"/>
+          </a:fontRef>
+        </p:style>
+      </p:cxnSp>
+      <p:cxnSp>
+        <p:nvCxnSpPr>
+          <p:cNvPr id="16" name="Straight Arrow Connector 15"/>
+          <p:cNvCxnSpPr>
+            <a:stCxn id="8" idx="2"/>
+          </p:cNvCxnSpPr>
+          <p:nvPr/>
+        </p:nvCxnSpPr>
+        <p:spPr>
+          <a:xfrm>
+            <a:off x="3807601" y="2118740"/>
+            <a:ext cx="5574" cy="347787"/>
+          </a:xfrm>
+          <a:prstGeom prst="straightConnector1">
+            <a:avLst/>
+          </a:prstGeom>
+          <a:ln>
+            <a:tailEnd type="triangle"/>
+          </a:ln>
+        </p:spPr>
+        <p:style>
+          <a:lnRef idx="1">
+            <a:schemeClr val="dk1"/>
+          </a:lnRef>
+          <a:fillRef idx="0">
+            <a:schemeClr val="dk1"/>
+          </a:fillRef>
+          <a:effectRef idx="0">
+            <a:schemeClr val="dk1"/>
+          </a:effectRef>
+          <a:fontRef idx="minor">
+            <a:schemeClr val="tx1"/>
+          </a:fontRef>
+        </p:style>
+      </p:cxnSp>
+      <p:cxnSp>
+        <p:nvCxnSpPr>
+          <p:cNvPr id="25" name="Straight Arrow Connector 24"/>
+          <p:cNvCxnSpPr/>
+          <p:nvPr/>
+        </p:nvCxnSpPr>
+        <p:spPr>
+          <a:xfrm>
+            <a:off x="3933825" y="6804993"/>
+            <a:ext cx="0" cy="202803"/>
+          </a:xfrm>
+          <a:prstGeom prst="straightConnector1">
+            <a:avLst/>
+          </a:prstGeom>
+          <a:ln>
+            <a:tailEnd type="triangle"/>
+          </a:ln>
+        </p:spPr>
+        <p:style>
+          <a:lnRef idx="1">
+            <a:schemeClr val="dk1"/>
+          </a:lnRef>
+          <a:fillRef idx="0">
+            <a:schemeClr val="dk1"/>
+          </a:fillRef>
+          <a:effectRef idx="0">
+            <a:schemeClr val="dk1"/>
+          </a:effectRef>
+          <a:fontRef idx="minor">
+            <a:schemeClr val="tx1"/>
+          </a:fontRef>
+        </p:style>
+      </p:cxnSp>
+      <p:cxnSp>
+        <p:nvCxnSpPr>
+          <p:cNvPr id="28" name="Straight Arrow Connector 27"/>
+          <p:cNvCxnSpPr>
+            <a:endCxn id="77" idx="1"/>
+          </p:cNvCxnSpPr>
+          <p:nvPr/>
+        </p:nvCxnSpPr>
+        <p:spPr>
+          <a:xfrm flipV="1">
+            <a:off x="5072669" y="7315910"/>
+            <a:ext cx="262868" cy="4053"/>
+          </a:xfrm>
+          <a:prstGeom prst="straightConnector1">
+            <a:avLst/>
+          </a:prstGeom>
+          <a:ln>
+            <a:tailEnd type="triangle"/>
+          </a:ln>
+        </p:spPr>
+        <p:style>
+          <a:lnRef idx="1">
+            <a:schemeClr val="dk1"/>
+          </a:lnRef>
+          <a:fillRef idx="0">
+            <a:schemeClr val="dk1"/>
+          </a:fillRef>
+          <a:effectRef idx="0">
+            <a:schemeClr val="dk1"/>
+          </a:effectRef>
+          <a:fontRef idx="minor">
+            <a:schemeClr val="tx1"/>
+          </a:fontRef>
+        </p:style>
+      </p:cxnSp>
+      <p:cxnSp>
+        <p:nvCxnSpPr>
+          <p:cNvPr id="67" name="Straight Arrow Connector 66"/>
+          <p:cNvCxnSpPr/>
+          <p:nvPr/>
+        </p:nvCxnSpPr>
+        <p:spPr>
+          <a:xfrm>
+            <a:off x="6681788" y="7600356"/>
+            <a:ext cx="0" cy="202803"/>
+          </a:xfrm>
+          <a:prstGeom prst="straightConnector1">
+            <a:avLst/>
+          </a:prstGeom>
+          <a:ln>
+            <a:tailEnd type="triangle"/>
+          </a:ln>
+        </p:spPr>
+        <p:style>
+          <a:lnRef idx="1">
+            <a:schemeClr val="dk1"/>
+          </a:lnRef>
+          <a:fillRef idx="0">
+            <a:schemeClr val="dk1"/>
+          </a:fillRef>
+          <a:effectRef idx="0">
+            <a:schemeClr val="dk1"/>
+          </a:effectRef>
+          <a:fontRef idx="minor">
+            <a:schemeClr val="tx1"/>
+          </a:fontRef>
+        </p:style>
+      </p:cxnSp>
+      <p:cxnSp>
+        <p:nvCxnSpPr>
+          <p:cNvPr id="68" name="Straight Arrow Connector 67"/>
+          <p:cNvCxnSpPr/>
+          <p:nvPr/>
+        </p:nvCxnSpPr>
+        <p:spPr>
+          <a:xfrm>
+            <a:off x="6691313" y="8352183"/>
+            <a:ext cx="0" cy="202803"/>
+          </a:xfrm>
+          <a:prstGeom prst="straightConnector1">
+            <a:avLst/>
+          </a:prstGeom>
+          <a:ln>
+            <a:tailEnd type="triangle"/>
+          </a:ln>
+        </p:spPr>
+        <p:style>
+          <a:lnRef idx="1">
+            <a:schemeClr val="dk1"/>
+          </a:lnRef>
+          <a:fillRef idx="0">
+            <a:schemeClr val="dk1"/>
+          </a:fillRef>
+          <a:effectRef idx="0">
+            <a:schemeClr val="dk1"/>
+          </a:effectRef>
+          <a:fontRef idx="minor">
+            <a:schemeClr val="tx1"/>
+          </a:fontRef>
+        </p:style>
+      </p:cxnSp>
+      <p:cxnSp>
+        <p:nvCxnSpPr>
+          <p:cNvPr id="69" name="Straight Arrow Connector 68"/>
+          <p:cNvCxnSpPr/>
+          <p:nvPr/>
+        </p:nvCxnSpPr>
+        <p:spPr>
+          <a:xfrm>
+            <a:off x="6700838" y="9104010"/>
+            <a:ext cx="0" cy="202803"/>
+          </a:xfrm>
+          <a:prstGeom prst="straightConnector1">
+            <a:avLst/>
+          </a:prstGeom>
+          <a:ln>
+            <a:tailEnd type="triangle"/>
+          </a:ln>
+        </p:spPr>
+        <p:style>
+          <a:lnRef idx="1">
+            <a:schemeClr val="dk1"/>
+          </a:lnRef>
+          <a:fillRef idx="0">
+            <a:schemeClr val="dk1"/>
+          </a:fillRef>
+          <a:effectRef idx="0">
+            <a:schemeClr val="dk1"/>
+          </a:effectRef>
+          <a:fontRef idx="minor">
+            <a:schemeClr val="tx1"/>
+          </a:fontRef>
+        </p:style>
+      </p:cxnSp>
+      <p:cxnSp>
+        <p:nvCxnSpPr>
+          <p:cNvPr id="70" name="Straight Arrow Connector 69"/>
+          <p:cNvCxnSpPr/>
+          <p:nvPr/>
+        </p:nvCxnSpPr>
+        <p:spPr>
+          <a:xfrm flipH="1">
+            <a:off x="5078138" y="9620188"/>
+            <a:ext cx="254838" cy="2330"/>
+          </a:xfrm>
+          <a:prstGeom prst="straightConnector1">
+            <a:avLst/>
+          </a:prstGeom>
+          <a:ln>
+            <a:tailEnd type="triangle"/>
+          </a:ln>
+        </p:spPr>
+        <p:style>
+          <a:lnRef idx="1">
+            <a:schemeClr val="dk1"/>
+          </a:lnRef>
+          <a:fillRef idx="0">
+            <a:schemeClr val="dk1"/>
+          </a:fillRef>
+          <a:effectRef idx="0">
+            <a:schemeClr val="dk1"/>
+          </a:effectRef>
+          <a:fontRef idx="minor">
+            <a:schemeClr val="tx1"/>
+          </a:fontRef>
+        </p:style>
+      </p:cxnSp>
     </p:spTree>
     <p:extLst>
       <p:ext uri="{BB962C8B-B14F-4D97-AF65-F5344CB8AC3E}">
@@ -8320,12 +8618,6 @@
           <a:p>
             <a:pPr algn="ctr"/>
             <a:r>
-              <a:rPr lang="en-ID" sz="1000" dirty="0" smtClean="0">
-                <a:cs typeface="Times New Roman" panose="02020603050405020304" pitchFamily="18" charset="0"/>
-              </a:rPr>
-              <a:t>Parameter </a:t>
-            </a:r>
-            <a:r>
               <a:rPr lang="en-ID" sz="1000" dirty="0" err="1" smtClean="0">
                 <a:cs typeface="Times New Roman" panose="02020603050405020304" pitchFamily="18" charset="0"/>
               </a:rPr>
@@ -8472,7 +8764,7 @@
         <p:spPr>
           <a:xfrm>
             <a:off x="1957092" y="3867308"/>
-            <a:ext cx="1397000" cy="1015663"/>
+            <a:ext cx="1397000" cy="861774"/>
           </a:xfrm>
           <a:prstGeom prst="rect">
             <a:avLst/>
@@ -8489,13 +8781,13 @@
               <a:rPr lang="en-ID" sz="1000" dirty="0" smtClean="0">
                 <a:cs typeface="Times New Roman" panose="02020603050405020304" pitchFamily="18" charset="0"/>
               </a:rPr>
-              <a:t>-User defined </a:t>
+              <a:t>-Default parameter </a:t>
             </a:r>
             <a:r>
               <a:rPr lang="en-ID" sz="1000" dirty="0" err="1" smtClean="0">
                 <a:cs typeface="Times New Roman" panose="02020603050405020304" pitchFamily="18" charset="0"/>
               </a:rPr>
-              <a:t>config</a:t>
+              <a:t>Config</a:t>
             </a:r>
             <a:endParaRPr lang="en-ID" sz="1000" dirty="0" smtClean="0">
               <a:cs typeface="Times New Roman" panose="02020603050405020304" pitchFamily="18" charset="0"/>
@@ -8506,31 +8798,42 @@
               <a:rPr lang="en-ID" sz="1000" dirty="0" smtClean="0">
                 <a:cs typeface="Times New Roman" panose="02020603050405020304" pitchFamily="18" charset="0"/>
               </a:rPr>
-              <a:t>-Data Interval</a:t>
-            </a:r>
-          </a:p>
-          <a:p>
+              <a:t>-</a:t>
+            </a:r>
             <a:r>
               <a:rPr lang="en-ID" sz="1000" dirty="0" smtClean="0">
                 <a:cs typeface="Times New Roman" panose="02020603050405020304" pitchFamily="18" charset="0"/>
               </a:rPr>
-              <a:t>-Type (numerical, categorical)</a:t>
-            </a:r>
-          </a:p>
-          <a:p>
+              <a:t>User defined </a:t>
+            </a:r>
             <a:r>
               <a:rPr lang="en-ID" sz="1000" dirty="0" smtClean="0">
                 <a:cs typeface="Times New Roman" panose="02020603050405020304" pitchFamily="18" charset="0"/>
               </a:rPr>
-              <a:t>-Rule(fuzzy, range)</a:t>
-            </a:r>
+              <a:t>parameter </a:t>
+            </a:r>
+            <a:r>
+              <a:rPr lang="en-ID" sz="1000" dirty="0" err="1" smtClean="0">
+                <a:cs typeface="Times New Roman" panose="02020603050405020304" pitchFamily="18" charset="0"/>
+              </a:rPr>
+              <a:t>config</a:t>
+            </a:r>
+            <a:endParaRPr lang="en-ID" sz="1000" dirty="0" smtClean="0">
+              <a:cs typeface="Times New Roman" panose="02020603050405020304" pitchFamily="18" charset="0"/>
+            </a:endParaRPr>
           </a:p>
           <a:p>
             <a:r>
               <a:rPr lang="en-ID" sz="1000" dirty="0" smtClean="0">
                 <a:cs typeface="Times New Roman" panose="02020603050405020304" pitchFamily="18" charset="0"/>
               </a:rPr>
-              <a:t>-Alternate (Replacer)</a:t>
+              <a:t>-Data </a:t>
+            </a:r>
+            <a:r>
+              <a:rPr lang="en-ID" sz="1000" dirty="0" smtClean="0">
+                <a:cs typeface="Times New Roman" panose="02020603050405020304" pitchFamily="18" charset="0"/>
+              </a:rPr>
+              <a:t>Interval</a:t>
             </a:r>
             <a:endParaRPr lang="id-ID" sz="1000" dirty="0">
               <a:cs typeface="Times New Roman" panose="02020603050405020304" pitchFamily="18" charset="0"/>
@@ -8900,7 +9203,13 @@
               <a:rPr lang="en-ID" sz="1000" dirty="0" smtClean="0">
                 <a:cs typeface="Times New Roman" panose="02020603050405020304" pitchFamily="18" charset="0"/>
               </a:rPr>
-              <a:t>Statistical Tools</a:t>
+              <a:t>Statistical </a:t>
+            </a:r>
+            <a:r>
+              <a:rPr lang="en-ID" sz="1000" dirty="0" smtClean="0">
+                <a:cs typeface="Times New Roman" panose="02020603050405020304" pitchFamily="18" charset="0"/>
+              </a:rPr>
+              <a:t>Analysis</a:t>
             </a:r>
             <a:endParaRPr lang="id-ID" sz="1000" dirty="0">
               <a:cs typeface="Times New Roman" panose="02020603050405020304" pitchFamily="18" charset="0"/>

--- a/Resource/Skripsi/Desain Penelitian.pptx
+++ b/Resource/Skripsi/Desain Penelitian.pptx
@@ -247,7 +247,7 @@
           <a:p>
             <a:fld id="{C6FC749A-EAD3-4020-A427-C54C9831C0FF}" type="datetimeFigureOut">
               <a:rPr lang="id-ID" smtClean="0"/>
-              <a:t>09/11/2018</a:t>
+              <a:t>08/12/2018</a:t>
             </a:fld>
             <a:endParaRPr lang="id-ID"/>
           </a:p>
@@ -417,7 +417,7 @@
           <a:p>
             <a:fld id="{C6FC749A-EAD3-4020-A427-C54C9831C0FF}" type="datetimeFigureOut">
               <a:rPr lang="id-ID" smtClean="0"/>
-              <a:t>09/11/2018</a:t>
+              <a:t>08/12/2018</a:t>
             </a:fld>
             <a:endParaRPr lang="id-ID"/>
           </a:p>
@@ -597,7 +597,7 @@
           <a:p>
             <a:fld id="{C6FC749A-EAD3-4020-A427-C54C9831C0FF}" type="datetimeFigureOut">
               <a:rPr lang="id-ID" smtClean="0"/>
-              <a:t>09/11/2018</a:t>
+              <a:t>08/12/2018</a:t>
             </a:fld>
             <a:endParaRPr lang="id-ID"/>
           </a:p>
@@ -767,7 +767,7 @@
           <a:p>
             <a:fld id="{C6FC749A-EAD3-4020-A427-C54C9831C0FF}" type="datetimeFigureOut">
               <a:rPr lang="id-ID" smtClean="0"/>
-              <a:t>09/11/2018</a:t>
+              <a:t>08/12/2018</a:t>
             </a:fld>
             <a:endParaRPr lang="id-ID"/>
           </a:p>
@@ -1013,7 +1013,7 @@
           <a:p>
             <a:fld id="{C6FC749A-EAD3-4020-A427-C54C9831C0FF}" type="datetimeFigureOut">
               <a:rPr lang="id-ID" smtClean="0"/>
-              <a:t>09/11/2018</a:t>
+              <a:t>08/12/2018</a:t>
             </a:fld>
             <a:endParaRPr lang="id-ID"/>
           </a:p>
@@ -1245,7 +1245,7 @@
           <a:p>
             <a:fld id="{C6FC749A-EAD3-4020-A427-C54C9831C0FF}" type="datetimeFigureOut">
               <a:rPr lang="id-ID" smtClean="0"/>
-              <a:t>09/11/2018</a:t>
+              <a:t>08/12/2018</a:t>
             </a:fld>
             <a:endParaRPr lang="id-ID"/>
           </a:p>
@@ -1612,7 +1612,7 @@
           <a:p>
             <a:fld id="{C6FC749A-EAD3-4020-A427-C54C9831C0FF}" type="datetimeFigureOut">
               <a:rPr lang="id-ID" smtClean="0"/>
-              <a:t>09/11/2018</a:t>
+              <a:t>08/12/2018</a:t>
             </a:fld>
             <a:endParaRPr lang="id-ID"/>
           </a:p>
@@ -1730,7 +1730,7 @@
           <a:p>
             <a:fld id="{C6FC749A-EAD3-4020-A427-C54C9831C0FF}" type="datetimeFigureOut">
               <a:rPr lang="id-ID" smtClean="0"/>
-              <a:t>09/11/2018</a:t>
+              <a:t>08/12/2018</a:t>
             </a:fld>
             <a:endParaRPr lang="id-ID"/>
           </a:p>
@@ -1825,7 +1825,7 @@
           <a:p>
             <a:fld id="{C6FC749A-EAD3-4020-A427-C54C9831C0FF}" type="datetimeFigureOut">
               <a:rPr lang="id-ID" smtClean="0"/>
-              <a:t>09/11/2018</a:t>
+              <a:t>08/12/2018</a:t>
             </a:fld>
             <a:endParaRPr lang="id-ID"/>
           </a:p>
@@ -2102,7 +2102,7 @@
           <a:p>
             <a:fld id="{C6FC749A-EAD3-4020-A427-C54C9831C0FF}" type="datetimeFigureOut">
               <a:rPr lang="id-ID" smtClean="0"/>
-              <a:t>09/11/2018</a:t>
+              <a:t>08/12/2018</a:t>
             </a:fld>
             <a:endParaRPr lang="id-ID"/>
           </a:p>
@@ -2355,7 +2355,7 @@
           <a:p>
             <a:fld id="{C6FC749A-EAD3-4020-A427-C54C9831C0FF}" type="datetimeFigureOut">
               <a:rPr lang="id-ID" smtClean="0"/>
-              <a:t>09/11/2018</a:t>
+              <a:t>08/12/2018</a:t>
             </a:fld>
             <a:endParaRPr lang="id-ID"/>
           </a:p>
@@ -2568,7 +2568,7 @@
           <a:p>
             <a:fld id="{C6FC749A-EAD3-4020-A427-C54C9831C0FF}" type="datetimeFigureOut">
               <a:rPr lang="id-ID" smtClean="0"/>
-              <a:t>09/11/2018</a:t>
+              <a:t>08/12/2018</a:t>
             </a:fld>
             <a:endParaRPr lang="id-ID"/>
           </a:p>
@@ -5350,10 +5350,10 @@
         </p:nvGrpSpPr>
         <p:grpSpPr>
           <a:xfrm>
-            <a:off x="5398744" y="-583025"/>
-            <a:ext cx="2580404" cy="2711553"/>
-            <a:chOff x="0" y="1601753"/>
-            <a:chExt cx="2580404" cy="2508146"/>
+            <a:off x="5398744" y="-583024"/>
+            <a:ext cx="2580404" cy="2455922"/>
+            <a:chOff x="0" y="1601754"/>
+            <a:chExt cx="2580404" cy="2271691"/>
           </a:xfrm>
         </p:grpSpPr>
         <p:sp>
@@ -5364,8 +5364,8 @@
           </p:nvSpPr>
           <p:spPr>
             <a:xfrm>
-              <a:off x="0" y="1601753"/>
-              <a:ext cx="2580404" cy="2508146"/>
+              <a:off x="0" y="1601754"/>
+              <a:ext cx="2580404" cy="2271691"/>
             </a:xfrm>
             <a:prstGeom prst="rect">
               <a:avLst/>
@@ -5570,247 +5570,14 @@
       </p:grpSp>
       <p:grpSp>
         <p:nvGrpSpPr>
-          <p:cNvPr id="56" name="Group 55"/>
+          <p:cNvPr id="55" name="Group 54"/>
           <p:cNvGrpSpPr/>
           <p:nvPr/>
         </p:nvGrpSpPr>
         <p:grpSpPr>
           <a:xfrm>
-            <a:off x="2517399" y="964878"/>
-            <a:ext cx="2604051" cy="1153862"/>
-            <a:chOff x="0" y="4862540"/>
-            <a:chExt cx="2604051" cy="1153862"/>
-          </a:xfrm>
-        </p:grpSpPr>
-        <p:sp>
-          <p:nvSpPr>
-            <p:cNvPr id="8" name="Rectangle 7"/>
-            <p:cNvSpPr/>
-            <p:nvPr/>
-          </p:nvSpPr>
-          <p:spPr>
-            <a:xfrm>
-              <a:off x="0" y="4862540"/>
-              <a:ext cx="2580404" cy="1153862"/>
-            </a:xfrm>
-            <a:prstGeom prst="rect">
-              <a:avLst/>
-            </a:prstGeom>
-            <a:noFill/>
-            <a:ln>
-              <a:solidFill>
-                <a:schemeClr val="tx1"/>
-              </a:solidFill>
-            </a:ln>
-          </p:spPr>
-          <p:style>
-            <a:lnRef idx="2">
-              <a:schemeClr val="accent1">
-                <a:shade val="50000"/>
-              </a:schemeClr>
-            </a:lnRef>
-            <a:fillRef idx="1">
-              <a:schemeClr val="accent1"/>
-            </a:fillRef>
-            <a:effectRef idx="0">
-              <a:schemeClr val="accent1"/>
-            </a:effectRef>
-            <a:fontRef idx="minor">
-              <a:schemeClr val="lt1"/>
-            </a:fontRef>
-          </p:style>
-          <p:txBody>
-            <a:bodyPr rtlCol="0" anchor="ctr"/>
-            <a:lstStyle/>
-            <a:p>
-              <a:pPr algn="ctr"/>
-              <a:endParaRPr lang="id-ID" sz="1200">
-                <a:latin typeface="Times New Roman" panose="02020603050405020304" pitchFamily="18" charset="0"/>
-                <a:cs typeface="Times New Roman" panose="02020603050405020304" pitchFamily="18" charset="0"/>
-              </a:endParaRPr>
-            </a:p>
-          </p:txBody>
-        </p:sp>
-        <p:sp>
-          <p:nvSpPr>
-            <p:cNvPr id="9" name="TextBox 8"/>
-            <p:cNvSpPr txBox="1"/>
-            <p:nvPr/>
-          </p:nvSpPr>
-          <p:spPr>
-            <a:xfrm>
-              <a:off x="61367" y="4931921"/>
-              <a:ext cx="2542684" cy="907941"/>
-            </a:xfrm>
-            <a:prstGeom prst="rect">
-              <a:avLst/>
-            </a:prstGeom>
-            <a:noFill/>
-          </p:spPr>
-          <p:txBody>
-            <a:bodyPr wrap="none" rtlCol="0">
-              <a:spAutoFit/>
-            </a:bodyPr>
-            <a:lstStyle/>
-            <a:p>
-              <a:pPr>
-                <a:spcAft>
-                  <a:spcPts val="600"/>
-                </a:spcAft>
-              </a:pPr>
-              <a:r>
-                <a:rPr lang="en-ID" sz="1200" dirty="0" err="1" smtClean="0">
-                  <a:latin typeface="Times New Roman" panose="02020603050405020304" pitchFamily="18" charset="0"/>
-                  <a:cs typeface="Times New Roman" panose="02020603050405020304" pitchFamily="18" charset="0"/>
-                </a:rPr>
-                <a:t>Pengumpulan</a:t>
-              </a:r>
-              <a:r>
-                <a:rPr lang="en-ID" sz="1200" dirty="0" smtClean="0">
-                  <a:latin typeface="Times New Roman" panose="02020603050405020304" pitchFamily="18" charset="0"/>
-                  <a:cs typeface="Times New Roman" panose="02020603050405020304" pitchFamily="18" charset="0"/>
-                </a:rPr>
-                <a:t> Data Time Series</a:t>
-              </a:r>
-              <a:endParaRPr lang="id-ID" sz="1200" dirty="0" smtClean="0">
-                <a:latin typeface="Times New Roman" panose="02020603050405020304" pitchFamily="18" charset="0"/>
-                <a:cs typeface="Times New Roman" panose="02020603050405020304" pitchFamily="18" charset="0"/>
-              </a:endParaRPr>
-            </a:p>
-            <a:p>
-              <a:pPr marL="228600" indent="-228600">
-                <a:buAutoNum type="arabicPeriod"/>
-              </a:pPr>
-              <a:r>
-                <a:rPr lang="en-ID" sz="1200" dirty="0" smtClean="0">
-                  <a:latin typeface="Times New Roman" panose="02020603050405020304" pitchFamily="18" charset="0"/>
-                  <a:cs typeface="Times New Roman" panose="02020603050405020304" pitchFamily="18" charset="0"/>
-                </a:rPr>
-                <a:t>Data </a:t>
-              </a:r>
-              <a:r>
-                <a:rPr lang="en-ID" sz="1200" dirty="0" err="1" smtClean="0">
-                  <a:latin typeface="Times New Roman" panose="02020603050405020304" pitchFamily="18" charset="0"/>
-                  <a:cs typeface="Times New Roman" panose="02020603050405020304" pitchFamily="18" charset="0"/>
-                </a:rPr>
-                <a:t>kurs</a:t>
-              </a:r>
-              <a:r>
-                <a:rPr lang="en-ID" sz="1200" dirty="0" smtClean="0">
-                  <a:latin typeface="Times New Roman" panose="02020603050405020304" pitchFamily="18" charset="0"/>
-                  <a:cs typeface="Times New Roman" panose="02020603050405020304" pitchFamily="18" charset="0"/>
-                </a:rPr>
-                <a:t> rupiah</a:t>
-              </a:r>
-            </a:p>
-            <a:p>
-              <a:pPr marL="228600" indent="-228600">
-                <a:buAutoNum type="arabicPeriod"/>
-              </a:pPr>
-              <a:r>
-                <a:rPr lang="en-ID" sz="1200" dirty="0" smtClean="0">
-                  <a:latin typeface="Times New Roman" panose="02020603050405020304" pitchFamily="18" charset="0"/>
-                  <a:cs typeface="Times New Roman" panose="02020603050405020304" pitchFamily="18" charset="0"/>
-                </a:rPr>
-                <a:t>Data </a:t>
-              </a:r>
-              <a:r>
-                <a:rPr lang="en-ID" sz="1200" dirty="0" err="1">
-                  <a:latin typeface="Times New Roman" panose="02020603050405020304" pitchFamily="18" charset="0"/>
-                  <a:cs typeface="Times New Roman" panose="02020603050405020304" pitchFamily="18" charset="0"/>
-                </a:rPr>
-                <a:t>k</a:t>
-              </a:r>
-              <a:r>
-                <a:rPr lang="en-ID" sz="1200" dirty="0" err="1" smtClean="0">
-                  <a:latin typeface="Times New Roman" panose="02020603050405020304" pitchFamily="18" charset="0"/>
-                  <a:cs typeface="Times New Roman" panose="02020603050405020304" pitchFamily="18" charset="0"/>
-                </a:rPr>
-                <a:t>limatologi</a:t>
-              </a:r>
-              <a:endParaRPr lang="en-ID" sz="1200" dirty="0" smtClean="0">
-                <a:latin typeface="Times New Roman" panose="02020603050405020304" pitchFamily="18" charset="0"/>
-                <a:cs typeface="Times New Roman" panose="02020603050405020304" pitchFamily="18" charset="0"/>
-              </a:endParaRPr>
-            </a:p>
-            <a:p>
-              <a:pPr marL="228600" indent="-228600">
-                <a:buAutoNum type="arabicPeriod"/>
-              </a:pPr>
-              <a:r>
-                <a:rPr lang="en-ID" sz="1200" dirty="0" smtClean="0">
-                  <a:latin typeface="Times New Roman" panose="02020603050405020304" pitchFamily="18" charset="0"/>
-                  <a:cs typeface="Times New Roman" panose="02020603050405020304" pitchFamily="18" charset="0"/>
-                </a:rPr>
-                <a:t>Data </a:t>
-              </a:r>
-              <a:r>
-                <a:rPr lang="en-ID" sz="1200" dirty="0" err="1" smtClean="0">
-                  <a:latin typeface="Times New Roman" panose="02020603050405020304" pitchFamily="18" charset="0"/>
-                  <a:cs typeface="Times New Roman" panose="02020603050405020304" pitchFamily="18" charset="0"/>
-                </a:rPr>
-                <a:t>sinar</a:t>
-              </a:r>
-              <a:r>
-                <a:rPr lang="en-ID" sz="1200" dirty="0" smtClean="0">
-                  <a:latin typeface="Times New Roman" panose="02020603050405020304" pitchFamily="18" charset="0"/>
-                  <a:cs typeface="Times New Roman" panose="02020603050405020304" pitchFamily="18" charset="0"/>
-                </a:rPr>
-                <a:t> </a:t>
-              </a:r>
-              <a:r>
-                <a:rPr lang="en-ID" sz="1200" dirty="0" err="1" smtClean="0">
-                  <a:latin typeface="Times New Roman" panose="02020603050405020304" pitchFamily="18" charset="0"/>
-                  <a:cs typeface="Times New Roman" panose="02020603050405020304" pitchFamily="18" charset="0"/>
-                </a:rPr>
-                <a:t>radiasi</a:t>
-              </a:r>
-              <a:r>
-                <a:rPr lang="en-ID" sz="1200" dirty="0" smtClean="0">
-                  <a:latin typeface="Times New Roman" panose="02020603050405020304" pitchFamily="18" charset="0"/>
-                  <a:cs typeface="Times New Roman" panose="02020603050405020304" pitchFamily="18" charset="0"/>
-                </a:rPr>
-                <a:t> </a:t>
-              </a:r>
-              <a:r>
-                <a:rPr lang="en-ID" sz="1200" dirty="0" err="1" smtClean="0">
-                  <a:latin typeface="Times New Roman" panose="02020603050405020304" pitchFamily="18" charset="0"/>
-                  <a:cs typeface="Times New Roman" panose="02020603050405020304" pitchFamily="18" charset="0"/>
-                </a:rPr>
-                <a:t>dan</a:t>
-              </a:r>
-              <a:r>
-                <a:rPr lang="en-ID" sz="1200" dirty="0" smtClean="0">
-                  <a:latin typeface="Times New Roman" panose="02020603050405020304" pitchFamily="18" charset="0"/>
-                  <a:cs typeface="Times New Roman" panose="02020603050405020304" pitchFamily="18" charset="0"/>
-                </a:rPr>
-                <a:t> </a:t>
-              </a:r>
-              <a:r>
-                <a:rPr lang="en-ID" sz="1200" dirty="0" err="1" smtClean="0">
-                  <a:latin typeface="Times New Roman" panose="02020603050405020304" pitchFamily="18" charset="0"/>
-                  <a:cs typeface="Times New Roman" panose="02020603050405020304" pitchFamily="18" charset="0"/>
-                </a:rPr>
-                <a:t>meteorologi</a:t>
-              </a:r>
-              <a:endParaRPr lang="en-ID" sz="1200" dirty="0" smtClean="0">
-                <a:latin typeface="Times New Roman" panose="02020603050405020304" pitchFamily="18" charset="0"/>
-                <a:cs typeface="Times New Roman" panose="02020603050405020304" pitchFamily="18" charset="0"/>
-              </a:endParaRPr>
-            </a:p>
-          </p:txBody>
-        </p:sp>
-      </p:grpSp>
-      <p:grpSp>
-        <p:nvGrpSpPr>
-          <p:cNvPr id="55" name="Group 54"/>
-          <p:cNvGrpSpPr/>
-          <p:nvPr/>
-        </p:nvGrpSpPr>
-        <p:grpSpPr>
-          <a:xfrm>
-            <a:off x="2511377" y="2466527"/>
-            <a:ext cx="5407595" cy="4338466"/>
+            <a:off x="2511377" y="2233037"/>
+            <a:ext cx="5407595" cy="4571956"/>
             <a:chOff x="4792334" y="1254468"/>
             <a:chExt cx="5467772" cy="4233844"/>
           </a:xfrm>
@@ -5868,7 +5635,7 @@
           </p:nvSpPr>
           <p:spPr>
             <a:xfrm>
-              <a:off x="4971894" y="1838317"/>
+              <a:off x="4955684" y="1612074"/>
               <a:ext cx="2431141" cy="276999"/>
             </a:xfrm>
             <a:prstGeom prst="rect">
@@ -5905,7 +5672,7 @@
           </p:nvSpPr>
           <p:spPr>
             <a:xfrm>
-              <a:off x="5117275" y="3832168"/>
+              <a:off x="5124980" y="4107678"/>
               <a:ext cx="2104570" cy="544076"/>
             </a:xfrm>
             <a:prstGeom prst="rect">
@@ -5954,7 +5721,7 @@
           </p:nvSpPr>
           <p:spPr>
             <a:xfrm>
-              <a:off x="5117275" y="3978451"/>
+              <a:off x="5124980" y="4253960"/>
               <a:ext cx="2098304" cy="276999"/>
             </a:xfrm>
             <a:prstGeom prst="rect">
@@ -5991,8 +5758,8 @@
           </p:nvSpPr>
           <p:spPr>
             <a:xfrm>
-              <a:off x="7868445" y="2474277"/>
-              <a:ext cx="2104570" cy="1092607"/>
+              <a:off x="7868445" y="2776774"/>
+              <a:ext cx="2205975" cy="1111561"/>
             </a:xfrm>
             <a:prstGeom prst="rect">
               <a:avLst/>
@@ -6005,90 +5772,22 @@
             </a:bodyPr>
             <a:lstStyle/>
             <a:p>
-              <a:pPr>
-                <a:spcAft>
-                  <a:spcPts val="600"/>
-                </a:spcAft>
-              </a:pPr>
-              <a:r>
-                <a:rPr lang="id-ID" sz="1200" dirty="0" smtClean="0">
-                  <a:latin typeface="Times New Roman" panose="02020603050405020304" pitchFamily="18" charset="0"/>
-                  <a:cs typeface="Times New Roman" panose="02020603050405020304" pitchFamily="18" charset="0"/>
-                </a:rPr>
-                <a:t>General </a:t>
-              </a:r>
-              <a:r>
-                <a:rPr lang="id-ID" sz="1200" dirty="0">
-                  <a:latin typeface="Times New Roman" panose="02020603050405020304" pitchFamily="18" charset="0"/>
-                  <a:cs typeface="Times New Roman" panose="02020603050405020304" pitchFamily="18" charset="0"/>
-                </a:rPr>
-                <a:t>Data </a:t>
-              </a:r>
-              <a:r>
-                <a:rPr lang="id-ID" sz="1200" dirty="0" smtClean="0">
-                  <a:latin typeface="Times New Roman" panose="02020603050405020304" pitchFamily="18" charset="0"/>
-                  <a:cs typeface="Times New Roman" panose="02020603050405020304" pitchFamily="18" charset="0"/>
-                </a:rPr>
-                <a:t>Handling</a:t>
-              </a:r>
-              <a:r>
-                <a:rPr lang="en-ID" sz="1200" dirty="0" smtClean="0">
-                  <a:latin typeface="Times New Roman" panose="02020603050405020304" pitchFamily="18" charset="0"/>
-                  <a:cs typeface="Times New Roman" panose="02020603050405020304" pitchFamily="18" charset="0"/>
-                </a:rPr>
-                <a:t>:</a:t>
-              </a:r>
-              <a:endParaRPr lang="id-ID" sz="1200" dirty="0">
-                <a:latin typeface="Times New Roman" panose="02020603050405020304" pitchFamily="18" charset="0"/>
-                <a:cs typeface="Times New Roman" panose="02020603050405020304" pitchFamily="18" charset="0"/>
-              </a:endParaRPr>
-            </a:p>
-            <a:p>
               <a:pPr marL="228600" indent="-228600">
                 <a:buAutoNum type="arabicPeriod"/>
               </a:pPr>
               <a:r>
-                <a:rPr lang="en-ID" sz="1200" dirty="0" smtClean="0">
+                <a:rPr lang="en-US" sz="1200" i="1" dirty="0" smtClean="0">
                   <a:latin typeface="Times New Roman" panose="02020603050405020304" pitchFamily="18" charset="0"/>
                   <a:cs typeface="Times New Roman" panose="02020603050405020304" pitchFamily="18" charset="0"/>
                 </a:rPr>
-                <a:t>Header Detection</a:t>
+                <a:t>Unspecific</a:t>
               </a:r>
-            </a:p>
-            <a:p>
-              <a:pPr marL="228600" indent="-228600">
-                <a:buFontTx/>
-                <a:buAutoNum type="arabicPeriod"/>
-              </a:pPr>
               <a:r>
-                <a:rPr lang="en-ID" sz="1200" dirty="0">
+                <a:rPr lang="en-ID" sz="1200" i="1" dirty="0" smtClean="0">
                   <a:latin typeface="Times New Roman" panose="02020603050405020304" pitchFamily="18" charset="0"/>
                   <a:cs typeface="Times New Roman" panose="02020603050405020304" pitchFamily="18" charset="0"/>
                 </a:rPr>
-                <a:t>User Defined Corpus</a:t>
-              </a:r>
-              <a:endParaRPr lang="id-ID" sz="1200" dirty="0">
-                <a:latin typeface="Times New Roman" panose="02020603050405020304" pitchFamily="18" charset="0"/>
-                <a:cs typeface="Times New Roman" panose="02020603050405020304" pitchFamily="18" charset="0"/>
-              </a:endParaRPr>
-            </a:p>
-            <a:p>
-              <a:pPr marL="228600" indent="-228600">
-                <a:buAutoNum type="arabicPeriod"/>
-              </a:pPr>
-              <a:r>
-                <a:rPr lang="en-ID" sz="1200" dirty="0">
-                  <a:latin typeface="Times New Roman" panose="02020603050405020304" pitchFamily="18" charset="0"/>
-                  <a:cs typeface="Times New Roman" panose="02020603050405020304" pitchFamily="18" charset="0"/>
-                </a:rPr>
-                <a:t>General </a:t>
-              </a:r>
-              <a:r>
-                <a:rPr lang="en-ID" sz="1200" dirty="0" smtClean="0">
-                  <a:latin typeface="Times New Roman" panose="02020603050405020304" pitchFamily="18" charset="0"/>
-                  <a:cs typeface="Times New Roman" panose="02020603050405020304" pitchFamily="18" charset="0"/>
-                </a:rPr>
-                <a:t>Fuzzy Generator</a:t>
+                <a:t> Fuzzy Generator</a:t>
               </a:r>
             </a:p>
             <a:p>
@@ -6096,19 +5795,60 @@
                 <a:buAutoNum type="arabicPeriod"/>
               </a:pPr>
               <a:r>
-                <a:rPr lang="en-ID" sz="1200" dirty="0" smtClean="0">
+                <a:rPr lang="en-US" sz="1200" i="1" dirty="0">
                   <a:latin typeface="Times New Roman" panose="02020603050405020304" pitchFamily="18" charset="0"/>
                   <a:cs typeface="Times New Roman" panose="02020603050405020304" pitchFamily="18" charset="0"/>
                 </a:rPr>
-                <a:t>General Trend </a:t>
+                <a:t>Unspecific</a:t>
               </a:r>
               <a:r>
-                <a:rPr lang="en-ID" sz="1200" dirty="0">
+                <a:rPr lang="en-ID" sz="1200" i="1" dirty="0" smtClean="0">
                   <a:latin typeface="Times New Roman" panose="02020603050405020304" pitchFamily="18" charset="0"/>
                   <a:cs typeface="Times New Roman" panose="02020603050405020304" pitchFamily="18" charset="0"/>
                 </a:rPr>
-                <a:t>Generator</a:t>
+                <a:t> Trend Generator</a:t>
               </a:r>
+            </a:p>
+            <a:p>
+              <a:pPr marL="228600" indent="-228600">
+                <a:buAutoNum type="arabicPeriod"/>
+              </a:pPr>
+              <a:r>
+                <a:rPr lang="en-ID" sz="1200" i="1" dirty="0" smtClean="0">
+                  <a:latin typeface="Times New Roman" panose="02020603050405020304" pitchFamily="18" charset="0"/>
+                  <a:cs typeface="Times New Roman" panose="02020603050405020304" pitchFamily="18" charset="0"/>
+                </a:rPr>
+                <a:t>Event Rule Generator</a:t>
+              </a:r>
+            </a:p>
+            <a:p>
+              <a:pPr marL="228600" indent="-228600">
+                <a:buAutoNum type="arabicPeriod"/>
+              </a:pPr>
+              <a:r>
+                <a:rPr lang="en-ID" sz="1200" i="1" dirty="0" smtClean="0">
+                  <a:latin typeface="Times New Roman" panose="02020603050405020304" pitchFamily="18" charset="0"/>
+                  <a:cs typeface="Times New Roman" panose="02020603050405020304" pitchFamily="18" charset="0"/>
+                </a:rPr>
+                <a:t>String Matching</a:t>
+              </a:r>
+            </a:p>
+            <a:p>
+              <a:pPr marL="228600" indent="-228600">
+                <a:buAutoNum type="arabicPeriod"/>
+              </a:pPr>
+              <a:r>
+                <a:rPr lang="en-ID" sz="1200" i="1" dirty="0" smtClean="0">
+                  <a:latin typeface="Times New Roman" panose="02020603050405020304" pitchFamily="18" charset="0"/>
+                  <a:cs typeface="Times New Roman" panose="02020603050405020304" pitchFamily="18" charset="0"/>
+                </a:rPr>
+                <a:t>Pearson Correlation</a:t>
+              </a:r>
+            </a:p>
+            <a:p>
+              <a:pPr marL="228600" indent="-228600">
+                <a:buAutoNum type="arabicPeriod"/>
+              </a:pPr>
               <a:endParaRPr lang="en-ID" sz="1200" dirty="0" smtClean="0">
                 <a:latin typeface="Times New Roman" panose="02020603050405020304" pitchFamily="18" charset="0"/>
                 <a:cs typeface="Times New Roman" panose="02020603050405020304" pitchFamily="18" charset="0"/>
@@ -6124,8 +5864,8 @@
           </p:nvSpPr>
           <p:spPr>
             <a:xfrm>
-              <a:off x="4807912" y="1339142"/>
-              <a:ext cx="5452194" cy="276999"/>
+              <a:off x="4807913" y="1339142"/>
+              <a:ext cx="5452193" cy="276999"/>
             </a:xfrm>
             <a:prstGeom prst="rect">
               <a:avLst/>
@@ -6177,13 +5917,16 @@
         <p:cxnSp>
           <p:nvCxnSpPr>
             <p:cNvPr id="30" name="Straight Arrow Connector 29"/>
-            <p:cNvCxnSpPr/>
+            <p:cNvCxnSpPr>
+              <a:stCxn id="54" idx="2"/>
+              <a:endCxn id="40" idx="0"/>
+            </p:cNvCxnSpPr>
             <p:nvPr/>
           </p:nvCxnSpPr>
           <p:spPr>
             <a:xfrm>
-              <a:off x="6182092" y="2091474"/>
-              <a:ext cx="0" cy="223062"/>
+              <a:off x="6172056" y="2527046"/>
+              <a:ext cx="3769" cy="163409"/>
             </a:xfrm>
             <a:prstGeom prst="straightConnector1">
               <a:avLst/>
@@ -6215,7 +5958,7 @@
           </p:nvSpPr>
           <p:spPr>
             <a:xfrm>
-              <a:off x="5123541" y="4598362"/>
+              <a:off x="5123541" y="4839542"/>
               <a:ext cx="2104570" cy="544076"/>
             </a:xfrm>
             <a:prstGeom prst="rect">
@@ -6264,7 +6007,7 @@
           </p:nvSpPr>
           <p:spPr>
             <a:xfrm>
-              <a:off x="5123541" y="4744645"/>
+              <a:off x="5123541" y="4985825"/>
               <a:ext cx="2098304" cy="276999"/>
             </a:xfrm>
             <a:prstGeom prst="rect">
@@ -6296,13 +6039,16 @@
         <p:cxnSp>
           <p:nvCxnSpPr>
             <p:cNvPr id="37" name="Straight Arrow Connector 36"/>
-            <p:cNvCxnSpPr/>
+            <p:cNvCxnSpPr>
+              <a:stCxn id="40" idx="2"/>
+              <a:endCxn id="42" idx="0"/>
+            </p:cNvCxnSpPr>
             <p:nvPr/>
           </p:nvCxnSpPr>
           <p:spPr>
             <a:xfrm>
-              <a:off x="6182092" y="2858612"/>
-              <a:ext cx="0" cy="223062"/>
+              <a:off x="6175825" y="3234531"/>
+              <a:ext cx="1" cy="154291"/>
             </a:xfrm>
             <a:prstGeom prst="straightConnector1">
               <a:avLst/>
@@ -6334,7 +6080,7 @@
           </p:nvSpPr>
           <p:spPr>
             <a:xfrm>
-              <a:off x="5129807" y="2314536"/>
+              <a:off x="5123540" y="2690455"/>
               <a:ext cx="2104570" cy="544076"/>
             </a:xfrm>
             <a:prstGeom prst="rect">
@@ -6383,8 +6129,8 @@
           </p:nvSpPr>
           <p:spPr>
             <a:xfrm>
-              <a:off x="5129807" y="2460819"/>
-              <a:ext cx="2098304" cy="276999"/>
+              <a:off x="5122102" y="2840271"/>
+              <a:ext cx="2098304" cy="256514"/>
             </a:xfrm>
             <a:prstGeom prst="rect">
               <a:avLst/>
@@ -6403,7 +6149,35 @@
                   <a:latin typeface="Times New Roman" panose="02020603050405020304" pitchFamily="18" charset="0"/>
                   <a:cs typeface="Times New Roman" panose="02020603050405020304" pitchFamily="18" charset="0"/>
                 </a:rPr>
-                <a:t>Sygnal Analisys</a:t>
+                <a:t>Sygnal Anal</a:t>
+              </a:r>
+              <a:r>
+                <a:rPr lang="en-US" sz="1200" dirty="0" smtClean="0">
+                  <a:latin typeface="Times New Roman" panose="02020603050405020304" pitchFamily="18" charset="0"/>
+                  <a:cs typeface="Times New Roman" panose="02020603050405020304" pitchFamily="18" charset="0"/>
+                </a:rPr>
+                <a:t>y</a:t>
+              </a:r>
+              <a:r>
+                <a:rPr lang="id-ID" sz="1200" dirty="0" smtClean="0">
+                  <a:latin typeface="Times New Roman" panose="02020603050405020304" pitchFamily="18" charset="0"/>
+                  <a:cs typeface="Times New Roman" panose="02020603050405020304" pitchFamily="18" charset="0"/>
+                </a:rPr>
+                <a:t>s</a:t>
+              </a:r>
+              <a:r>
+                <a:rPr lang="en-US" sz="1200" dirty="0" err="1">
+                  <a:latin typeface="Times New Roman" panose="02020603050405020304" pitchFamily="18" charset="0"/>
+                  <a:cs typeface="Times New Roman" panose="02020603050405020304" pitchFamily="18" charset="0"/>
+                </a:rPr>
+                <a:t>i</a:t>
+              </a:r>
+              <a:r>
+                <a:rPr lang="id-ID" sz="1200" dirty="0" smtClean="0">
+                  <a:latin typeface="Times New Roman" panose="02020603050405020304" pitchFamily="18" charset="0"/>
+                  <a:cs typeface="Times New Roman" panose="02020603050405020304" pitchFamily="18" charset="0"/>
+                </a:rPr>
+                <a:t>s</a:t>
               </a:r>
               <a:endParaRPr lang="id-ID" sz="1200" dirty="0">
                 <a:latin typeface="Times New Roman" panose="02020603050405020304" pitchFamily="18" charset="0"/>
@@ -6420,7 +6194,7 @@
           </p:nvSpPr>
           <p:spPr>
             <a:xfrm>
-              <a:off x="5123541" y="3070021"/>
+              <a:off x="5123541" y="3388823"/>
               <a:ext cx="2104570" cy="544076"/>
             </a:xfrm>
             <a:prstGeom prst="rect">
@@ -6469,7 +6243,7 @@
           </p:nvSpPr>
           <p:spPr>
             <a:xfrm>
-              <a:off x="5123541" y="3216304"/>
+              <a:off x="5123541" y="3535106"/>
               <a:ext cx="2098304" cy="276999"/>
             </a:xfrm>
             <a:prstGeom prst="rect">
@@ -6501,13 +6275,16 @@
         <p:cxnSp>
           <p:nvCxnSpPr>
             <p:cNvPr id="44" name="Straight Arrow Connector 43"/>
-            <p:cNvCxnSpPr/>
+            <p:cNvCxnSpPr>
+              <a:stCxn id="42" idx="2"/>
+              <a:endCxn id="19" idx="0"/>
+            </p:cNvCxnSpPr>
             <p:nvPr/>
           </p:nvCxnSpPr>
           <p:spPr>
             <a:xfrm>
-              <a:off x="6182092" y="3614097"/>
-              <a:ext cx="0" cy="223062"/>
+              <a:off x="6175826" y="3932899"/>
+              <a:ext cx="1439" cy="174778"/>
             </a:xfrm>
             <a:prstGeom prst="straightConnector1">
               <a:avLst/>
@@ -6534,13 +6311,16 @@
         <p:cxnSp>
           <p:nvCxnSpPr>
             <p:cNvPr id="46" name="Straight Arrow Connector 45"/>
-            <p:cNvCxnSpPr/>
+            <p:cNvCxnSpPr>
+              <a:stCxn id="19" idx="2"/>
+              <a:endCxn id="31" idx="0"/>
+            </p:cNvCxnSpPr>
             <p:nvPr/>
           </p:nvCxnSpPr>
           <p:spPr>
-            <a:xfrm>
-              <a:off x="6187465" y="4376244"/>
-              <a:ext cx="0" cy="223062"/>
+            <a:xfrm flipH="1">
+              <a:off x="6175826" y="4651754"/>
+              <a:ext cx="1439" cy="187788"/>
             </a:xfrm>
             <a:prstGeom prst="straightConnector1">
               <a:avLst/>
@@ -6572,8 +6352,8 @@
           </p:nvSpPr>
           <p:spPr>
             <a:xfrm>
-              <a:off x="7747420" y="2314536"/>
-              <a:ext cx="2104570" cy="1299561"/>
+              <a:off x="7747420" y="2617032"/>
+              <a:ext cx="2326999" cy="1299561"/>
             </a:xfrm>
             <a:prstGeom prst="rect">
               <a:avLst/>
@@ -6621,7 +6401,7 @@
           </p:nvCxnSpPr>
           <p:spPr>
             <a:xfrm flipH="1">
-              <a:off x="7228111" y="2513013"/>
+              <a:off x="7200170" y="2971684"/>
               <a:ext cx="519309" cy="0"/>
             </a:xfrm>
             <a:prstGeom prst="straightConnector1">
@@ -6656,7 +6436,7 @@
           </p:nvCxnSpPr>
           <p:spPr>
             <a:xfrm flipH="1" flipV="1">
-              <a:off x="7228111" y="3342059"/>
+              <a:off x="7228111" y="3660860"/>
               <a:ext cx="519309" cy="604"/>
             </a:xfrm>
             <a:prstGeom prst="straightConnector1">
@@ -6690,8 +6470,8 @@
         </p:nvGrpSpPr>
         <p:grpSpPr>
           <a:xfrm>
-            <a:off x="2511377" y="7007796"/>
-            <a:ext cx="2580404" cy="1731272"/>
+            <a:off x="8213725" y="3287055"/>
+            <a:ext cx="2580404" cy="1268005"/>
             <a:chOff x="0" y="4460040"/>
             <a:chExt cx="2580404" cy="1556363"/>
           </a:xfrm>
@@ -6754,7 +6534,7 @@
           <p:spPr>
             <a:xfrm>
               <a:off x="37720" y="4588316"/>
-              <a:ext cx="1527982" cy="1314241"/>
+              <a:ext cx="1527982" cy="982222"/>
             </a:xfrm>
             <a:prstGeom prst="rect">
               <a:avLst/>
@@ -6853,30 +6633,6 @@
                 <a:t>Testing</a:t>
               </a:r>
             </a:p>
-            <a:p>
-              <a:pPr marL="228600" indent="-228600">
-                <a:buAutoNum type="arabicPeriod"/>
-              </a:pPr>
-              <a:r>
-                <a:rPr lang="en-ID" sz="1200" dirty="0" smtClean="0">
-                  <a:latin typeface="Times New Roman" panose="02020603050405020304" pitchFamily="18" charset="0"/>
-                  <a:cs typeface="Times New Roman" panose="02020603050405020304" pitchFamily="18" charset="0"/>
-                </a:rPr>
-                <a:t>Deployment</a:t>
-              </a:r>
-            </a:p>
-            <a:p>
-              <a:pPr marL="228600" indent="-228600">
-                <a:buAutoNum type="arabicPeriod"/>
-              </a:pPr>
-              <a:r>
-                <a:rPr lang="en-ID" sz="1200" dirty="0" smtClean="0">
-                  <a:latin typeface="Times New Roman" panose="02020603050405020304" pitchFamily="18" charset="0"/>
-                  <a:cs typeface="Times New Roman" panose="02020603050405020304" pitchFamily="18" charset="0"/>
-                </a:rPr>
-                <a:t>Maintenance</a:t>
-              </a:r>
-            </a:p>
           </p:txBody>
         </p:sp>
       </p:grpSp>
@@ -6888,7 +6644,7 @@
         </p:nvSpPr>
         <p:spPr>
           <a:xfrm>
-            <a:off x="5319960" y="7783290"/>
+            <a:off x="10982206" y="5443826"/>
             <a:ext cx="2561292" cy="568893"/>
           </a:xfrm>
           <a:prstGeom prst="rect">
@@ -6937,7 +6693,7 @@
         </p:nvSpPr>
         <p:spPr>
           <a:xfrm>
-            <a:off x="5376288" y="7938695"/>
+            <a:off x="11038534" y="5599231"/>
             <a:ext cx="2542684" cy="276999"/>
           </a:xfrm>
           <a:prstGeom prst="rect">
@@ -6974,7 +6730,7 @@
         </p:nvSpPr>
         <p:spPr>
           <a:xfrm>
-            <a:off x="5335537" y="9330480"/>
+            <a:off x="11022478" y="6236370"/>
             <a:ext cx="2561292" cy="568893"/>
           </a:xfrm>
           <a:prstGeom prst="rect">
@@ -7023,7 +6779,7 @@
         </p:nvSpPr>
         <p:spPr>
           <a:xfrm>
-            <a:off x="5335537" y="9466303"/>
+            <a:off x="11041528" y="6384893"/>
             <a:ext cx="2542684" cy="276999"/>
           </a:xfrm>
           <a:prstGeom prst="rect">
@@ -7039,39 +6795,25 @@
           <a:p>
             <a:pPr algn="ctr"/>
             <a:r>
-              <a:rPr lang="en-ID" sz="1200" dirty="0" err="1">
+              <a:rPr lang="en-ID" sz="1200" dirty="0" err="1" smtClean="0">
                 <a:latin typeface="Times New Roman" panose="02020603050405020304" pitchFamily="18" charset="0"/>
                 <a:cs typeface="Times New Roman" panose="02020603050405020304" pitchFamily="18" charset="0"/>
               </a:rPr>
-              <a:t>Analisis</a:t>
-            </a:r>
-            <a:r>
-              <a:rPr lang="en-ID" sz="1200" dirty="0">
+              <a:t>Penarikan</a:t>
+            </a:r>
+            <a:r>
+              <a:rPr lang="en-ID" sz="1200" dirty="0" smtClean="0">
                 <a:latin typeface="Times New Roman" panose="02020603050405020304" pitchFamily="18" charset="0"/>
                 <a:cs typeface="Times New Roman" panose="02020603050405020304" pitchFamily="18" charset="0"/>
               </a:rPr>
               <a:t> </a:t>
             </a:r>
             <a:r>
-              <a:rPr lang="en-ID" sz="1200" dirty="0" err="1">
+              <a:rPr lang="en-ID" sz="1200" dirty="0" err="1" smtClean="0">
                 <a:latin typeface="Times New Roman" panose="02020603050405020304" pitchFamily="18" charset="0"/>
                 <a:cs typeface="Times New Roman" panose="02020603050405020304" pitchFamily="18" charset="0"/>
               </a:rPr>
-              <a:t>Hasil</a:t>
-            </a:r>
-            <a:r>
-              <a:rPr lang="en-ID" sz="1200" dirty="0">
-                <a:latin typeface="Times New Roman" panose="02020603050405020304" pitchFamily="18" charset="0"/>
-                <a:cs typeface="Times New Roman" panose="02020603050405020304" pitchFamily="18" charset="0"/>
-              </a:rPr>
-              <a:t> </a:t>
-            </a:r>
-            <a:r>
-              <a:rPr lang="en-ID" sz="1200" dirty="0" err="1">
-                <a:latin typeface="Times New Roman" panose="02020603050405020304" pitchFamily="18" charset="0"/>
-                <a:cs typeface="Times New Roman" panose="02020603050405020304" pitchFamily="18" charset="0"/>
-              </a:rPr>
-              <a:t>Eksperimen</a:t>
+              <a:t>Kesimpulan</a:t>
             </a:r>
             <a:endParaRPr lang="id-ID" sz="1200" dirty="0">
               <a:latin typeface="Times New Roman" panose="02020603050405020304" pitchFamily="18" charset="0"/>
@@ -7088,7 +6830,7 @@
         </p:nvSpPr>
         <p:spPr>
           <a:xfrm>
-            <a:off x="5335537" y="7031463"/>
+            <a:off x="11019926" y="3255303"/>
             <a:ext cx="2561292" cy="568893"/>
           </a:xfrm>
           <a:prstGeom prst="rect">
@@ -7137,7 +6879,7 @@
         </p:nvSpPr>
         <p:spPr>
           <a:xfrm>
-            <a:off x="5354145" y="7187121"/>
+            <a:off x="11038534" y="3410961"/>
             <a:ext cx="2542684" cy="276999"/>
           </a:xfrm>
           <a:prstGeom prst="rect">
@@ -7188,7 +6930,7 @@
         </p:nvSpPr>
         <p:spPr>
           <a:xfrm>
-            <a:off x="5335537" y="8535117"/>
+            <a:off x="8198760" y="5441007"/>
             <a:ext cx="2561292" cy="568893"/>
           </a:xfrm>
           <a:prstGeom prst="rect">
@@ -7237,7 +6979,7 @@
         </p:nvSpPr>
         <p:spPr>
           <a:xfrm>
-            <a:off x="5335537" y="8681064"/>
+            <a:off x="8198760" y="5586954"/>
             <a:ext cx="2542684" cy="276999"/>
           </a:xfrm>
           <a:prstGeom prst="rect">
@@ -7288,7 +7030,7 @@
         </p:nvSpPr>
         <p:spPr>
           <a:xfrm>
-            <a:off x="2511377" y="9330480"/>
+            <a:off x="8198318" y="6236370"/>
             <a:ext cx="2561292" cy="568893"/>
           </a:xfrm>
           <a:prstGeom prst="rect">
@@ -7337,8 +7079,8 @@
         </p:nvSpPr>
         <p:spPr>
           <a:xfrm>
-            <a:off x="2511377" y="9466303"/>
-            <a:ext cx="2542684" cy="461665"/>
+            <a:off x="8198318" y="6372193"/>
+            <a:ext cx="2542684" cy="276999"/>
           </a:xfrm>
           <a:prstGeom prst="rect">
             <a:avLst/>
@@ -7357,7 +7099,7 @@
                 <a:latin typeface="Times New Roman" panose="02020603050405020304" pitchFamily="18" charset="0"/>
                 <a:cs typeface="Times New Roman" panose="02020603050405020304" pitchFamily="18" charset="0"/>
               </a:rPr>
-              <a:t>Penarikan</a:t>
+              <a:t>Analisis</a:t>
             </a:r>
             <a:r>
               <a:rPr lang="en-ID" sz="1200" dirty="0">
@@ -7371,15 +7113,22 @@
                 <a:latin typeface="Times New Roman" panose="02020603050405020304" pitchFamily="18" charset="0"/>
                 <a:cs typeface="Times New Roman" panose="02020603050405020304" pitchFamily="18" charset="0"/>
               </a:rPr>
-              <a:t>Kesimpulan</a:t>
-            </a:r>
-            <a:endParaRPr lang="id-ID" sz="1200" dirty="0">
-              <a:latin typeface="Times New Roman" panose="02020603050405020304" pitchFamily="18" charset="0"/>
-              <a:cs typeface="Times New Roman" panose="02020603050405020304" pitchFamily="18" charset="0"/>
-            </a:endParaRPr>
-          </a:p>
-          <a:p>
-            <a:pPr algn="ctr"/>
+              <a:t>Hasil</a:t>
+            </a:r>
+            <a:r>
+              <a:rPr lang="en-ID" sz="1200" dirty="0">
+                <a:latin typeface="Times New Roman" panose="02020603050405020304" pitchFamily="18" charset="0"/>
+                <a:cs typeface="Times New Roman" panose="02020603050405020304" pitchFamily="18" charset="0"/>
+              </a:rPr>
+              <a:t> </a:t>
+            </a:r>
+            <a:r>
+              <a:rPr lang="en-ID" sz="1200" dirty="0" err="1">
+                <a:latin typeface="Times New Roman" panose="02020603050405020304" pitchFamily="18" charset="0"/>
+                <a:cs typeface="Times New Roman" panose="02020603050405020304" pitchFamily="18" charset="0"/>
+              </a:rPr>
+              <a:t>Eksperimen</a:t>
+            </a:r>
             <a:endParaRPr lang="id-ID" sz="1200" dirty="0">
               <a:latin typeface="Times New Roman" panose="02020603050405020304" pitchFamily="18" charset="0"/>
               <a:cs typeface="Times New Roman" panose="02020603050405020304" pitchFamily="18" charset="0"/>
@@ -7399,41 +7148,6 @@
           <a:xfrm flipV="1">
             <a:off x="5140310" y="86497"/>
             <a:ext cx="258434" cy="49"/>
-          </a:xfrm>
-          <a:prstGeom prst="straightConnector1">
-            <a:avLst/>
-          </a:prstGeom>
-          <a:ln>
-            <a:tailEnd type="triangle"/>
-          </a:ln>
-        </p:spPr>
-        <p:style>
-          <a:lnRef idx="1">
-            <a:schemeClr val="dk1"/>
-          </a:lnRef>
-          <a:fillRef idx="0">
-            <a:schemeClr val="dk1"/>
-          </a:fillRef>
-          <a:effectRef idx="0">
-            <a:schemeClr val="dk1"/>
-          </a:effectRef>
-          <a:fontRef idx="minor">
-            <a:schemeClr val="tx1"/>
-          </a:fontRef>
-        </p:style>
-      </p:cxnSp>
-      <p:cxnSp>
-        <p:nvCxnSpPr>
-          <p:cNvPr id="13" name="Straight Arrow Connector 12"/>
-          <p:cNvCxnSpPr>
-            <a:endCxn id="9" idx="3"/>
-          </p:cNvCxnSpPr>
-          <p:nvPr/>
-        </p:nvCxnSpPr>
-        <p:spPr>
-          <a:xfrm flipH="1">
-            <a:off x="5121450" y="1485900"/>
-            <a:ext cx="254838" cy="2330"/>
           </a:xfrm>
           <a:prstGeom prst="straightConnector1">
             <a:avLst/>
@@ -7461,47 +7175,14 @@
         <p:nvCxnSpPr>
           <p:cNvPr id="16" name="Straight Arrow Connector 15"/>
           <p:cNvCxnSpPr>
-            <a:stCxn id="8" idx="2"/>
+            <a:stCxn id="6" idx="2"/>
           </p:cNvCxnSpPr>
           <p:nvPr/>
         </p:nvCxnSpPr>
         <p:spPr>
           <a:xfrm>
-            <a:off x="3807601" y="2118740"/>
-            <a:ext cx="5574" cy="347787"/>
-          </a:xfrm>
-          <a:prstGeom prst="straightConnector1">
-            <a:avLst/>
-          </a:prstGeom>
-          <a:ln>
-            <a:tailEnd type="triangle"/>
-          </a:ln>
-        </p:spPr>
-        <p:style>
-          <a:lnRef idx="1">
-            <a:schemeClr val="dk1"/>
-          </a:lnRef>
-          <a:fillRef idx="0">
-            <a:schemeClr val="dk1"/>
-          </a:fillRef>
-          <a:effectRef idx="0">
-            <a:schemeClr val="dk1"/>
-          </a:effectRef>
-          <a:fontRef idx="minor">
-            <a:schemeClr val="tx1"/>
-          </a:fontRef>
-        </p:style>
-      </p:cxnSp>
-      <p:cxnSp>
-        <p:nvCxnSpPr>
-          <p:cNvPr id="25" name="Straight Arrow Connector 24"/>
-          <p:cNvCxnSpPr/>
-          <p:nvPr/>
-        </p:nvCxnSpPr>
-        <p:spPr>
-          <a:xfrm>
-            <a:off x="3933825" y="6804993"/>
-            <a:ext cx="0" cy="202803"/>
+            <a:off x="6688946" y="1872898"/>
+            <a:ext cx="0" cy="360139"/>
           </a:xfrm>
           <a:prstGeom prst="straightConnector1">
             <a:avLst/>
@@ -7535,8 +7216,8 @@
         </p:nvCxnSpPr>
         <p:spPr>
           <a:xfrm flipV="1">
-            <a:off x="5072669" y="7315910"/>
-            <a:ext cx="262868" cy="4053"/>
+            <a:off x="10817225" y="3539750"/>
+            <a:ext cx="202701" cy="3550"/>
           </a:xfrm>
           <a:prstGeom prst="straightConnector1">
             <a:avLst/>
@@ -7568,7 +7249,7 @@
         </p:nvCxnSpPr>
         <p:spPr>
           <a:xfrm>
-            <a:off x="6681788" y="7600356"/>
+            <a:off x="12412271" y="3821754"/>
             <a:ext cx="0" cy="202803"/>
           </a:xfrm>
           <a:prstGeom prst="straightConnector1">
@@ -7601,41 +7282,8 @@
         </p:nvCxnSpPr>
         <p:spPr>
           <a:xfrm>
-            <a:off x="6691313" y="8352183"/>
-            <a:ext cx="0" cy="202803"/>
-          </a:xfrm>
-          <a:prstGeom prst="straightConnector1">
-            <a:avLst/>
-          </a:prstGeom>
-          <a:ln>
-            <a:tailEnd type="triangle"/>
-          </a:ln>
-        </p:spPr>
-        <p:style>
-          <a:lnRef idx="1">
-            <a:schemeClr val="dk1"/>
-          </a:lnRef>
-          <a:fillRef idx="0">
-            <a:schemeClr val="dk1"/>
-          </a:fillRef>
-          <a:effectRef idx="0">
-            <a:schemeClr val="dk1"/>
-          </a:effectRef>
-          <a:fontRef idx="minor">
-            <a:schemeClr val="tx1"/>
-          </a:fontRef>
-        </p:style>
-      </p:cxnSp>
-      <p:cxnSp>
-        <p:nvCxnSpPr>
-          <p:cNvPr id="69" name="Straight Arrow Connector 68"/>
-          <p:cNvCxnSpPr/>
-          <p:nvPr/>
-        </p:nvCxnSpPr>
-        <p:spPr>
-          <a:xfrm>
-            <a:off x="6700838" y="9104010"/>
-            <a:ext cx="0" cy="202803"/>
+            <a:off x="12387779" y="5185109"/>
+            <a:ext cx="0" cy="255898"/>
           </a:xfrm>
           <a:prstGeom prst="straightConnector1">
             <a:avLst/>
@@ -7662,13 +7310,492 @@
       <p:cxnSp>
         <p:nvCxnSpPr>
           <p:cNvPr id="70" name="Straight Arrow Connector 69"/>
+          <p:cNvCxnSpPr>
+            <a:stCxn id="84" idx="3"/>
+            <a:endCxn id="73" idx="1"/>
+          </p:cNvCxnSpPr>
+          <p:nvPr/>
+        </p:nvCxnSpPr>
+        <p:spPr>
+          <a:xfrm>
+            <a:off x="10759610" y="6520817"/>
+            <a:ext cx="262868" cy="0"/>
+          </a:xfrm>
+          <a:prstGeom prst="straightConnector1">
+            <a:avLst/>
+          </a:prstGeom>
+          <a:ln>
+            <a:tailEnd type="triangle"/>
+          </a:ln>
+        </p:spPr>
+        <p:style>
+          <a:lnRef idx="1">
+            <a:schemeClr val="dk1"/>
+          </a:lnRef>
+          <a:fillRef idx="0">
+            <a:schemeClr val="dk1"/>
+          </a:fillRef>
+          <a:effectRef idx="0">
+            <a:schemeClr val="dk1"/>
+          </a:effectRef>
+          <a:fontRef idx="minor">
+            <a:schemeClr val="tx1"/>
+          </a:fontRef>
+        </p:style>
+      </p:cxnSp>
+      <p:grpSp>
+        <p:nvGrpSpPr>
+          <p:cNvPr id="59" name="Group 58"/>
+          <p:cNvGrpSpPr/>
+          <p:nvPr/>
+        </p:nvGrpSpPr>
+        <p:grpSpPr>
+          <a:xfrm>
+            <a:off x="11016725" y="4031247"/>
+            <a:ext cx="2580404" cy="1161988"/>
+            <a:chOff x="-3629891" y="9124898"/>
+            <a:chExt cx="2580404" cy="1161988"/>
+          </a:xfrm>
+        </p:grpSpPr>
+        <p:sp>
+          <p:nvSpPr>
+            <p:cNvPr id="60" name="Rectangle 59"/>
+            <p:cNvSpPr/>
+            <p:nvPr/>
+          </p:nvSpPr>
+          <p:spPr>
+            <a:xfrm>
+              <a:off x="-3629891" y="9124898"/>
+              <a:ext cx="2580404" cy="1153862"/>
+            </a:xfrm>
+            <a:prstGeom prst="rect">
+              <a:avLst/>
+            </a:prstGeom>
+            <a:noFill/>
+            <a:ln>
+              <a:solidFill>
+                <a:schemeClr val="tx1"/>
+              </a:solidFill>
+            </a:ln>
+          </p:spPr>
+          <p:style>
+            <a:lnRef idx="2">
+              <a:schemeClr val="accent1">
+                <a:shade val="50000"/>
+              </a:schemeClr>
+            </a:lnRef>
+            <a:fillRef idx="1">
+              <a:schemeClr val="accent1"/>
+            </a:fillRef>
+            <a:effectRef idx="0">
+              <a:schemeClr val="accent1"/>
+            </a:effectRef>
+            <a:fontRef idx="minor">
+              <a:schemeClr val="lt1"/>
+            </a:fontRef>
+          </p:style>
+          <p:txBody>
+            <a:bodyPr rtlCol="0" anchor="ctr"/>
+            <a:lstStyle/>
+            <a:p>
+              <a:pPr algn="ctr"/>
+              <a:endParaRPr lang="id-ID" sz="1200">
+                <a:latin typeface="Times New Roman" panose="02020603050405020304" pitchFamily="18" charset="0"/>
+                <a:cs typeface="Times New Roman" panose="02020603050405020304" pitchFamily="18" charset="0"/>
+              </a:endParaRPr>
+            </a:p>
+          </p:txBody>
+        </p:sp>
+        <p:sp>
+          <p:nvSpPr>
+            <p:cNvPr id="61" name="TextBox 60"/>
+            <p:cNvSpPr txBox="1"/>
+            <p:nvPr/>
+          </p:nvSpPr>
+          <p:spPr>
+            <a:xfrm>
+              <a:off x="-3568524" y="9194279"/>
+              <a:ext cx="2440092" cy="1092607"/>
+            </a:xfrm>
+            <a:prstGeom prst="rect">
+              <a:avLst/>
+            </a:prstGeom>
+            <a:noFill/>
+          </p:spPr>
+          <p:txBody>
+            <a:bodyPr wrap="none" rtlCol="0">
+              <a:spAutoFit/>
+            </a:bodyPr>
+            <a:lstStyle/>
+            <a:p>
+              <a:pPr>
+                <a:spcAft>
+                  <a:spcPts val="600"/>
+                </a:spcAft>
+              </a:pPr>
+              <a:r>
+                <a:rPr lang="en-ID" sz="1200" dirty="0" err="1" smtClean="0">
+                  <a:latin typeface="Times New Roman" panose="02020603050405020304" pitchFamily="18" charset="0"/>
+                  <a:cs typeface="Times New Roman" panose="02020603050405020304" pitchFamily="18" charset="0"/>
+                </a:rPr>
+                <a:t>Pengumpulan</a:t>
+              </a:r>
+              <a:r>
+                <a:rPr lang="en-ID" sz="1200" dirty="0" smtClean="0">
+                  <a:latin typeface="Times New Roman" panose="02020603050405020304" pitchFamily="18" charset="0"/>
+                  <a:cs typeface="Times New Roman" panose="02020603050405020304" pitchFamily="18" charset="0"/>
+                </a:rPr>
+                <a:t> Data Time Series</a:t>
+              </a:r>
+              <a:endParaRPr lang="id-ID" sz="1200" dirty="0" smtClean="0">
+                <a:latin typeface="Times New Roman" panose="02020603050405020304" pitchFamily="18" charset="0"/>
+                <a:cs typeface="Times New Roman" panose="02020603050405020304" pitchFamily="18" charset="0"/>
+              </a:endParaRPr>
+            </a:p>
+            <a:p>
+              <a:pPr marL="228600" indent="-228600">
+                <a:buAutoNum type="arabicPeriod"/>
+              </a:pPr>
+              <a:r>
+                <a:rPr lang="en-ID" sz="1200" dirty="0" smtClean="0">
+                  <a:latin typeface="Times New Roman" panose="02020603050405020304" pitchFamily="18" charset="0"/>
+                  <a:cs typeface="Times New Roman" panose="02020603050405020304" pitchFamily="18" charset="0"/>
+                </a:rPr>
+                <a:t>Data </a:t>
+              </a:r>
+              <a:r>
+                <a:rPr lang="en-ID" sz="1200" dirty="0" err="1">
+                  <a:latin typeface="Times New Roman" panose="02020603050405020304" pitchFamily="18" charset="0"/>
+                  <a:cs typeface="Times New Roman" panose="02020603050405020304" pitchFamily="18" charset="0"/>
+                </a:rPr>
+                <a:t>K</a:t>
+              </a:r>
+              <a:r>
+                <a:rPr lang="en-ID" sz="1200" dirty="0" err="1" smtClean="0">
+                  <a:latin typeface="Times New Roman" panose="02020603050405020304" pitchFamily="18" charset="0"/>
+                  <a:cs typeface="Times New Roman" panose="02020603050405020304" pitchFamily="18" charset="0"/>
+                </a:rPr>
+                <a:t>urs</a:t>
+              </a:r>
+              <a:r>
+                <a:rPr lang="en-ID" sz="1200" dirty="0" smtClean="0">
+                  <a:latin typeface="Times New Roman" panose="02020603050405020304" pitchFamily="18" charset="0"/>
+                  <a:cs typeface="Times New Roman" panose="02020603050405020304" pitchFamily="18" charset="0"/>
+                </a:rPr>
+                <a:t> Rupiah</a:t>
+              </a:r>
+            </a:p>
+            <a:p>
+              <a:pPr marL="228600" indent="-228600">
+                <a:buAutoNum type="arabicPeriod"/>
+              </a:pPr>
+              <a:r>
+                <a:rPr lang="en-ID" sz="1200" dirty="0" smtClean="0">
+                  <a:latin typeface="Times New Roman" panose="02020603050405020304" pitchFamily="18" charset="0"/>
+                  <a:cs typeface="Times New Roman" panose="02020603050405020304" pitchFamily="18" charset="0"/>
+                </a:rPr>
+                <a:t>Data </a:t>
+              </a:r>
+              <a:r>
+                <a:rPr lang="en-ID" sz="1200" dirty="0" err="1">
+                  <a:latin typeface="Times New Roman" panose="02020603050405020304" pitchFamily="18" charset="0"/>
+                  <a:cs typeface="Times New Roman" panose="02020603050405020304" pitchFamily="18" charset="0"/>
+                </a:rPr>
+                <a:t>K</a:t>
+              </a:r>
+              <a:r>
+                <a:rPr lang="en-ID" sz="1200" dirty="0" err="1" smtClean="0">
+                  <a:latin typeface="Times New Roman" panose="02020603050405020304" pitchFamily="18" charset="0"/>
+                  <a:cs typeface="Times New Roman" panose="02020603050405020304" pitchFamily="18" charset="0"/>
+                </a:rPr>
+                <a:t>limatologi</a:t>
+              </a:r>
+              <a:endParaRPr lang="en-ID" sz="1200" dirty="0" smtClean="0">
+                <a:latin typeface="Times New Roman" panose="02020603050405020304" pitchFamily="18" charset="0"/>
+                <a:cs typeface="Times New Roman" panose="02020603050405020304" pitchFamily="18" charset="0"/>
+              </a:endParaRPr>
+            </a:p>
+            <a:p>
+              <a:pPr marL="228600" indent="-228600">
+                <a:buAutoNum type="arabicPeriod"/>
+              </a:pPr>
+              <a:r>
+                <a:rPr lang="en-ID" sz="1200" dirty="0" smtClean="0">
+                  <a:latin typeface="Times New Roman" panose="02020603050405020304" pitchFamily="18" charset="0"/>
+                  <a:cs typeface="Times New Roman" panose="02020603050405020304" pitchFamily="18" charset="0"/>
+                </a:rPr>
+                <a:t>Data </a:t>
+              </a:r>
+              <a:r>
+                <a:rPr lang="en-ID" sz="1200" dirty="0" err="1" smtClean="0">
+                  <a:latin typeface="Times New Roman" panose="02020603050405020304" pitchFamily="18" charset="0"/>
+                  <a:cs typeface="Times New Roman" panose="02020603050405020304" pitchFamily="18" charset="0"/>
+                </a:rPr>
+                <a:t>Kualitas</a:t>
+              </a:r>
+              <a:r>
+                <a:rPr lang="en-ID" sz="1200" dirty="0" smtClean="0">
+                  <a:latin typeface="Times New Roman" panose="02020603050405020304" pitchFamily="18" charset="0"/>
+                  <a:cs typeface="Times New Roman" panose="02020603050405020304" pitchFamily="18" charset="0"/>
+                </a:rPr>
+                <a:t> </a:t>
+              </a:r>
+              <a:r>
+                <a:rPr lang="en-ID" sz="1200" dirty="0" err="1" smtClean="0">
+                  <a:latin typeface="Times New Roman" panose="02020603050405020304" pitchFamily="18" charset="0"/>
+                  <a:cs typeface="Times New Roman" panose="02020603050405020304" pitchFamily="18" charset="0"/>
+                </a:rPr>
+                <a:t>Udara</a:t>
+              </a:r>
+              <a:endParaRPr lang="en-ID" sz="1200" dirty="0" smtClean="0">
+                <a:latin typeface="Times New Roman" panose="02020603050405020304" pitchFamily="18" charset="0"/>
+                <a:cs typeface="Times New Roman" panose="02020603050405020304" pitchFamily="18" charset="0"/>
+              </a:endParaRPr>
+            </a:p>
+            <a:p>
+              <a:pPr marL="228600" indent="-228600">
+                <a:buAutoNum type="arabicPeriod"/>
+              </a:pPr>
+              <a:r>
+                <a:rPr lang="en-ID" sz="1200" dirty="0" smtClean="0">
+                  <a:latin typeface="Times New Roman" panose="02020603050405020304" pitchFamily="18" charset="0"/>
+                  <a:cs typeface="Times New Roman" panose="02020603050405020304" pitchFamily="18" charset="0"/>
+                </a:rPr>
+                <a:t>Data </a:t>
+              </a:r>
+              <a:r>
+                <a:rPr lang="en-ID" sz="1200" dirty="0" err="1" smtClean="0">
+                  <a:latin typeface="Times New Roman" panose="02020603050405020304" pitchFamily="18" charset="0"/>
+                  <a:cs typeface="Times New Roman" panose="02020603050405020304" pitchFamily="18" charset="0"/>
+                </a:rPr>
+                <a:t>Partikel</a:t>
+              </a:r>
+              <a:r>
+                <a:rPr lang="en-ID" sz="1200" dirty="0" smtClean="0">
+                  <a:latin typeface="Times New Roman" panose="02020603050405020304" pitchFamily="18" charset="0"/>
+                  <a:cs typeface="Times New Roman" panose="02020603050405020304" pitchFamily="18" charset="0"/>
+                </a:rPr>
+                <a:t> </a:t>
+              </a:r>
+              <a:r>
+                <a:rPr lang="en-ID" sz="1200" dirty="0" err="1" smtClean="0">
+                  <a:latin typeface="Times New Roman" panose="02020603050405020304" pitchFamily="18" charset="0"/>
+                  <a:cs typeface="Times New Roman" panose="02020603050405020304" pitchFamily="18" charset="0"/>
+                </a:rPr>
+                <a:t>udara</a:t>
+              </a:r>
+              <a:r>
+                <a:rPr lang="en-ID" sz="1200" dirty="0" smtClean="0">
+                  <a:latin typeface="Times New Roman" panose="02020603050405020304" pitchFamily="18" charset="0"/>
+                  <a:cs typeface="Times New Roman" panose="02020603050405020304" pitchFamily="18" charset="0"/>
+                </a:rPr>
+                <a:t> Kota Beijing</a:t>
+              </a:r>
+            </a:p>
+          </p:txBody>
+        </p:sp>
+      </p:grpSp>
+      <p:cxnSp>
+        <p:nvCxnSpPr>
+          <p:cNvPr id="63" name="Straight Arrow Connector 62"/>
+          <p:cNvCxnSpPr>
+            <a:stCxn id="71" idx="1"/>
+            <a:endCxn id="83" idx="3"/>
+          </p:cNvCxnSpPr>
+          <p:nvPr/>
+        </p:nvCxnSpPr>
+        <p:spPr>
+          <a:xfrm flipH="1" flipV="1">
+            <a:off x="10741444" y="5725454"/>
+            <a:ext cx="240762" cy="2819"/>
+          </a:xfrm>
+          <a:prstGeom prst="straightConnector1">
+            <a:avLst/>
+          </a:prstGeom>
+          <a:ln>
+            <a:tailEnd type="triangle"/>
+          </a:ln>
+        </p:spPr>
+        <p:style>
+          <a:lnRef idx="1">
+            <a:schemeClr val="dk1"/>
+          </a:lnRef>
+          <a:fillRef idx="0">
+            <a:schemeClr val="dk1"/>
+          </a:fillRef>
+          <a:effectRef idx="0">
+            <a:schemeClr val="dk1"/>
+          </a:effectRef>
+          <a:fontRef idx="minor">
+            <a:schemeClr val="tx1"/>
+          </a:fontRef>
+        </p:style>
+      </p:cxnSp>
+      <p:cxnSp>
+        <p:nvCxnSpPr>
+          <p:cNvPr id="75" name="Straight Arrow Connector 74"/>
+          <p:cNvCxnSpPr>
+            <a:stCxn id="82" idx="2"/>
+            <a:endCxn id="84" idx="0"/>
+          </p:cNvCxnSpPr>
+          <p:nvPr/>
+        </p:nvCxnSpPr>
+        <p:spPr>
+          <a:xfrm flipH="1">
+            <a:off x="9478964" y="6009900"/>
+            <a:ext cx="442" cy="226470"/>
+          </a:xfrm>
+          <a:prstGeom prst="straightConnector1">
+            <a:avLst/>
+          </a:prstGeom>
+          <a:ln>
+            <a:tailEnd type="triangle"/>
+          </a:ln>
+        </p:spPr>
+        <p:style>
+          <a:lnRef idx="1">
+            <a:schemeClr val="dk1"/>
+          </a:lnRef>
+          <a:fillRef idx="0">
+            <a:schemeClr val="dk1"/>
+          </a:fillRef>
+          <a:effectRef idx="0">
+            <a:schemeClr val="dk1"/>
+          </a:effectRef>
+          <a:fontRef idx="minor">
+            <a:schemeClr val="tx1"/>
+          </a:fontRef>
+        </p:style>
+      </p:cxnSp>
+      <p:sp>
+        <p:nvSpPr>
+          <p:cNvPr id="54" name="Rectangle 53"/>
+          <p:cNvSpPr/>
+          <p:nvPr/>
+        </p:nvSpPr>
+        <p:spPr>
+          <a:xfrm>
+            <a:off x="2835210" y="3049721"/>
+            <a:ext cx="2081408" cy="557521"/>
+          </a:xfrm>
+          <a:prstGeom prst="rect">
+            <a:avLst/>
+          </a:prstGeom>
+          <a:noFill/>
+          <a:ln>
+            <a:solidFill>
+              <a:schemeClr val="tx1"/>
+            </a:solidFill>
+          </a:ln>
+        </p:spPr>
+        <p:style>
+          <a:lnRef idx="2">
+            <a:schemeClr val="accent1">
+              <a:shade val="50000"/>
+            </a:schemeClr>
+          </a:lnRef>
+          <a:fillRef idx="1">
+            <a:schemeClr val="accent1"/>
+          </a:fillRef>
+          <a:effectRef idx="0">
+            <a:schemeClr val="accent1"/>
+          </a:effectRef>
+          <a:fontRef idx="minor">
+            <a:schemeClr val="lt1"/>
+          </a:fontRef>
+        </p:style>
+        <p:txBody>
+          <a:bodyPr rtlCol="0" anchor="ctr"/>
+          <a:lstStyle/>
+          <a:p>
+            <a:pPr algn="ctr"/>
+            <a:endParaRPr lang="id-ID" sz="1200">
+              <a:latin typeface="Times New Roman" panose="02020603050405020304" pitchFamily="18" charset="0"/>
+              <a:cs typeface="Times New Roman" panose="02020603050405020304" pitchFamily="18" charset="0"/>
+            </a:endParaRPr>
+          </a:p>
+        </p:txBody>
+      </p:sp>
+      <p:sp>
+        <p:nvSpPr>
+          <p:cNvPr id="56" name="TextBox 55"/>
+          <p:cNvSpPr txBox="1"/>
+          <p:nvPr/>
+        </p:nvSpPr>
+        <p:spPr>
+          <a:xfrm>
+            <a:off x="2817502" y="3160928"/>
+            <a:ext cx="2075211" cy="283844"/>
+          </a:xfrm>
+          <a:prstGeom prst="rect">
+            <a:avLst/>
+          </a:prstGeom>
+          <a:noFill/>
+        </p:spPr>
+        <p:txBody>
+          <a:bodyPr wrap="square" rtlCol="0">
+            <a:spAutoFit/>
+          </a:bodyPr>
+          <a:lstStyle/>
+          <a:p>
+            <a:pPr algn="ctr"/>
+            <a:r>
+              <a:rPr lang="en-US" sz="1200" dirty="0" smtClean="0">
+                <a:latin typeface="Times New Roman" panose="02020603050405020304" pitchFamily="18" charset="0"/>
+                <a:cs typeface="Times New Roman" panose="02020603050405020304" pitchFamily="18" charset="0"/>
+              </a:rPr>
+              <a:t>Unspecific Data handling</a:t>
+            </a:r>
+            <a:endParaRPr lang="id-ID" sz="1200" dirty="0">
+              <a:latin typeface="Times New Roman" panose="02020603050405020304" pitchFamily="18" charset="0"/>
+              <a:cs typeface="Times New Roman" panose="02020603050405020304" pitchFamily="18" charset="0"/>
+            </a:endParaRPr>
+          </a:p>
+        </p:txBody>
+      </p:sp>
+      <p:cxnSp>
+        <p:nvCxnSpPr>
+          <p:cNvPr id="76" name="Straight Arrow Connector 75"/>
           <p:cNvCxnSpPr/>
           <p:nvPr/>
         </p:nvCxnSpPr>
         <p:spPr>
-          <a:xfrm flipH="1">
-            <a:off x="5078138" y="9620188"/>
-            <a:ext cx="254838" cy="2330"/>
+          <a:xfrm>
+            <a:off x="3868721" y="2878204"/>
+            <a:ext cx="3728" cy="176459"/>
+          </a:xfrm>
+          <a:prstGeom prst="straightConnector1">
+            <a:avLst/>
+          </a:prstGeom>
+          <a:ln>
+            <a:tailEnd type="triangle"/>
+          </a:ln>
+        </p:spPr>
+        <p:style>
+          <a:lnRef idx="1">
+            <a:schemeClr val="dk1"/>
+          </a:lnRef>
+          <a:fillRef idx="0">
+            <a:schemeClr val="dk1"/>
+          </a:fillRef>
+          <a:effectRef idx="0">
+            <a:schemeClr val="dk1"/>
+          </a:effectRef>
+          <a:fontRef idx="minor">
+            <a:schemeClr val="tx1"/>
+          </a:fontRef>
+        </p:style>
+      </p:cxnSp>
+      <p:cxnSp>
+        <p:nvCxnSpPr>
+          <p:cNvPr id="79" name="Straight Arrow Connector 78"/>
+          <p:cNvCxnSpPr/>
+          <p:nvPr/>
+        </p:nvCxnSpPr>
+        <p:spPr>
+          <a:xfrm flipV="1">
+            <a:off x="7927210" y="3821754"/>
+            <a:ext cx="271108" cy="4198"/>
           </a:xfrm>
           <a:prstGeom prst="straightConnector1">
             <a:avLst/>
@@ -8798,19 +8925,7 @@
               <a:rPr lang="en-ID" sz="1000" dirty="0" smtClean="0">
                 <a:cs typeface="Times New Roman" panose="02020603050405020304" pitchFamily="18" charset="0"/>
               </a:rPr>
-              <a:t>-</a:t>
-            </a:r>
-            <a:r>
-              <a:rPr lang="en-ID" sz="1000" dirty="0" smtClean="0">
-                <a:cs typeface="Times New Roman" panose="02020603050405020304" pitchFamily="18" charset="0"/>
-              </a:rPr>
-              <a:t>User defined </a:t>
-            </a:r>
-            <a:r>
-              <a:rPr lang="en-ID" sz="1000" dirty="0" smtClean="0">
-                <a:cs typeface="Times New Roman" panose="02020603050405020304" pitchFamily="18" charset="0"/>
-              </a:rPr>
-              <a:t>parameter </a:t>
+              <a:t>-User defined parameter </a:t>
             </a:r>
             <a:r>
               <a:rPr lang="en-ID" sz="1000" dirty="0" err="1" smtClean="0">
@@ -8827,13 +8942,7 @@
               <a:rPr lang="en-ID" sz="1000" dirty="0" smtClean="0">
                 <a:cs typeface="Times New Roman" panose="02020603050405020304" pitchFamily="18" charset="0"/>
               </a:rPr>
-              <a:t>-Data </a:t>
-            </a:r>
-            <a:r>
-              <a:rPr lang="en-ID" sz="1000" dirty="0" smtClean="0">
-                <a:cs typeface="Times New Roman" panose="02020603050405020304" pitchFamily="18" charset="0"/>
-              </a:rPr>
-              <a:t>Interval</a:t>
+              <a:t>-Data Interval</a:t>
             </a:r>
             <a:endParaRPr lang="id-ID" sz="1000" dirty="0">
               <a:cs typeface="Times New Roman" panose="02020603050405020304" pitchFamily="18" charset="0"/>
@@ -9203,13 +9312,7 @@
               <a:rPr lang="en-ID" sz="1000" dirty="0" smtClean="0">
                 <a:cs typeface="Times New Roman" panose="02020603050405020304" pitchFamily="18" charset="0"/>
               </a:rPr>
-              <a:t>Statistical </a:t>
-            </a:r>
-            <a:r>
-              <a:rPr lang="en-ID" sz="1000" dirty="0" smtClean="0">
-                <a:cs typeface="Times New Roman" panose="02020603050405020304" pitchFamily="18" charset="0"/>
-              </a:rPr>
-              <a:t>Analysis</a:t>
+              <a:t>Statistical Analysis</a:t>
             </a:r>
             <a:endParaRPr lang="id-ID" sz="1000" dirty="0">
               <a:cs typeface="Times New Roman" panose="02020603050405020304" pitchFamily="18" charset="0"/>

--- a/Resource/Skripsi/Desain Penelitian.pptx
+++ b/Resource/Skripsi/Desain Penelitian.pptx
@@ -247,7 +247,7 @@
           <a:p>
             <a:fld id="{C6FC749A-EAD3-4020-A427-C54C9831C0FF}" type="datetimeFigureOut">
               <a:rPr lang="id-ID" smtClean="0"/>
-              <a:t>08/12/2018</a:t>
+              <a:t>16/12/2018</a:t>
             </a:fld>
             <a:endParaRPr lang="id-ID"/>
           </a:p>
@@ -417,7 +417,7 @@
           <a:p>
             <a:fld id="{C6FC749A-EAD3-4020-A427-C54C9831C0FF}" type="datetimeFigureOut">
               <a:rPr lang="id-ID" smtClean="0"/>
-              <a:t>08/12/2018</a:t>
+              <a:t>16/12/2018</a:t>
             </a:fld>
             <a:endParaRPr lang="id-ID"/>
           </a:p>
@@ -597,7 +597,7 @@
           <a:p>
             <a:fld id="{C6FC749A-EAD3-4020-A427-C54C9831C0FF}" type="datetimeFigureOut">
               <a:rPr lang="id-ID" smtClean="0"/>
-              <a:t>08/12/2018</a:t>
+              <a:t>16/12/2018</a:t>
             </a:fld>
             <a:endParaRPr lang="id-ID"/>
           </a:p>
@@ -767,7 +767,7 @@
           <a:p>
             <a:fld id="{C6FC749A-EAD3-4020-A427-C54C9831C0FF}" type="datetimeFigureOut">
               <a:rPr lang="id-ID" smtClean="0"/>
-              <a:t>08/12/2018</a:t>
+              <a:t>16/12/2018</a:t>
             </a:fld>
             <a:endParaRPr lang="id-ID"/>
           </a:p>
@@ -1013,7 +1013,7 @@
           <a:p>
             <a:fld id="{C6FC749A-EAD3-4020-A427-C54C9831C0FF}" type="datetimeFigureOut">
               <a:rPr lang="id-ID" smtClean="0"/>
-              <a:t>08/12/2018</a:t>
+              <a:t>16/12/2018</a:t>
             </a:fld>
             <a:endParaRPr lang="id-ID"/>
           </a:p>
@@ -1245,7 +1245,7 @@
           <a:p>
             <a:fld id="{C6FC749A-EAD3-4020-A427-C54C9831C0FF}" type="datetimeFigureOut">
               <a:rPr lang="id-ID" smtClean="0"/>
-              <a:t>08/12/2018</a:t>
+              <a:t>16/12/2018</a:t>
             </a:fld>
             <a:endParaRPr lang="id-ID"/>
           </a:p>
@@ -1612,7 +1612,7 @@
           <a:p>
             <a:fld id="{C6FC749A-EAD3-4020-A427-C54C9831C0FF}" type="datetimeFigureOut">
               <a:rPr lang="id-ID" smtClean="0"/>
-              <a:t>08/12/2018</a:t>
+              <a:t>16/12/2018</a:t>
             </a:fld>
             <a:endParaRPr lang="id-ID"/>
           </a:p>
@@ -1730,7 +1730,7 @@
           <a:p>
             <a:fld id="{C6FC749A-EAD3-4020-A427-C54C9831C0FF}" type="datetimeFigureOut">
               <a:rPr lang="id-ID" smtClean="0"/>
-              <a:t>08/12/2018</a:t>
+              <a:t>16/12/2018</a:t>
             </a:fld>
             <a:endParaRPr lang="id-ID"/>
           </a:p>
@@ -1825,7 +1825,7 @@
           <a:p>
             <a:fld id="{C6FC749A-EAD3-4020-A427-C54C9831C0FF}" type="datetimeFigureOut">
               <a:rPr lang="id-ID" smtClean="0"/>
-              <a:t>08/12/2018</a:t>
+              <a:t>16/12/2018</a:t>
             </a:fld>
             <a:endParaRPr lang="id-ID"/>
           </a:p>
@@ -2102,7 +2102,7 @@
           <a:p>
             <a:fld id="{C6FC749A-EAD3-4020-A427-C54C9831C0FF}" type="datetimeFigureOut">
               <a:rPr lang="id-ID" smtClean="0"/>
-              <a:t>08/12/2018</a:t>
+              <a:t>16/12/2018</a:t>
             </a:fld>
             <a:endParaRPr lang="id-ID"/>
           </a:p>
@@ -2355,7 +2355,7 @@
           <a:p>
             <a:fld id="{C6FC749A-EAD3-4020-A427-C54C9831C0FF}" type="datetimeFigureOut">
               <a:rPr lang="id-ID" smtClean="0"/>
-              <a:t>08/12/2018</a:t>
+              <a:t>16/12/2018</a:t>
             </a:fld>
             <a:endParaRPr lang="id-ID"/>
           </a:p>
@@ -2568,7 +2568,7 @@
           <a:p>
             <a:fld id="{C6FC749A-EAD3-4020-A427-C54C9831C0FF}" type="datetimeFigureOut">
               <a:rPr lang="id-ID" smtClean="0"/>
-              <a:t>08/12/2018</a:t>
+              <a:t>16/12/2018</a:t>
             </a:fld>
             <a:endParaRPr lang="id-ID"/>
           </a:p>
@@ -6533,8 +6533,8 @@
           </p:nvSpPr>
           <p:spPr>
             <a:xfrm>
-              <a:off x="37720" y="4588316"/>
-              <a:ext cx="1527982" cy="982222"/>
+              <a:off x="37720" y="4588315"/>
+              <a:ext cx="1941878" cy="1341078"/>
             </a:xfrm>
             <a:prstGeom prst="rect">
               <a:avLst/>
@@ -6557,7 +6557,7 @@
                   <a:latin typeface="Times New Roman" panose="02020603050405020304" pitchFamily="18" charset="0"/>
                   <a:cs typeface="Times New Roman" panose="02020603050405020304" pitchFamily="18" charset="0"/>
                 </a:rPr>
-                <a:t>Implementasi</a:t>
+                <a:t>Pengembangan</a:t>
               </a:r>
               <a:r>
                 <a:rPr lang="en-ID" sz="1200" dirty="0" smtClean="0">
@@ -6578,7 +6578,7 @@
                   <a:latin typeface="Times New Roman" panose="02020603050405020304" pitchFamily="18" charset="0"/>
                   <a:cs typeface="Times New Roman" panose="02020603050405020304" pitchFamily="18" charset="0"/>
                 </a:rPr>
-                <a:t>:</a:t>
+                <a:t> D2T:</a:t>
               </a:r>
               <a:endParaRPr lang="id-ID" sz="1200" dirty="0" smtClean="0">
                 <a:latin typeface="Times New Roman" panose="02020603050405020304" pitchFamily="18" charset="0"/>
